--- a/tikzVortrag.pptx
+++ b/tikzVortrag.pptx
@@ -7,6 +7,10 @@
   <p:sldIdLst>
     <p:sldId id="257" r:id="rId2"/>
     <p:sldId id="258" r:id="rId3"/>
+    <p:sldId id="259" r:id="rId4"/>
+    <p:sldId id="260" r:id="rId5"/>
+    <p:sldId id="261" r:id="rId6"/>
+    <p:sldId id="262" r:id="rId7"/>
   </p:sldIdLst>
   <p:sldSz cx="12192000" cy="6858000"/>
   <p:notesSz cx="6858000" cy="9144000"/>
@@ -105,6 +109,11 @@
       </a:defRPr>
     </a:lvl9pPr>
   </p:defaultTextStyle>
+  <p:extLst>
+    <p:ext uri="{EFAFB233-063F-42B5-8137-9DF3F51BA10A}">
+      <p15:sldGuideLst xmlns:p15="http://schemas.microsoft.com/office/powerpoint/2012/main"/>
+    </p:ext>
+  </p:extLst>
 </p:presentation>
 </file>
 
@@ -3809,6 +3818,342 @@
 </p:sld>
 </file>
 
+<file path=ppt/slides/slide3.xml><?xml version="1.0" encoding="utf-8"?>
+<p:sld xmlns:a="http://schemas.openxmlformats.org/drawingml/2006/main" xmlns:r="http://schemas.openxmlformats.org/officeDocument/2006/relationships" xmlns:p="http://schemas.openxmlformats.org/presentationml/2006/main">
+  <p:cSld>
+    <p:spTree>
+      <p:nvGrpSpPr>
+        <p:cNvPr id="1" name=""/>
+        <p:cNvGrpSpPr/>
+        <p:nvPr/>
+      </p:nvGrpSpPr>
+      <p:grpSpPr>
+        <a:xfrm>
+          <a:off x="0" y="0"/>
+          <a:ext cx="0" cy="0"/>
+          <a:chOff x="0" y="0"/>
+          <a:chExt cx="0" cy="0"/>
+        </a:xfrm>
+      </p:grpSpPr>
+      <p:pic>
+        <p:nvPicPr>
+          <p:cNvPr id="5" name="Picture 4">
+            <a:extLst>
+              <a:ext uri="{FF2B5EF4-FFF2-40B4-BE49-F238E27FC236}">
+                <a16:creationId xmlns:a16="http://schemas.microsoft.com/office/drawing/2014/main" id="{36CB6E3A-B59E-B349-4AE8-D5446D54866C}"/>
+              </a:ext>
+            </a:extLst>
+          </p:cNvPr>
+          <p:cNvPicPr>
+            <a:picLocks noChangeAspect="1"/>
+          </p:cNvPicPr>
+          <p:nvPr/>
+        </p:nvPicPr>
+        <p:blipFill>
+          <a:blip r:embed="rId2"/>
+          <a:stretch>
+            <a:fillRect/>
+          </a:stretch>
+        </p:blipFill>
+        <p:spPr>
+          <a:xfrm>
+            <a:off x="809212" y="1801657"/>
+            <a:ext cx="5551004" cy="2097244"/>
+          </a:xfrm>
+          <a:prstGeom prst="rect">
+            <a:avLst/>
+          </a:prstGeom>
+        </p:spPr>
+      </p:pic>
+      <p:pic>
+        <p:nvPicPr>
+          <p:cNvPr id="7" name="Picture 6">
+            <a:extLst>
+              <a:ext uri="{FF2B5EF4-FFF2-40B4-BE49-F238E27FC236}">
+                <a16:creationId xmlns:a16="http://schemas.microsoft.com/office/drawing/2014/main" id="{FC115C2B-3221-2B32-5A15-49FC7D456C80}"/>
+              </a:ext>
+            </a:extLst>
+          </p:cNvPr>
+          <p:cNvPicPr>
+            <a:picLocks noChangeAspect="1"/>
+          </p:cNvPicPr>
+          <p:nvPr/>
+        </p:nvPicPr>
+        <p:blipFill>
+          <a:blip r:embed="rId3"/>
+          <a:stretch>
+            <a:fillRect/>
+          </a:stretch>
+        </p:blipFill>
+        <p:spPr>
+          <a:xfrm>
+            <a:off x="7669434" y="1327150"/>
+            <a:ext cx="3610479" cy="3286584"/>
+          </a:xfrm>
+          <a:prstGeom prst="rect">
+            <a:avLst/>
+          </a:prstGeom>
+        </p:spPr>
+      </p:pic>
+    </p:spTree>
+    <p:extLst>
+      <p:ext uri="{BB962C8B-B14F-4D97-AF65-F5344CB8AC3E}">
+        <p14:creationId xmlns:p14="http://schemas.microsoft.com/office/powerpoint/2010/main" val="1367314956"/>
+      </p:ext>
+    </p:extLst>
+  </p:cSld>
+  <p:clrMapOvr>
+    <a:masterClrMapping/>
+  </p:clrMapOvr>
+</p:sld>
+</file>
+
+<file path=ppt/slides/slide4.xml><?xml version="1.0" encoding="utf-8"?>
+<p:sld xmlns:a="http://schemas.openxmlformats.org/drawingml/2006/main" xmlns:r="http://schemas.openxmlformats.org/officeDocument/2006/relationships" xmlns:p="http://schemas.openxmlformats.org/presentationml/2006/main">
+  <p:cSld>
+    <p:spTree>
+      <p:nvGrpSpPr>
+        <p:cNvPr id="1" name="">
+          <a:extLst>
+            <a:ext uri="{FF2B5EF4-FFF2-40B4-BE49-F238E27FC236}">
+              <a16:creationId xmlns:a16="http://schemas.microsoft.com/office/drawing/2014/main" id="{53C2E062-CFE9-0EF3-3DF0-5030E8C8FB66}"/>
+            </a:ext>
+          </a:extLst>
+        </p:cNvPr>
+        <p:cNvGrpSpPr/>
+        <p:nvPr/>
+      </p:nvGrpSpPr>
+      <p:grpSpPr>
+        <a:xfrm>
+          <a:off x="0" y="0"/>
+          <a:ext cx="0" cy="0"/>
+          <a:chOff x="0" y="0"/>
+          <a:chExt cx="0" cy="0"/>
+        </a:xfrm>
+      </p:grpSpPr>
+      <p:pic>
+        <p:nvPicPr>
+          <p:cNvPr id="7" name="Picture 6">
+            <a:extLst>
+              <a:ext uri="{FF2B5EF4-FFF2-40B4-BE49-F238E27FC236}">
+                <a16:creationId xmlns:a16="http://schemas.microsoft.com/office/drawing/2014/main" id="{4527800D-3752-5C99-96C8-9A69B2DD765E}"/>
+              </a:ext>
+            </a:extLst>
+          </p:cNvPr>
+          <p:cNvPicPr>
+            <a:picLocks noChangeAspect="1"/>
+          </p:cNvPicPr>
+          <p:nvPr/>
+        </p:nvPicPr>
+        <p:blipFill>
+          <a:blip r:embed="rId2"/>
+          <a:stretch>
+            <a:fillRect/>
+          </a:stretch>
+        </p:blipFill>
+        <p:spPr>
+          <a:xfrm>
+            <a:off x="7332884" y="1130300"/>
+            <a:ext cx="3610479" cy="3286584"/>
+          </a:xfrm>
+          <a:prstGeom prst="rect">
+            <a:avLst/>
+          </a:prstGeom>
+        </p:spPr>
+      </p:pic>
+      <p:pic>
+        <p:nvPicPr>
+          <p:cNvPr id="3" name="Picture 2">
+            <a:extLst>
+              <a:ext uri="{FF2B5EF4-FFF2-40B4-BE49-F238E27FC236}">
+                <a16:creationId xmlns:a16="http://schemas.microsoft.com/office/drawing/2014/main" id="{0429F25C-C522-4A8A-E670-A19118524FB5}"/>
+              </a:ext>
+            </a:extLst>
+          </p:cNvPr>
+          <p:cNvPicPr>
+            <a:picLocks noChangeAspect="1"/>
+          </p:cNvPicPr>
+          <p:nvPr/>
+        </p:nvPicPr>
+        <p:blipFill>
+          <a:blip r:embed="rId3"/>
+          <a:stretch>
+            <a:fillRect/>
+          </a:stretch>
+        </p:blipFill>
+        <p:spPr>
+          <a:xfrm>
+            <a:off x="551915" y="3641551"/>
+            <a:ext cx="5449060" cy="885949"/>
+          </a:xfrm>
+          <a:prstGeom prst="rect">
+            <a:avLst/>
+          </a:prstGeom>
+        </p:spPr>
+      </p:pic>
+      <p:pic>
+        <p:nvPicPr>
+          <p:cNvPr id="6" name="Picture 5">
+            <a:extLst>
+              <a:ext uri="{FF2B5EF4-FFF2-40B4-BE49-F238E27FC236}">
+                <a16:creationId xmlns:a16="http://schemas.microsoft.com/office/drawing/2014/main" id="{51E11E4F-C623-EEB4-BDDF-E7370DAF8735}"/>
+              </a:ext>
+            </a:extLst>
+          </p:cNvPr>
+          <p:cNvPicPr>
+            <a:picLocks noChangeAspect="1"/>
+          </p:cNvPicPr>
+          <p:nvPr/>
+        </p:nvPicPr>
+        <p:blipFill>
+          <a:blip r:embed="rId4"/>
+          <a:stretch>
+            <a:fillRect/>
+          </a:stretch>
+        </p:blipFill>
+        <p:spPr>
+          <a:xfrm>
+            <a:off x="1039584" y="1258775"/>
+            <a:ext cx="3267531" cy="1609950"/>
+          </a:xfrm>
+          <a:prstGeom prst="rect">
+            <a:avLst/>
+          </a:prstGeom>
+        </p:spPr>
+      </p:pic>
+    </p:spTree>
+    <p:extLst>
+      <p:ext uri="{BB962C8B-B14F-4D97-AF65-F5344CB8AC3E}">
+        <p14:creationId xmlns:p14="http://schemas.microsoft.com/office/powerpoint/2010/main" val="645303638"/>
+      </p:ext>
+    </p:extLst>
+  </p:cSld>
+  <p:clrMapOvr>
+    <a:masterClrMapping/>
+  </p:clrMapOvr>
+</p:sld>
+</file>
+
+<file path=ppt/slides/slide5.xml><?xml version="1.0" encoding="utf-8"?>
+<p:sld xmlns:a="http://schemas.openxmlformats.org/drawingml/2006/main" xmlns:r="http://schemas.openxmlformats.org/officeDocument/2006/relationships" xmlns:p="http://schemas.openxmlformats.org/presentationml/2006/main">
+  <p:cSld>
+    <p:spTree>
+      <p:nvGrpSpPr>
+        <p:cNvPr id="1" name=""/>
+        <p:cNvGrpSpPr/>
+        <p:nvPr/>
+      </p:nvGrpSpPr>
+      <p:grpSpPr>
+        <a:xfrm>
+          <a:off x="0" y="0"/>
+          <a:ext cx="0" cy="0"/>
+          <a:chOff x="0" y="0"/>
+          <a:chExt cx="0" cy="0"/>
+        </a:xfrm>
+      </p:grpSpPr>
+      <p:pic>
+        <p:nvPicPr>
+          <p:cNvPr id="3" name="Picture 2">
+            <a:extLst>
+              <a:ext uri="{FF2B5EF4-FFF2-40B4-BE49-F238E27FC236}">
+                <a16:creationId xmlns:a16="http://schemas.microsoft.com/office/drawing/2014/main" id="{4B72BAAF-A691-7F4B-8FDE-8533DFFE53E7}"/>
+              </a:ext>
+            </a:extLst>
+          </p:cNvPr>
+          <p:cNvPicPr>
+            <a:picLocks noChangeAspect="1"/>
+          </p:cNvPicPr>
+          <p:nvPr/>
+        </p:nvPicPr>
+        <p:blipFill>
+          <a:blip r:embed="rId2"/>
+          <a:stretch>
+            <a:fillRect/>
+          </a:stretch>
+        </p:blipFill>
+        <p:spPr>
+          <a:xfrm>
+            <a:off x="1852001" y="1717450"/>
+            <a:ext cx="8754697" cy="3219899"/>
+          </a:xfrm>
+          <a:prstGeom prst="rect">
+            <a:avLst/>
+          </a:prstGeom>
+        </p:spPr>
+      </p:pic>
+    </p:spTree>
+    <p:extLst>
+      <p:ext uri="{BB962C8B-B14F-4D97-AF65-F5344CB8AC3E}">
+        <p14:creationId xmlns:p14="http://schemas.microsoft.com/office/powerpoint/2010/main" val="1615071783"/>
+      </p:ext>
+    </p:extLst>
+  </p:cSld>
+  <p:clrMapOvr>
+    <a:masterClrMapping/>
+  </p:clrMapOvr>
+</p:sld>
+</file>
+
+<file path=ppt/slides/slide6.xml><?xml version="1.0" encoding="utf-8"?>
+<p:sld xmlns:a="http://schemas.openxmlformats.org/drawingml/2006/main" xmlns:r="http://schemas.openxmlformats.org/officeDocument/2006/relationships" xmlns:p="http://schemas.openxmlformats.org/presentationml/2006/main">
+  <p:cSld>
+    <p:spTree>
+      <p:nvGrpSpPr>
+        <p:cNvPr id="1" name=""/>
+        <p:cNvGrpSpPr/>
+        <p:nvPr/>
+      </p:nvGrpSpPr>
+      <p:grpSpPr>
+        <a:xfrm>
+          <a:off x="0" y="0"/>
+          <a:ext cx="0" cy="0"/>
+          <a:chOff x="0" y="0"/>
+          <a:chExt cx="0" cy="0"/>
+        </a:xfrm>
+      </p:grpSpPr>
+      <p:pic>
+        <p:nvPicPr>
+          <p:cNvPr id="3" name="Picture 2">
+            <a:extLst>
+              <a:ext uri="{FF2B5EF4-FFF2-40B4-BE49-F238E27FC236}">
+                <a16:creationId xmlns:a16="http://schemas.microsoft.com/office/drawing/2014/main" id="{A1F7C578-3A93-3038-271F-65BD3D7020BB}"/>
+              </a:ext>
+            </a:extLst>
+          </p:cNvPr>
+          <p:cNvPicPr>
+            <a:picLocks noChangeAspect="1"/>
+          </p:cNvPicPr>
+          <p:nvPr/>
+        </p:nvPicPr>
+        <p:blipFill>
+          <a:blip r:embed="rId2"/>
+          <a:stretch>
+            <a:fillRect/>
+          </a:stretch>
+        </p:blipFill>
+        <p:spPr>
+          <a:xfrm>
+            <a:off x="1775809" y="318653"/>
+            <a:ext cx="8640381" cy="6220693"/>
+          </a:xfrm>
+          <a:prstGeom prst="rect">
+            <a:avLst/>
+          </a:prstGeom>
+        </p:spPr>
+      </p:pic>
+    </p:spTree>
+    <p:extLst>
+      <p:ext uri="{BB962C8B-B14F-4D97-AF65-F5344CB8AC3E}">
+        <p14:creationId xmlns:p14="http://schemas.microsoft.com/office/powerpoint/2010/main" val="3290446067"/>
+      </p:ext>
+    </p:extLst>
+  </p:cSld>
+  <p:clrMapOvr>
+    <a:masterClrMapping/>
+  </p:clrMapOvr>
+</p:sld>
+</file>
+
 <file path=ppt/theme/theme1.xml><?xml version="1.0" encoding="utf-8"?>
 <a:theme xmlns:a="http://schemas.openxmlformats.org/drawingml/2006/main" name="Office Theme">
   <a:themeElements>

--- a/tikzVortrag.pptx
+++ b/tikzVortrag.pptx
@@ -10,7 +10,8 @@
     <p:sldId id="259" r:id="rId4"/>
     <p:sldId id="260" r:id="rId5"/>
     <p:sldId id="261" r:id="rId6"/>
-    <p:sldId id="262" r:id="rId7"/>
+    <p:sldId id="263" r:id="rId7"/>
+    <p:sldId id="262" r:id="rId8"/>
   </p:sldIdLst>
   <p:sldSz cx="12192000" cy="6858000"/>
   <p:notesSz cx="6858000" cy="9144000"/>
@@ -264,7 +265,7 @@
           <a:p>
             <a:fld id="{2A05E3ED-811A-443E-80DC-BCE310A8BC67}" type="datetimeFigureOut">
               <a:rPr lang="en-US" smtClean="0"/>
-              <a:t>4/13/2025</a:t>
+              <a:t>4/20/2025</a:t>
             </a:fld>
             <a:endParaRPr lang="en-US"/>
           </a:p>
@@ -462,7 +463,7 @@
           <a:p>
             <a:fld id="{2A05E3ED-811A-443E-80DC-BCE310A8BC67}" type="datetimeFigureOut">
               <a:rPr lang="en-US" smtClean="0"/>
-              <a:t>4/13/2025</a:t>
+              <a:t>4/20/2025</a:t>
             </a:fld>
             <a:endParaRPr lang="en-US"/>
           </a:p>
@@ -670,7 +671,7 @@
           <a:p>
             <a:fld id="{2A05E3ED-811A-443E-80DC-BCE310A8BC67}" type="datetimeFigureOut">
               <a:rPr lang="en-US" smtClean="0"/>
-              <a:t>4/13/2025</a:t>
+              <a:t>4/20/2025</a:t>
             </a:fld>
             <a:endParaRPr lang="en-US"/>
           </a:p>
@@ -868,7 +869,7 @@
           <a:p>
             <a:fld id="{2A05E3ED-811A-443E-80DC-BCE310A8BC67}" type="datetimeFigureOut">
               <a:rPr lang="en-US" smtClean="0"/>
-              <a:t>4/13/2025</a:t>
+              <a:t>4/20/2025</a:t>
             </a:fld>
             <a:endParaRPr lang="en-US"/>
           </a:p>
@@ -1143,7 +1144,7 @@
           <a:p>
             <a:fld id="{2A05E3ED-811A-443E-80DC-BCE310A8BC67}" type="datetimeFigureOut">
               <a:rPr lang="en-US" smtClean="0"/>
-              <a:t>4/13/2025</a:t>
+              <a:t>4/20/2025</a:t>
             </a:fld>
             <a:endParaRPr lang="en-US"/>
           </a:p>
@@ -1408,7 +1409,7 @@
           <a:p>
             <a:fld id="{2A05E3ED-811A-443E-80DC-BCE310A8BC67}" type="datetimeFigureOut">
               <a:rPr lang="en-US" smtClean="0"/>
-              <a:t>4/13/2025</a:t>
+              <a:t>4/20/2025</a:t>
             </a:fld>
             <a:endParaRPr lang="en-US"/>
           </a:p>
@@ -1820,7 +1821,7 @@
           <a:p>
             <a:fld id="{2A05E3ED-811A-443E-80DC-BCE310A8BC67}" type="datetimeFigureOut">
               <a:rPr lang="en-US" smtClean="0"/>
-              <a:t>4/13/2025</a:t>
+              <a:t>4/20/2025</a:t>
             </a:fld>
             <a:endParaRPr lang="en-US"/>
           </a:p>
@@ -1961,7 +1962,7 @@
           <a:p>
             <a:fld id="{2A05E3ED-811A-443E-80DC-BCE310A8BC67}" type="datetimeFigureOut">
               <a:rPr lang="en-US" smtClean="0"/>
-              <a:t>4/13/2025</a:t>
+              <a:t>4/20/2025</a:t>
             </a:fld>
             <a:endParaRPr lang="en-US"/>
           </a:p>
@@ -2074,7 +2075,7 @@
           <a:p>
             <a:fld id="{2A05E3ED-811A-443E-80DC-BCE310A8BC67}" type="datetimeFigureOut">
               <a:rPr lang="en-US" smtClean="0"/>
-              <a:t>4/13/2025</a:t>
+              <a:t>4/20/2025</a:t>
             </a:fld>
             <a:endParaRPr lang="en-US"/>
           </a:p>
@@ -2385,7 +2386,7 @@
           <a:p>
             <a:fld id="{2A05E3ED-811A-443E-80DC-BCE310A8BC67}" type="datetimeFigureOut">
               <a:rPr lang="en-US" smtClean="0"/>
-              <a:t>4/13/2025</a:t>
+              <a:t>4/20/2025</a:t>
             </a:fld>
             <a:endParaRPr lang="en-US"/>
           </a:p>
@@ -2673,7 +2674,7 @@
           <a:p>
             <a:fld id="{2A05E3ED-811A-443E-80DC-BCE310A8BC67}" type="datetimeFigureOut">
               <a:rPr lang="en-US" smtClean="0"/>
-              <a:t>4/13/2025</a:t>
+              <a:t>4/20/2025</a:t>
             </a:fld>
             <a:endParaRPr lang="en-US"/>
           </a:p>
@@ -2914,7 +2915,7 @@
           <a:p>
             <a:fld id="{2A05E3ED-811A-443E-80DC-BCE310A8BC67}" type="datetimeFigureOut">
               <a:rPr lang="en-US" smtClean="0"/>
-              <a:t>4/13/2025</a:t>
+              <a:t>4/20/2025</a:t>
             </a:fld>
             <a:endParaRPr lang="en-US"/>
           </a:p>
@@ -4053,10 +4054,10 @@
       </p:grpSpPr>
       <p:pic>
         <p:nvPicPr>
-          <p:cNvPr id="3" name="Picture 2">
-            <a:extLst>
-              <a:ext uri="{FF2B5EF4-FFF2-40B4-BE49-F238E27FC236}">
-                <a16:creationId xmlns:a16="http://schemas.microsoft.com/office/drawing/2014/main" id="{4B72BAAF-A691-7F4B-8FDE-8533DFFE53E7}"/>
+          <p:cNvPr id="4" name="Picture 3">
+            <a:extLst>
+              <a:ext uri="{FF2B5EF4-FFF2-40B4-BE49-F238E27FC236}">
+                <a16:creationId xmlns:a16="http://schemas.microsoft.com/office/drawing/2014/main" id="{DA22F322-619E-AB5A-48DC-C2F3575F12F8}"/>
               </a:ext>
             </a:extLst>
           </p:cNvPr>
@@ -4073,8 +4074,38 @@
         </p:blipFill>
         <p:spPr>
           <a:xfrm>
-            <a:off x="1852001" y="1717450"/>
-            <a:ext cx="8754697" cy="3219899"/>
+            <a:off x="1107808" y="1391995"/>
+            <a:ext cx="3829584" cy="3477110"/>
+          </a:xfrm>
+          <a:prstGeom prst="rect">
+            <a:avLst/>
+          </a:prstGeom>
+        </p:spPr>
+      </p:pic>
+      <p:pic>
+        <p:nvPicPr>
+          <p:cNvPr id="6" name="Picture 5">
+            <a:extLst>
+              <a:ext uri="{FF2B5EF4-FFF2-40B4-BE49-F238E27FC236}">
+                <a16:creationId xmlns:a16="http://schemas.microsoft.com/office/drawing/2014/main" id="{5DCB603D-737F-5C49-F099-E45CBE428688}"/>
+              </a:ext>
+            </a:extLst>
+          </p:cNvPr>
+          <p:cNvPicPr>
+            <a:picLocks noChangeAspect="1"/>
+          </p:cNvPicPr>
+          <p:nvPr/>
+        </p:nvPicPr>
+        <p:blipFill>
+          <a:blip r:embed="rId3"/>
+          <a:stretch>
+            <a:fillRect/>
+          </a:stretch>
+        </p:blipFill>
+        <p:spPr>
+          <a:xfrm>
+            <a:off x="7241538" y="1391995"/>
+            <a:ext cx="3715268" cy="3477110"/>
           </a:xfrm>
           <a:prstGeom prst="rect">
             <a:avLst/>
@@ -4095,6 +4126,72 @@
 </file>
 
 <file path=ppt/slides/slide6.xml><?xml version="1.0" encoding="utf-8"?>
+<p:sld xmlns:a="http://schemas.openxmlformats.org/drawingml/2006/main" xmlns:r="http://schemas.openxmlformats.org/officeDocument/2006/relationships" xmlns:p="http://schemas.openxmlformats.org/presentationml/2006/main">
+  <p:cSld>
+    <p:spTree>
+      <p:nvGrpSpPr>
+        <p:cNvPr id="1" name="">
+          <a:extLst>
+            <a:ext uri="{FF2B5EF4-FFF2-40B4-BE49-F238E27FC236}">
+              <a16:creationId xmlns:a16="http://schemas.microsoft.com/office/drawing/2014/main" id="{24F28F66-9797-3996-C296-A7A8A2225278}"/>
+            </a:ext>
+          </a:extLst>
+        </p:cNvPr>
+        <p:cNvGrpSpPr/>
+        <p:nvPr/>
+      </p:nvGrpSpPr>
+      <p:grpSpPr>
+        <a:xfrm>
+          <a:off x="0" y="0"/>
+          <a:ext cx="0" cy="0"/>
+          <a:chOff x="0" y="0"/>
+          <a:chExt cx="0" cy="0"/>
+        </a:xfrm>
+      </p:grpSpPr>
+      <p:pic>
+        <p:nvPicPr>
+          <p:cNvPr id="4" name="Picture 3">
+            <a:extLst>
+              <a:ext uri="{FF2B5EF4-FFF2-40B4-BE49-F238E27FC236}">
+                <a16:creationId xmlns:a16="http://schemas.microsoft.com/office/drawing/2014/main" id="{90B96221-F8F5-812B-0F27-B84A12C8967E}"/>
+              </a:ext>
+            </a:extLst>
+          </p:cNvPr>
+          <p:cNvPicPr>
+            <a:picLocks noChangeAspect="1"/>
+          </p:cNvPicPr>
+          <p:nvPr/>
+        </p:nvPicPr>
+        <p:blipFill>
+          <a:blip r:embed="rId2"/>
+          <a:stretch>
+            <a:fillRect/>
+          </a:stretch>
+        </p:blipFill>
+        <p:spPr>
+          <a:xfrm>
+            <a:off x="208728" y="1682927"/>
+            <a:ext cx="11774543" cy="3229426"/>
+          </a:xfrm>
+          <a:prstGeom prst="rect">
+            <a:avLst/>
+          </a:prstGeom>
+        </p:spPr>
+      </p:pic>
+    </p:spTree>
+    <p:extLst>
+      <p:ext uri="{BB962C8B-B14F-4D97-AF65-F5344CB8AC3E}">
+        <p14:creationId xmlns:p14="http://schemas.microsoft.com/office/powerpoint/2010/main" val="1560963625"/>
+      </p:ext>
+    </p:extLst>
+  </p:cSld>
+  <p:clrMapOvr>
+    <a:masterClrMapping/>
+  </p:clrMapOvr>
+</p:sld>
+</file>
+
+<file path=ppt/slides/slide7.xml><?xml version="1.0" encoding="utf-8"?>
 <p:sld xmlns:a="http://schemas.openxmlformats.org/drawingml/2006/main" xmlns:r="http://schemas.openxmlformats.org/officeDocument/2006/relationships" xmlns:p="http://schemas.openxmlformats.org/presentationml/2006/main">
   <p:cSld>
     <p:spTree>

--- a/tikzVortrag.pptx
+++ b/tikzVortrag.pptx
@@ -12,6 +12,9 @@
     <p:sldId id="261" r:id="rId6"/>
     <p:sldId id="263" r:id="rId7"/>
     <p:sldId id="262" r:id="rId8"/>
+    <p:sldId id="264" r:id="rId9"/>
+    <p:sldId id="265" r:id="rId10"/>
+    <p:sldId id="266" r:id="rId11"/>
   </p:sldIdLst>
   <p:sldSz cx="12192000" cy="6858000"/>
   <p:notesSz cx="6858000" cy="9144000"/>
@@ -265,7 +268,7 @@
           <a:p>
             <a:fld id="{2A05E3ED-811A-443E-80DC-BCE310A8BC67}" type="datetimeFigureOut">
               <a:rPr lang="en-US" smtClean="0"/>
-              <a:t>4/20/2025</a:t>
+              <a:t>4/21/2025</a:t>
             </a:fld>
             <a:endParaRPr lang="en-US"/>
           </a:p>
@@ -319,7 +322,7 @@
           <a:p>
             <a:fld id="{351BFC78-12F1-4E22-9BB9-E32895C8D786}" type="slidenum">
               <a:rPr lang="en-US" smtClean="0"/>
-              <a:t>‹#›</a:t>
+              <a:t>‹Nr.›</a:t>
             </a:fld>
             <a:endParaRPr lang="en-US"/>
           </a:p>
@@ -463,7 +466,7 @@
           <a:p>
             <a:fld id="{2A05E3ED-811A-443E-80DC-BCE310A8BC67}" type="datetimeFigureOut">
               <a:rPr lang="en-US" smtClean="0"/>
-              <a:t>4/20/2025</a:t>
+              <a:t>4/21/2025</a:t>
             </a:fld>
             <a:endParaRPr lang="en-US"/>
           </a:p>
@@ -517,7 +520,7 @@
           <a:p>
             <a:fld id="{351BFC78-12F1-4E22-9BB9-E32895C8D786}" type="slidenum">
               <a:rPr lang="en-US" smtClean="0"/>
-              <a:t>‹#›</a:t>
+              <a:t>‹Nr.›</a:t>
             </a:fld>
             <a:endParaRPr lang="en-US"/>
           </a:p>
@@ -671,7 +674,7 @@
           <a:p>
             <a:fld id="{2A05E3ED-811A-443E-80DC-BCE310A8BC67}" type="datetimeFigureOut">
               <a:rPr lang="en-US" smtClean="0"/>
-              <a:t>4/20/2025</a:t>
+              <a:t>4/21/2025</a:t>
             </a:fld>
             <a:endParaRPr lang="en-US"/>
           </a:p>
@@ -725,7 +728,7 @@
           <a:p>
             <a:fld id="{351BFC78-12F1-4E22-9BB9-E32895C8D786}" type="slidenum">
               <a:rPr lang="en-US" smtClean="0"/>
-              <a:t>‹#›</a:t>
+              <a:t>‹Nr.›</a:t>
             </a:fld>
             <a:endParaRPr lang="en-US"/>
           </a:p>
@@ -869,7 +872,7 @@
           <a:p>
             <a:fld id="{2A05E3ED-811A-443E-80DC-BCE310A8BC67}" type="datetimeFigureOut">
               <a:rPr lang="en-US" smtClean="0"/>
-              <a:t>4/20/2025</a:t>
+              <a:t>4/21/2025</a:t>
             </a:fld>
             <a:endParaRPr lang="en-US"/>
           </a:p>
@@ -923,7 +926,7 @@
           <a:p>
             <a:fld id="{351BFC78-12F1-4E22-9BB9-E32895C8D786}" type="slidenum">
               <a:rPr lang="en-US" smtClean="0"/>
-              <a:t>‹#›</a:t>
+              <a:t>‹Nr.›</a:t>
             </a:fld>
             <a:endParaRPr lang="en-US"/>
           </a:p>
@@ -1144,7 +1147,7 @@
           <a:p>
             <a:fld id="{2A05E3ED-811A-443E-80DC-BCE310A8BC67}" type="datetimeFigureOut">
               <a:rPr lang="en-US" smtClean="0"/>
-              <a:t>4/20/2025</a:t>
+              <a:t>4/21/2025</a:t>
             </a:fld>
             <a:endParaRPr lang="en-US"/>
           </a:p>
@@ -1198,7 +1201,7 @@
           <a:p>
             <a:fld id="{351BFC78-12F1-4E22-9BB9-E32895C8D786}" type="slidenum">
               <a:rPr lang="en-US" smtClean="0"/>
-              <a:t>‹#›</a:t>
+              <a:t>‹Nr.›</a:t>
             </a:fld>
             <a:endParaRPr lang="en-US"/>
           </a:p>
@@ -1409,7 +1412,7 @@
           <a:p>
             <a:fld id="{2A05E3ED-811A-443E-80DC-BCE310A8BC67}" type="datetimeFigureOut">
               <a:rPr lang="en-US" smtClean="0"/>
-              <a:t>4/20/2025</a:t>
+              <a:t>4/21/2025</a:t>
             </a:fld>
             <a:endParaRPr lang="en-US"/>
           </a:p>
@@ -1463,7 +1466,7 @@
           <a:p>
             <a:fld id="{351BFC78-12F1-4E22-9BB9-E32895C8D786}" type="slidenum">
               <a:rPr lang="en-US" smtClean="0"/>
-              <a:t>‹#›</a:t>
+              <a:t>‹Nr.›</a:t>
             </a:fld>
             <a:endParaRPr lang="en-US"/>
           </a:p>
@@ -1821,7 +1824,7 @@
           <a:p>
             <a:fld id="{2A05E3ED-811A-443E-80DC-BCE310A8BC67}" type="datetimeFigureOut">
               <a:rPr lang="en-US" smtClean="0"/>
-              <a:t>4/20/2025</a:t>
+              <a:t>4/21/2025</a:t>
             </a:fld>
             <a:endParaRPr lang="en-US"/>
           </a:p>
@@ -1875,7 +1878,7 @@
           <a:p>
             <a:fld id="{351BFC78-12F1-4E22-9BB9-E32895C8D786}" type="slidenum">
               <a:rPr lang="en-US" smtClean="0"/>
-              <a:t>‹#›</a:t>
+              <a:t>‹Nr.›</a:t>
             </a:fld>
             <a:endParaRPr lang="en-US"/>
           </a:p>
@@ -1962,7 +1965,7 @@
           <a:p>
             <a:fld id="{2A05E3ED-811A-443E-80DC-BCE310A8BC67}" type="datetimeFigureOut">
               <a:rPr lang="en-US" smtClean="0"/>
-              <a:t>4/20/2025</a:t>
+              <a:t>4/21/2025</a:t>
             </a:fld>
             <a:endParaRPr lang="en-US"/>
           </a:p>
@@ -2016,7 +2019,7 @@
           <a:p>
             <a:fld id="{351BFC78-12F1-4E22-9BB9-E32895C8D786}" type="slidenum">
               <a:rPr lang="en-US" smtClean="0"/>
-              <a:t>‹#›</a:t>
+              <a:t>‹Nr.›</a:t>
             </a:fld>
             <a:endParaRPr lang="en-US"/>
           </a:p>
@@ -2075,7 +2078,7 @@
           <a:p>
             <a:fld id="{2A05E3ED-811A-443E-80DC-BCE310A8BC67}" type="datetimeFigureOut">
               <a:rPr lang="en-US" smtClean="0"/>
-              <a:t>4/20/2025</a:t>
+              <a:t>4/21/2025</a:t>
             </a:fld>
             <a:endParaRPr lang="en-US"/>
           </a:p>
@@ -2129,7 +2132,7 @@
           <a:p>
             <a:fld id="{351BFC78-12F1-4E22-9BB9-E32895C8D786}" type="slidenum">
               <a:rPr lang="en-US" smtClean="0"/>
-              <a:t>‹#›</a:t>
+              <a:t>‹Nr.›</a:t>
             </a:fld>
             <a:endParaRPr lang="en-US"/>
           </a:p>
@@ -2386,7 +2389,7 @@
           <a:p>
             <a:fld id="{2A05E3ED-811A-443E-80DC-BCE310A8BC67}" type="datetimeFigureOut">
               <a:rPr lang="en-US" smtClean="0"/>
-              <a:t>4/20/2025</a:t>
+              <a:t>4/21/2025</a:t>
             </a:fld>
             <a:endParaRPr lang="en-US"/>
           </a:p>
@@ -2440,7 +2443,7 @@
           <a:p>
             <a:fld id="{351BFC78-12F1-4E22-9BB9-E32895C8D786}" type="slidenum">
               <a:rPr lang="en-US" smtClean="0"/>
-              <a:t>‹#›</a:t>
+              <a:t>‹Nr.›</a:t>
             </a:fld>
             <a:endParaRPr lang="en-US"/>
           </a:p>
@@ -2674,7 +2677,7 @@
           <a:p>
             <a:fld id="{2A05E3ED-811A-443E-80DC-BCE310A8BC67}" type="datetimeFigureOut">
               <a:rPr lang="en-US" smtClean="0"/>
-              <a:t>4/20/2025</a:t>
+              <a:t>4/21/2025</a:t>
             </a:fld>
             <a:endParaRPr lang="en-US"/>
           </a:p>
@@ -2728,7 +2731,7 @@
           <a:p>
             <a:fld id="{351BFC78-12F1-4E22-9BB9-E32895C8D786}" type="slidenum">
               <a:rPr lang="en-US" smtClean="0"/>
-              <a:t>‹#›</a:t>
+              <a:t>‹Nr.›</a:t>
             </a:fld>
             <a:endParaRPr lang="en-US"/>
           </a:p>
@@ -2915,7 +2918,7 @@
           <a:p>
             <a:fld id="{2A05E3ED-811A-443E-80DC-BCE310A8BC67}" type="datetimeFigureOut">
               <a:rPr lang="en-US" smtClean="0"/>
-              <a:t>4/20/2025</a:t>
+              <a:t>4/21/2025</a:t>
             </a:fld>
             <a:endParaRPr lang="en-US"/>
           </a:p>
@@ -3005,7 +3008,7 @@
           <a:p>
             <a:fld id="{351BFC78-12F1-4E22-9BB9-E32895C8D786}" type="slidenum">
               <a:rPr lang="en-US" smtClean="0"/>
-              <a:t>‹#›</a:t>
+              <a:t>‹Nr.›</a:t>
             </a:fld>
             <a:endParaRPr lang="en-US"/>
           </a:p>
@@ -3565,6 +3568,151 @@
 </p:sld>
 </file>
 
+<file path=ppt/slides/slide10.xml><?xml version="1.0" encoding="utf-8"?>
+<p:sld xmlns:a="http://schemas.openxmlformats.org/drawingml/2006/main" xmlns:r="http://schemas.openxmlformats.org/officeDocument/2006/relationships" xmlns:p="http://schemas.openxmlformats.org/presentationml/2006/main">
+  <p:cSld>
+    <p:spTree>
+      <p:nvGrpSpPr>
+        <p:cNvPr id="1" name=""/>
+        <p:cNvGrpSpPr/>
+        <p:nvPr/>
+      </p:nvGrpSpPr>
+      <p:grpSpPr>
+        <a:xfrm>
+          <a:off x="0" y="0"/>
+          <a:ext cx="0" cy="0"/>
+          <a:chOff x="0" y="0"/>
+          <a:chExt cx="0" cy="0"/>
+        </a:xfrm>
+      </p:grpSpPr>
+      <p:pic>
+        <p:nvPicPr>
+          <p:cNvPr id="8" name="Grafik 7">
+            <a:extLst>
+              <a:ext uri="{FF2B5EF4-FFF2-40B4-BE49-F238E27FC236}">
+                <a16:creationId xmlns:a16="http://schemas.microsoft.com/office/drawing/2014/main" id="{7BA866E4-0DF6-41F8-8882-2F371C3EC56C}"/>
+              </a:ext>
+            </a:extLst>
+          </p:cNvPr>
+          <p:cNvPicPr>
+            <a:picLocks noChangeAspect="1"/>
+          </p:cNvPicPr>
+          <p:nvPr/>
+        </p:nvPicPr>
+        <p:blipFill>
+          <a:blip r:embed="rId2">
+            <a:extLst>
+              <a:ext uri="{28A0092B-C50C-407E-A947-70E740481C1C}">
+                <a14:useLocalDpi xmlns:a14="http://schemas.microsoft.com/office/drawing/2010/main" val="0"/>
+              </a:ext>
+              <a:ext uri="{96DAC541-7B7A-43D3-8B79-37D633B846F1}">
+                <asvg:svgBlip xmlns:asvg="http://schemas.microsoft.com/office/drawing/2016/SVG/main" r:embed="rId3"/>
+              </a:ext>
+            </a:extLst>
+          </a:blip>
+          <a:stretch>
+            <a:fillRect/>
+          </a:stretch>
+        </p:blipFill>
+        <p:spPr>
+          <a:xfrm>
+            <a:off x="2079894" y="579514"/>
+            <a:ext cx="8032211" cy="5698972"/>
+          </a:xfrm>
+          <a:prstGeom prst="rect">
+            <a:avLst/>
+          </a:prstGeom>
+        </p:spPr>
+      </p:pic>
+      <p:sp>
+        <p:nvSpPr>
+          <p:cNvPr id="9" name="Textfeld 8">
+            <a:extLst>
+              <a:ext uri="{FF2B5EF4-FFF2-40B4-BE49-F238E27FC236}">
+                <a16:creationId xmlns:a16="http://schemas.microsoft.com/office/drawing/2014/main" id="{3402DC6E-5618-4214-808E-E89243114E33}"/>
+              </a:ext>
+            </a:extLst>
+          </p:cNvPr>
+          <p:cNvSpPr txBox="1"/>
+          <p:nvPr/>
+        </p:nvSpPr>
+        <p:spPr>
+          <a:xfrm>
+            <a:off x="8857129" y="376518"/>
+            <a:ext cx="3083859" cy="600164"/>
+          </a:xfrm>
+          <a:prstGeom prst="rect">
+            <a:avLst/>
+          </a:prstGeom>
+          <a:noFill/>
+        </p:spPr>
+        <p:txBody>
+          <a:bodyPr wrap="square" rtlCol="0">
+            <a:spAutoFit/>
+          </a:bodyPr>
+          <a:lstStyle/>
+          <a:p>
+            <a:r>
+              <a:rPr lang="de-DE" sz="1100" dirty="0" err="1">
+                <a:latin typeface="Verdana" panose="020B0604030504040204" pitchFamily="34" charset="0"/>
+                <a:ea typeface="Verdana" panose="020B0604030504040204" pitchFamily="34" charset="0"/>
+              </a:rPr>
+              <a:t>referenceFrames_standalone.tex</a:t>
+            </a:r>
+            <a:endParaRPr lang="de-DE" sz="1100" dirty="0">
+              <a:latin typeface="Verdana" panose="020B0604030504040204" pitchFamily="34" charset="0"/>
+              <a:ea typeface="Verdana" panose="020B0604030504040204" pitchFamily="34" charset="0"/>
+            </a:endParaRPr>
+          </a:p>
+          <a:p>
+            <a:pPr marL="171450" indent="-171450">
+              <a:buFont typeface="Arial" panose="020B0604020202020204" pitchFamily="34" charset="0"/>
+              <a:buChar char="•"/>
+            </a:pPr>
+            <a:r>
+              <a:rPr lang="de-DE" sz="1100" dirty="0" err="1">
+                <a:latin typeface="Verdana" panose="020B0604030504040204" pitchFamily="34" charset="0"/>
+                <a:ea typeface="Verdana" panose="020B0604030504040204" pitchFamily="34" charset="0"/>
+              </a:rPr>
+              <a:t>referenceFrames.tex</a:t>
+            </a:r>
+            <a:endParaRPr lang="de-DE" sz="1100" dirty="0">
+              <a:latin typeface="Verdana" panose="020B0604030504040204" pitchFamily="34" charset="0"/>
+              <a:ea typeface="Verdana" panose="020B0604030504040204" pitchFamily="34" charset="0"/>
+            </a:endParaRPr>
+          </a:p>
+          <a:p>
+            <a:pPr marL="628650" lvl="1" indent="-171450">
+              <a:buFont typeface="Arial" panose="020B0604020202020204" pitchFamily="34" charset="0"/>
+              <a:buChar char="•"/>
+            </a:pPr>
+            <a:r>
+              <a:rPr lang="de-DE" sz="1100" dirty="0" err="1">
+                <a:latin typeface="Verdana" panose="020B0604030504040204" pitchFamily="34" charset="0"/>
+                <a:ea typeface="Verdana" panose="020B0604030504040204" pitchFamily="34" charset="0"/>
+              </a:rPr>
+              <a:t>quadCopter.tex</a:t>
+            </a:r>
+            <a:endParaRPr lang="de-DE" sz="1100" dirty="0">
+              <a:latin typeface="Verdana" panose="020B0604030504040204" pitchFamily="34" charset="0"/>
+              <a:ea typeface="Verdana" panose="020B0604030504040204" pitchFamily="34" charset="0"/>
+            </a:endParaRPr>
+          </a:p>
+        </p:txBody>
+      </p:sp>
+    </p:spTree>
+    <p:extLst>
+      <p:ext uri="{BB962C8B-B14F-4D97-AF65-F5344CB8AC3E}">
+        <p14:creationId xmlns:p14="http://schemas.microsoft.com/office/powerpoint/2010/main" val="666905583"/>
+      </p:ext>
+    </p:extLst>
+  </p:cSld>
+  <p:clrMapOvr>
+    <a:masterClrMapping/>
+  </p:clrMapOvr>
+</p:sld>
+</file>
+
 <file path=ppt/slides/slide2.xml><?xml version="1.0" encoding="utf-8"?>
 <p:sld xmlns:a="http://schemas.openxmlformats.org/drawingml/2006/main" xmlns:r="http://schemas.openxmlformats.org/officeDocument/2006/relationships" xmlns:p="http://schemas.openxmlformats.org/presentationml/2006/main">
   <p:cSld>
@@ -4242,6 +4390,630 @@
     <p:extLst>
       <p:ext uri="{BB962C8B-B14F-4D97-AF65-F5344CB8AC3E}">
         <p14:creationId xmlns:p14="http://schemas.microsoft.com/office/powerpoint/2010/main" val="3290446067"/>
+      </p:ext>
+    </p:extLst>
+  </p:cSld>
+  <p:clrMapOvr>
+    <a:masterClrMapping/>
+  </p:clrMapOvr>
+</p:sld>
+</file>
+
+<file path=ppt/slides/slide8.xml><?xml version="1.0" encoding="utf-8"?>
+<p:sld xmlns:a="http://schemas.openxmlformats.org/drawingml/2006/main" xmlns:r="http://schemas.openxmlformats.org/officeDocument/2006/relationships" xmlns:p="http://schemas.openxmlformats.org/presentationml/2006/main">
+  <p:cSld>
+    <p:spTree>
+      <p:nvGrpSpPr>
+        <p:cNvPr id="1" name=""/>
+        <p:cNvGrpSpPr/>
+        <p:nvPr/>
+      </p:nvGrpSpPr>
+      <p:grpSpPr>
+        <a:xfrm>
+          <a:off x="0" y="0"/>
+          <a:ext cx="0" cy="0"/>
+          <a:chOff x="0" y="0"/>
+          <a:chExt cx="0" cy="0"/>
+        </a:xfrm>
+      </p:grpSpPr>
+      <p:pic>
+        <p:nvPicPr>
+          <p:cNvPr id="8" name="Grafik 7">
+            <a:extLst>
+              <a:ext uri="{FF2B5EF4-FFF2-40B4-BE49-F238E27FC236}">
+                <a16:creationId xmlns:a16="http://schemas.microsoft.com/office/drawing/2014/main" id="{7BA866E4-0DF6-41F8-8882-2F371C3EC56C}"/>
+              </a:ext>
+            </a:extLst>
+          </p:cNvPr>
+          <p:cNvPicPr>
+            <a:picLocks noChangeAspect="1"/>
+          </p:cNvPicPr>
+          <p:nvPr/>
+        </p:nvPicPr>
+        <p:blipFill>
+          <a:blip r:embed="rId2">
+            <a:extLst>
+              <a:ext uri="{28A0092B-C50C-407E-A947-70E740481C1C}">
+                <a14:useLocalDpi xmlns:a14="http://schemas.microsoft.com/office/drawing/2010/main" val="0"/>
+              </a:ext>
+              <a:ext uri="{96DAC541-7B7A-43D3-8B79-37D633B846F1}">
+                <asvg:svgBlip xmlns:asvg="http://schemas.microsoft.com/office/drawing/2016/SVG/main" r:embed="rId3"/>
+              </a:ext>
+            </a:extLst>
+          </a:blip>
+          <a:stretch>
+            <a:fillRect/>
+          </a:stretch>
+        </p:blipFill>
+        <p:spPr>
+          <a:xfrm>
+            <a:off x="2079894" y="579514"/>
+            <a:ext cx="8032211" cy="5698972"/>
+          </a:xfrm>
+          <a:prstGeom prst="rect">
+            <a:avLst/>
+          </a:prstGeom>
+        </p:spPr>
+      </p:pic>
+      <p:sp>
+        <p:nvSpPr>
+          <p:cNvPr id="9" name="Textfeld 8">
+            <a:extLst>
+              <a:ext uri="{FF2B5EF4-FFF2-40B4-BE49-F238E27FC236}">
+                <a16:creationId xmlns:a16="http://schemas.microsoft.com/office/drawing/2014/main" id="{3402DC6E-5618-4214-808E-E89243114E33}"/>
+              </a:ext>
+            </a:extLst>
+          </p:cNvPr>
+          <p:cNvSpPr txBox="1"/>
+          <p:nvPr/>
+        </p:nvSpPr>
+        <p:spPr>
+          <a:xfrm>
+            <a:off x="8857129" y="376518"/>
+            <a:ext cx="3083859" cy="600164"/>
+          </a:xfrm>
+          <a:prstGeom prst="rect">
+            <a:avLst/>
+          </a:prstGeom>
+          <a:noFill/>
+        </p:spPr>
+        <p:txBody>
+          <a:bodyPr wrap="square" rtlCol="0">
+            <a:spAutoFit/>
+          </a:bodyPr>
+          <a:lstStyle/>
+          <a:p>
+            <a:pPr marL="285750" indent="-285750">
+              <a:buFont typeface="Arial" panose="020B0604020202020204" pitchFamily="34" charset="0"/>
+              <a:buChar char="•"/>
+            </a:pPr>
+            <a:r>
+              <a:rPr lang="de-DE" sz="1100" dirty="0">
+                <a:latin typeface="Verdana" panose="020B0604030504040204" pitchFamily="34" charset="0"/>
+                <a:ea typeface="Verdana" panose="020B0604030504040204" pitchFamily="34" charset="0"/>
+              </a:rPr>
+              <a:t>\</a:t>
+            </a:r>
+            <a:r>
+              <a:rPr lang="de-DE" sz="1100" dirty="0" err="1">
+                <a:latin typeface="Verdana" panose="020B0604030504040204" pitchFamily="34" charset="0"/>
+                <a:ea typeface="Verdana" panose="020B0604030504040204" pitchFamily="34" charset="0"/>
+              </a:rPr>
+              <a:t>usepackage</a:t>
+            </a:r>
+            <a:r>
+              <a:rPr lang="de-DE" sz="1100" dirty="0">
+                <a:latin typeface="Verdana" panose="020B0604030504040204" pitchFamily="34" charset="0"/>
+                <a:ea typeface="Verdana" panose="020B0604030504040204" pitchFamily="34" charset="0"/>
+              </a:rPr>
+              <a:t>{</a:t>
+            </a:r>
+            <a:r>
+              <a:rPr lang="de-DE" sz="1100" dirty="0" err="1">
+                <a:latin typeface="Verdana" panose="020B0604030504040204" pitchFamily="34" charset="0"/>
+                <a:ea typeface="Verdana" panose="020B0604030504040204" pitchFamily="34" charset="0"/>
+              </a:rPr>
+              <a:t>tikz</a:t>
+            </a:r>
+            <a:r>
+              <a:rPr lang="de-DE" sz="1100" dirty="0">
+                <a:latin typeface="Verdana" panose="020B0604030504040204" pitchFamily="34" charset="0"/>
+                <a:ea typeface="Verdana" panose="020B0604030504040204" pitchFamily="34" charset="0"/>
+              </a:rPr>
+              <a:t>}</a:t>
+            </a:r>
+          </a:p>
+          <a:p>
+            <a:pPr marL="285750" indent="-285750">
+              <a:buFont typeface="Arial" panose="020B0604020202020204" pitchFamily="34" charset="0"/>
+              <a:buChar char="•"/>
+            </a:pPr>
+            <a:r>
+              <a:rPr lang="de-DE" sz="1100" dirty="0">
+                <a:latin typeface="Verdana" panose="020B0604030504040204" pitchFamily="34" charset="0"/>
+                <a:ea typeface="Verdana" panose="020B0604030504040204" pitchFamily="34" charset="0"/>
+              </a:rPr>
+              <a:t>\</a:t>
+            </a:r>
+            <a:r>
+              <a:rPr lang="de-DE" sz="1100" dirty="0" err="1">
+                <a:latin typeface="Verdana" panose="020B0604030504040204" pitchFamily="34" charset="0"/>
+                <a:ea typeface="Verdana" panose="020B0604030504040204" pitchFamily="34" charset="0"/>
+              </a:rPr>
+              <a:t>usepackage</a:t>
+            </a:r>
+            <a:r>
+              <a:rPr lang="de-DE" sz="1100" dirty="0">
+                <a:latin typeface="Verdana" panose="020B0604030504040204" pitchFamily="34" charset="0"/>
+                <a:ea typeface="Verdana" panose="020B0604030504040204" pitchFamily="34" charset="0"/>
+              </a:rPr>
+              <a:t>{tikz-3dplot}</a:t>
+            </a:r>
+          </a:p>
+          <a:p>
+            <a:pPr marL="285750" indent="-285750">
+              <a:buFont typeface="Arial" panose="020B0604020202020204" pitchFamily="34" charset="0"/>
+              <a:buChar char="•"/>
+            </a:pPr>
+            <a:r>
+              <a:rPr lang="de-DE" sz="1100" dirty="0">
+                <a:latin typeface="Verdana" panose="020B0604030504040204" pitchFamily="34" charset="0"/>
+                <a:ea typeface="Verdana" panose="020B0604030504040204" pitchFamily="34" charset="0"/>
+              </a:rPr>
+              <a:t>\</a:t>
+            </a:r>
+            <a:r>
+              <a:rPr lang="de-DE" sz="1100" dirty="0" err="1">
+                <a:latin typeface="Verdana" panose="020B0604030504040204" pitchFamily="34" charset="0"/>
+                <a:ea typeface="Verdana" panose="020B0604030504040204" pitchFamily="34" charset="0"/>
+              </a:rPr>
+              <a:t>usepackage</a:t>
+            </a:r>
+            <a:r>
+              <a:rPr lang="de-DE" sz="1100" dirty="0">
+                <a:latin typeface="Verdana" panose="020B0604030504040204" pitchFamily="34" charset="0"/>
+                <a:ea typeface="Verdana" panose="020B0604030504040204" pitchFamily="34" charset="0"/>
+              </a:rPr>
+              <a:t>{</a:t>
+            </a:r>
+            <a:r>
+              <a:rPr lang="de-DE" sz="1100" dirty="0" err="1">
+                <a:latin typeface="Verdana" panose="020B0604030504040204" pitchFamily="34" charset="0"/>
+                <a:ea typeface="Verdana" panose="020B0604030504040204" pitchFamily="34" charset="0"/>
+              </a:rPr>
+              <a:t>arrows</a:t>
+            </a:r>
+            <a:r>
+              <a:rPr lang="de-DE" sz="1100" dirty="0">
+                <a:latin typeface="Verdana" panose="020B0604030504040204" pitchFamily="34" charset="0"/>
+                <a:ea typeface="Verdana" panose="020B0604030504040204" pitchFamily="34" charset="0"/>
+              </a:rPr>
+              <a:t>}</a:t>
+            </a:r>
+          </a:p>
+        </p:txBody>
+      </p:sp>
+    </p:spTree>
+    <p:extLst>
+      <p:ext uri="{BB962C8B-B14F-4D97-AF65-F5344CB8AC3E}">
+        <p14:creationId xmlns:p14="http://schemas.microsoft.com/office/powerpoint/2010/main" val="145233993"/>
+      </p:ext>
+    </p:extLst>
+  </p:cSld>
+  <p:clrMapOvr>
+    <a:masterClrMapping/>
+  </p:clrMapOvr>
+</p:sld>
+</file>
+
+<file path=ppt/slides/slide9.xml><?xml version="1.0" encoding="utf-8"?>
+<p:sld xmlns:a="http://schemas.openxmlformats.org/drawingml/2006/main" xmlns:r="http://schemas.openxmlformats.org/officeDocument/2006/relationships" xmlns:p="http://schemas.openxmlformats.org/presentationml/2006/main">
+  <p:cSld>
+    <p:spTree>
+      <p:nvGrpSpPr>
+        <p:cNvPr id="1" name=""/>
+        <p:cNvGrpSpPr/>
+        <p:nvPr/>
+      </p:nvGrpSpPr>
+      <p:grpSpPr>
+        <a:xfrm>
+          <a:off x="0" y="0"/>
+          <a:ext cx="0" cy="0"/>
+          <a:chOff x="0" y="0"/>
+          <a:chExt cx="0" cy="0"/>
+        </a:xfrm>
+      </p:grpSpPr>
+      <p:pic>
+        <p:nvPicPr>
+          <p:cNvPr id="8" name="Grafik 7">
+            <a:extLst>
+              <a:ext uri="{FF2B5EF4-FFF2-40B4-BE49-F238E27FC236}">
+                <a16:creationId xmlns:a16="http://schemas.microsoft.com/office/drawing/2014/main" id="{7BA866E4-0DF6-41F8-8882-2F371C3EC56C}"/>
+              </a:ext>
+            </a:extLst>
+          </p:cNvPr>
+          <p:cNvPicPr>
+            <a:picLocks noChangeAspect="1"/>
+          </p:cNvPicPr>
+          <p:nvPr/>
+        </p:nvPicPr>
+        <p:blipFill>
+          <a:blip r:embed="rId2">
+            <a:extLst>
+              <a:ext uri="{28A0092B-C50C-407E-A947-70E740481C1C}">
+                <a14:useLocalDpi xmlns:a14="http://schemas.microsoft.com/office/drawing/2010/main" val="0"/>
+              </a:ext>
+              <a:ext uri="{96DAC541-7B7A-43D3-8B79-37D633B846F1}">
+                <asvg:svgBlip xmlns:asvg="http://schemas.microsoft.com/office/drawing/2016/SVG/main" r:embed="rId3"/>
+              </a:ext>
+            </a:extLst>
+          </a:blip>
+          <a:stretch>
+            <a:fillRect/>
+          </a:stretch>
+        </p:blipFill>
+        <p:spPr>
+          <a:xfrm>
+            <a:off x="2079894" y="579514"/>
+            <a:ext cx="8032211" cy="5698972"/>
+          </a:xfrm>
+          <a:prstGeom prst="rect">
+            <a:avLst/>
+          </a:prstGeom>
+        </p:spPr>
+      </p:pic>
+      <p:pic>
+        <p:nvPicPr>
+          <p:cNvPr id="3" name="Grafik 2">
+            <a:extLst>
+              <a:ext uri="{FF2B5EF4-FFF2-40B4-BE49-F238E27FC236}">
+                <a16:creationId xmlns:a16="http://schemas.microsoft.com/office/drawing/2014/main" id="{32CB711C-9CF7-436F-A7F3-67B6D98D5D74}"/>
+              </a:ext>
+            </a:extLst>
+          </p:cNvPr>
+          <p:cNvPicPr>
+            <a:picLocks noChangeAspect="1"/>
+          </p:cNvPicPr>
+          <p:nvPr/>
+        </p:nvPicPr>
+        <p:blipFill>
+          <a:blip r:embed="rId4">
+            <a:extLst>
+              <a:ext uri="{28A0092B-C50C-407E-A947-70E740481C1C}">
+                <a14:useLocalDpi xmlns:a14="http://schemas.microsoft.com/office/drawing/2010/main" val="0"/>
+              </a:ext>
+              <a:ext uri="{96DAC541-7B7A-43D3-8B79-37D633B846F1}">
+                <asvg:svgBlip xmlns:asvg="http://schemas.microsoft.com/office/drawing/2016/SVG/main" r:embed="rId5"/>
+              </a:ext>
+            </a:extLst>
+          </a:blip>
+          <a:stretch>
+            <a:fillRect/>
+          </a:stretch>
+        </p:blipFill>
+        <p:spPr>
+          <a:xfrm>
+            <a:off x="3774141" y="177794"/>
+            <a:ext cx="12192000" cy="4010223"/>
+          </a:xfrm>
+          <a:prstGeom prst="rect">
+            <a:avLst/>
+          </a:prstGeom>
+        </p:spPr>
+      </p:pic>
+      <p:sp>
+        <p:nvSpPr>
+          <p:cNvPr id="5" name="Ellipse 4">
+            <a:extLst>
+              <a:ext uri="{FF2B5EF4-FFF2-40B4-BE49-F238E27FC236}">
+                <a16:creationId xmlns:a16="http://schemas.microsoft.com/office/drawing/2014/main" id="{31409135-56A7-44C2-B178-55102836342F}"/>
+              </a:ext>
+            </a:extLst>
+          </p:cNvPr>
+          <p:cNvSpPr/>
+          <p:nvPr/>
+        </p:nvSpPr>
+        <p:spPr>
+          <a:xfrm>
+            <a:off x="8695143" y="100584"/>
+            <a:ext cx="3395472" cy="3584448"/>
+          </a:xfrm>
+          <a:prstGeom prst="ellipse">
+            <a:avLst/>
+          </a:prstGeom>
+          <a:noFill/>
+          <a:ln>
+            <a:solidFill>
+              <a:schemeClr val="tx1"/>
+            </a:solidFill>
+          </a:ln>
+        </p:spPr>
+        <p:style>
+          <a:lnRef idx="2">
+            <a:schemeClr val="accent1">
+              <a:shade val="50000"/>
+            </a:schemeClr>
+          </a:lnRef>
+          <a:fillRef idx="1">
+            <a:schemeClr val="accent1"/>
+          </a:fillRef>
+          <a:effectRef idx="0">
+            <a:schemeClr val="accent1"/>
+          </a:effectRef>
+          <a:fontRef idx="minor">
+            <a:schemeClr val="lt1"/>
+          </a:fontRef>
+        </p:style>
+        <p:txBody>
+          <a:bodyPr rtlCol="0" anchor="ctr"/>
+          <a:lstStyle/>
+          <a:p>
+            <a:pPr algn="ctr"/>
+            <a:endParaRPr lang="de-DE"/>
+          </a:p>
+        </p:txBody>
+      </p:sp>
+      <p:cxnSp>
+        <p:nvCxnSpPr>
+          <p:cNvPr id="7" name="Gerader Verbinder 6">
+            <a:extLst>
+              <a:ext uri="{FF2B5EF4-FFF2-40B4-BE49-F238E27FC236}">
+                <a16:creationId xmlns:a16="http://schemas.microsoft.com/office/drawing/2014/main" id="{0AC520DE-4B7A-47AC-A64D-7FE4BA900A47}"/>
+              </a:ext>
+            </a:extLst>
+          </p:cNvPr>
+          <p:cNvCxnSpPr>
+            <a:cxnSpLocks/>
+            <a:endCxn id="5" idx="1"/>
+          </p:cNvCxnSpPr>
+          <p:nvPr/>
+        </p:nvCxnSpPr>
+        <p:spPr>
+          <a:xfrm flipV="1">
+            <a:off x="6784848" y="625514"/>
+            <a:ext cx="2407550" cy="1889086"/>
+          </a:xfrm>
+          <a:prstGeom prst="line">
+            <a:avLst/>
+          </a:prstGeom>
+        </p:spPr>
+        <p:style>
+          <a:lnRef idx="2">
+            <a:schemeClr val="dk1"/>
+          </a:lnRef>
+          <a:fillRef idx="0">
+            <a:schemeClr val="dk1"/>
+          </a:fillRef>
+          <a:effectRef idx="1">
+            <a:schemeClr val="dk1"/>
+          </a:effectRef>
+          <a:fontRef idx="minor">
+            <a:schemeClr val="tx1"/>
+          </a:fontRef>
+        </p:style>
+      </p:cxnSp>
+      <p:cxnSp>
+        <p:nvCxnSpPr>
+          <p:cNvPr id="9" name="Gerader Verbinder 8">
+            <a:extLst>
+              <a:ext uri="{FF2B5EF4-FFF2-40B4-BE49-F238E27FC236}">
+                <a16:creationId xmlns:a16="http://schemas.microsoft.com/office/drawing/2014/main" id="{3364BF4F-627F-410E-BE13-FA238FF9C465}"/>
+              </a:ext>
+            </a:extLst>
+          </p:cNvPr>
+          <p:cNvCxnSpPr>
+            <a:cxnSpLocks/>
+            <a:endCxn id="5" idx="4"/>
+          </p:cNvCxnSpPr>
+          <p:nvPr/>
+        </p:nvCxnSpPr>
+        <p:spPr>
+          <a:xfrm flipV="1">
+            <a:off x="7196328" y="3685032"/>
+            <a:ext cx="3196551" cy="228600"/>
+          </a:xfrm>
+          <a:prstGeom prst="line">
+            <a:avLst/>
+          </a:prstGeom>
+        </p:spPr>
+        <p:style>
+          <a:lnRef idx="2">
+            <a:schemeClr val="dk1"/>
+          </a:lnRef>
+          <a:fillRef idx="0">
+            <a:schemeClr val="dk1"/>
+          </a:fillRef>
+          <a:effectRef idx="1">
+            <a:schemeClr val="dk1"/>
+          </a:effectRef>
+          <a:fontRef idx="minor">
+            <a:schemeClr val="tx1"/>
+          </a:fontRef>
+        </p:style>
+      </p:cxnSp>
+      <p:sp>
+        <p:nvSpPr>
+          <p:cNvPr id="15" name="Textfeld 14">
+            <a:extLst>
+              <a:ext uri="{FF2B5EF4-FFF2-40B4-BE49-F238E27FC236}">
+                <a16:creationId xmlns:a16="http://schemas.microsoft.com/office/drawing/2014/main" id="{9EBC0C39-7D72-43EE-B01D-E584F1149FE2}"/>
+              </a:ext>
+            </a:extLst>
+          </p:cNvPr>
+          <p:cNvSpPr txBox="1"/>
+          <p:nvPr/>
+        </p:nvSpPr>
+        <p:spPr>
+          <a:xfrm>
+            <a:off x="9750245" y="4134422"/>
+            <a:ext cx="3083859" cy="769441"/>
+          </a:xfrm>
+          <a:prstGeom prst="rect">
+            <a:avLst/>
+          </a:prstGeom>
+          <a:noFill/>
+        </p:spPr>
+        <p:txBody>
+          <a:bodyPr wrap="square" rtlCol="0">
+            <a:spAutoFit/>
+          </a:bodyPr>
+          <a:lstStyle/>
+          <a:p>
+            <a:r>
+              <a:rPr lang="de-DE" sz="1100" dirty="0">
+                <a:latin typeface="Verdana" panose="020B0604030504040204" pitchFamily="34" charset="0"/>
+                <a:ea typeface="Verdana" panose="020B0604030504040204" pitchFamily="34" charset="0"/>
+              </a:rPr>
+              <a:t>\</a:t>
+            </a:r>
+            <a:r>
+              <a:rPr lang="de-DE" sz="1100" dirty="0" err="1">
+                <a:latin typeface="Verdana" panose="020B0604030504040204" pitchFamily="34" charset="0"/>
+                <a:ea typeface="Verdana" panose="020B0604030504040204" pitchFamily="34" charset="0"/>
+              </a:rPr>
+              <a:t>begin</a:t>
+            </a:r>
+            <a:r>
+              <a:rPr lang="de-DE" sz="1100" dirty="0">
+                <a:latin typeface="Verdana" panose="020B0604030504040204" pitchFamily="34" charset="0"/>
+                <a:ea typeface="Verdana" panose="020B0604030504040204" pitchFamily="34" charset="0"/>
+              </a:rPr>
+              <a:t>{</a:t>
+            </a:r>
+            <a:r>
+              <a:rPr lang="de-DE" sz="1100" dirty="0" err="1">
+                <a:latin typeface="Verdana" panose="020B0604030504040204" pitchFamily="34" charset="0"/>
+                <a:ea typeface="Verdana" panose="020B0604030504040204" pitchFamily="34" charset="0"/>
+              </a:rPr>
+              <a:t>tikzpicture</a:t>
+            </a:r>
+            <a:r>
+              <a:rPr lang="de-DE" sz="1100" dirty="0">
+                <a:latin typeface="Verdana" panose="020B0604030504040204" pitchFamily="34" charset="0"/>
+                <a:ea typeface="Verdana" panose="020B0604030504040204" pitchFamily="34" charset="0"/>
+              </a:rPr>
+              <a:t>}</a:t>
+            </a:r>
+          </a:p>
+          <a:p>
+            <a:r>
+              <a:rPr lang="de-DE" sz="1100" dirty="0">
+                <a:latin typeface="Verdana" panose="020B0604030504040204" pitchFamily="34" charset="0"/>
+                <a:ea typeface="Verdana" panose="020B0604030504040204" pitchFamily="34" charset="0"/>
+              </a:rPr>
+              <a:t>      % Parent Code</a:t>
+            </a:r>
+          </a:p>
+          <a:p>
+            <a:r>
+              <a:rPr lang="de-DE" sz="1100" dirty="0">
+                <a:latin typeface="Verdana" panose="020B0604030504040204" pitchFamily="34" charset="0"/>
+                <a:ea typeface="Verdana" panose="020B0604030504040204" pitchFamily="34" charset="0"/>
+              </a:rPr>
+              <a:t>      \</a:t>
+            </a:r>
+            <a:r>
+              <a:rPr lang="de-DE" sz="1100" dirty="0" err="1">
+                <a:latin typeface="Verdana" panose="020B0604030504040204" pitchFamily="34" charset="0"/>
+                <a:ea typeface="Verdana" panose="020B0604030504040204" pitchFamily="34" charset="0"/>
+              </a:rPr>
+              <a:t>input</a:t>
+            </a:r>
+            <a:r>
+              <a:rPr lang="de-DE" sz="1100" dirty="0">
+                <a:latin typeface="Verdana" panose="020B0604030504040204" pitchFamily="34" charset="0"/>
+                <a:ea typeface="Verdana" panose="020B0604030504040204" pitchFamily="34" charset="0"/>
+              </a:rPr>
+              <a:t>{</a:t>
+            </a:r>
+            <a:r>
+              <a:rPr lang="de-DE" sz="1100" dirty="0" err="1">
+                <a:latin typeface="Verdana" panose="020B0604030504040204" pitchFamily="34" charset="0"/>
+                <a:ea typeface="Verdana" panose="020B0604030504040204" pitchFamily="34" charset="0"/>
+              </a:rPr>
+              <a:t>quadCopter.tex</a:t>
+            </a:r>
+            <a:r>
+              <a:rPr lang="de-DE" sz="1100" dirty="0">
+                <a:latin typeface="Verdana" panose="020B0604030504040204" pitchFamily="34" charset="0"/>
+                <a:ea typeface="Verdana" panose="020B0604030504040204" pitchFamily="34" charset="0"/>
+              </a:rPr>
+              <a:t>}</a:t>
+            </a:r>
+          </a:p>
+          <a:p>
+            <a:r>
+              <a:rPr lang="de-DE" sz="1100" dirty="0">
+                <a:latin typeface="Verdana" panose="020B0604030504040204" pitchFamily="34" charset="0"/>
+                <a:ea typeface="Verdana" panose="020B0604030504040204" pitchFamily="34" charset="0"/>
+              </a:rPr>
+              <a:t>\end{</a:t>
+            </a:r>
+            <a:r>
+              <a:rPr lang="de-DE" sz="1100" dirty="0" err="1">
+                <a:latin typeface="Verdana" panose="020B0604030504040204" pitchFamily="34" charset="0"/>
+                <a:ea typeface="Verdana" panose="020B0604030504040204" pitchFamily="34" charset="0"/>
+              </a:rPr>
+              <a:t>tikzpicture</a:t>
+            </a:r>
+            <a:r>
+              <a:rPr lang="de-DE" sz="1100" dirty="0">
+                <a:latin typeface="Verdana" panose="020B0604030504040204" pitchFamily="34" charset="0"/>
+                <a:ea typeface="Verdana" panose="020B0604030504040204" pitchFamily="34" charset="0"/>
+              </a:rPr>
+              <a:t>}</a:t>
+            </a:r>
+          </a:p>
+        </p:txBody>
+      </p:sp>
+      <p:sp>
+        <p:nvSpPr>
+          <p:cNvPr id="16" name="Geschweifte Klammer rechts 15">
+            <a:extLst>
+              <a:ext uri="{FF2B5EF4-FFF2-40B4-BE49-F238E27FC236}">
+                <a16:creationId xmlns:a16="http://schemas.microsoft.com/office/drawing/2014/main" id="{E74E6B7B-B22B-40D7-9B95-C81A1BA5ED54}"/>
+              </a:ext>
+            </a:extLst>
+          </p:cNvPr>
+          <p:cNvSpPr/>
+          <p:nvPr/>
+        </p:nvSpPr>
+        <p:spPr>
+          <a:xfrm rot="5400000">
+            <a:off x="10629064" y="3028132"/>
+            <a:ext cx="133834" cy="1938637"/>
+          </a:xfrm>
+          <a:prstGeom prst="rightBrace">
+            <a:avLst/>
+          </a:prstGeom>
+        </p:spPr>
+        <p:style>
+          <a:lnRef idx="2">
+            <a:schemeClr val="dk1"/>
+          </a:lnRef>
+          <a:fillRef idx="0">
+            <a:schemeClr val="dk1"/>
+          </a:fillRef>
+          <a:effectRef idx="1">
+            <a:schemeClr val="dk1"/>
+          </a:effectRef>
+          <a:fontRef idx="minor">
+            <a:schemeClr val="tx1"/>
+          </a:fontRef>
+        </p:style>
+        <p:txBody>
+          <a:bodyPr rtlCol="0" anchor="ctr"/>
+          <a:lstStyle/>
+          <a:p>
+            <a:pPr algn="ctr"/>
+            <a:endParaRPr lang="de-DE"/>
+          </a:p>
+        </p:txBody>
+      </p:sp>
+    </p:spTree>
+    <p:extLst>
+      <p:ext uri="{BB962C8B-B14F-4D97-AF65-F5344CB8AC3E}">
+        <p14:creationId xmlns:p14="http://schemas.microsoft.com/office/powerpoint/2010/main" val="3434000416"/>
       </p:ext>
     </p:extLst>
   </p:cSld>

--- a/tikzVortrag.pptx
+++ b/tikzVortrag.pptx
@@ -15,6 +15,7 @@
     <p:sldId id="264" r:id="rId9"/>
     <p:sldId id="265" r:id="rId10"/>
     <p:sldId id="266" r:id="rId11"/>
+    <p:sldId id="267" r:id="rId12"/>
   </p:sldIdLst>
   <p:sldSz cx="12192000" cy="6858000"/>
   <p:notesSz cx="6858000" cy="9144000"/>
@@ -268,7 +269,7 @@
           <a:p>
             <a:fld id="{2A05E3ED-811A-443E-80DC-BCE310A8BC67}" type="datetimeFigureOut">
               <a:rPr lang="en-US" smtClean="0"/>
-              <a:t>4/21/2025</a:t>
+              <a:t>4/22/2025</a:t>
             </a:fld>
             <a:endParaRPr lang="en-US"/>
           </a:p>
@@ -466,7 +467,7 @@
           <a:p>
             <a:fld id="{2A05E3ED-811A-443E-80DC-BCE310A8BC67}" type="datetimeFigureOut">
               <a:rPr lang="en-US" smtClean="0"/>
-              <a:t>4/21/2025</a:t>
+              <a:t>4/22/2025</a:t>
             </a:fld>
             <a:endParaRPr lang="en-US"/>
           </a:p>
@@ -674,7 +675,7 @@
           <a:p>
             <a:fld id="{2A05E3ED-811A-443E-80DC-BCE310A8BC67}" type="datetimeFigureOut">
               <a:rPr lang="en-US" smtClean="0"/>
-              <a:t>4/21/2025</a:t>
+              <a:t>4/22/2025</a:t>
             </a:fld>
             <a:endParaRPr lang="en-US"/>
           </a:p>
@@ -872,7 +873,7 @@
           <a:p>
             <a:fld id="{2A05E3ED-811A-443E-80DC-BCE310A8BC67}" type="datetimeFigureOut">
               <a:rPr lang="en-US" smtClean="0"/>
-              <a:t>4/21/2025</a:t>
+              <a:t>4/22/2025</a:t>
             </a:fld>
             <a:endParaRPr lang="en-US"/>
           </a:p>
@@ -1147,7 +1148,7 @@
           <a:p>
             <a:fld id="{2A05E3ED-811A-443E-80DC-BCE310A8BC67}" type="datetimeFigureOut">
               <a:rPr lang="en-US" smtClean="0"/>
-              <a:t>4/21/2025</a:t>
+              <a:t>4/22/2025</a:t>
             </a:fld>
             <a:endParaRPr lang="en-US"/>
           </a:p>
@@ -1412,7 +1413,7 @@
           <a:p>
             <a:fld id="{2A05E3ED-811A-443E-80DC-BCE310A8BC67}" type="datetimeFigureOut">
               <a:rPr lang="en-US" smtClean="0"/>
-              <a:t>4/21/2025</a:t>
+              <a:t>4/22/2025</a:t>
             </a:fld>
             <a:endParaRPr lang="en-US"/>
           </a:p>
@@ -1824,7 +1825,7 @@
           <a:p>
             <a:fld id="{2A05E3ED-811A-443E-80DC-BCE310A8BC67}" type="datetimeFigureOut">
               <a:rPr lang="en-US" smtClean="0"/>
-              <a:t>4/21/2025</a:t>
+              <a:t>4/22/2025</a:t>
             </a:fld>
             <a:endParaRPr lang="en-US"/>
           </a:p>
@@ -1965,7 +1966,7 @@
           <a:p>
             <a:fld id="{2A05E3ED-811A-443E-80DC-BCE310A8BC67}" type="datetimeFigureOut">
               <a:rPr lang="en-US" smtClean="0"/>
-              <a:t>4/21/2025</a:t>
+              <a:t>4/22/2025</a:t>
             </a:fld>
             <a:endParaRPr lang="en-US"/>
           </a:p>
@@ -2078,7 +2079,7 @@
           <a:p>
             <a:fld id="{2A05E3ED-811A-443E-80DC-BCE310A8BC67}" type="datetimeFigureOut">
               <a:rPr lang="en-US" smtClean="0"/>
-              <a:t>4/21/2025</a:t>
+              <a:t>4/22/2025</a:t>
             </a:fld>
             <a:endParaRPr lang="en-US"/>
           </a:p>
@@ -2389,7 +2390,7 @@
           <a:p>
             <a:fld id="{2A05E3ED-811A-443E-80DC-BCE310A8BC67}" type="datetimeFigureOut">
               <a:rPr lang="en-US" smtClean="0"/>
-              <a:t>4/21/2025</a:t>
+              <a:t>4/22/2025</a:t>
             </a:fld>
             <a:endParaRPr lang="en-US"/>
           </a:p>
@@ -2677,7 +2678,7 @@
           <a:p>
             <a:fld id="{2A05E3ED-811A-443E-80DC-BCE310A8BC67}" type="datetimeFigureOut">
               <a:rPr lang="en-US" smtClean="0"/>
-              <a:t>4/21/2025</a:t>
+              <a:t>4/22/2025</a:t>
             </a:fld>
             <a:endParaRPr lang="en-US"/>
           </a:p>
@@ -2918,7 +2919,7 @@
           <a:p>
             <a:fld id="{2A05E3ED-811A-443E-80DC-BCE310A8BC67}" type="datetimeFigureOut">
               <a:rPr lang="en-US" smtClean="0"/>
-              <a:t>4/21/2025</a:t>
+              <a:t>4/22/2025</a:t>
             </a:fld>
             <a:endParaRPr lang="en-US"/>
           </a:p>
@@ -3704,6 +3705,269 @@
     <p:extLst>
       <p:ext uri="{BB962C8B-B14F-4D97-AF65-F5344CB8AC3E}">
         <p14:creationId xmlns:p14="http://schemas.microsoft.com/office/powerpoint/2010/main" val="666905583"/>
+      </p:ext>
+    </p:extLst>
+  </p:cSld>
+  <p:clrMapOvr>
+    <a:masterClrMapping/>
+  </p:clrMapOvr>
+</p:sld>
+</file>
+
+<file path=ppt/slides/slide11.xml><?xml version="1.0" encoding="utf-8"?>
+<p:sld xmlns:a="http://schemas.openxmlformats.org/drawingml/2006/main" xmlns:r="http://schemas.openxmlformats.org/officeDocument/2006/relationships" xmlns:p="http://schemas.openxmlformats.org/presentationml/2006/main">
+  <p:cSld>
+    <p:spTree>
+      <p:nvGrpSpPr>
+        <p:cNvPr id="1" name=""/>
+        <p:cNvGrpSpPr/>
+        <p:nvPr/>
+      </p:nvGrpSpPr>
+      <p:grpSpPr>
+        <a:xfrm>
+          <a:off x="0" y="0"/>
+          <a:ext cx="0" cy="0"/>
+          <a:chOff x="0" y="0"/>
+          <a:chExt cx="0" cy="0"/>
+        </a:xfrm>
+      </p:grpSpPr>
+      <p:pic>
+        <p:nvPicPr>
+          <p:cNvPr id="3" name="Grafik 2">
+            <a:extLst>
+              <a:ext uri="{FF2B5EF4-FFF2-40B4-BE49-F238E27FC236}">
+                <a16:creationId xmlns:a16="http://schemas.microsoft.com/office/drawing/2014/main" id="{7F641D76-C2DE-4044-A36E-CD1A974A853F}"/>
+              </a:ext>
+            </a:extLst>
+          </p:cNvPr>
+          <p:cNvPicPr>
+            <a:picLocks noChangeAspect="1"/>
+          </p:cNvPicPr>
+          <p:nvPr/>
+        </p:nvPicPr>
+        <p:blipFill>
+          <a:blip r:embed="rId2">
+            <a:extLst>
+              <a:ext uri="{28A0092B-C50C-407E-A947-70E740481C1C}">
+                <a14:useLocalDpi xmlns:a14="http://schemas.microsoft.com/office/drawing/2010/main" val="0"/>
+              </a:ext>
+              <a:ext uri="{96DAC541-7B7A-43D3-8B79-37D633B846F1}">
+                <asvg:svgBlip xmlns:asvg="http://schemas.microsoft.com/office/drawing/2016/SVG/main" r:embed="rId3"/>
+              </a:ext>
+            </a:extLst>
+          </a:blip>
+          <a:stretch>
+            <a:fillRect/>
+          </a:stretch>
+        </p:blipFill>
+        <p:spPr>
+          <a:xfrm>
+            <a:off x="72535" y="732304"/>
+            <a:ext cx="8048625" cy="5734050"/>
+          </a:xfrm>
+          <a:prstGeom prst="rect">
+            <a:avLst/>
+          </a:prstGeom>
+        </p:spPr>
+      </p:pic>
+      <p:sp>
+        <p:nvSpPr>
+          <p:cNvPr id="4" name="Textfeld 3">
+            <a:extLst>
+              <a:ext uri="{FF2B5EF4-FFF2-40B4-BE49-F238E27FC236}">
+                <a16:creationId xmlns:a16="http://schemas.microsoft.com/office/drawing/2014/main" id="{9C84437B-898D-432B-9D5D-2BFA242C312B}"/>
+              </a:ext>
+            </a:extLst>
+          </p:cNvPr>
+          <p:cNvSpPr txBox="1"/>
+          <p:nvPr/>
+        </p:nvSpPr>
+        <p:spPr>
+          <a:xfrm>
+            <a:off x="8767482" y="394447"/>
+            <a:ext cx="3083859" cy="769441"/>
+          </a:xfrm>
+          <a:prstGeom prst="rect">
+            <a:avLst/>
+          </a:prstGeom>
+          <a:noFill/>
+        </p:spPr>
+        <p:txBody>
+          <a:bodyPr wrap="square" rtlCol="0">
+            <a:spAutoFit/>
+          </a:bodyPr>
+          <a:lstStyle/>
+          <a:p>
+            <a:r>
+              <a:rPr lang="de-DE" sz="1100" b="1" dirty="0" err="1">
+                <a:latin typeface="Verdana" panose="020B0604030504040204" pitchFamily="34" charset="0"/>
+                <a:ea typeface="Verdana" panose="020B0604030504040204" pitchFamily="34" charset="0"/>
+              </a:rPr>
+              <a:t>noiseAnalysis.m</a:t>
+            </a:r>
+            <a:r>
+              <a:rPr lang="de-DE" sz="1100" b="1" dirty="0">
+                <a:latin typeface="Verdana" panose="020B0604030504040204" pitchFamily="34" charset="0"/>
+                <a:ea typeface="Verdana" panose="020B0604030504040204" pitchFamily="34" charset="0"/>
+              </a:rPr>
+              <a:t>:</a:t>
+            </a:r>
+          </a:p>
+          <a:p>
+            <a:pPr marL="171450" indent="-171450">
+              <a:buFont typeface="Arial" panose="020B0604020202020204" pitchFamily="34" charset="0"/>
+              <a:buChar char="•"/>
+            </a:pPr>
+            <a:r>
+              <a:rPr lang="de-DE" sz="1100" dirty="0" err="1">
+                <a:latin typeface="Verdana" panose="020B0604030504040204" pitchFamily="34" charset="0"/>
+                <a:ea typeface="Verdana" panose="020B0604030504040204" pitchFamily="34" charset="0"/>
+              </a:rPr>
+              <a:t>addpath</a:t>
+            </a:r>
+            <a:r>
+              <a:rPr lang="de-DE" sz="1100" dirty="0">
+                <a:latin typeface="Verdana" panose="020B0604030504040204" pitchFamily="34" charset="0"/>
+                <a:ea typeface="Verdana" panose="020B0604030504040204" pitchFamily="34" charset="0"/>
+              </a:rPr>
+              <a:t>(„&lt;</a:t>
+            </a:r>
+            <a:r>
+              <a:rPr lang="de-DE" sz="1100" dirty="0" err="1">
+                <a:latin typeface="Verdana" panose="020B0604030504040204" pitchFamily="34" charset="0"/>
+                <a:ea typeface="Verdana" panose="020B0604030504040204" pitchFamily="34" charset="0"/>
+              </a:rPr>
+              <a:t>path</a:t>
+            </a:r>
+            <a:r>
+              <a:rPr lang="de-DE" sz="1100" dirty="0">
+                <a:latin typeface="Verdana" panose="020B0604030504040204" pitchFamily="34" charset="0"/>
+                <a:ea typeface="Verdana" panose="020B0604030504040204" pitchFamily="34" charset="0"/>
+              </a:rPr>
+              <a:t> </a:t>
+            </a:r>
+            <a:r>
+              <a:rPr lang="de-DE" sz="1100" dirty="0" err="1">
+                <a:latin typeface="Verdana" panose="020B0604030504040204" pitchFamily="34" charset="0"/>
+                <a:ea typeface="Verdana" panose="020B0604030504040204" pitchFamily="34" charset="0"/>
+              </a:rPr>
+              <a:t>to</a:t>
+            </a:r>
+            <a:r>
+              <a:rPr lang="de-DE" sz="1100" dirty="0">
+                <a:latin typeface="Verdana" panose="020B0604030504040204" pitchFamily="34" charset="0"/>
+                <a:ea typeface="Verdana" panose="020B0604030504040204" pitchFamily="34" charset="0"/>
+              </a:rPr>
+              <a:t> matlab2tikz </a:t>
+            </a:r>
+            <a:r>
+              <a:rPr lang="de-DE" sz="1100" dirty="0" err="1">
+                <a:latin typeface="Verdana" panose="020B0604030504040204" pitchFamily="34" charset="0"/>
+                <a:ea typeface="Verdana" panose="020B0604030504040204" pitchFamily="34" charset="0"/>
+              </a:rPr>
+              <a:t>src</a:t>
+            </a:r>
+            <a:r>
+              <a:rPr lang="de-DE" sz="1100" dirty="0">
+                <a:latin typeface="Verdana" panose="020B0604030504040204" pitchFamily="34" charset="0"/>
+                <a:ea typeface="Verdana" panose="020B0604030504040204" pitchFamily="34" charset="0"/>
+              </a:rPr>
+              <a:t>&gt;“)</a:t>
+            </a:r>
+          </a:p>
+          <a:p>
+            <a:pPr marL="171450" indent="-171450">
+              <a:buFont typeface="Arial" panose="020B0604020202020204" pitchFamily="34" charset="0"/>
+              <a:buChar char="•"/>
+            </a:pPr>
+            <a:r>
+              <a:rPr lang="de-DE" sz="1100" dirty="0">
+                <a:latin typeface="Verdana" panose="020B0604030504040204" pitchFamily="34" charset="0"/>
+                <a:ea typeface="Verdana" panose="020B0604030504040204" pitchFamily="34" charset="0"/>
+              </a:rPr>
+              <a:t>matlab2tikz(„</a:t>
+            </a:r>
+            <a:r>
+              <a:rPr lang="de-DE" sz="1100" dirty="0" err="1">
+                <a:latin typeface="Verdana" panose="020B0604030504040204" pitchFamily="34" charset="0"/>
+                <a:ea typeface="Verdana" panose="020B0604030504040204" pitchFamily="34" charset="0"/>
+              </a:rPr>
+              <a:t>fileName.tex</a:t>
+            </a:r>
+            <a:r>
+              <a:rPr lang="de-DE" sz="1100" dirty="0">
+                <a:latin typeface="Verdana" panose="020B0604030504040204" pitchFamily="34" charset="0"/>
+                <a:ea typeface="Verdana" panose="020B0604030504040204" pitchFamily="34" charset="0"/>
+              </a:rPr>
+              <a:t>“) after </a:t>
+            </a:r>
+            <a:r>
+              <a:rPr lang="de-DE" sz="1100" dirty="0" err="1">
+                <a:latin typeface="Verdana" panose="020B0604030504040204" pitchFamily="34" charset="0"/>
+                <a:ea typeface="Verdana" panose="020B0604030504040204" pitchFamily="34" charset="0"/>
+              </a:rPr>
+              <a:t>figure</a:t>
+            </a:r>
+            <a:r>
+              <a:rPr lang="de-DE" sz="1100" dirty="0">
+                <a:latin typeface="Verdana" panose="020B0604030504040204" pitchFamily="34" charset="0"/>
+                <a:ea typeface="Verdana" panose="020B0604030504040204" pitchFamily="34" charset="0"/>
+              </a:rPr>
+              <a:t> </a:t>
+            </a:r>
+            <a:r>
+              <a:rPr lang="de-DE" sz="1100" dirty="0" err="1">
+                <a:latin typeface="Verdana" panose="020B0604030504040204" pitchFamily="34" charset="0"/>
+                <a:ea typeface="Verdana" panose="020B0604030504040204" pitchFamily="34" charset="0"/>
+              </a:rPr>
+              <a:t>generation</a:t>
+            </a:r>
+            <a:endParaRPr lang="de-DE" sz="1100" dirty="0">
+              <a:latin typeface="Verdana" panose="020B0604030504040204" pitchFamily="34" charset="0"/>
+              <a:ea typeface="Verdana" panose="020B0604030504040204" pitchFamily="34" charset="0"/>
+            </a:endParaRPr>
+          </a:p>
+        </p:txBody>
+      </p:sp>
+      <p:sp>
+        <p:nvSpPr>
+          <p:cNvPr id="5" name="Textfeld 4">
+            <a:extLst>
+              <a:ext uri="{FF2B5EF4-FFF2-40B4-BE49-F238E27FC236}">
+                <a16:creationId xmlns:a16="http://schemas.microsoft.com/office/drawing/2014/main" id="{40AA9B00-6A2D-4906-9067-52FDC60A3473}"/>
+              </a:ext>
+            </a:extLst>
+          </p:cNvPr>
+          <p:cNvSpPr txBox="1"/>
+          <p:nvPr/>
+        </p:nvSpPr>
+        <p:spPr>
+          <a:xfrm>
+            <a:off x="430306" y="394447"/>
+            <a:ext cx="6284259" cy="369332"/>
+          </a:xfrm>
+          <a:prstGeom prst="rect">
+            <a:avLst/>
+          </a:prstGeom>
+          <a:noFill/>
+        </p:spPr>
+        <p:txBody>
+          <a:bodyPr wrap="square" rtlCol="0">
+            <a:spAutoFit/>
+          </a:bodyPr>
+          <a:lstStyle/>
+          <a:p>
+            <a:r>
+              <a:rPr lang="de-DE" b="1" dirty="0"/>
+              <a:t>MATLAB Figure</a:t>
+            </a:r>
+          </a:p>
+        </p:txBody>
+      </p:sp>
+    </p:spTree>
+    <p:extLst>
+      <p:ext uri="{BB962C8B-B14F-4D97-AF65-F5344CB8AC3E}">
+        <p14:creationId xmlns:p14="http://schemas.microsoft.com/office/powerpoint/2010/main" val="123164969"/>
       </p:ext>
     </p:extLst>
   </p:cSld>

--- a/tikzVortrag.pptx
+++ b/tikzVortrag.pptx
@@ -12,10 +12,17 @@
     <p:sldId id="261" r:id="rId6"/>
     <p:sldId id="263" r:id="rId7"/>
     <p:sldId id="262" r:id="rId8"/>
-    <p:sldId id="264" r:id="rId9"/>
-    <p:sldId id="265" r:id="rId10"/>
-    <p:sldId id="266" r:id="rId11"/>
-    <p:sldId id="267" r:id="rId12"/>
+    <p:sldId id="269" r:id="rId9"/>
+    <p:sldId id="270" r:id="rId10"/>
+    <p:sldId id="271" r:id="rId11"/>
+    <p:sldId id="272" r:id="rId12"/>
+    <p:sldId id="273" r:id="rId13"/>
+    <p:sldId id="274" r:id="rId14"/>
+    <p:sldId id="264" r:id="rId15"/>
+    <p:sldId id="265" r:id="rId16"/>
+    <p:sldId id="266" r:id="rId17"/>
+    <p:sldId id="267" r:id="rId18"/>
+    <p:sldId id="268" r:id="rId19"/>
   </p:sldIdLst>
   <p:sldSz cx="12192000" cy="6858000"/>
   <p:notesSz cx="6858000" cy="9144000"/>
@@ -269,7 +276,7 @@
           <a:p>
             <a:fld id="{2A05E3ED-811A-443E-80DC-BCE310A8BC67}" type="datetimeFigureOut">
               <a:rPr lang="en-US" smtClean="0"/>
-              <a:t>4/22/2025</a:t>
+              <a:t>4/23/2025</a:t>
             </a:fld>
             <a:endParaRPr lang="en-US"/>
           </a:p>
@@ -467,7 +474,7 @@
           <a:p>
             <a:fld id="{2A05E3ED-811A-443E-80DC-BCE310A8BC67}" type="datetimeFigureOut">
               <a:rPr lang="en-US" smtClean="0"/>
-              <a:t>4/22/2025</a:t>
+              <a:t>4/23/2025</a:t>
             </a:fld>
             <a:endParaRPr lang="en-US"/>
           </a:p>
@@ -675,7 +682,7 @@
           <a:p>
             <a:fld id="{2A05E3ED-811A-443E-80DC-BCE310A8BC67}" type="datetimeFigureOut">
               <a:rPr lang="en-US" smtClean="0"/>
-              <a:t>4/22/2025</a:t>
+              <a:t>4/23/2025</a:t>
             </a:fld>
             <a:endParaRPr lang="en-US"/>
           </a:p>
@@ -873,7 +880,7 @@
           <a:p>
             <a:fld id="{2A05E3ED-811A-443E-80DC-BCE310A8BC67}" type="datetimeFigureOut">
               <a:rPr lang="en-US" smtClean="0"/>
-              <a:t>4/22/2025</a:t>
+              <a:t>4/23/2025</a:t>
             </a:fld>
             <a:endParaRPr lang="en-US"/>
           </a:p>
@@ -1148,7 +1155,7 @@
           <a:p>
             <a:fld id="{2A05E3ED-811A-443E-80DC-BCE310A8BC67}" type="datetimeFigureOut">
               <a:rPr lang="en-US" smtClean="0"/>
-              <a:t>4/22/2025</a:t>
+              <a:t>4/23/2025</a:t>
             </a:fld>
             <a:endParaRPr lang="en-US"/>
           </a:p>
@@ -1413,7 +1420,7 @@
           <a:p>
             <a:fld id="{2A05E3ED-811A-443E-80DC-BCE310A8BC67}" type="datetimeFigureOut">
               <a:rPr lang="en-US" smtClean="0"/>
-              <a:t>4/22/2025</a:t>
+              <a:t>4/23/2025</a:t>
             </a:fld>
             <a:endParaRPr lang="en-US"/>
           </a:p>
@@ -1825,7 +1832,7 @@
           <a:p>
             <a:fld id="{2A05E3ED-811A-443E-80DC-BCE310A8BC67}" type="datetimeFigureOut">
               <a:rPr lang="en-US" smtClean="0"/>
-              <a:t>4/22/2025</a:t>
+              <a:t>4/23/2025</a:t>
             </a:fld>
             <a:endParaRPr lang="en-US"/>
           </a:p>
@@ -1966,7 +1973,7 @@
           <a:p>
             <a:fld id="{2A05E3ED-811A-443E-80DC-BCE310A8BC67}" type="datetimeFigureOut">
               <a:rPr lang="en-US" smtClean="0"/>
-              <a:t>4/22/2025</a:t>
+              <a:t>4/23/2025</a:t>
             </a:fld>
             <a:endParaRPr lang="en-US"/>
           </a:p>
@@ -2079,7 +2086,7 @@
           <a:p>
             <a:fld id="{2A05E3ED-811A-443E-80DC-BCE310A8BC67}" type="datetimeFigureOut">
               <a:rPr lang="en-US" smtClean="0"/>
-              <a:t>4/22/2025</a:t>
+              <a:t>4/23/2025</a:t>
             </a:fld>
             <a:endParaRPr lang="en-US"/>
           </a:p>
@@ -2390,7 +2397,7 @@
           <a:p>
             <a:fld id="{2A05E3ED-811A-443E-80DC-BCE310A8BC67}" type="datetimeFigureOut">
               <a:rPr lang="en-US" smtClean="0"/>
-              <a:t>4/22/2025</a:t>
+              <a:t>4/23/2025</a:t>
             </a:fld>
             <a:endParaRPr lang="en-US"/>
           </a:p>
@@ -2678,7 +2685,7 @@
           <a:p>
             <a:fld id="{2A05E3ED-811A-443E-80DC-BCE310A8BC67}" type="datetimeFigureOut">
               <a:rPr lang="en-US" smtClean="0"/>
-              <a:t>4/22/2025</a:t>
+              <a:t>4/23/2025</a:t>
             </a:fld>
             <a:endParaRPr lang="en-US"/>
           </a:p>
@@ -2919,7 +2926,7 @@
           <a:p>
             <a:fld id="{2A05E3ED-811A-443E-80DC-BCE310A8BC67}" type="datetimeFigureOut">
               <a:rPr lang="en-US" smtClean="0"/>
-              <a:t>4/22/2025</a:t>
+              <a:t>4/23/2025</a:t>
             </a:fld>
             <a:endParaRPr lang="en-US"/>
           </a:p>
@@ -3586,12 +3593,713 @@
           <a:chExt cx="0" cy="0"/>
         </a:xfrm>
       </p:grpSpPr>
+      <p:sp>
+        <p:nvSpPr>
+          <p:cNvPr id="3" name="Rechteck 2">
+            <a:extLst>
+              <a:ext uri="{FF2B5EF4-FFF2-40B4-BE49-F238E27FC236}">
+                <a16:creationId xmlns:a16="http://schemas.microsoft.com/office/drawing/2014/main" id="{9F698CC2-CBA0-455D-BF57-078307C04E8D}"/>
+              </a:ext>
+            </a:extLst>
+          </p:cNvPr>
+          <p:cNvSpPr/>
+          <p:nvPr/>
+        </p:nvSpPr>
+        <p:spPr>
+          <a:xfrm>
+            <a:off x="4473387" y="387450"/>
+            <a:ext cx="7826189" cy="1615827"/>
+          </a:xfrm>
+          <a:prstGeom prst="rect">
+            <a:avLst/>
+          </a:prstGeom>
+        </p:spPr>
+        <p:txBody>
+          <a:bodyPr wrap="square">
+            <a:spAutoFit/>
+          </a:bodyPr>
+          <a:lstStyle/>
+          <a:p>
+            <a:r>
+              <a:rPr lang="de-DE" sz="1100" dirty="0">
+                <a:latin typeface="Verdana" panose="020B0604030504040204" pitchFamily="34" charset="0"/>
+                <a:ea typeface="Verdana" panose="020B0604030504040204" pitchFamily="34" charset="0"/>
+              </a:rPr>
+              <a:t>\</a:t>
+            </a:r>
+            <a:r>
+              <a:rPr lang="de-DE" sz="1100" dirty="0" err="1">
+                <a:latin typeface="Verdana" panose="020B0604030504040204" pitchFamily="34" charset="0"/>
+                <a:ea typeface="Verdana" panose="020B0604030504040204" pitchFamily="34" charset="0"/>
+              </a:rPr>
+              <a:t>tikzstyle</a:t>
+            </a:r>
+            <a:r>
+              <a:rPr lang="de-DE" sz="1100" dirty="0">
+                <a:latin typeface="Verdana" panose="020B0604030504040204" pitchFamily="34" charset="0"/>
+                <a:ea typeface="Verdana" panose="020B0604030504040204" pitchFamily="34" charset="0"/>
+              </a:rPr>
+              <a:t>{</a:t>
+            </a:r>
+            <a:r>
+              <a:rPr lang="de-DE" sz="1100" dirty="0" err="1">
+                <a:latin typeface="Verdana" panose="020B0604030504040204" pitchFamily="34" charset="0"/>
+                <a:ea typeface="Verdana" panose="020B0604030504040204" pitchFamily="34" charset="0"/>
+              </a:rPr>
+              <a:t>imu</a:t>
+            </a:r>
+            <a:r>
+              <a:rPr lang="de-DE" sz="1100" dirty="0">
+                <a:latin typeface="Verdana" panose="020B0604030504040204" pitchFamily="34" charset="0"/>
+                <a:ea typeface="Verdana" panose="020B0604030504040204" pitchFamily="34" charset="0"/>
+              </a:rPr>
+              <a:t>}     = [</a:t>
+            </a:r>
+            <a:r>
+              <a:rPr lang="de-DE" sz="1100" dirty="0" err="1">
+                <a:latin typeface="Verdana" panose="020B0604030504040204" pitchFamily="34" charset="0"/>
+                <a:ea typeface="Verdana" panose="020B0604030504040204" pitchFamily="34" charset="0"/>
+              </a:rPr>
+              <a:t>draw</a:t>
+            </a:r>
+            <a:r>
+              <a:rPr lang="de-DE" sz="1100" dirty="0">
+                <a:latin typeface="Verdana" panose="020B0604030504040204" pitchFamily="34" charset="0"/>
+                <a:ea typeface="Verdana" panose="020B0604030504040204" pitchFamily="34" charset="0"/>
+              </a:rPr>
+              <a:t>, </a:t>
+            </a:r>
+            <a:r>
+              <a:rPr lang="de-DE" sz="1100" dirty="0" err="1">
+                <a:latin typeface="Verdana" panose="020B0604030504040204" pitchFamily="34" charset="0"/>
+                <a:ea typeface="Verdana" panose="020B0604030504040204" pitchFamily="34" charset="0"/>
+              </a:rPr>
+              <a:t>rectangle</a:t>
+            </a:r>
+            <a:r>
+              <a:rPr lang="de-DE" sz="1100" dirty="0">
+                <a:latin typeface="Verdana" panose="020B0604030504040204" pitchFamily="34" charset="0"/>
+                <a:ea typeface="Verdana" panose="020B0604030504040204" pitchFamily="34" charset="0"/>
+              </a:rPr>
+              <a:t>, </a:t>
+            </a:r>
+            <a:r>
+              <a:rPr lang="de-DE" sz="1100" dirty="0" err="1">
+                <a:latin typeface="Verdana" panose="020B0604030504040204" pitchFamily="34" charset="0"/>
+                <a:ea typeface="Verdana" panose="020B0604030504040204" pitchFamily="34" charset="0"/>
+              </a:rPr>
+              <a:t>minimum</a:t>
+            </a:r>
+            <a:r>
+              <a:rPr lang="de-DE" sz="1100" dirty="0">
+                <a:latin typeface="Verdana" panose="020B0604030504040204" pitchFamily="34" charset="0"/>
+                <a:ea typeface="Verdana" panose="020B0604030504040204" pitchFamily="34" charset="0"/>
+              </a:rPr>
+              <a:t> </a:t>
+            </a:r>
+            <a:r>
+              <a:rPr lang="de-DE" sz="1100" dirty="0" err="1">
+                <a:latin typeface="Verdana" panose="020B0604030504040204" pitchFamily="34" charset="0"/>
+                <a:ea typeface="Verdana" panose="020B0604030504040204" pitchFamily="34" charset="0"/>
+              </a:rPr>
+              <a:t>height</a:t>
+            </a:r>
+            <a:r>
+              <a:rPr lang="de-DE" sz="1100" dirty="0">
+                <a:latin typeface="Verdana" panose="020B0604030504040204" pitchFamily="34" charset="0"/>
+                <a:ea typeface="Verdana" panose="020B0604030504040204" pitchFamily="34" charset="0"/>
+              </a:rPr>
+              <a:t>=6cm, </a:t>
+            </a:r>
+            <a:r>
+              <a:rPr lang="de-DE" sz="1100" dirty="0" err="1">
+                <a:latin typeface="Verdana" panose="020B0604030504040204" pitchFamily="34" charset="0"/>
+                <a:ea typeface="Verdana" panose="020B0604030504040204" pitchFamily="34" charset="0"/>
+              </a:rPr>
+              <a:t>minimum</a:t>
+            </a:r>
+            <a:r>
+              <a:rPr lang="de-DE" sz="1100" dirty="0">
+                <a:latin typeface="Verdana" panose="020B0604030504040204" pitchFamily="34" charset="0"/>
+                <a:ea typeface="Verdana" panose="020B0604030504040204" pitchFamily="34" charset="0"/>
+              </a:rPr>
+              <a:t> </a:t>
+            </a:r>
+            <a:r>
+              <a:rPr lang="de-DE" sz="1100" dirty="0" err="1">
+                <a:latin typeface="Verdana" panose="020B0604030504040204" pitchFamily="34" charset="0"/>
+                <a:ea typeface="Verdana" panose="020B0604030504040204" pitchFamily="34" charset="0"/>
+              </a:rPr>
+              <a:t>width</a:t>
+            </a:r>
+            <a:r>
+              <a:rPr lang="de-DE" sz="1100" dirty="0">
+                <a:latin typeface="Verdana" panose="020B0604030504040204" pitchFamily="34" charset="0"/>
+                <a:ea typeface="Verdana" panose="020B0604030504040204" pitchFamily="34" charset="0"/>
+              </a:rPr>
+              <a:t>=2.5cm]</a:t>
+            </a:r>
+          </a:p>
+          <a:p>
+            <a:r>
+              <a:rPr lang="de-DE" sz="1100" dirty="0">
+                <a:latin typeface="Verdana" panose="020B0604030504040204" pitchFamily="34" charset="0"/>
+                <a:ea typeface="Verdana" panose="020B0604030504040204" pitchFamily="34" charset="0"/>
+              </a:rPr>
+              <a:t>\</a:t>
+            </a:r>
+            <a:r>
+              <a:rPr lang="de-DE" sz="1100" dirty="0" err="1">
+                <a:latin typeface="Verdana" panose="020B0604030504040204" pitchFamily="34" charset="0"/>
+                <a:ea typeface="Verdana" panose="020B0604030504040204" pitchFamily="34" charset="0"/>
+              </a:rPr>
+              <a:t>tikzstyle</a:t>
+            </a:r>
+            <a:r>
+              <a:rPr lang="de-DE" sz="1100" dirty="0">
+                <a:latin typeface="Verdana" panose="020B0604030504040204" pitchFamily="34" charset="0"/>
+                <a:ea typeface="Verdana" panose="020B0604030504040204" pitchFamily="34" charset="0"/>
+              </a:rPr>
+              <a:t>{block}     = [</a:t>
+            </a:r>
+            <a:r>
+              <a:rPr lang="de-DE" sz="1100" dirty="0" err="1">
+                <a:latin typeface="Verdana" panose="020B0604030504040204" pitchFamily="34" charset="0"/>
+                <a:ea typeface="Verdana" panose="020B0604030504040204" pitchFamily="34" charset="0"/>
+              </a:rPr>
+              <a:t>draw</a:t>
+            </a:r>
+            <a:r>
+              <a:rPr lang="de-DE" sz="1100" dirty="0">
+                <a:latin typeface="Verdana" panose="020B0604030504040204" pitchFamily="34" charset="0"/>
+                <a:ea typeface="Verdana" panose="020B0604030504040204" pitchFamily="34" charset="0"/>
+              </a:rPr>
+              <a:t>, </a:t>
+            </a:r>
+            <a:r>
+              <a:rPr lang="de-DE" sz="1100" dirty="0" err="1">
+                <a:latin typeface="Verdana" panose="020B0604030504040204" pitchFamily="34" charset="0"/>
+                <a:ea typeface="Verdana" panose="020B0604030504040204" pitchFamily="34" charset="0"/>
+              </a:rPr>
+              <a:t>rectangle</a:t>
+            </a:r>
+            <a:r>
+              <a:rPr lang="de-DE" sz="1100" dirty="0">
+                <a:latin typeface="Verdana" panose="020B0604030504040204" pitchFamily="34" charset="0"/>
+                <a:ea typeface="Verdana" panose="020B0604030504040204" pitchFamily="34" charset="0"/>
+              </a:rPr>
+              <a:t>, </a:t>
+            </a:r>
+            <a:r>
+              <a:rPr lang="de-DE" sz="1100" dirty="0" err="1">
+                <a:latin typeface="Verdana" panose="020B0604030504040204" pitchFamily="34" charset="0"/>
+                <a:ea typeface="Verdana" panose="020B0604030504040204" pitchFamily="34" charset="0"/>
+              </a:rPr>
+              <a:t>minimum</a:t>
+            </a:r>
+            <a:r>
+              <a:rPr lang="de-DE" sz="1100" dirty="0">
+                <a:latin typeface="Verdana" panose="020B0604030504040204" pitchFamily="34" charset="0"/>
+                <a:ea typeface="Verdana" panose="020B0604030504040204" pitchFamily="34" charset="0"/>
+              </a:rPr>
+              <a:t> </a:t>
+            </a:r>
+            <a:r>
+              <a:rPr lang="de-DE" sz="1100" dirty="0" err="1">
+                <a:latin typeface="Verdana" panose="020B0604030504040204" pitchFamily="34" charset="0"/>
+                <a:ea typeface="Verdana" panose="020B0604030504040204" pitchFamily="34" charset="0"/>
+              </a:rPr>
+              <a:t>height</a:t>
+            </a:r>
+            <a:r>
+              <a:rPr lang="de-DE" sz="1100" dirty="0">
+                <a:latin typeface="Verdana" panose="020B0604030504040204" pitchFamily="34" charset="0"/>
+                <a:ea typeface="Verdana" panose="020B0604030504040204" pitchFamily="34" charset="0"/>
+              </a:rPr>
+              <a:t>=1.5cm, </a:t>
+            </a:r>
+            <a:r>
+              <a:rPr lang="de-DE" sz="1100" dirty="0" err="1">
+                <a:latin typeface="Verdana" panose="020B0604030504040204" pitchFamily="34" charset="0"/>
+                <a:ea typeface="Verdana" panose="020B0604030504040204" pitchFamily="34" charset="0"/>
+              </a:rPr>
+              <a:t>minimum</a:t>
+            </a:r>
+            <a:r>
+              <a:rPr lang="de-DE" sz="1100" dirty="0">
+                <a:latin typeface="Verdana" panose="020B0604030504040204" pitchFamily="34" charset="0"/>
+                <a:ea typeface="Verdana" panose="020B0604030504040204" pitchFamily="34" charset="0"/>
+              </a:rPr>
+              <a:t> </a:t>
+            </a:r>
+            <a:r>
+              <a:rPr lang="de-DE" sz="1100" dirty="0" err="1">
+                <a:latin typeface="Verdana" panose="020B0604030504040204" pitchFamily="34" charset="0"/>
+                <a:ea typeface="Verdana" panose="020B0604030504040204" pitchFamily="34" charset="0"/>
+              </a:rPr>
+              <a:t>width</a:t>
+            </a:r>
+            <a:r>
+              <a:rPr lang="de-DE" sz="1100" dirty="0">
+                <a:latin typeface="Verdana" panose="020B0604030504040204" pitchFamily="34" charset="0"/>
+                <a:ea typeface="Verdana" panose="020B0604030504040204" pitchFamily="34" charset="0"/>
+              </a:rPr>
+              <a:t>=1.6cm]</a:t>
+            </a:r>
+          </a:p>
+          <a:p>
+            <a:r>
+              <a:rPr lang="de-DE" sz="1100" dirty="0">
+                <a:latin typeface="Verdana" panose="020B0604030504040204" pitchFamily="34" charset="0"/>
+                <a:ea typeface="Verdana" panose="020B0604030504040204" pitchFamily="34" charset="0"/>
+              </a:rPr>
+              <a:t>\</a:t>
+            </a:r>
+            <a:r>
+              <a:rPr lang="de-DE" sz="1100" dirty="0" err="1">
+                <a:latin typeface="Verdana" panose="020B0604030504040204" pitchFamily="34" charset="0"/>
+                <a:ea typeface="Verdana" panose="020B0604030504040204" pitchFamily="34" charset="0"/>
+              </a:rPr>
+              <a:t>tikzstyle</a:t>
+            </a:r>
+            <a:r>
+              <a:rPr lang="de-DE" sz="1100" dirty="0">
+                <a:latin typeface="Verdana" panose="020B0604030504040204" pitchFamily="34" charset="0"/>
+                <a:ea typeface="Verdana" panose="020B0604030504040204" pitchFamily="34" charset="0"/>
+              </a:rPr>
+              <a:t>{</a:t>
+            </a:r>
+            <a:r>
+              <a:rPr lang="de-DE" sz="1100" dirty="0" err="1">
+                <a:latin typeface="Verdana" panose="020B0604030504040204" pitchFamily="34" charset="0"/>
+                <a:ea typeface="Verdana" panose="020B0604030504040204" pitchFamily="34" charset="0"/>
+              </a:rPr>
+              <a:t>blockM</a:t>
+            </a:r>
+            <a:r>
+              <a:rPr lang="de-DE" sz="1100" dirty="0">
+                <a:latin typeface="Verdana" panose="020B0604030504040204" pitchFamily="34" charset="0"/>
+                <a:ea typeface="Verdana" panose="020B0604030504040204" pitchFamily="34" charset="0"/>
+              </a:rPr>
+              <a:t>}     = [</a:t>
+            </a:r>
+            <a:r>
+              <a:rPr lang="de-DE" sz="1100" dirty="0" err="1">
+                <a:latin typeface="Verdana" panose="020B0604030504040204" pitchFamily="34" charset="0"/>
+                <a:ea typeface="Verdana" panose="020B0604030504040204" pitchFamily="34" charset="0"/>
+              </a:rPr>
+              <a:t>draw</a:t>
+            </a:r>
+            <a:r>
+              <a:rPr lang="de-DE" sz="1100" dirty="0">
+                <a:latin typeface="Verdana" panose="020B0604030504040204" pitchFamily="34" charset="0"/>
+                <a:ea typeface="Verdana" panose="020B0604030504040204" pitchFamily="34" charset="0"/>
+              </a:rPr>
+              <a:t>, </a:t>
+            </a:r>
+            <a:r>
+              <a:rPr lang="de-DE" sz="1100" dirty="0" err="1">
+                <a:latin typeface="Verdana" panose="020B0604030504040204" pitchFamily="34" charset="0"/>
+                <a:ea typeface="Verdana" panose="020B0604030504040204" pitchFamily="34" charset="0"/>
+              </a:rPr>
+              <a:t>rectangle</a:t>
+            </a:r>
+            <a:r>
+              <a:rPr lang="de-DE" sz="1100" dirty="0">
+                <a:latin typeface="Verdana" panose="020B0604030504040204" pitchFamily="34" charset="0"/>
+                <a:ea typeface="Verdana" panose="020B0604030504040204" pitchFamily="34" charset="0"/>
+              </a:rPr>
+              <a:t>, </a:t>
+            </a:r>
+            <a:r>
+              <a:rPr lang="de-DE" sz="1100" dirty="0" err="1">
+                <a:latin typeface="Verdana" panose="020B0604030504040204" pitchFamily="34" charset="0"/>
+                <a:ea typeface="Verdana" panose="020B0604030504040204" pitchFamily="34" charset="0"/>
+              </a:rPr>
+              <a:t>minimum</a:t>
+            </a:r>
+            <a:r>
+              <a:rPr lang="de-DE" sz="1100" dirty="0">
+                <a:latin typeface="Verdana" panose="020B0604030504040204" pitchFamily="34" charset="0"/>
+                <a:ea typeface="Verdana" panose="020B0604030504040204" pitchFamily="34" charset="0"/>
+              </a:rPr>
+              <a:t> </a:t>
+            </a:r>
+            <a:r>
+              <a:rPr lang="de-DE" sz="1100" dirty="0" err="1">
+                <a:latin typeface="Verdana" panose="020B0604030504040204" pitchFamily="34" charset="0"/>
+                <a:ea typeface="Verdana" panose="020B0604030504040204" pitchFamily="34" charset="0"/>
+              </a:rPr>
+              <a:t>height</a:t>
+            </a:r>
+            <a:r>
+              <a:rPr lang="de-DE" sz="1100" dirty="0">
+                <a:latin typeface="Verdana" panose="020B0604030504040204" pitchFamily="34" charset="0"/>
+                <a:ea typeface="Verdana" panose="020B0604030504040204" pitchFamily="34" charset="0"/>
+              </a:rPr>
+              <a:t>=0.5cm, </a:t>
+            </a:r>
+            <a:r>
+              <a:rPr lang="de-DE" sz="1100" dirty="0" err="1">
+                <a:latin typeface="Verdana" panose="020B0604030504040204" pitchFamily="34" charset="0"/>
+                <a:ea typeface="Verdana" panose="020B0604030504040204" pitchFamily="34" charset="0"/>
+              </a:rPr>
+              <a:t>minimum</a:t>
+            </a:r>
+            <a:r>
+              <a:rPr lang="de-DE" sz="1100" dirty="0">
+                <a:latin typeface="Verdana" panose="020B0604030504040204" pitchFamily="34" charset="0"/>
+                <a:ea typeface="Verdana" panose="020B0604030504040204" pitchFamily="34" charset="0"/>
+              </a:rPr>
+              <a:t> </a:t>
+            </a:r>
+            <a:r>
+              <a:rPr lang="de-DE" sz="1100" dirty="0" err="1">
+                <a:latin typeface="Verdana" panose="020B0604030504040204" pitchFamily="34" charset="0"/>
+                <a:ea typeface="Verdana" panose="020B0604030504040204" pitchFamily="34" charset="0"/>
+              </a:rPr>
+              <a:t>width</a:t>
+            </a:r>
+            <a:r>
+              <a:rPr lang="de-DE" sz="1100" dirty="0">
+                <a:latin typeface="Verdana" panose="020B0604030504040204" pitchFamily="34" charset="0"/>
+                <a:ea typeface="Verdana" panose="020B0604030504040204" pitchFamily="34" charset="0"/>
+              </a:rPr>
+              <a:t>=0.5cm]</a:t>
+            </a:r>
+          </a:p>
+          <a:p>
+            <a:r>
+              <a:rPr lang="de-DE" sz="1100" dirty="0">
+                <a:latin typeface="Verdana" panose="020B0604030504040204" pitchFamily="34" charset="0"/>
+                <a:ea typeface="Verdana" panose="020B0604030504040204" pitchFamily="34" charset="0"/>
+              </a:rPr>
+              <a:t>\</a:t>
+            </a:r>
+            <a:r>
+              <a:rPr lang="de-DE" sz="1100" dirty="0" err="1">
+                <a:latin typeface="Verdana" panose="020B0604030504040204" pitchFamily="34" charset="0"/>
+                <a:ea typeface="Verdana" panose="020B0604030504040204" pitchFamily="34" charset="0"/>
+              </a:rPr>
+              <a:t>tikzstyle</a:t>
+            </a:r>
+            <a:r>
+              <a:rPr lang="de-DE" sz="1100" dirty="0">
+                <a:latin typeface="Verdana" panose="020B0604030504040204" pitchFamily="34" charset="0"/>
+                <a:ea typeface="Verdana" panose="020B0604030504040204" pitchFamily="34" charset="0"/>
+              </a:rPr>
+              <a:t>{</a:t>
+            </a:r>
+            <a:r>
+              <a:rPr lang="de-DE" sz="1100" dirty="0" err="1">
+                <a:latin typeface="Verdana" panose="020B0604030504040204" pitchFamily="34" charset="0"/>
+                <a:ea typeface="Verdana" panose="020B0604030504040204" pitchFamily="34" charset="0"/>
+              </a:rPr>
+              <a:t>blockS</a:t>
+            </a:r>
+            <a:r>
+              <a:rPr lang="de-DE" sz="1100" dirty="0">
+                <a:latin typeface="Verdana" panose="020B0604030504040204" pitchFamily="34" charset="0"/>
+                <a:ea typeface="Verdana" panose="020B0604030504040204" pitchFamily="34" charset="0"/>
+              </a:rPr>
+              <a:t>}     = [</a:t>
+            </a:r>
+            <a:r>
+              <a:rPr lang="de-DE" sz="1100" dirty="0" err="1">
+                <a:latin typeface="Verdana" panose="020B0604030504040204" pitchFamily="34" charset="0"/>
+                <a:ea typeface="Verdana" panose="020B0604030504040204" pitchFamily="34" charset="0"/>
+              </a:rPr>
+              <a:t>draw</a:t>
+            </a:r>
+            <a:r>
+              <a:rPr lang="de-DE" sz="1100" dirty="0">
+                <a:latin typeface="Verdana" panose="020B0604030504040204" pitchFamily="34" charset="0"/>
+                <a:ea typeface="Verdana" panose="020B0604030504040204" pitchFamily="34" charset="0"/>
+              </a:rPr>
+              <a:t>, </a:t>
+            </a:r>
+            <a:r>
+              <a:rPr lang="de-DE" sz="1100" dirty="0" err="1">
+                <a:latin typeface="Verdana" panose="020B0604030504040204" pitchFamily="34" charset="0"/>
+                <a:ea typeface="Verdana" panose="020B0604030504040204" pitchFamily="34" charset="0"/>
+              </a:rPr>
+              <a:t>rectangle</a:t>
+            </a:r>
+            <a:r>
+              <a:rPr lang="de-DE" sz="1100" dirty="0">
+                <a:latin typeface="Verdana" panose="020B0604030504040204" pitchFamily="34" charset="0"/>
+                <a:ea typeface="Verdana" panose="020B0604030504040204" pitchFamily="34" charset="0"/>
+              </a:rPr>
+              <a:t>, </a:t>
+            </a:r>
+            <a:r>
+              <a:rPr lang="de-DE" sz="1100" dirty="0" err="1">
+                <a:latin typeface="Verdana" panose="020B0604030504040204" pitchFamily="34" charset="0"/>
+                <a:ea typeface="Verdana" panose="020B0604030504040204" pitchFamily="34" charset="0"/>
+              </a:rPr>
+              <a:t>minimum</a:t>
+            </a:r>
+            <a:r>
+              <a:rPr lang="de-DE" sz="1100" dirty="0">
+                <a:latin typeface="Verdana" panose="020B0604030504040204" pitchFamily="34" charset="0"/>
+                <a:ea typeface="Verdana" panose="020B0604030504040204" pitchFamily="34" charset="0"/>
+              </a:rPr>
+              <a:t> </a:t>
+            </a:r>
+            <a:r>
+              <a:rPr lang="de-DE" sz="1100" dirty="0" err="1">
+                <a:latin typeface="Verdana" panose="020B0604030504040204" pitchFamily="34" charset="0"/>
+                <a:ea typeface="Verdana" panose="020B0604030504040204" pitchFamily="34" charset="0"/>
+              </a:rPr>
+              <a:t>height</a:t>
+            </a:r>
+            <a:r>
+              <a:rPr lang="de-DE" sz="1100" dirty="0">
+                <a:latin typeface="Verdana" panose="020B0604030504040204" pitchFamily="34" charset="0"/>
+                <a:ea typeface="Verdana" panose="020B0604030504040204" pitchFamily="34" charset="0"/>
+              </a:rPr>
+              <a:t>=0.5mm, </a:t>
+            </a:r>
+            <a:r>
+              <a:rPr lang="de-DE" sz="1100" dirty="0" err="1">
+                <a:latin typeface="Verdana" panose="020B0604030504040204" pitchFamily="34" charset="0"/>
+                <a:ea typeface="Verdana" panose="020B0604030504040204" pitchFamily="34" charset="0"/>
+              </a:rPr>
+              <a:t>minimum</a:t>
+            </a:r>
+            <a:r>
+              <a:rPr lang="de-DE" sz="1100" dirty="0">
+                <a:latin typeface="Verdana" panose="020B0604030504040204" pitchFamily="34" charset="0"/>
+                <a:ea typeface="Verdana" panose="020B0604030504040204" pitchFamily="34" charset="0"/>
+              </a:rPr>
+              <a:t> </a:t>
+            </a:r>
+            <a:r>
+              <a:rPr lang="de-DE" sz="1100" dirty="0" err="1">
+                <a:latin typeface="Verdana" panose="020B0604030504040204" pitchFamily="34" charset="0"/>
+                <a:ea typeface="Verdana" panose="020B0604030504040204" pitchFamily="34" charset="0"/>
+              </a:rPr>
+              <a:t>width</a:t>
+            </a:r>
+            <a:r>
+              <a:rPr lang="de-DE" sz="1100" dirty="0">
+                <a:latin typeface="Verdana" panose="020B0604030504040204" pitchFamily="34" charset="0"/>
+                <a:ea typeface="Verdana" panose="020B0604030504040204" pitchFamily="34" charset="0"/>
+              </a:rPr>
+              <a:t>=0.5mm]</a:t>
+            </a:r>
+          </a:p>
+          <a:p>
+            <a:r>
+              <a:rPr lang="de-DE" sz="1100" dirty="0">
+                <a:latin typeface="Verdana" panose="020B0604030504040204" pitchFamily="34" charset="0"/>
+                <a:ea typeface="Verdana" panose="020B0604030504040204" pitchFamily="34" charset="0"/>
+              </a:rPr>
+              <a:t>\</a:t>
+            </a:r>
+            <a:r>
+              <a:rPr lang="de-DE" sz="1100" dirty="0" err="1">
+                <a:latin typeface="Verdana" panose="020B0604030504040204" pitchFamily="34" charset="0"/>
+                <a:ea typeface="Verdana" panose="020B0604030504040204" pitchFamily="34" charset="0"/>
+              </a:rPr>
+              <a:t>begin</a:t>
+            </a:r>
+            <a:r>
+              <a:rPr lang="de-DE" sz="1100" dirty="0">
+                <a:latin typeface="Verdana" panose="020B0604030504040204" pitchFamily="34" charset="0"/>
+                <a:ea typeface="Verdana" panose="020B0604030504040204" pitchFamily="34" charset="0"/>
+              </a:rPr>
+              <a:t>{</a:t>
+            </a:r>
+            <a:r>
+              <a:rPr lang="de-DE" sz="1100" dirty="0" err="1">
+                <a:latin typeface="Verdana" panose="020B0604030504040204" pitchFamily="34" charset="0"/>
+                <a:ea typeface="Verdana" panose="020B0604030504040204" pitchFamily="34" charset="0"/>
+              </a:rPr>
+              <a:t>tikzpicture</a:t>
+            </a:r>
+            <a:r>
+              <a:rPr lang="de-DE" sz="1100" dirty="0">
+                <a:latin typeface="Verdana" panose="020B0604030504040204" pitchFamily="34" charset="0"/>
+                <a:ea typeface="Verdana" panose="020B0604030504040204" pitchFamily="34" charset="0"/>
+              </a:rPr>
+              <a:t>}[</a:t>
+            </a:r>
+            <a:r>
+              <a:rPr lang="de-DE" sz="1100" dirty="0" err="1">
+                <a:latin typeface="Verdana" panose="020B0604030504040204" pitchFamily="34" charset="0"/>
+                <a:ea typeface="Verdana" panose="020B0604030504040204" pitchFamily="34" charset="0"/>
+              </a:rPr>
+              <a:t>auto</a:t>
+            </a:r>
+            <a:r>
+              <a:rPr lang="de-DE" sz="1100" dirty="0">
+                <a:latin typeface="Verdana" panose="020B0604030504040204" pitchFamily="34" charset="0"/>
+                <a:ea typeface="Verdana" panose="020B0604030504040204" pitchFamily="34" charset="0"/>
+              </a:rPr>
+              <a:t>, </a:t>
+            </a:r>
+            <a:r>
+              <a:rPr lang="de-DE" sz="1100" dirty="0" err="1">
+                <a:latin typeface="Verdana" panose="020B0604030504040204" pitchFamily="34" charset="0"/>
+                <a:ea typeface="Verdana" panose="020B0604030504040204" pitchFamily="34" charset="0"/>
+              </a:rPr>
+              <a:t>node</a:t>
+            </a:r>
+            <a:r>
+              <a:rPr lang="de-DE" sz="1100" dirty="0">
+                <a:latin typeface="Verdana" panose="020B0604030504040204" pitchFamily="34" charset="0"/>
+                <a:ea typeface="Verdana" panose="020B0604030504040204" pitchFamily="34" charset="0"/>
+              </a:rPr>
+              <a:t> </a:t>
+            </a:r>
+            <a:r>
+              <a:rPr lang="de-DE" sz="1100" dirty="0" err="1">
+                <a:latin typeface="Verdana" panose="020B0604030504040204" pitchFamily="34" charset="0"/>
+                <a:ea typeface="Verdana" panose="020B0604030504040204" pitchFamily="34" charset="0"/>
+              </a:rPr>
+              <a:t>distance</a:t>
+            </a:r>
+            <a:r>
+              <a:rPr lang="de-DE" sz="1100" dirty="0">
+                <a:latin typeface="Verdana" panose="020B0604030504040204" pitchFamily="34" charset="0"/>
+                <a:ea typeface="Verdana" panose="020B0604030504040204" pitchFamily="34" charset="0"/>
+              </a:rPr>
+              <a:t>=3cm, &gt;=</a:t>
+            </a:r>
+            <a:r>
+              <a:rPr lang="de-DE" sz="1100" dirty="0" err="1">
+                <a:latin typeface="Verdana" panose="020B0604030504040204" pitchFamily="34" charset="0"/>
+                <a:ea typeface="Verdana" panose="020B0604030504040204" pitchFamily="34" charset="0"/>
+              </a:rPr>
+              <a:t>stealth</a:t>
+            </a:r>
+            <a:r>
+              <a:rPr lang="de-DE" sz="1100" dirty="0">
+                <a:latin typeface="Verdana" panose="020B0604030504040204" pitchFamily="34" charset="0"/>
+                <a:ea typeface="Verdana" panose="020B0604030504040204" pitchFamily="34" charset="0"/>
+              </a:rPr>
+              <a:t>‘]</a:t>
+            </a:r>
+          </a:p>
+          <a:p>
+            <a:r>
+              <a:rPr lang="de-DE" sz="1100" dirty="0">
+                <a:latin typeface="Verdana" panose="020B0604030504040204" pitchFamily="34" charset="0"/>
+                <a:ea typeface="Verdana" panose="020B0604030504040204" pitchFamily="34" charset="0"/>
+              </a:rPr>
+              <a:t>     \</a:t>
+            </a:r>
+            <a:r>
+              <a:rPr lang="de-DE" sz="1100" dirty="0" err="1">
+                <a:latin typeface="Verdana" panose="020B0604030504040204" pitchFamily="34" charset="0"/>
+                <a:ea typeface="Verdana" panose="020B0604030504040204" pitchFamily="34" charset="0"/>
+              </a:rPr>
+              <a:t>node</a:t>
+            </a:r>
+            <a:r>
+              <a:rPr lang="de-DE" sz="1100" dirty="0">
+                <a:latin typeface="Verdana" panose="020B0604030504040204" pitchFamily="34" charset="0"/>
+                <a:ea typeface="Verdana" panose="020B0604030504040204" pitchFamily="34" charset="0"/>
+              </a:rPr>
+              <a:t>[</a:t>
+            </a:r>
+            <a:r>
+              <a:rPr lang="de-DE" sz="1100" dirty="0" err="1">
+                <a:latin typeface="Verdana" panose="020B0604030504040204" pitchFamily="34" charset="0"/>
+                <a:ea typeface="Verdana" panose="020B0604030504040204" pitchFamily="34" charset="0"/>
+              </a:rPr>
+              <a:t>imu</a:t>
+            </a:r>
+            <a:r>
+              <a:rPr lang="de-DE" sz="1100" dirty="0">
+                <a:latin typeface="Verdana" panose="020B0604030504040204" pitchFamily="34" charset="0"/>
+                <a:ea typeface="Verdana" panose="020B0604030504040204" pitchFamily="34" charset="0"/>
+              </a:rPr>
+              <a:t>] (</a:t>
+            </a:r>
+            <a:r>
+              <a:rPr lang="de-DE" sz="1100" dirty="0" err="1">
+                <a:latin typeface="Verdana" panose="020B0604030504040204" pitchFamily="34" charset="0"/>
+                <a:ea typeface="Verdana" panose="020B0604030504040204" pitchFamily="34" charset="0"/>
+              </a:rPr>
+              <a:t>imu</a:t>
+            </a:r>
+            <a:r>
+              <a:rPr lang="de-DE" sz="1100" dirty="0">
+                <a:latin typeface="Verdana" panose="020B0604030504040204" pitchFamily="34" charset="0"/>
+                <a:ea typeface="Verdana" panose="020B0604030504040204" pitchFamily="34" charset="0"/>
+              </a:rPr>
+              <a:t>) {IMU}; % IMU Block</a:t>
+            </a:r>
+          </a:p>
+          <a:p>
+            <a:r>
+              <a:rPr lang="en-US" sz="1100" dirty="0">
+                <a:latin typeface="Verdana" panose="020B0604030504040204" pitchFamily="34" charset="0"/>
+                <a:ea typeface="Verdana" panose="020B0604030504040204" pitchFamily="34" charset="0"/>
+              </a:rPr>
+              <a:t>     \node[block, above of = </a:t>
+            </a:r>
+            <a:r>
+              <a:rPr lang="en-US" sz="1100" dirty="0" err="1">
+                <a:latin typeface="Verdana" panose="020B0604030504040204" pitchFamily="34" charset="0"/>
+                <a:ea typeface="Verdana" panose="020B0604030504040204" pitchFamily="34" charset="0"/>
+              </a:rPr>
+              <a:t>imu</a:t>
+            </a:r>
+            <a:r>
+              <a:rPr lang="en-US" sz="1100" dirty="0">
+                <a:latin typeface="Verdana" panose="020B0604030504040204" pitchFamily="34" charset="0"/>
+                <a:ea typeface="Verdana" panose="020B0604030504040204" pitchFamily="34" charset="0"/>
+              </a:rPr>
+              <a:t>, node distance = 1.5cm] (gyro) {Gyro}; % Gyro Block</a:t>
+            </a:r>
+            <a:endParaRPr lang="de-DE" sz="1100" dirty="0">
+              <a:latin typeface="Verdana" panose="020B0604030504040204" pitchFamily="34" charset="0"/>
+              <a:ea typeface="Verdana" panose="020B0604030504040204" pitchFamily="34" charset="0"/>
+            </a:endParaRPr>
+          </a:p>
+          <a:p>
+            <a:r>
+              <a:rPr lang="de-DE" sz="1100" dirty="0">
+                <a:latin typeface="Verdana" panose="020B0604030504040204" pitchFamily="34" charset="0"/>
+                <a:ea typeface="Verdana" panose="020B0604030504040204" pitchFamily="34" charset="0"/>
+              </a:rPr>
+              <a:t>\end{</a:t>
+            </a:r>
+            <a:r>
+              <a:rPr lang="de-DE" sz="1100" dirty="0" err="1">
+                <a:latin typeface="Verdana" panose="020B0604030504040204" pitchFamily="34" charset="0"/>
+                <a:ea typeface="Verdana" panose="020B0604030504040204" pitchFamily="34" charset="0"/>
+              </a:rPr>
+              <a:t>tikzpicture</a:t>
+            </a:r>
+            <a:r>
+              <a:rPr lang="de-DE" sz="1100" dirty="0">
+                <a:latin typeface="Verdana" panose="020B0604030504040204" pitchFamily="34" charset="0"/>
+                <a:ea typeface="Verdana" panose="020B0604030504040204" pitchFamily="34" charset="0"/>
+              </a:rPr>
+              <a:t>} 	</a:t>
+            </a:r>
+          </a:p>
+          <a:p>
+            <a:r>
+              <a:rPr lang="de-DE" sz="1100" dirty="0">
+                <a:latin typeface="Verdana" panose="020B0604030504040204" pitchFamily="34" charset="0"/>
+                <a:ea typeface="Verdana" panose="020B0604030504040204" pitchFamily="34" charset="0"/>
+              </a:rPr>
+              <a:t>	</a:t>
+            </a:r>
+          </a:p>
+        </p:txBody>
+      </p:sp>
       <p:pic>
         <p:nvPicPr>
-          <p:cNvPr id="8" name="Grafik 7">
-            <a:extLst>
-              <a:ext uri="{FF2B5EF4-FFF2-40B4-BE49-F238E27FC236}">
-                <a16:creationId xmlns:a16="http://schemas.microsoft.com/office/drawing/2014/main" id="{7BA866E4-0DF6-41F8-8882-2F371C3EC56C}"/>
+          <p:cNvPr id="5" name="Grafik 4">
+            <a:extLst>
+              <a:ext uri="{FF2B5EF4-FFF2-40B4-BE49-F238E27FC236}">
+                <a16:creationId xmlns:a16="http://schemas.microsoft.com/office/drawing/2014/main" id="{5712B630-806D-4C3A-B1AB-B36ED3E84478}"/>
               </a:ext>
             </a:extLst>
           </p:cNvPr>
@@ -3617,8 +4325,8 @@
         </p:blipFill>
         <p:spPr>
           <a:xfrm>
-            <a:off x="2079894" y="579514"/>
-            <a:ext cx="8032211" cy="5698972"/>
+            <a:off x="-4365812" y="1536548"/>
+            <a:ext cx="12192000" cy="3641466"/>
           </a:xfrm>
           <a:prstGeom prst="rect">
             <a:avLst/>
@@ -3627,10 +4335,132 @@
       </p:pic>
       <p:sp>
         <p:nvSpPr>
-          <p:cNvPr id="9" name="Textfeld 8">
-            <a:extLst>
-              <a:ext uri="{FF2B5EF4-FFF2-40B4-BE49-F238E27FC236}">
-                <a16:creationId xmlns:a16="http://schemas.microsoft.com/office/drawing/2014/main" id="{3402DC6E-5618-4214-808E-E89243114E33}"/>
+          <p:cNvPr id="4" name="Rechteck 3">
+            <a:extLst>
+              <a:ext uri="{FF2B5EF4-FFF2-40B4-BE49-F238E27FC236}">
+                <a16:creationId xmlns:a16="http://schemas.microsoft.com/office/drawing/2014/main" id="{5F08860F-F3F1-4C4C-B09E-0222A799C18A}"/>
+              </a:ext>
+            </a:extLst>
+          </p:cNvPr>
+          <p:cNvSpPr/>
+          <p:nvPr/>
+        </p:nvSpPr>
+        <p:spPr>
+          <a:xfrm>
+            <a:off x="4979498" y="3244334"/>
+            <a:ext cx="6698695" cy="646331"/>
+          </a:xfrm>
+          <a:prstGeom prst="rect">
+            <a:avLst/>
+          </a:prstGeom>
+        </p:spPr>
+        <p:txBody>
+          <a:bodyPr wrap="square">
+            <a:spAutoFit/>
+          </a:bodyPr>
+          <a:lstStyle/>
+          <a:p>
+            <a:r>
+              <a:rPr lang="de-DE" dirty="0">
+                <a:latin typeface="Verdana" panose="020B0604030504040204" pitchFamily="34" charset="0"/>
+                <a:ea typeface="Verdana" panose="020B0604030504040204" pitchFamily="34" charset="0"/>
+              </a:rPr>
+              <a:t>\</a:t>
+            </a:r>
+            <a:r>
+              <a:rPr lang="de-DE" dirty="0" err="1">
+                <a:latin typeface="Verdana" panose="020B0604030504040204" pitchFamily="34" charset="0"/>
+                <a:ea typeface="Verdana" panose="020B0604030504040204" pitchFamily="34" charset="0"/>
+              </a:rPr>
+              <a:t>node</a:t>
+            </a:r>
+            <a:r>
+              <a:rPr lang="de-DE" dirty="0">
+                <a:latin typeface="Verdana" panose="020B0604030504040204" pitchFamily="34" charset="0"/>
+                <a:ea typeface="Verdana" panose="020B0604030504040204" pitchFamily="34" charset="0"/>
+              </a:rPr>
+              <a:t>[</a:t>
+            </a:r>
+            <a:r>
+              <a:rPr lang="de-DE" dirty="0" err="1">
+                <a:latin typeface="Verdana" panose="020B0604030504040204" pitchFamily="34" charset="0"/>
+                <a:ea typeface="Verdana" panose="020B0604030504040204" pitchFamily="34" charset="0"/>
+              </a:rPr>
+              <a:t>nodeType</a:t>
+            </a:r>
+            <a:r>
+              <a:rPr lang="de-DE" dirty="0">
+                <a:latin typeface="Verdana" panose="020B0604030504040204" pitchFamily="34" charset="0"/>
+                <a:ea typeface="Verdana" panose="020B0604030504040204" pitchFamily="34" charset="0"/>
+              </a:rPr>
+              <a:t>, </a:t>
+            </a:r>
+            <a:r>
+              <a:rPr lang="de-DE" dirty="0" err="1">
+                <a:latin typeface="Verdana" panose="020B0604030504040204" pitchFamily="34" charset="0"/>
+                <a:ea typeface="Verdana" panose="020B0604030504040204" pitchFamily="34" charset="0"/>
+              </a:rPr>
+              <a:t>nodePosition</a:t>
+            </a:r>
+            <a:r>
+              <a:rPr lang="de-DE" dirty="0">
+                <a:latin typeface="Verdana" panose="020B0604030504040204" pitchFamily="34" charset="0"/>
+                <a:ea typeface="Verdana" panose="020B0604030504040204" pitchFamily="34" charset="0"/>
+              </a:rPr>
+              <a:t>] (</a:t>
+            </a:r>
+            <a:r>
+              <a:rPr lang="de-DE" dirty="0" err="1">
+                <a:latin typeface="Verdana" panose="020B0604030504040204" pitchFamily="34" charset="0"/>
+                <a:ea typeface="Verdana" panose="020B0604030504040204" pitchFamily="34" charset="0"/>
+              </a:rPr>
+              <a:t>nodeName</a:t>
+            </a:r>
+            <a:r>
+              <a:rPr lang="de-DE" dirty="0">
+                <a:latin typeface="Verdana" panose="020B0604030504040204" pitchFamily="34" charset="0"/>
+                <a:ea typeface="Verdana" panose="020B0604030504040204" pitchFamily="34" charset="0"/>
+              </a:rPr>
+              <a:t>) {Text </a:t>
+            </a:r>
+            <a:r>
+              <a:rPr lang="de-DE" dirty="0" err="1">
+                <a:latin typeface="Verdana" panose="020B0604030504040204" pitchFamily="34" charset="0"/>
+                <a:ea typeface="Verdana" panose="020B0604030504040204" pitchFamily="34" charset="0"/>
+              </a:rPr>
+              <a:t>inside</a:t>
+            </a:r>
+            <a:r>
+              <a:rPr lang="de-DE" dirty="0">
+                <a:latin typeface="Verdana" panose="020B0604030504040204" pitchFamily="34" charset="0"/>
+                <a:ea typeface="Verdana" panose="020B0604030504040204" pitchFamily="34" charset="0"/>
+              </a:rPr>
+              <a:t> </a:t>
+            </a:r>
+            <a:r>
+              <a:rPr lang="de-DE" dirty="0" err="1">
+                <a:latin typeface="Verdana" panose="020B0604030504040204" pitchFamily="34" charset="0"/>
+                <a:ea typeface="Verdana" panose="020B0604030504040204" pitchFamily="34" charset="0"/>
+              </a:rPr>
+              <a:t>Node</a:t>
+            </a:r>
+            <a:r>
+              <a:rPr lang="de-DE" dirty="0">
+                <a:latin typeface="Verdana" panose="020B0604030504040204" pitchFamily="34" charset="0"/>
+                <a:ea typeface="Verdana" panose="020B0604030504040204" pitchFamily="34" charset="0"/>
+              </a:rPr>
+              <a:t>}; </a:t>
+            </a:r>
+            <a:endParaRPr lang="de-DE" dirty="0"/>
+          </a:p>
+        </p:txBody>
+      </p:sp>
+      <p:sp>
+        <p:nvSpPr>
+          <p:cNvPr id="6" name="Textfeld 5">
+            <a:extLst>
+              <a:ext uri="{FF2B5EF4-FFF2-40B4-BE49-F238E27FC236}">
+                <a16:creationId xmlns:a16="http://schemas.microsoft.com/office/drawing/2014/main" id="{44517C83-8F39-4E69-B2D3-7E84D6A25E31}"/>
               </a:ext>
             </a:extLst>
           </p:cNvPr>
@@ -3639,8 +4469,8 @@
         </p:nvSpPr>
         <p:spPr>
           <a:xfrm>
-            <a:off x="8857129" y="376518"/>
-            <a:ext cx="3083859" cy="600164"/>
+            <a:off x="6934572" y="4173392"/>
+            <a:ext cx="2553416" cy="523220"/>
           </a:xfrm>
           <a:prstGeom prst="rect">
             <a:avLst/>
@@ -3654,57 +4484,141 @@
           <a:lstStyle/>
           <a:p>
             <a:r>
-              <a:rPr lang="de-DE" sz="1100" dirty="0" err="1">
-                <a:latin typeface="Verdana" panose="020B0604030504040204" pitchFamily="34" charset="0"/>
-                <a:ea typeface="Verdana" panose="020B0604030504040204" pitchFamily="34" charset="0"/>
-              </a:rPr>
-              <a:t>referenceFrames_standalone.tex</a:t>
-            </a:r>
-            <a:endParaRPr lang="de-DE" sz="1100" dirty="0">
-              <a:latin typeface="Verdana" panose="020B0604030504040204" pitchFamily="34" charset="0"/>
-              <a:ea typeface="Verdana" panose="020B0604030504040204" pitchFamily="34" charset="0"/>
-            </a:endParaRPr>
-          </a:p>
-          <a:p>
-            <a:pPr marL="171450" indent="-171450">
-              <a:buFont typeface="Arial" panose="020B0604020202020204" pitchFamily="34" charset="0"/>
-              <a:buChar char="•"/>
-            </a:pPr>
-            <a:r>
-              <a:rPr lang="de-DE" sz="1100" dirty="0" err="1">
-                <a:latin typeface="Verdana" panose="020B0604030504040204" pitchFamily="34" charset="0"/>
-                <a:ea typeface="Verdana" panose="020B0604030504040204" pitchFamily="34" charset="0"/>
-              </a:rPr>
-              <a:t>referenceFrames.tex</a:t>
-            </a:r>
-            <a:endParaRPr lang="de-DE" sz="1100" dirty="0">
-              <a:latin typeface="Verdana" panose="020B0604030504040204" pitchFamily="34" charset="0"/>
-              <a:ea typeface="Verdana" panose="020B0604030504040204" pitchFamily="34" charset="0"/>
-            </a:endParaRPr>
-          </a:p>
-          <a:p>
-            <a:pPr marL="628650" lvl="1" indent="-171450">
-              <a:buFont typeface="Arial" panose="020B0604020202020204" pitchFamily="34" charset="0"/>
-              <a:buChar char="•"/>
-            </a:pPr>
-            <a:r>
-              <a:rPr lang="de-DE" sz="1100" dirty="0" err="1">
-                <a:latin typeface="Verdana" panose="020B0604030504040204" pitchFamily="34" charset="0"/>
-                <a:ea typeface="Verdana" panose="020B0604030504040204" pitchFamily="34" charset="0"/>
-              </a:rPr>
-              <a:t>quadCopter.tex</a:t>
-            </a:r>
-            <a:endParaRPr lang="de-DE" sz="1100" dirty="0">
-              <a:latin typeface="Verdana" panose="020B0604030504040204" pitchFamily="34" charset="0"/>
-              <a:ea typeface="Verdana" panose="020B0604030504040204" pitchFamily="34" charset="0"/>
+              <a:rPr lang="de-DE" sz="1400" dirty="0">
+                <a:solidFill>
+                  <a:srgbClr val="C00000"/>
+                </a:solidFill>
+              </a:rPr>
+              <a:t>Absolute </a:t>
+            </a:r>
+            <a:r>
+              <a:rPr lang="de-DE" sz="1400" dirty="0" err="1">
+                <a:solidFill>
+                  <a:srgbClr val="C00000"/>
+                </a:solidFill>
+              </a:rPr>
+              <a:t>or</a:t>
+            </a:r>
+            <a:r>
+              <a:rPr lang="de-DE" sz="1400" dirty="0">
+                <a:solidFill>
+                  <a:srgbClr val="C00000"/>
+                </a:solidFill>
+              </a:rPr>
+              <a:t> relative (</a:t>
+            </a:r>
+            <a:r>
+              <a:rPr lang="de-DE" sz="1400" dirty="0" err="1">
+                <a:solidFill>
+                  <a:srgbClr val="C00000"/>
+                </a:solidFill>
+              </a:rPr>
+              <a:t>wrt</a:t>
+            </a:r>
+            <a:r>
+              <a:rPr lang="de-DE" sz="1400" dirty="0">
+                <a:solidFill>
+                  <a:srgbClr val="C00000"/>
+                </a:solidFill>
+              </a:rPr>
+              <a:t> </a:t>
+            </a:r>
+            <a:r>
+              <a:rPr lang="de-DE" sz="1400" dirty="0" err="1">
+                <a:solidFill>
+                  <a:srgbClr val="C00000"/>
+                </a:solidFill>
+              </a:rPr>
+              <a:t>other</a:t>
+            </a:r>
+            <a:r>
+              <a:rPr lang="de-DE" sz="1400" dirty="0">
+                <a:solidFill>
+                  <a:srgbClr val="C00000"/>
+                </a:solidFill>
+              </a:rPr>
+              <a:t> </a:t>
+            </a:r>
+            <a:r>
+              <a:rPr lang="de-DE" sz="1400" dirty="0" err="1">
+                <a:solidFill>
+                  <a:srgbClr val="C00000"/>
+                </a:solidFill>
+              </a:rPr>
+              <a:t>nodes</a:t>
+            </a:r>
+            <a:r>
+              <a:rPr lang="de-DE" sz="1400" dirty="0">
+                <a:solidFill>
+                  <a:srgbClr val="C00000"/>
+                </a:solidFill>
+              </a:rPr>
+              <a:t>) </a:t>
+            </a:r>
+            <a:r>
+              <a:rPr lang="de-DE" sz="1400" dirty="0" err="1">
+                <a:solidFill>
+                  <a:srgbClr val="C00000"/>
+                </a:solidFill>
+              </a:rPr>
+              <a:t>position</a:t>
+            </a:r>
+            <a:endParaRPr lang="de-DE" sz="1400" dirty="0">
+              <a:solidFill>
+                <a:srgbClr val="C00000"/>
+              </a:solidFill>
             </a:endParaRPr>
           </a:p>
         </p:txBody>
       </p:sp>
+      <p:cxnSp>
+        <p:nvCxnSpPr>
+          <p:cNvPr id="7" name="Gerade Verbindung mit Pfeil 6">
+            <a:extLst>
+              <a:ext uri="{FF2B5EF4-FFF2-40B4-BE49-F238E27FC236}">
+                <a16:creationId xmlns:a16="http://schemas.microsoft.com/office/drawing/2014/main" id="{FB37F1A0-2E53-417C-A629-1A03634C81EE}"/>
+              </a:ext>
+            </a:extLst>
+          </p:cNvPr>
+          <p:cNvCxnSpPr>
+            <a:stCxn id="6" idx="0"/>
+          </p:cNvCxnSpPr>
+          <p:nvPr/>
+        </p:nvCxnSpPr>
+        <p:spPr>
+          <a:xfrm flipH="1" flipV="1">
+            <a:off x="7826188" y="3567499"/>
+            <a:ext cx="385092" cy="605893"/>
+          </a:xfrm>
+          <a:prstGeom prst="straightConnector1">
+            <a:avLst/>
+          </a:prstGeom>
+          <a:ln>
+            <a:solidFill>
+              <a:srgbClr val="C00000"/>
+            </a:solidFill>
+            <a:tailEnd type="triangle"/>
+          </a:ln>
+        </p:spPr>
+        <p:style>
+          <a:lnRef idx="2">
+            <a:schemeClr val="accent1"/>
+          </a:lnRef>
+          <a:fillRef idx="0">
+            <a:schemeClr val="accent1"/>
+          </a:fillRef>
+          <a:effectRef idx="1">
+            <a:schemeClr val="accent1"/>
+          </a:effectRef>
+          <a:fontRef idx="minor">
+            <a:schemeClr val="tx1"/>
+          </a:fontRef>
+        </p:style>
+      </p:cxnSp>
     </p:spTree>
     <p:extLst>
       <p:ext uri="{BB962C8B-B14F-4D97-AF65-F5344CB8AC3E}">
-        <p14:creationId xmlns:p14="http://schemas.microsoft.com/office/powerpoint/2010/main" val="666905583"/>
+        <p14:creationId xmlns:p14="http://schemas.microsoft.com/office/powerpoint/2010/main" val="4072796200"/>
       </p:ext>
     </p:extLst>
   </p:cSld>
@@ -3731,6 +4645,3525 @@
           <a:chExt cx="0" cy="0"/>
         </a:xfrm>
       </p:grpSpPr>
+      <p:sp>
+        <p:nvSpPr>
+          <p:cNvPr id="3" name="Rechteck 2">
+            <a:extLst>
+              <a:ext uri="{FF2B5EF4-FFF2-40B4-BE49-F238E27FC236}">
+                <a16:creationId xmlns:a16="http://schemas.microsoft.com/office/drawing/2014/main" id="{9F698CC2-CBA0-455D-BF57-078307C04E8D}"/>
+              </a:ext>
+            </a:extLst>
+          </p:cNvPr>
+          <p:cNvSpPr/>
+          <p:nvPr/>
+        </p:nvSpPr>
+        <p:spPr>
+          <a:xfrm>
+            <a:off x="4473387" y="387450"/>
+            <a:ext cx="7826189" cy="1785104"/>
+          </a:xfrm>
+          <a:prstGeom prst="rect">
+            <a:avLst/>
+          </a:prstGeom>
+        </p:spPr>
+        <p:txBody>
+          <a:bodyPr wrap="square">
+            <a:spAutoFit/>
+          </a:bodyPr>
+          <a:lstStyle/>
+          <a:p>
+            <a:r>
+              <a:rPr lang="de-DE" sz="1100" dirty="0">
+                <a:latin typeface="Verdana" panose="020B0604030504040204" pitchFamily="34" charset="0"/>
+                <a:ea typeface="Verdana" panose="020B0604030504040204" pitchFamily="34" charset="0"/>
+              </a:rPr>
+              <a:t>\</a:t>
+            </a:r>
+            <a:r>
+              <a:rPr lang="de-DE" sz="1100" dirty="0" err="1">
+                <a:latin typeface="Verdana" panose="020B0604030504040204" pitchFamily="34" charset="0"/>
+                <a:ea typeface="Verdana" panose="020B0604030504040204" pitchFamily="34" charset="0"/>
+              </a:rPr>
+              <a:t>tikzstyle</a:t>
+            </a:r>
+            <a:r>
+              <a:rPr lang="de-DE" sz="1100" dirty="0">
+                <a:latin typeface="Verdana" panose="020B0604030504040204" pitchFamily="34" charset="0"/>
+                <a:ea typeface="Verdana" panose="020B0604030504040204" pitchFamily="34" charset="0"/>
+              </a:rPr>
+              <a:t>{</a:t>
+            </a:r>
+            <a:r>
+              <a:rPr lang="de-DE" sz="1100" dirty="0" err="1">
+                <a:latin typeface="Verdana" panose="020B0604030504040204" pitchFamily="34" charset="0"/>
+                <a:ea typeface="Verdana" panose="020B0604030504040204" pitchFamily="34" charset="0"/>
+              </a:rPr>
+              <a:t>imu</a:t>
+            </a:r>
+            <a:r>
+              <a:rPr lang="de-DE" sz="1100" dirty="0">
+                <a:latin typeface="Verdana" panose="020B0604030504040204" pitchFamily="34" charset="0"/>
+                <a:ea typeface="Verdana" panose="020B0604030504040204" pitchFamily="34" charset="0"/>
+              </a:rPr>
+              <a:t>}     = [</a:t>
+            </a:r>
+            <a:r>
+              <a:rPr lang="de-DE" sz="1100" dirty="0" err="1">
+                <a:latin typeface="Verdana" panose="020B0604030504040204" pitchFamily="34" charset="0"/>
+                <a:ea typeface="Verdana" panose="020B0604030504040204" pitchFamily="34" charset="0"/>
+              </a:rPr>
+              <a:t>draw</a:t>
+            </a:r>
+            <a:r>
+              <a:rPr lang="de-DE" sz="1100" dirty="0">
+                <a:latin typeface="Verdana" panose="020B0604030504040204" pitchFamily="34" charset="0"/>
+                <a:ea typeface="Verdana" panose="020B0604030504040204" pitchFamily="34" charset="0"/>
+              </a:rPr>
+              <a:t>, </a:t>
+            </a:r>
+            <a:r>
+              <a:rPr lang="de-DE" sz="1100" dirty="0" err="1">
+                <a:latin typeface="Verdana" panose="020B0604030504040204" pitchFamily="34" charset="0"/>
+                <a:ea typeface="Verdana" panose="020B0604030504040204" pitchFamily="34" charset="0"/>
+              </a:rPr>
+              <a:t>rectangle</a:t>
+            </a:r>
+            <a:r>
+              <a:rPr lang="de-DE" sz="1100" dirty="0">
+                <a:latin typeface="Verdana" panose="020B0604030504040204" pitchFamily="34" charset="0"/>
+                <a:ea typeface="Verdana" panose="020B0604030504040204" pitchFamily="34" charset="0"/>
+              </a:rPr>
+              <a:t>, </a:t>
+            </a:r>
+            <a:r>
+              <a:rPr lang="de-DE" sz="1100" dirty="0" err="1">
+                <a:latin typeface="Verdana" panose="020B0604030504040204" pitchFamily="34" charset="0"/>
+                <a:ea typeface="Verdana" panose="020B0604030504040204" pitchFamily="34" charset="0"/>
+              </a:rPr>
+              <a:t>minimum</a:t>
+            </a:r>
+            <a:r>
+              <a:rPr lang="de-DE" sz="1100" dirty="0">
+                <a:latin typeface="Verdana" panose="020B0604030504040204" pitchFamily="34" charset="0"/>
+                <a:ea typeface="Verdana" panose="020B0604030504040204" pitchFamily="34" charset="0"/>
+              </a:rPr>
+              <a:t> </a:t>
+            </a:r>
+            <a:r>
+              <a:rPr lang="de-DE" sz="1100" dirty="0" err="1">
+                <a:latin typeface="Verdana" panose="020B0604030504040204" pitchFamily="34" charset="0"/>
+                <a:ea typeface="Verdana" panose="020B0604030504040204" pitchFamily="34" charset="0"/>
+              </a:rPr>
+              <a:t>height</a:t>
+            </a:r>
+            <a:r>
+              <a:rPr lang="de-DE" sz="1100" dirty="0">
+                <a:latin typeface="Verdana" panose="020B0604030504040204" pitchFamily="34" charset="0"/>
+                <a:ea typeface="Verdana" panose="020B0604030504040204" pitchFamily="34" charset="0"/>
+              </a:rPr>
+              <a:t>=6cm, </a:t>
+            </a:r>
+            <a:r>
+              <a:rPr lang="de-DE" sz="1100" dirty="0" err="1">
+                <a:latin typeface="Verdana" panose="020B0604030504040204" pitchFamily="34" charset="0"/>
+                <a:ea typeface="Verdana" panose="020B0604030504040204" pitchFamily="34" charset="0"/>
+              </a:rPr>
+              <a:t>minimum</a:t>
+            </a:r>
+            <a:r>
+              <a:rPr lang="de-DE" sz="1100" dirty="0">
+                <a:latin typeface="Verdana" panose="020B0604030504040204" pitchFamily="34" charset="0"/>
+                <a:ea typeface="Verdana" panose="020B0604030504040204" pitchFamily="34" charset="0"/>
+              </a:rPr>
+              <a:t> </a:t>
+            </a:r>
+            <a:r>
+              <a:rPr lang="de-DE" sz="1100" dirty="0" err="1">
+                <a:latin typeface="Verdana" panose="020B0604030504040204" pitchFamily="34" charset="0"/>
+                <a:ea typeface="Verdana" panose="020B0604030504040204" pitchFamily="34" charset="0"/>
+              </a:rPr>
+              <a:t>width</a:t>
+            </a:r>
+            <a:r>
+              <a:rPr lang="de-DE" sz="1100" dirty="0">
+                <a:latin typeface="Verdana" panose="020B0604030504040204" pitchFamily="34" charset="0"/>
+                <a:ea typeface="Verdana" panose="020B0604030504040204" pitchFamily="34" charset="0"/>
+              </a:rPr>
+              <a:t>=2.5cm]</a:t>
+            </a:r>
+          </a:p>
+          <a:p>
+            <a:r>
+              <a:rPr lang="de-DE" sz="1100" dirty="0">
+                <a:latin typeface="Verdana" panose="020B0604030504040204" pitchFamily="34" charset="0"/>
+                <a:ea typeface="Verdana" panose="020B0604030504040204" pitchFamily="34" charset="0"/>
+              </a:rPr>
+              <a:t>\</a:t>
+            </a:r>
+            <a:r>
+              <a:rPr lang="de-DE" sz="1100" dirty="0" err="1">
+                <a:latin typeface="Verdana" panose="020B0604030504040204" pitchFamily="34" charset="0"/>
+                <a:ea typeface="Verdana" panose="020B0604030504040204" pitchFamily="34" charset="0"/>
+              </a:rPr>
+              <a:t>tikzstyle</a:t>
+            </a:r>
+            <a:r>
+              <a:rPr lang="de-DE" sz="1100" dirty="0">
+                <a:latin typeface="Verdana" panose="020B0604030504040204" pitchFamily="34" charset="0"/>
+                <a:ea typeface="Verdana" panose="020B0604030504040204" pitchFamily="34" charset="0"/>
+              </a:rPr>
+              <a:t>{block}     = [</a:t>
+            </a:r>
+            <a:r>
+              <a:rPr lang="de-DE" sz="1100" dirty="0" err="1">
+                <a:latin typeface="Verdana" panose="020B0604030504040204" pitchFamily="34" charset="0"/>
+                <a:ea typeface="Verdana" panose="020B0604030504040204" pitchFamily="34" charset="0"/>
+              </a:rPr>
+              <a:t>draw</a:t>
+            </a:r>
+            <a:r>
+              <a:rPr lang="de-DE" sz="1100" dirty="0">
+                <a:latin typeface="Verdana" panose="020B0604030504040204" pitchFamily="34" charset="0"/>
+                <a:ea typeface="Verdana" panose="020B0604030504040204" pitchFamily="34" charset="0"/>
+              </a:rPr>
+              <a:t>, </a:t>
+            </a:r>
+            <a:r>
+              <a:rPr lang="de-DE" sz="1100" dirty="0" err="1">
+                <a:latin typeface="Verdana" panose="020B0604030504040204" pitchFamily="34" charset="0"/>
+                <a:ea typeface="Verdana" panose="020B0604030504040204" pitchFamily="34" charset="0"/>
+              </a:rPr>
+              <a:t>rectangle</a:t>
+            </a:r>
+            <a:r>
+              <a:rPr lang="de-DE" sz="1100" dirty="0">
+                <a:latin typeface="Verdana" panose="020B0604030504040204" pitchFamily="34" charset="0"/>
+                <a:ea typeface="Verdana" panose="020B0604030504040204" pitchFamily="34" charset="0"/>
+              </a:rPr>
+              <a:t>, </a:t>
+            </a:r>
+            <a:r>
+              <a:rPr lang="de-DE" sz="1100" dirty="0" err="1">
+                <a:latin typeface="Verdana" panose="020B0604030504040204" pitchFamily="34" charset="0"/>
+                <a:ea typeface="Verdana" panose="020B0604030504040204" pitchFamily="34" charset="0"/>
+              </a:rPr>
+              <a:t>minimum</a:t>
+            </a:r>
+            <a:r>
+              <a:rPr lang="de-DE" sz="1100" dirty="0">
+                <a:latin typeface="Verdana" panose="020B0604030504040204" pitchFamily="34" charset="0"/>
+                <a:ea typeface="Verdana" panose="020B0604030504040204" pitchFamily="34" charset="0"/>
+              </a:rPr>
+              <a:t> </a:t>
+            </a:r>
+            <a:r>
+              <a:rPr lang="de-DE" sz="1100" dirty="0" err="1">
+                <a:latin typeface="Verdana" panose="020B0604030504040204" pitchFamily="34" charset="0"/>
+                <a:ea typeface="Verdana" panose="020B0604030504040204" pitchFamily="34" charset="0"/>
+              </a:rPr>
+              <a:t>height</a:t>
+            </a:r>
+            <a:r>
+              <a:rPr lang="de-DE" sz="1100" dirty="0">
+                <a:latin typeface="Verdana" panose="020B0604030504040204" pitchFamily="34" charset="0"/>
+                <a:ea typeface="Verdana" panose="020B0604030504040204" pitchFamily="34" charset="0"/>
+              </a:rPr>
+              <a:t>=1.5cm, </a:t>
+            </a:r>
+            <a:r>
+              <a:rPr lang="de-DE" sz="1100" dirty="0" err="1">
+                <a:latin typeface="Verdana" panose="020B0604030504040204" pitchFamily="34" charset="0"/>
+                <a:ea typeface="Verdana" panose="020B0604030504040204" pitchFamily="34" charset="0"/>
+              </a:rPr>
+              <a:t>minimum</a:t>
+            </a:r>
+            <a:r>
+              <a:rPr lang="de-DE" sz="1100" dirty="0">
+                <a:latin typeface="Verdana" panose="020B0604030504040204" pitchFamily="34" charset="0"/>
+                <a:ea typeface="Verdana" panose="020B0604030504040204" pitchFamily="34" charset="0"/>
+              </a:rPr>
+              <a:t> </a:t>
+            </a:r>
+            <a:r>
+              <a:rPr lang="de-DE" sz="1100" dirty="0" err="1">
+                <a:latin typeface="Verdana" panose="020B0604030504040204" pitchFamily="34" charset="0"/>
+                <a:ea typeface="Verdana" panose="020B0604030504040204" pitchFamily="34" charset="0"/>
+              </a:rPr>
+              <a:t>width</a:t>
+            </a:r>
+            <a:r>
+              <a:rPr lang="de-DE" sz="1100" dirty="0">
+                <a:latin typeface="Verdana" panose="020B0604030504040204" pitchFamily="34" charset="0"/>
+                <a:ea typeface="Verdana" panose="020B0604030504040204" pitchFamily="34" charset="0"/>
+              </a:rPr>
+              <a:t>=1.6cm]</a:t>
+            </a:r>
+          </a:p>
+          <a:p>
+            <a:r>
+              <a:rPr lang="de-DE" sz="1100" dirty="0">
+                <a:latin typeface="Verdana" panose="020B0604030504040204" pitchFamily="34" charset="0"/>
+                <a:ea typeface="Verdana" panose="020B0604030504040204" pitchFamily="34" charset="0"/>
+              </a:rPr>
+              <a:t>\</a:t>
+            </a:r>
+            <a:r>
+              <a:rPr lang="de-DE" sz="1100" dirty="0" err="1">
+                <a:latin typeface="Verdana" panose="020B0604030504040204" pitchFamily="34" charset="0"/>
+                <a:ea typeface="Verdana" panose="020B0604030504040204" pitchFamily="34" charset="0"/>
+              </a:rPr>
+              <a:t>tikzstyle</a:t>
+            </a:r>
+            <a:r>
+              <a:rPr lang="de-DE" sz="1100" dirty="0">
+                <a:latin typeface="Verdana" panose="020B0604030504040204" pitchFamily="34" charset="0"/>
+                <a:ea typeface="Verdana" panose="020B0604030504040204" pitchFamily="34" charset="0"/>
+              </a:rPr>
+              <a:t>{</a:t>
+            </a:r>
+            <a:r>
+              <a:rPr lang="de-DE" sz="1100" dirty="0" err="1">
+                <a:latin typeface="Verdana" panose="020B0604030504040204" pitchFamily="34" charset="0"/>
+                <a:ea typeface="Verdana" panose="020B0604030504040204" pitchFamily="34" charset="0"/>
+              </a:rPr>
+              <a:t>blockM</a:t>
+            </a:r>
+            <a:r>
+              <a:rPr lang="de-DE" sz="1100" dirty="0">
+                <a:latin typeface="Verdana" panose="020B0604030504040204" pitchFamily="34" charset="0"/>
+                <a:ea typeface="Verdana" panose="020B0604030504040204" pitchFamily="34" charset="0"/>
+              </a:rPr>
+              <a:t>}     = [</a:t>
+            </a:r>
+            <a:r>
+              <a:rPr lang="de-DE" sz="1100" dirty="0" err="1">
+                <a:latin typeface="Verdana" panose="020B0604030504040204" pitchFamily="34" charset="0"/>
+                <a:ea typeface="Verdana" panose="020B0604030504040204" pitchFamily="34" charset="0"/>
+              </a:rPr>
+              <a:t>draw</a:t>
+            </a:r>
+            <a:r>
+              <a:rPr lang="de-DE" sz="1100" dirty="0">
+                <a:latin typeface="Verdana" panose="020B0604030504040204" pitchFamily="34" charset="0"/>
+                <a:ea typeface="Verdana" panose="020B0604030504040204" pitchFamily="34" charset="0"/>
+              </a:rPr>
+              <a:t>, </a:t>
+            </a:r>
+            <a:r>
+              <a:rPr lang="de-DE" sz="1100" dirty="0" err="1">
+                <a:latin typeface="Verdana" panose="020B0604030504040204" pitchFamily="34" charset="0"/>
+                <a:ea typeface="Verdana" panose="020B0604030504040204" pitchFamily="34" charset="0"/>
+              </a:rPr>
+              <a:t>rectangle</a:t>
+            </a:r>
+            <a:r>
+              <a:rPr lang="de-DE" sz="1100" dirty="0">
+                <a:latin typeface="Verdana" panose="020B0604030504040204" pitchFamily="34" charset="0"/>
+                <a:ea typeface="Verdana" panose="020B0604030504040204" pitchFamily="34" charset="0"/>
+              </a:rPr>
+              <a:t>, </a:t>
+            </a:r>
+            <a:r>
+              <a:rPr lang="de-DE" sz="1100" dirty="0" err="1">
+                <a:latin typeface="Verdana" panose="020B0604030504040204" pitchFamily="34" charset="0"/>
+                <a:ea typeface="Verdana" panose="020B0604030504040204" pitchFamily="34" charset="0"/>
+              </a:rPr>
+              <a:t>minimum</a:t>
+            </a:r>
+            <a:r>
+              <a:rPr lang="de-DE" sz="1100" dirty="0">
+                <a:latin typeface="Verdana" panose="020B0604030504040204" pitchFamily="34" charset="0"/>
+                <a:ea typeface="Verdana" panose="020B0604030504040204" pitchFamily="34" charset="0"/>
+              </a:rPr>
+              <a:t> </a:t>
+            </a:r>
+            <a:r>
+              <a:rPr lang="de-DE" sz="1100" dirty="0" err="1">
+                <a:latin typeface="Verdana" panose="020B0604030504040204" pitchFamily="34" charset="0"/>
+                <a:ea typeface="Verdana" panose="020B0604030504040204" pitchFamily="34" charset="0"/>
+              </a:rPr>
+              <a:t>height</a:t>
+            </a:r>
+            <a:r>
+              <a:rPr lang="de-DE" sz="1100" dirty="0">
+                <a:latin typeface="Verdana" panose="020B0604030504040204" pitchFamily="34" charset="0"/>
+                <a:ea typeface="Verdana" panose="020B0604030504040204" pitchFamily="34" charset="0"/>
+              </a:rPr>
+              <a:t>=0.5cm, </a:t>
+            </a:r>
+            <a:r>
+              <a:rPr lang="de-DE" sz="1100" dirty="0" err="1">
+                <a:latin typeface="Verdana" panose="020B0604030504040204" pitchFamily="34" charset="0"/>
+                <a:ea typeface="Verdana" panose="020B0604030504040204" pitchFamily="34" charset="0"/>
+              </a:rPr>
+              <a:t>minimum</a:t>
+            </a:r>
+            <a:r>
+              <a:rPr lang="de-DE" sz="1100" dirty="0">
+                <a:latin typeface="Verdana" panose="020B0604030504040204" pitchFamily="34" charset="0"/>
+                <a:ea typeface="Verdana" panose="020B0604030504040204" pitchFamily="34" charset="0"/>
+              </a:rPr>
+              <a:t> </a:t>
+            </a:r>
+            <a:r>
+              <a:rPr lang="de-DE" sz="1100" dirty="0" err="1">
+                <a:latin typeface="Verdana" panose="020B0604030504040204" pitchFamily="34" charset="0"/>
+                <a:ea typeface="Verdana" panose="020B0604030504040204" pitchFamily="34" charset="0"/>
+              </a:rPr>
+              <a:t>width</a:t>
+            </a:r>
+            <a:r>
+              <a:rPr lang="de-DE" sz="1100" dirty="0">
+                <a:latin typeface="Verdana" panose="020B0604030504040204" pitchFamily="34" charset="0"/>
+                <a:ea typeface="Verdana" panose="020B0604030504040204" pitchFamily="34" charset="0"/>
+              </a:rPr>
+              <a:t>=0.5cm]</a:t>
+            </a:r>
+          </a:p>
+          <a:p>
+            <a:r>
+              <a:rPr lang="de-DE" sz="1100" dirty="0">
+                <a:latin typeface="Verdana" panose="020B0604030504040204" pitchFamily="34" charset="0"/>
+                <a:ea typeface="Verdana" panose="020B0604030504040204" pitchFamily="34" charset="0"/>
+              </a:rPr>
+              <a:t>\</a:t>
+            </a:r>
+            <a:r>
+              <a:rPr lang="de-DE" sz="1100" dirty="0" err="1">
+                <a:latin typeface="Verdana" panose="020B0604030504040204" pitchFamily="34" charset="0"/>
+                <a:ea typeface="Verdana" panose="020B0604030504040204" pitchFamily="34" charset="0"/>
+              </a:rPr>
+              <a:t>tikzstyle</a:t>
+            </a:r>
+            <a:r>
+              <a:rPr lang="de-DE" sz="1100" dirty="0">
+                <a:latin typeface="Verdana" panose="020B0604030504040204" pitchFamily="34" charset="0"/>
+                <a:ea typeface="Verdana" panose="020B0604030504040204" pitchFamily="34" charset="0"/>
+              </a:rPr>
+              <a:t>{</a:t>
+            </a:r>
+            <a:r>
+              <a:rPr lang="de-DE" sz="1100" dirty="0" err="1">
+                <a:latin typeface="Verdana" panose="020B0604030504040204" pitchFamily="34" charset="0"/>
+                <a:ea typeface="Verdana" panose="020B0604030504040204" pitchFamily="34" charset="0"/>
+              </a:rPr>
+              <a:t>blockS</a:t>
+            </a:r>
+            <a:r>
+              <a:rPr lang="de-DE" sz="1100" dirty="0">
+                <a:latin typeface="Verdana" panose="020B0604030504040204" pitchFamily="34" charset="0"/>
+                <a:ea typeface="Verdana" panose="020B0604030504040204" pitchFamily="34" charset="0"/>
+              </a:rPr>
+              <a:t>}     = [</a:t>
+            </a:r>
+            <a:r>
+              <a:rPr lang="de-DE" sz="1100" dirty="0" err="1">
+                <a:latin typeface="Verdana" panose="020B0604030504040204" pitchFamily="34" charset="0"/>
+                <a:ea typeface="Verdana" panose="020B0604030504040204" pitchFamily="34" charset="0"/>
+              </a:rPr>
+              <a:t>draw</a:t>
+            </a:r>
+            <a:r>
+              <a:rPr lang="de-DE" sz="1100" dirty="0">
+                <a:latin typeface="Verdana" panose="020B0604030504040204" pitchFamily="34" charset="0"/>
+                <a:ea typeface="Verdana" panose="020B0604030504040204" pitchFamily="34" charset="0"/>
+              </a:rPr>
+              <a:t>, </a:t>
+            </a:r>
+            <a:r>
+              <a:rPr lang="de-DE" sz="1100" dirty="0" err="1">
+                <a:latin typeface="Verdana" panose="020B0604030504040204" pitchFamily="34" charset="0"/>
+                <a:ea typeface="Verdana" panose="020B0604030504040204" pitchFamily="34" charset="0"/>
+              </a:rPr>
+              <a:t>rectangle</a:t>
+            </a:r>
+            <a:r>
+              <a:rPr lang="de-DE" sz="1100" dirty="0">
+                <a:latin typeface="Verdana" panose="020B0604030504040204" pitchFamily="34" charset="0"/>
+                <a:ea typeface="Verdana" panose="020B0604030504040204" pitchFamily="34" charset="0"/>
+              </a:rPr>
+              <a:t>, </a:t>
+            </a:r>
+            <a:r>
+              <a:rPr lang="de-DE" sz="1100" dirty="0" err="1">
+                <a:latin typeface="Verdana" panose="020B0604030504040204" pitchFamily="34" charset="0"/>
+                <a:ea typeface="Verdana" panose="020B0604030504040204" pitchFamily="34" charset="0"/>
+              </a:rPr>
+              <a:t>minimum</a:t>
+            </a:r>
+            <a:r>
+              <a:rPr lang="de-DE" sz="1100" dirty="0">
+                <a:latin typeface="Verdana" panose="020B0604030504040204" pitchFamily="34" charset="0"/>
+                <a:ea typeface="Verdana" panose="020B0604030504040204" pitchFamily="34" charset="0"/>
+              </a:rPr>
+              <a:t> </a:t>
+            </a:r>
+            <a:r>
+              <a:rPr lang="de-DE" sz="1100" dirty="0" err="1">
+                <a:latin typeface="Verdana" panose="020B0604030504040204" pitchFamily="34" charset="0"/>
+                <a:ea typeface="Verdana" panose="020B0604030504040204" pitchFamily="34" charset="0"/>
+              </a:rPr>
+              <a:t>height</a:t>
+            </a:r>
+            <a:r>
+              <a:rPr lang="de-DE" sz="1100" dirty="0">
+                <a:latin typeface="Verdana" panose="020B0604030504040204" pitchFamily="34" charset="0"/>
+                <a:ea typeface="Verdana" panose="020B0604030504040204" pitchFamily="34" charset="0"/>
+              </a:rPr>
+              <a:t>=0.5mm, </a:t>
+            </a:r>
+            <a:r>
+              <a:rPr lang="de-DE" sz="1100" dirty="0" err="1">
+                <a:latin typeface="Verdana" panose="020B0604030504040204" pitchFamily="34" charset="0"/>
+                <a:ea typeface="Verdana" panose="020B0604030504040204" pitchFamily="34" charset="0"/>
+              </a:rPr>
+              <a:t>minimum</a:t>
+            </a:r>
+            <a:r>
+              <a:rPr lang="de-DE" sz="1100" dirty="0">
+                <a:latin typeface="Verdana" panose="020B0604030504040204" pitchFamily="34" charset="0"/>
+                <a:ea typeface="Verdana" panose="020B0604030504040204" pitchFamily="34" charset="0"/>
+              </a:rPr>
+              <a:t> </a:t>
+            </a:r>
+            <a:r>
+              <a:rPr lang="de-DE" sz="1100" dirty="0" err="1">
+                <a:latin typeface="Verdana" panose="020B0604030504040204" pitchFamily="34" charset="0"/>
+                <a:ea typeface="Verdana" panose="020B0604030504040204" pitchFamily="34" charset="0"/>
+              </a:rPr>
+              <a:t>width</a:t>
+            </a:r>
+            <a:r>
+              <a:rPr lang="de-DE" sz="1100" dirty="0">
+                <a:latin typeface="Verdana" panose="020B0604030504040204" pitchFamily="34" charset="0"/>
+                <a:ea typeface="Verdana" panose="020B0604030504040204" pitchFamily="34" charset="0"/>
+              </a:rPr>
+              <a:t>=0.5mm]</a:t>
+            </a:r>
+          </a:p>
+          <a:p>
+            <a:r>
+              <a:rPr lang="de-DE" sz="1100" dirty="0">
+                <a:latin typeface="Verdana" panose="020B0604030504040204" pitchFamily="34" charset="0"/>
+                <a:ea typeface="Verdana" panose="020B0604030504040204" pitchFamily="34" charset="0"/>
+              </a:rPr>
+              <a:t>\</a:t>
+            </a:r>
+            <a:r>
+              <a:rPr lang="de-DE" sz="1100" dirty="0" err="1">
+                <a:latin typeface="Verdana" panose="020B0604030504040204" pitchFamily="34" charset="0"/>
+                <a:ea typeface="Verdana" panose="020B0604030504040204" pitchFamily="34" charset="0"/>
+              </a:rPr>
+              <a:t>begin</a:t>
+            </a:r>
+            <a:r>
+              <a:rPr lang="de-DE" sz="1100" dirty="0">
+                <a:latin typeface="Verdana" panose="020B0604030504040204" pitchFamily="34" charset="0"/>
+                <a:ea typeface="Verdana" panose="020B0604030504040204" pitchFamily="34" charset="0"/>
+              </a:rPr>
+              <a:t>{</a:t>
+            </a:r>
+            <a:r>
+              <a:rPr lang="de-DE" sz="1100" dirty="0" err="1">
+                <a:latin typeface="Verdana" panose="020B0604030504040204" pitchFamily="34" charset="0"/>
+                <a:ea typeface="Verdana" panose="020B0604030504040204" pitchFamily="34" charset="0"/>
+              </a:rPr>
+              <a:t>tikzpicture</a:t>
+            </a:r>
+            <a:r>
+              <a:rPr lang="de-DE" sz="1100" dirty="0">
+                <a:latin typeface="Verdana" panose="020B0604030504040204" pitchFamily="34" charset="0"/>
+                <a:ea typeface="Verdana" panose="020B0604030504040204" pitchFamily="34" charset="0"/>
+              </a:rPr>
+              <a:t>}[</a:t>
+            </a:r>
+            <a:r>
+              <a:rPr lang="de-DE" sz="1100" dirty="0" err="1">
+                <a:latin typeface="Verdana" panose="020B0604030504040204" pitchFamily="34" charset="0"/>
+                <a:ea typeface="Verdana" panose="020B0604030504040204" pitchFamily="34" charset="0"/>
+              </a:rPr>
+              <a:t>auto</a:t>
+            </a:r>
+            <a:r>
+              <a:rPr lang="de-DE" sz="1100" dirty="0">
+                <a:latin typeface="Verdana" panose="020B0604030504040204" pitchFamily="34" charset="0"/>
+                <a:ea typeface="Verdana" panose="020B0604030504040204" pitchFamily="34" charset="0"/>
+              </a:rPr>
+              <a:t>, </a:t>
+            </a:r>
+            <a:r>
+              <a:rPr lang="de-DE" sz="1100" dirty="0" err="1">
+                <a:latin typeface="Verdana" panose="020B0604030504040204" pitchFamily="34" charset="0"/>
+                <a:ea typeface="Verdana" panose="020B0604030504040204" pitchFamily="34" charset="0"/>
+              </a:rPr>
+              <a:t>node</a:t>
+            </a:r>
+            <a:r>
+              <a:rPr lang="de-DE" sz="1100" dirty="0">
+                <a:latin typeface="Verdana" panose="020B0604030504040204" pitchFamily="34" charset="0"/>
+                <a:ea typeface="Verdana" panose="020B0604030504040204" pitchFamily="34" charset="0"/>
+              </a:rPr>
+              <a:t> </a:t>
+            </a:r>
+            <a:r>
+              <a:rPr lang="de-DE" sz="1100" dirty="0" err="1">
+                <a:latin typeface="Verdana" panose="020B0604030504040204" pitchFamily="34" charset="0"/>
+                <a:ea typeface="Verdana" panose="020B0604030504040204" pitchFamily="34" charset="0"/>
+              </a:rPr>
+              <a:t>distance</a:t>
+            </a:r>
+            <a:r>
+              <a:rPr lang="de-DE" sz="1100" dirty="0">
+                <a:latin typeface="Verdana" panose="020B0604030504040204" pitchFamily="34" charset="0"/>
+                <a:ea typeface="Verdana" panose="020B0604030504040204" pitchFamily="34" charset="0"/>
+              </a:rPr>
+              <a:t>=3cm, &gt;=</a:t>
+            </a:r>
+            <a:r>
+              <a:rPr lang="de-DE" sz="1100" dirty="0" err="1">
+                <a:latin typeface="Verdana" panose="020B0604030504040204" pitchFamily="34" charset="0"/>
+                <a:ea typeface="Verdana" panose="020B0604030504040204" pitchFamily="34" charset="0"/>
+              </a:rPr>
+              <a:t>stealth</a:t>
+            </a:r>
+            <a:r>
+              <a:rPr lang="de-DE" sz="1100" dirty="0">
+                <a:latin typeface="Verdana" panose="020B0604030504040204" pitchFamily="34" charset="0"/>
+                <a:ea typeface="Verdana" panose="020B0604030504040204" pitchFamily="34" charset="0"/>
+              </a:rPr>
+              <a:t>‘]</a:t>
+            </a:r>
+          </a:p>
+          <a:p>
+            <a:r>
+              <a:rPr lang="de-DE" sz="1100" dirty="0">
+                <a:latin typeface="Verdana" panose="020B0604030504040204" pitchFamily="34" charset="0"/>
+                <a:ea typeface="Verdana" panose="020B0604030504040204" pitchFamily="34" charset="0"/>
+              </a:rPr>
+              <a:t>     \</a:t>
+            </a:r>
+            <a:r>
+              <a:rPr lang="de-DE" sz="1100" dirty="0" err="1">
+                <a:latin typeface="Verdana" panose="020B0604030504040204" pitchFamily="34" charset="0"/>
+                <a:ea typeface="Verdana" panose="020B0604030504040204" pitchFamily="34" charset="0"/>
+              </a:rPr>
+              <a:t>node</a:t>
+            </a:r>
+            <a:r>
+              <a:rPr lang="de-DE" sz="1100" dirty="0">
+                <a:latin typeface="Verdana" panose="020B0604030504040204" pitchFamily="34" charset="0"/>
+                <a:ea typeface="Verdana" panose="020B0604030504040204" pitchFamily="34" charset="0"/>
+              </a:rPr>
+              <a:t>[</a:t>
+            </a:r>
+            <a:r>
+              <a:rPr lang="de-DE" sz="1100" dirty="0" err="1">
+                <a:latin typeface="Verdana" panose="020B0604030504040204" pitchFamily="34" charset="0"/>
+                <a:ea typeface="Verdana" panose="020B0604030504040204" pitchFamily="34" charset="0"/>
+              </a:rPr>
+              <a:t>imu</a:t>
+            </a:r>
+            <a:r>
+              <a:rPr lang="de-DE" sz="1100" dirty="0">
+                <a:latin typeface="Verdana" panose="020B0604030504040204" pitchFamily="34" charset="0"/>
+                <a:ea typeface="Verdana" panose="020B0604030504040204" pitchFamily="34" charset="0"/>
+              </a:rPr>
+              <a:t>] (</a:t>
+            </a:r>
+            <a:r>
+              <a:rPr lang="de-DE" sz="1100" dirty="0" err="1">
+                <a:latin typeface="Verdana" panose="020B0604030504040204" pitchFamily="34" charset="0"/>
+                <a:ea typeface="Verdana" panose="020B0604030504040204" pitchFamily="34" charset="0"/>
+              </a:rPr>
+              <a:t>imu</a:t>
+            </a:r>
+            <a:r>
+              <a:rPr lang="de-DE" sz="1100" dirty="0">
+                <a:latin typeface="Verdana" panose="020B0604030504040204" pitchFamily="34" charset="0"/>
+                <a:ea typeface="Verdana" panose="020B0604030504040204" pitchFamily="34" charset="0"/>
+              </a:rPr>
+              <a:t>) {IMU}; % IMU Block</a:t>
+            </a:r>
+          </a:p>
+          <a:p>
+            <a:r>
+              <a:rPr lang="en-US" sz="1100" dirty="0">
+                <a:latin typeface="Verdana" panose="020B0604030504040204" pitchFamily="34" charset="0"/>
+                <a:ea typeface="Verdana" panose="020B0604030504040204" pitchFamily="34" charset="0"/>
+              </a:rPr>
+              <a:t>     \node[block, above of = </a:t>
+            </a:r>
+            <a:r>
+              <a:rPr lang="en-US" sz="1100" dirty="0" err="1">
+                <a:latin typeface="Verdana" panose="020B0604030504040204" pitchFamily="34" charset="0"/>
+                <a:ea typeface="Verdana" panose="020B0604030504040204" pitchFamily="34" charset="0"/>
+              </a:rPr>
+              <a:t>imu</a:t>
+            </a:r>
+            <a:r>
+              <a:rPr lang="en-US" sz="1100" dirty="0">
+                <a:latin typeface="Verdana" panose="020B0604030504040204" pitchFamily="34" charset="0"/>
+                <a:ea typeface="Verdana" panose="020B0604030504040204" pitchFamily="34" charset="0"/>
+              </a:rPr>
+              <a:t>, node distance = 1.5cm] (gyro) {Gyro}; % Gyro Block</a:t>
+            </a:r>
+          </a:p>
+          <a:p>
+            <a:r>
+              <a:rPr lang="en-US" sz="1100" dirty="0">
+                <a:latin typeface="Verdana" panose="020B0604030504040204" pitchFamily="34" charset="0"/>
+                <a:ea typeface="Verdana" panose="020B0604030504040204" pitchFamily="34" charset="0"/>
+              </a:rPr>
+              <a:t>     \node[block, below of = </a:t>
+            </a:r>
+            <a:r>
+              <a:rPr lang="en-US" sz="1100" dirty="0" err="1">
+                <a:latin typeface="Verdana" panose="020B0604030504040204" pitchFamily="34" charset="0"/>
+                <a:ea typeface="Verdana" panose="020B0604030504040204" pitchFamily="34" charset="0"/>
+              </a:rPr>
+              <a:t>imu</a:t>
+            </a:r>
+            <a:r>
+              <a:rPr lang="en-US" sz="1100" dirty="0">
+                <a:latin typeface="Verdana" panose="020B0604030504040204" pitchFamily="34" charset="0"/>
+                <a:ea typeface="Verdana" panose="020B0604030504040204" pitchFamily="34" charset="0"/>
+              </a:rPr>
+              <a:t>, node distance = 1.5cm] (acc) {Acc}; % Acc Block</a:t>
+            </a:r>
+            <a:endParaRPr lang="de-DE" sz="1100" dirty="0">
+              <a:latin typeface="Verdana" panose="020B0604030504040204" pitchFamily="34" charset="0"/>
+              <a:ea typeface="Verdana" panose="020B0604030504040204" pitchFamily="34" charset="0"/>
+            </a:endParaRPr>
+          </a:p>
+          <a:p>
+            <a:r>
+              <a:rPr lang="de-DE" sz="1100" dirty="0">
+                <a:latin typeface="Verdana" panose="020B0604030504040204" pitchFamily="34" charset="0"/>
+                <a:ea typeface="Verdana" panose="020B0604030504040204" pitchFamily="34" charset="0"/>
+              </a:rPr>
+              <a:t>\end{</a:t>
+            </a:r>
+            <a:r>
+              <a:rPr lang="de-DE" sz="1100" dirty="0" err="1">
+                <a:latin typeface="Verdana" panose="020B0604030504040204" pitchFamily="34" charset="0"/>
+                <a:ea typeface="Verdana" panose="020B0604030504040204" pitchFamily="34" charset="0"/>
+              </a:rPr>
+              <a:t>tikzpicture</a:t>
+            </a:r>
+            <a:r>
+              <a:rPr lang="de-DE" sz="1100" dirty="0">
+                <a:latin typeface="Verdana" panose="020B0604030504040204" pitchFamily="34" charset="0"/>
+                <a:ea typeface="Verdana" panose="020B0604030504040204" pitchFamily="34" charset="0"/>
+              </a:rPr>
+              <a:t>} 	</a:t>
+            </a:r>
+          </a:p>
+          <a:p>
+            <a:r>
+              <a:rPr lang="de-DE" sz="1100" dirty="0">
+                <a:latin typeface="Verdana" panose="020B0604030504040204" pitchFamily="34" charset="0"/>
+                <a:ea typeface="Verdana" panose="020B0604030504040204" pitchFamily="34" charset="0"/>
+              </a:rPr>
+              <a:t>	</a:t>
+            </a:r>
+          </a:p>
+        </p:txBody>
+      </p:sp>
+      <p:pic>
+        <p:nvPicPr>
+          <p:cNvPr id="5" name="Grafik 4">
+            <a:extLst>
+              <a:ext uri="{FF2B5EF4-FFF2-40B4-BE49-F238E27FC236}">
+                <a16:creationId xmlns:a16="http://schemas.microsoft.com/office/drawing/2014/main" id="{5712B630-806D-4C3A-B1AB-B36ED3E84478}"/>
+              </a:ext>
+            </a:extLst>
+          </p:cNvPr>
+          <p:cNvPicPr>
+            <a:picLocks noChangeAspect="1"/>
+          </p:cNvPicPr>
+          <p:nvPr/>
+        </p:nvPicPr>
+        <p:blipFill>
+          <a:blip r:embed="rId2">
+            <a:extLst>
+              <a:ext uri="{28A0092B-C50C-407E-A947-70E740481C1C}">
+                <a14:useLocalDpi xmlns:a14="http://schemas.microsoft.com/office/drawing/2010/main" val="0"/>
+              </a:ext>
+              <a:ext uri="{96DAC541-7B7A-43D3-8B79-37D633B846F1}">
+                <asvg:svgBlip xmlns:asvg="http://schemas.microsoft.com/office/drawing/2016/SVG/main" r:embed="rId3"/>
+              </a:ext>
+            </a:extLst>
+          </a:blip>
+          <a:stretch>
+            <a:fillRect/>
+          </a:stretch>
+        </p:blipFill>
+        <p:spPr>
+          <a:xfrm>
+            <a:off x="-4365812" y="1536548"/>
+            <a:ext cx="12192000" cy="3641466"/>
+          </a:xfrm>
+          <a:prstGeom prst="rect">
+            <a:avLst/>
+          </a:prstGeom>
+        </p:spPr>
+      </p:pic>
+    </p:spTree>
+    <p:extLst>
+      <p:ext uri="{BB962C8B-B14F-4D97-AF65-F5344CB8AC3E}">
+        <p14:creationId xmlns:p14="http://schemas.microsoft.com/office/powerpoint/2010/main" val="1941930294"/>
+      </p:ext>
+    </p:extLst>
+  </p:cSld>
+  <p:clrMapOvr>
+    <a:masterClrMapping/>
+  </p:clrMapOvr>
+</p:sld>
+</file>
+
+<file path=ppt/slides/slide12.xml><?xml version="1.0" encoding="utf-8"?>
+<p:sld xmlns:a="http://schemas.openxmlformats.org/drawingml/2006/main" xmlns:r="http://schemas.openxmlformats.org/officeDocument/2006/relationships" xmlns:p="http://schemas.openxmlformats.org/presentationml/2006/main">
+  <p:cSld>
+    <p:spTree>
+      <p:nvGrpSpPr>
+        <p:cNvPr id="1" name=""/>
+        <p:cNvGrpSpPr/>
+        <p:nvPr/>
+      </p:nvGrpSpPr>
+      <p:grpSpPr>
+        <a:xfrm>
+          <a:off x="0" y="0"/>
+          <a:ext cx="0" cy="0"/>
+          <a:chOff x="0" y="0"/>
+          <a:chExt cx="0" cy="0"/>
+        </a:xfrm>
+      </p:grpSpPr>
+      <p:pic>
+        <p:nvPicPr>
+          <p:cNvPr id="5" name="Grafik 4">
+            <a:extLst>
+              <a:ext uri="{FF2B5EF4-FFF2-40B4-BE49-F238E27FC236}">
+                <a16:creationId xmlns:a16="http://schemas.microsoft.com/office/drawing/2014/main" id="{5712B630-806D-4C3A-B1AB-B36ED3E84478}"/>
+              </a:ext>
+            </a:extLst>
+          </p:cNvPr>
+          <p:cNvPicPr>
+            <a:picLocks noChangeAspect="1"/>
+          </p:cNvPicPr>
+          <p:nvPr/>
+        </p:nvPicPr>
+        <p:blipFill>
+          <a:blip r:embed="rId2">
+            <a:extLst>
+              <a:ext uri="{28A0092B-C50C-407E-A947-70E740481C1C}">
+                <a14:useLocalDpi xmlns:a14="http://schemas.microsoft.com/office/drawing/2010/main" val="0"/>
+              </a:ext>
+              <a:ext uri="{96DAC541-7B7A-43D3-8B79-37D633B846F1}">
+                <asvg:svgBlip xmlns:asvg="http://schemas.microsoft.com/office/drawing/2016/SVG/main" r:embed="rId3"/>
+              </a:ext>
+            </a:extLst>
+          </a:blip>
+          <a:stretch>
+            <a:fillRect/>
+          </a:stretch>
+        </p:blipFill>
+        <p:spPr>
+          <a:xfrm>
+            <a:off x="-3762308" y="1536548"/>
+            <a:ext cx="12192000" cy="3641466"/>
+          </a:xfrm>
+          <a:prstGeom prst="rect">
+            <a:avLst/>
+          </a:prstGeom>
+        </p:spPr>
+      </p:pic>
+      <p:sp>
+        <p:nvSpPr>
+          <p:cNvPr id="3" name="Rechteck 2">
+            <a:extLst>
+              <a:ext uri="{FF2B5EF4-FFF2-40B4-BE49-F238E27FC236}">
+                <a16:creationId xmlns:a16="http://schemas.microsoft.com/office/drawing/2014/main" id="{9F698CC2-CBA0-455D-BF57-078307C04E8D}"/>
+              </a:ext>
+            </a:extLst>
+          </p:cNvPr>
+          <p:cNvSpPr/>
+          <p:nvPr/>
+        </p:nvSpPr>
+        <p:spPr>
+          <a:xfrm>
+            <a:off x="4473387" y="387450"/>
+            <a:ext cx="7826189" cy="3647152"/>
+          </a:xfrm>
+          <a:prstGeom prst="rect">
+            <a:avLst/>
+          </a:prstGeom>
+        </p:spPr>
+        <p:txBody>
+          <a:bodyPr wrap="square">
+            <a:spAutoFit/>
+          </a:bodyPr>
+          <a:lstStyle/>
+          <a:p>
+            <a:r>
+              <a:rPr lang="de-DE" sz="1100" dirty="0">
+                <a:latin typeface="Verdana" panose="020B0604030504040204" pitchFamily="34" charset="0"/>
+                <a:ea typeface="Verdana" panose="020B0604030504040204" pitchFamily="34" charset="0"/>
+              </a:rPr>
+              <a:t>\</a:t>
+            </a:r>
+            <a:r>
+              <a:rPr lang="de-DE" sz="1100" dirty="0" err="1">
+                <a:latin typeface="Verdana" panose="020B0604030504040204" pitchFamily="34" charset="0"/>
+                <a:ea typeface="Verdana" panose="020B0604030504040204" pitchFamily="34" charset="0"/>
+              </a:rPr>
+              <a:t>tikzstyle</a:t>
+            </a:r>
+            <a:r>
+              <a:rPr lang="de-DE" sz="1100" dirty="0">
+                <a:latin typeface="Verdana" panose="020B0604030504040204" pitchFamily="34" charset="0"/>
+                <a:ea typeface="Verdana" panose="020B0604030504040204" pitchFamily="34" charset="0"/>
+              </a:rPr>
+              <a:t>{</a:t>
+            </a:r>
+            <a:r>
+              <a:rPr lang="de-DE" sz="1100" dirty="0" err="1">
+                <a:latin typeface="Verdana" panose="020B0604030504040204" pitchFamily="34" charset="0"/>
+                <a:ea typeface="Verdana" panose="020B0604030504040204" pitchFamily="34" charset="0"/>
+              </a:rPr>
+              <a:t>imu</a:t>
+            </a:r>
+            <a:r>
+              <a:rPr lang="de-DE" sz="1100" dirty="0">
+                <a:latin typeface="Verdana" panose="020B0604030504040204" pitchFamily="34" charset="0"/>
+                <a:ea typeface="Verdana" panose="020B0604030504040204" pitchFamily="34" charset="0"/>
+              </a:rPr>
+              <a:t>}     = [</a:t>
+            </a:r>
+            <a:r>
+              <a:rPr lang="de-DE" sz="1100" dirty="0" err="1">
+                <a:latin typeface="Verdana" panose="020B0604030504040204" pitchFamily="34" charset="0"/>
+                <a:ea typeface="Verdana" panose="020B0604030504040204" pitchFamily="34" charset="0"/>
+              </a:rPr>
+              <a:t>draw</a:t>
+            </a:r>
+            <a:r>
+              <a:rPr lang="de-DE" sz="1100" dirty="0">
+                <a:latin typeface="Verdana" panose="020B0604030504040204" pitchFamily="34" charset="0"/>
+                <a:ea typeface="Verdana" panose="020B0604030504040204" pitchFamily="34" charset="0"/>
+              </a:rPr>
+              <a:t>, </a:t>
+            </a:r>
+            <a:r>
+              <a:rPr lang="de-DE" sz="1100" dirty="0" err="1">
+                <a:latin typeface="Verdana" panose="020B0604030504040204" pitchFamily="34" charset="0"/>
+                <a:ea typeface="Verdana" panose="020B0604030504040204" pitchFamily="34" charset="0"/>
+              </a:rPr>
+              <a:t>rectangle</a:t>
+            </a:r>
+            <a:r>
+              <a:rPr lang="de-DE" sz="1100" dirty="0">
+                <a:latin typeface="Verdana" panose="020B0604030504040204" pitchFamily="34" charset="0"/>
+                <a:ea typeface="Verdana" panose="020B0604030504040204" pitchFamily="34" charset="0"/>
+              </a:rPr>
+              <a:t>, </a:t>
+            </a:r>
+            <a:r>
+              <a:rPr lang="de-DE" sz="1100" dirty="0" err="1">
+                <a:latin typeface="Verdana" panose="020B0604030504040204" pitchFamily="34" charset="0"/>
+                <a:ea typeface="Verdana" panose="020B0604030504040204" pitchFamily="34" charset="0"/>
+              </a:rPr>
+              <a:t>minimum</a:t>
+            </a:r>
+            <a:r>
+              <a:rPr lang="de-DE" sz="1100" dirty="0">
+                <a:latin typeface="Verdana" panose="020B0604030504040204" pitchFamily="34" charset="0"/>
+                <a:ea typeface="Verdana" panose="020B0604030504040204" pitchFamily="34" charset="0"/>
+              </a:rPr>
+              <a:t> </a:t>
+            </a:r>
+            <a:r>
+              <a:rPr lang="de-DE" sz="1100" dirty="0" err="1">
+                <a:latin typeface="Verdana" panose="020B0604030504040204" pitchFamily="34" charset="0"/>
+                <a:ea typeface="Verdana" panose="020B0604030504040204" pitchFamily="34" charset="0"/>
+              </a:rPr>
+              <a:t>height</a:t>
+            </a:r>
+            <a:r>
+              <a:rPr lang="de-DE" sz="1100" dirty="0">
+                <a:latin typeface="Verdana" panose="020B0604030504040204" pitchFamily="34" charset="0"/>
+                <a:ea typeface="Verdana" panose="020B0604030504040204" pitchFamily="34" charset="0"/>
+              </a:rPr>
+              <a:t>=6cm, </a:t>
+            </a:r>
+            <a:r>
+              <a:rPr lang="de-DE" sz="1100" dirty="0" err="1">
+                <a:latin typeface="Verdana" panose="020B0604030504040204" pitchFamily="34" charset="0"/>
+                <a:ea typeface="Verdana" panose="020B0604030504040204" pitchFamily="34" charset="0"/>
+              </a:rPr>
+              <a:t>minimum</a:t>
+            </a:r>
+            <a:r>
+              <a:rPr lang="de-DE" sz="1100" dirty="0">
+                <a:latin typeface="Verdana" panose="020B0604030504040204" pitchFamily="34" charset="0"/>
+                <a:ea typeface="Verdana" panose="020B0604030504040204" pitchFamily="34" charset="0"/>
+              </a:rPr>
+              <a:t> </a:t>
+            </a:r>
+            <a:r>
+              <a:rPr lang="de-DE" sz="1100" dirty="0" err="1">
+                <a:latin typeface="Verdana" panose="020B0604030504040204" pitchFamily="34" charset="0"/>
+                <a:ea typeface="Verdana" panose="020B0604030504040204" pitchFamily="34" charset="0"/>
+              </a:rPr>
+              <a:t>width</a:t>
+            </a:r>
+            <a:r>
+              <a:rPr lang="de-DE" sz="1100" dirty="0">
+                <a:latin typeface="Verdana" panose="020B0604030504040204" pitchFamily="34" charset="0"/>
+                <a:ea typeface="Verdana" panose="020B0604030504040204" pitchFamily="34" charset="0"/>
+              </a:rPr>
+              <a:t>=2.5cm]</a:t>
+            </a:r>
+          </a:p>
+          <a:p>
+            <a:r>
+              <a:rPr lang="de-DE" sz="1100" dirty="0">
+                <a:latin typeface="Verdana" panose="020B0604030504040204" pitchFamily="34" charset="0"/>
+                <a:ea typeface="Verdana" panose="020B0604030504040204" pitchFamily="34" charset="0"/>
+              </a:rPr>
+              <a:t>\</a:t>
+            </a:r>
+            <a:r>
+              <a:rPr lang="de-DE" sz="1100" dirty="0" err="1">
+                <a:latin typeface="Verdana" panose="020B0604030504040204" pitchFamily="34" charset="0"/>
+                <a:ea typeface="Verdana" panose="020B0604030504040204" pitchFamily="34" charset="0"/>
+              </a:rPr>
+              <a:t>tikzstyle</a:t>
+            </a:r>
+            <a:r>
+              <a:rPr lang="de-DE" sz="1100" dirty="0">
+                <a:latin typeface="Verdana" panose="020B0604030504040204" pitchFamily="34" charset="0"/>
+                <a:ea typeface="Verdana" panose="020B0604030504040204" pitchFamily="34" charset="0"/>
+              </a:rPr>
+              <a:t>{block}     = [</a:t>
+            </a:r>
+            <a:r>
+              <a:rPr lang="de-DE" sz="1100" dirty="0" err="1">
+                <a:latin typeface="Verdana" panose="020B0604030504040204" pitchFamily="34" charset="0"/>
+                <a:ea typeface="Verdana" panose="020B0604030504040204" pitchFamily="34" charset="0"/>
+              </a:rPr>
+              <a:t>draw</a:t>
+            </a:r>
+            <a:r>
+              <a:rPr lang="de-DE" sz="1100" dirty="0">
+                <a:latin typeface="Verdana" panose="020B0604030504040204" pitchFamily="34" charset="0"/>
+                <a:ea typeface="Verdana" panose="020B0604030504040204" pitchFamily="34" charset="0"/>
+              </a:rPr>
+              <a:t>, </a:t>
+            </a:r>
+            <a:r>
+              <a:rPr lang="de-DE" sz="1100" dirty="0" err="1">
+                <a:latin typeface="Verdana" panose="020B0604030504040204" pitchFamily="34" charset="0"/>
+                <a:ea typeface="Verdana" panose="020B0604030504040204" pitchFamily="34" charset="0"/>
+              </a:rPr>
+              <a:t>rectangle</a:t>
+            </a:r>
+            <a:r>
+              <a:rPr lang="de-DE" sz="1100" dirty="0">
+                <a:latin typeface="Verdana" panose="020B0604030504040204" pitchFamily="34" charset="0"/>
+                <a:ea typeface="Verdana" panose="020B0604030504040204" pitchFamily="34" charset="0"/>
+              </a:rPr>
+              <a:t>, </a:t>
+            </a:r>
+            <a:r>
+              <a:rPr lang="de-DE" sz="1100" dirty="0" err="1">
+                <a:latin typeface="Verdana" panose="020B0604030504040204" pitchFamily="34" charset="0"/>
+                <a:ea typeface="Verdana" panose="020B0604030504040204" pitchFamily="34" charset="0"/>
+              </a:rPr>
+              <a:t>minimum</a:t>
+            </a:r>
+            <a:r>
+              <a:rPr lang="de-DE" sz="1100" dirty="0">
+                <a:latin typeface="Verdana" panose="020B0604030504040204" pitchFamily="34" charset="0"/>
+                <a:ea typeface="Verdana" panose="020B0604030504040204" pitchFamily="34" charset="0"/>
+              </a:rPr>
+              <a:t> </a:t>
+            </a:r>
+            <a:r>
+              <a:rPr lang="de-DE" sz="1100" dirty="0" err="1">
+                <a:latin typeface="Verdana" panose="020B0604030504040204" pitchFamily="34" charset="0"/>
+                <a:ea typeface="Verdana" panose="020B0604030504040204" pitchFamily="34" charset="0"/>
+              </a:rPr>
+              <a:t>height</a:t>
+            </a:r>
+            <a:r>
+              <a:rPr lang="de-DE" sz="1100" dirty="0">
+                <a:latin typeface="Verdana" panose="020B0604030504040204" pitchFamily="34" charset="0"/>
+                <a:ea typeface="Verdana" panose="020B0604030504040204" pitchFamily="34" charset="0"/>
+              </a:rPr>
+              <a:t>=1.5cm, </a:t>
+            </a:r>
+            <a:r>
+              <a:rPr lang="de-DE" sz="1100" dirty="0" err="1">
+                <a:latin typeface="Verdana" panose="020B0604030504040204" pitchFamily="34" charset="0"/>
+                <a:ea typeface="Verdana" panose="020B0604030504040204" pitchFamily="34" charset="0"/>
+              </a:rPr>
+              <a:t>minimum</a:t>
+            </a:r>
+            <a:r>
+              <a:rPr lang="de-DE" sz="1100" dirty="0">
+                <a:latin typeface="Verdana" panose="020B0604030504040204" pitchFamily="34" charset="0"/>
+                <a:ea typeface="Verdana" panose="020B0604030504040204" pitchFamily="34" charset="0"/>
+              </a:rPr>
+              <a:t> </a:t>
+            </a:r>
+            <a:r>
+              <a:rPr lang="de-DE" sz="1100" dirty="0" err="1">
+                <a:latin typeface="Verdana" panose="020B0604030504040204" pitchFamily="34" charset="0"/>
+                <a:ea typeface="Verdana" panose="020B0604030504040204" pitchFamily="34" charset="0"/>
+              </a:rPr>
+              <a:t>width</a:t>
+            </a:r>
+            <a:r>
+              <a:rPr lang="de-DE" sz="1100" dirty="0">
+                <a:latin typeface="Verdana" panose="020B0604030504040204" pitchFamily="34" charset="0"/>
+                <a:ea typeface="Verdana" panose="020B0604030504040204" pitchFamily="34" charset="0"/>
+              </a:rPr>
+              <a:t>=1.6cm]</a:t>
+            </a:r>
+          </a:p>
+          <a:p>
+            <a:r>
+              <a:rPr lang="de-DE" sz="1100" dirty="0">
+                <a:latin typeface="Verdana" panose="020B0604030504040204" pitchFamily="34" charset="0"/>
+                <a:ea typeface="Verdana" panose="020B0604030504040204" pitchFamily="34" charset="0"/>
+              </a:rPr>
+              <a:t>\</a:t>
+            </a:r>
+            <a:r>
+              <a:rPr lang="de-DE" sz="1100" dirty="0" err="1">
+                <a:latin typeface="Verdana" panose="020B0604030504040204" pitchFamily="34" charset="0"/>
+                <a:ea typeface="Verdana" panose="020B0604030504040204" pitchFamily="34" charset="0"/>
+              </a:rPr>
+              <a:t>tikzstyle</a:t>
+            </a:r>
+            <a:r>
+              <a:rPr lang="de-DE" sz="1100" dirty="0">
+                <a:latin typeface="Verdana" panose="020B0604030504040204" pitchFamily="34" charset="0"/>
+                <a:ea typeface="Verdana" panose="020B0604030504040204" pitchFamily="34" charset="0"/>
+              </a:rPr>
+              <a:t>{</a:t>
+            </a:r>
+            <a:r>
+              <a:rPr lang="de-DE" sz="1100" dirty="0" err="1">
+                <a:latin typeface="Verdana" panose="020B0604030504040204" pitchFamily="34" charset="0"/>
+                <a:ea typeface="Verdana" panose="020B0604030504040204" pitchFamily="34" charset="0"/>
+              </a:rPr>
+              <a:t>blockM</a:t>
+            </a:r>
+            <a:r>
+              <a:rPr lang="de-DE" sz="1100" dirty="0">
+                <a:latin typeface="Verdana" panose="020B0604030504040204" pitchFamily="34" charset="0"/>
+                <a:ea typeface="Verdana" panose="020B0604030504040204" pitchFamily="34" charset="0"/>
+              </a:rPr>
+              <a:t>}     = [</a:t>
+            </a:r>
+            <a:r>
+              <a:rPr lang="de-DE" sz="1100" dirty="0" err="1">
+                <a:latin typeface="Verdana" panose="020B0604030504040204" pitchFamily="34" charset="0"/>
+                <a:ea typeface="Verdana" panose="020B0604030504040204" pitchFamily="34" charset="0"/>
+              </a:rPr>
+              <a:t>draw</a:t>
+            </a:r>
+            <a:r>
+              <a:rPr lang="de-DE" sz="1100" dirty="0">
+                <a:latin typeface="Verdana" panose="020B0604030504040204" pitchFamily="34" charset="0"/>
+                <a:ea typeface="Verdana" panose="020B0604030504040204" pitchFamily="34" charset="0"/>
+              </a:rPr>
+              <a:t>, </a:t>
+            </a:r>
+            <a:r>
+              <a:rPr lang="de-DE" sz="1100" dirty="0" err="1">
+                <a:latin typeface="Verdana" panose="020B0604030504040204" pitchFamily="34" charset="0"/>
+                <a:ea typeface="Verdana" panose="020B0604030504040204" pitchFamily="34" charset="0"/>
+              </a:rPr>
+              <a:t>rectangle</a:t>
+            </a:r>
+            <a:r>
+              <a:rPr lang="de-DE" sz="1100" dirty="0">
+                <a:latin typeface="Verdana" panose="020B0604030504040204" pitchFamily="34" charset="0"/>
+                <a:ea typeface="Verdana" panose="020B0604030504040204" pitchFamily="34" charset="0"/>
+              </a:rPr>
+              <a:t>, </a:t>
+            </a:r>
+            <a:r>
+              <a:rPr lang="de-DE" sz="1100" dirty="0" err="1">
+                <a:latin typeface="Verdana" panose="020B0604030504040204" pitchFamily="34" charset="0"/>
+                <a:ea typeface="Verdana" panose="020B0604030504040204" pitchFamily="34" charset="0"/>
+              </a:rPr>
+              <a:t>minimum</a:t>
+            </a:r>
+            <a:r>
+              <a:rPr lang="de-DE" sz="1100" dirty="0">
+                <a:latin typeface="Verdana" panose="020B0604030504040204" pitchFamily="34" charset="0"/>
+                <a:ea typeface="Verdana" panose="020B0604030504040204" pitchFamily="34" charset="0"/>
+              </a:rPr>
+              <a:t> </a:t>
+            </a:r>
+            <a:r>
+              <a:rPr lang="de-DE" sz="1100" dirty="0" err="1">
+                <a:latin typeface="Verdana" panose="020B0604030504040204" pitchFamily="34" charset="0"/>
+                <a:ea typeface="Verdana" panose="020B0604030504040204" pitchFamily="34" charset="0"/>
+              </a:rPr>
+              <a:t>height</a:t>
+            </a:r>
+            <a:r>
+              <a:rPr lang="de-DE" sz="1100" dirty="0">
+                <a:latin typeface="Verdana" panose="020B0604030504040204" pitchFamily="34" charset="0"/>
+                <a:ea typeface="Verdana" panose="020B0604030504040204" pitchFamily="34" charset="0"/>
+              </a:rPr>
+              <a:t>=0.5cm, </a:t>
+            </a:r>
+            <a:r>
+              <a:rPr lang="de-DE" sz="1100" dirty="0" err="1">
+                <a:latin typeface="Verdana" panose="020B0604030504040204" pitchFamily="34" charset="0"/>
+                <a:ea typeface="Verdana" panose="020B0604030504040204" pitchFamily="34" charset="0"/>
+              </a:rPr>
+              <a:t>minimum</a:t>
+            </a:r>
+            <a:r>
+              <a:rPr lang="de-DE" sz="1100" dirty="0">
+                <a:latin typeface="Verdana" panose="020B0604030504040204" pitchFamily="34" charset="0"/>
+                <a:ea typeface="Verdana" panose="020B0604030504040204" pitchFamily="34" charset="0"/>
+              </a:rPr>
+              <a:t> </a:t>
+            </a:r>
+            <a:r>
+              <a:rPr lang="de-DE" sz="1100" dirty="0" err="1">
+                <a:latin typeface="Verdana" panose="020B0604030504040204" pitchFamily="34" charset="0"/>
+                <a:ea typeface="Verdana" panose="020B0604030504040204" pitchFamily="34" charset="0"/>
+              </a:rPr>
+              <a:t>width</a:t>
+            </a:r>
+            <a:r>
+              <a:rPr lang="de-DE" sz="1100" dirty="0">
+                <a:latin typeface="Verdana" panose="020B0604030504040204" pitchFamily="34" charset="0"/>
+                <a:ea typeface="Verdana" panose="020B0604030504040204" pitchFamily="34" charset="0"/>
+              </a:rPr>
+              <a:t>=0.5cm]</a:t>
+            </a:r>
+          </a:p>
+          <a:p>
+            <a:r>
+              <a:rPr lang="de-DE" sz="1100" dirty="0">
+                <a:latin typeface="Verdana" panose="020B0604030504040204" pitchFamily="34" charset="0"/>
+                <a:ea typeface="Verdana" panose="020B0604030504040204" pitchFamily="34" charset="0"/>
+              </a:rPr>
+              <a:t>\</a:t>
+            </a:r>
+            <a:r>
+              <a:rPr lang="de-DE" sz="1100" dirty="0" err="1">
+                <a:latin typeface="Verdana" panose="020B0604030504040204" pitchFamily="34" charset="0"/>
+                <a:ea typeface="Verdana" panose="020B0604030504040204" pitchFamily="34" charset="0"/>
+              </a:rPr>
+              <a:t>tikzstyle</a:t>
+            </a:r>
+            <a:r>
+              <a:rPr lang="de-DE" sz="1100" dirty="0">
+                <a:latin typeface="Verdana" panose="020B0604030504040204" pitchFamily="34" charset="0"/>
+                <a:ea typeface="Verdana" panose="020B0604030504040204" pitchFamily="34" charset="0"/>
+              </a:rPr>
+              <a:t>{</a:t>
+            </a:r>
+            <a:r>
+              <a:rPr lang="de-DE" sz="1100" dirty="0" err="1">
+                <a:latin typeface="Verdana" panose="020B0604030504040204" pitchFamily="34" charset="0"/>
+                <a:ea typeface="Verdana" panose="020B0604030504040204" pitchFamily="34" charset="0"/>
+              </a:rPr>
+              <a:t>blockS</a:t>
+            </a:r>
+            <a:r>
+              <a:rPr lang="de-DE" sz="1100" dirty="0">
+                <a:latin typeface="Verdana" panose="020B0604030504040204" pitchFamily="34" charset="0"/>
+                <a:ea typeface="Verdana" panose="020B0604030504040204" pitchFamily="34" charset="0"/>
+              </a:rPr>
+              <a:t>}     = [</a:t>
+            </a:r>
+            <a:r>
+              <a:rPr lang="de-DE" sz="1100" dirty="0" err="1">
+                <a:latin typeface="Verdana" panose="020B0604030504040204" pitchFamily="34" charset="0"/>
+                <a:ea typeface="Verdana" panose="020B0604030504040204" pitchFamily="34" charset="0"/>
+              </a:rPr>
+              <a:t>draw</a:t>
+            </a:r>
+            <a:r>
+              <a:rPr lang="de-DE" sz="1100" dirty="0">
+                <a:latin typeface="Verdana" panose="020B0604030504040204" pitchFamily="34" charset="0"/>
+                <a:ea typeface="Verdana" panose="020B0604030504040204" pitchFamily="34" charset="0"/>
+              </a:rPr>
+              <a:t>, </a:t>
+            </a:r>
+            <a:r>
+              <a:rPr lang="de-DE" sz="1100" dirty="0" err="1">
+                <a:latin typeface="Verdana" panose="020B0604030504040204" pitchFamily="34" charset="0"/>
+                <a:ea typeface="Verdana" panose="020B0604030504040204" pitchFamily="34" charset="0"/>
+              </a:rPr>
+              <a:t>rectangle</a:t>
+            </a:r>
+            <a:r>
+              <a:rPr lang="de-DE" sz="1100" dirty="0">
+                <a:latin typeface="Verdana" panose="020B0604030504040204" pitchFamily="34" charset="0"/>
+                <a:ea typeface="Verdana" panose="020B0604030504040204" pitchFamily="34" charset="0"/>
+              </a:rPr>
+              <a:t>, </a:t>
+            </a:r>
+            <a:r>
+              <a:rPr lang="de-DE" sz="1100" dirty="0" err="1">
+                <a:latin typeface="Verdana" panose="020B0604030504040204" pitchFamily="34" charset="0"/>
+                <a:ea typeface="Verdana" panose="020B0604030504040204" pitchFamily="34" charset="0"/>
+              </a:rPr>
+              <a:t>minimum</a:t>
+            </a:r>
+            <a:r>
+              <a:rPr lang="de-DE" sz="1100" dirty="0">
+                <a:latin typeface="Verdana" panose="020B0604030504040204" pitchFamily="34" charset="0"/>
+                <a:ea typeface="Verdana" panose="020B0604030504040204" pitchFamily="34" charset="0"/>
+              </a:rPr>
+              <a:t> </a:t>
+            </a:r>
+            <a:r>
+              <a:rPr lang="de-DE" sz="1100" dirty="0" err="1">
+                <a:latin typeface="Verdana" panose="020B0604030504040204" pitchFamily="34" charset="0"/>
+                <a:ea typeface="Verdana" panose="020B0604030504040204" pitchFamily="34" charset="0"/>
+              </a:rPr>
+              <a:t>height</a:t>
+            </a:r>
+            <a:r>
+              <a:rPr lang="de-DE" sz="1100" dirty="0">
+                <a:latin typeface="Verdana" panose="020B0604030504040204" pitchFamily="34" charset="0"/>
+                <a:ea typeface="Verdana" panose="020B0604030504040204" pitchFamily="34" charset="0"/>
+              </a:rPr>
+              <a:t>=0.5mm, </a:t>
+            </a:r>
+            <a:r>
+              <a:rPr lang="de-DE" sz="1100" dirty="0" err="1">
+                <a:latin typeface="Verdana" panose="020B0604030504040204" pitchFamily="34" charset="0"/>
+                <a:ea typeface="Verdana" panose="020B0604030504040204" pitchFamily="34" charset="0"/>
+              </a:rPr>
+              <a:t>minimum</a:t>
+            </a:r>
+            <a:r>
+              <a:rPr lang="de-DE" sz="1100" dirty="0">
+                <a:latin typeface="Verdana" panose="020B0604030504040204" pitchFamily="34" charset="0"/>
+                <a:ea typeface="Verdana" panose="020B0604030504040204" pitchFamily="34" charset="0"/>
+              </a:rPr>
+              <a:t> </a:t>
+            </a:r>
+            <a:r>
+              <a:rPr lang="de-DE" sz="1100" dirty="0" err="1">
+                <a:latin typeface="Verdana" panose="020B0604030504040204" pitchFamily="34" charset="0"/>
+                <a:ea typeface="Verdana" panose="020B0604030504040204" pitchFamily="34" charset="0"/>
+              </a:rPr>
+              <a:t>width</a:t>
+            </a:r>
+            <a:r>
+              <a:rPr lang="de-DE" sz="1100" dirty="0">
+                <a:latin typeface="Verdana" panose="020B0604030504040204" pitchFamily="34" charset="0"/>
+                <a:ea typeface="Verdana" panose="020B0604030504040204" pitchFamily="34" charset="0"/>
+              </a:rPr>
+              <a:t>=0.5mm]</a:t>
+            </a:r>
+          </a:p>
+          <a:p>
+            <a:r>
+              <a:rPr lang="de-DE" sz="1100" dirty="0">
+                <a:latin typeface="Verdana" panose="020B0604030504040204" pitchFamily="34" charset="0"/>
+                <a:ea typeface="Verdana" panose="020B0604030504040204" pitchFamily="34" charset="0"/>
+              </a:rPr>
+              <a:t>\</a:t>
+            </a:r>
+            <a:r>
+              <a:rPr lang="de-DE" sz="1100" dirty="0" err="1">
+                <a:latin typeface="Verdana" panose="020B0604030504040204" pitchFamily="34" charset="0"/>
+                <a:ea typeface="Verdana" panose="020B0604030504040204" pitchFamily="34" charset="0"/>
+              </a:rPr>
+              <a:t>begin</a:t>
+            </a:r>
+            <a:r>
+              <a:rPr lang="de-DE" sz="1100" dirty="0">
+                <a:latin typeface="Verdana" panose="020B0604030504040204" pitchFamily="34" charset="0"/>
+                <a:ea typeface="Verdana" panose="020B0604030504040204" pitchFamily="34" charset="0"/>
+              </a:rPr>
+              <a:t>{</a:t>
+            </a:r>
+            <a:r>
+              <a:rPr lang="de-DE" sz="1100" dirty="0" err="1">
+                <a:latin typeface="Verdana" panose="020B0604030504040204" pitchFamily="34" charset="0"/>
+                <a:ea typeface="Verdana" panose="020B0604030504040204" pitchFamily="34" charset="0"/>
+              </a:rPr>
+              <a:t>tikzpicture</a:t>
+            </a:r>
+            <a:r>
+              <a:rPr lang="de-DE" sz="1100" dirty="0">
+                <a:latin typeface="Verdana" panose="020B0604030504040204" pitchFamily="34" charset="0"/>
+                <a:ea typeface="Verdana" panose="020B0604030504040204" pitchFamily="34" charset="0"/>
+              </a:rPr>
+              <a:t>}[</a:t>
+            </a:r>
+            <a:r>
+              <a:rPr lang="de-DE" sz="1100" dirty="0" err="1">
+                <a:latin typeface="Verdana" panose="020B0604030504040204" pitchFamily="34" charset="0"/>
+                <a:ea typeface="Verdana" panose="020B0604030504040204" pitchFamily="34" charset="0"/>
+              </a:rPr>
+              <a:t>auto</a:t>
+            </a:r>
+            <a:r>
+              <a:rPr lang="de-DE" sz="1100" dirty="0">
+                <a:latin typeface="Verdana" panose="020B0604030504040204" pitchFamily="34" charset="0"/>
+                <a:ea typeface="Verdana" panose="020B0604030504040204" pitchFamily="34" charset="0"/>
+              </a:rPr>
+              <a:t>, </a:t>
+            </a:r>
+            <a:r>
+              <a:rPr lang="de-DE" sz="1100" dirty="0" err="1">
+                <a:latin typeface="Verdana" panose="020B0604030504040204" pitchFamily="34" charset="0"/>
+                <a:ea typeface="Verdana" panose="020B0604030504040204" pitchFamily="34" charset="0"/>
+              </a:rPr>
+              <a:t>node</a:t>
+            </a:r>
+            <a:r>
+              <a:rPr lang="de-DE" sz="1100" dirty="0">
+                <a:latin typeface="Verdana" panose="020B0604030504040204" pitchFamily="34" charset="0"/>
+                <a:ea typeface="Verdana" panose="020B0604030504040204" pitchFamily="34" charset="0"/>
+              </a:rPr>
+              <a:t> </a:t>
+            </a:r>
+            <a:r>
+              <a:rPr lang="de-DE" sz="1100" dirty="0" err="1">
+                <a:latin typeface="Verdana" panose="020B0604030504040204" pitchFamily="34" charset="0"/>
+                <a:ea typeface="Verdana" panose="020B0604030504040204" pitchFamily="34" charset="0"/>
+              </a:rPr>
+              <a:t>distance</a:t>
+            </a:r>
+            <a:r>
+              <a:rPr lang="de-DE" sz="1100" dirty="0">
+                <a:latin typeface="Verdana" panose="020B0604030504040204" pitchFamily="34" charset="0"/>
+                <a:ea typeface="Verdana" panose="020B0604030504040204" pitchFamily="34" charset="0"/>
+              </a:rPr>
+              <a:t>=3cm, &gt;=</a:t>
+            </a:r>
+            <a:r>
+              <a:rPr lang="de-DE" sz="1100" dirty="0" err="1">
+                <a:latin typeface="Verdana" panose="020B0604030504040204" pitchFamily="34" charset="0"/>
+                <a:ea typeface="Verdana" panose="020B0604030504040204" pitchFamily="34" charset="0"/>
+              </a:rPr>
+              <a:t>stealth</a:t>
+            </a:r>
+            <a:r>
+              <a:rPr lang="de-DE" sz="1100" dirty="0">
+                <a:latin typeface="Verdana" panose="020B0604030504040204" pitchFamily="34" charset="0"/>
+                <a:ea typeface="Verdana" panose="020B0604030504040204" pitchFamily="34" charset="0"/>
+              </a:rPr>
+              <a:t>‘]</a:t>
+            </a:r>
+          </a:p>
+          <a:p>
+            <a:r>
+              <a:rPr lang="de-DE" sz="1100" dirty="0">
+                <a:latin typeface="Verdana" panose="020B0604030504040204" pitchFamily="34" charset="0"/>
+                <a:ea typeface="Verdana" panose="020B0604030504040204" pitchFamily="34" charset="0"/>
+              </a:rPr>
+              <a:t>     \</a:t>
+            </a:r>
+            <a:r>
+              <a:rPr lang="de-DE" sz="1100" dirty="0" err="1">
+                <a:latin typeface="Verdana" panose="020B0604030504040204" pitchFamily="34" charset="0"/>
+                <a:ea typeface="Verdana" panose="020B0604030504040204" pitchFamily="34" charset="0"/>
+              </a:rPr>
+              <a:t>node</a:t>
+            </a:r>
+            <a:r>
+              <a:rPr lang="de-DE" sz="1100" dirty="0">
+                <a:latin typeface="Verdana" panose="020B0604030504040204" pitchFamily="34" charset="0"/>
+                <a:ea typeface="Verdana" panose="020B0604030504040204" pitchFamily="34" charset="0"/>
+              </a:rPr>
+              <a:t>[</a:t>
+            </a:r>
+            <a:r>
+              <a:rPr lang="de-DE" sz="1100" dirty="0" err="1">
+                <a:latin typeface="Verdana" panose="020B0604030504040204" pitchFamily="34" charset="0"/>
+                <a:ea typeface="Verdana" panose="020B0604030504040204" pitchFamily="34" charset="0"/>
+              </a:rPr>
+              <a:t>imu</a:t>
+            </a:r>
+            <a:r>
+              <a:rPr lang="de-DE" sz="1100" dirty="0">
+                <a:latin typeface="Verdana" panose="020B0604030504040204" pitchFamily="34" charset="0"/>
+                <a:ea typeface="Verdana" panose="020B0604030504040204" pitchFamily="34" charset="0"/>
+              </a:rPr>
+              <a:t>] (</a:t>
+            </a:r>
+            <a:r>
+              <a:rPr lang="de-DE" sz="1100" dirty="0" err="1">
+                <a:latin typeface="Verdana" panose="020B0604030504040204" pitchFamily="34" charset="0"/>
+                <a:ea typeface="Verdana" panose="020B0604030504040204" pitchFamily="34" charset="0"/>
+              </a:rPr>
+              <a:t>imu</a:t>
+            </a:r>
+            <a:r>
+              <a:rPr lang="de-DE" sz="1100" dirty="0">
+                <a:latin typeface="Verdana" panose="020B0604030504040204" pitchFamily="34" charset="0"/>
+                <a:ea typeface="Verdana" panose="020B0604030504040204" pitchFamily="34" charset="0"/>
+              </a:rPr>
+              <a:t>) {IMU}; % IMU Block</a:t>
+            </a:r>
+          </a:p>
+          <a:p>
+            <a:r>
+              <a:rPr lang="en-US" sz="1100" dirty="0">
+                <a:latin typeface="Verdana" panose="020B0604030504040204" pitchFamily="34" charset="0"/>
+                <a:ea typeface="Verdana" panose="020B0604030504040204" pitchFamily="34" charset="0"/>
+              </a:rPr>
+              <a:t>     \node[block, above of = </a:t>
+            </a:r>
+            <a:r>
+              <a:rPr lang="en-US" sz="1100" dirty="0" err="1">
+                <a:latin typeface="Verdana" panose="020B0604030504040204" pitchFamily="34" charset="0"/>
+                <a:ea typeface="Verdana" panose="020B0604030504040204" pitchFamily="34" charset="0"/>
+              </a:rPr>
+              <a:t>imu</a:t>
+            </a:r>
+            <a:r>
+              <a:rPr lang="en-US" sz="1100" dirty="0">
+                <a:latin typeface="Verdana" panose="020B0604030504040204" pitchFamily="34" charset="0"/>
+                <a:ea typeface="Verdana" panose="020B0604030504040204" pitchFamily="34" charset="0"/>
+              </a:rPr>
+              <a:t>, node distance = 1.5cm] (gyro) {Gyro}; % Gyro Block</a:t>
+            </a:r>
+          </a:p>
+          <a:p>
+            <a:r>
+              <a:rPr lang="en-US" sz="1100" dirty="0">
+                <a:latin typeface="Verdana" panose="020B0604030504040204" pitchFamily="34" charset="0"/>
+                <a:ea typeface="Verdana" panose="020B0604030504040204" pitchFamily="34" charset="0"/>
+              </a:rPr>
+              <a:t>     \node[block, below of = </a:t>
+            </a:r>
+            <a:r>
+              <a:rPr lang="en-US" sz="1100" dirty="0" err="1">
+                <a:latin typeface="Verdana" panose="020B0604030504040204" pitchFamily="34" charset="0"/>
+                <a:ea typeface="Verdana" panose="020B0604030504040204" pitchFamily="34" charset="0"/>
+              </a:rPr>
+              <a:t>imu</a:t>
+            </a:r>
+            <a:r>
+              <a:rPr lang="en-US" sz="1100" dirty="0">
+                <a:latin typeface="Verdana" panose="020B0604030504040204" pitchFamily="34" charset="0"/>
+                <a:ea typeface="Verdana" panose="020B0604030504040204" pitchFamily="34" charset="0"/>
+              </a:rPr>
+              <a:t>, node distance = 1.5cm] (acc) {Acc}; % Acc Block</a:t>
+            </a:r>
+          </a:p>
+          <a:p>
+            <a:r>
+              <a:rPr lang="en-US" sz="1100" dirty="0">
+                <a:latin typeface="Verdana" panose="020B0604030504040204" pitchFamily="34" charset="0"/>
+                <a:ea typeface="Verdana" panose="020B0604030504040204" pitchFamily="34" charset="0"/>
+              </a:rPr>
+              <a:t>     \node[</a:t>
+            </a:r>
+            <a:r>
+              <a:rPr lang="en-US" sz="1100" dirty="0" err="1">
+                <a:latin typeface="Verdana" panose="020B0604030504040204" pitchFamily="34" charset="0"/>
+                <a:ea typeface="Verdana" panose="020B0604030504040204" pitchFamily="34" charset="0"/>
+              </a:rPr>
+              <a:t>blockS</a:t>
+            </a:r>
+            <a:r>
+              <a:rPr lang="en-US" sz="1100" dirty="0">
+                <a:latin typeface="Verdana" panose="020B0604030504040204" pitchFamily="34" charset="0"/>
+                <a:ea typeface="Verdana" panose="020B0604030504040204" pitchFamily="34" charset="0"/>
+              </a:rPr>
+              <a:t>, right of = gyro] (int1) {$\int$}; % Integrator Block</a:t>
+            </a:r>
+          </a:p>
+          <a:p>
+            <a:r>
+              <a:rPr lang="en-US" sz="1100" dirty="0">
+                <a:latin typeface="Verdana" panose="020B0604030504040204" pitchFamily="34" charset="0"/>
+                <a:ea typeface="Verdana" panose="020B0604030504040204" pitchFamily="34" charset="0"/>
+              </a:rPr>
+              <a:t>     % Product block</a:t>
+            </a:r>
+          </a:p>
+          <a:p>
+            <a:r>
+              <a:rPr lang="en-US" sz="1100" dirty="0">
+                <a:latin typeface="Verdana" panose="020B0604030504040204" pitchFamily="34" charset="0"/>
+                <a:ea typeface="Verdana" panose="020B0604030504040204" pitchFamily="34" charset="0"/>
+              </a:rPr>
+              <a:t>     \node[</a:t>
+            </a:r>
+            <a:r>
+              <a:rPr lang="en-US" sz="1100" dirty="0" err="1">
+                <a:latin typeface="Verdana" panose="020B0604030504040204" pitchFamily="34" charset="0"/>
+                <a:ea typeface="Verdana" panose="020B0604030504040204" pitchFamily="34" charset="0"/>
+              </a:rPr>
+              <a:t>blockM</a:t>
+            </a:r>
+            <a:r>
+              <a:rPr lang="en-US" sz="1100" dirty="0">
+                <a:latin typeface="Verdana" panose="020B0604030504040204" pitchFamily="34" charset="0"/>
+                <a:ea typeface="Verdana" panose="020B0604030504040204" pitchFamily="34" charset="0"/>
+              </a:rPr>
+              <a:t>, right of = acc] (product) {$$};</a:t>
+            </a:r>
+          </a:p>
+          <a:p>
+            <a:r>
+              <a:rPr lang="en-US" sz="1100" dirty="0">
+                <a:latin typeface="Verdana" panose="020B0604030504040204" pitchFamily="34" charset="0"/>
+                <a:ea typeface="Verdana" panose="020B0604030504040204" pitchFamily="34" charset="0"/>
+              </a:rPr>
+              <a:t>     \node[</a:t>
+            </a:r>
+            <a:r>
+              <a:rPr lang="en-US" sz="1100" dirty="0" err="1">
+                <a:latin typeface="Verdana" panose="020B0604030504040204" pitchFamily="34" charset="0"/>
+                <a:ea typeface="Verdana" panose="020B0604030504040204" pitchFamily="34" charset="0"/>
+              </a:rPr>
+              <a:t>blockS</a:t>
+            </a:r>
+            <a:r>
+              <a:rPr lang="en-US" sz="1100" dirty="0">
+                <a:latin typeface="Verdana" panose="020B0604030504040204" pitchFamily="34" charset="0"/>
+                <a:ea typeface="Verdana" panose="020B0604030504040204" pitchFamily="34" charset="0"/>
+              </a:rPr>
+              <a:t>, right of = acc] (product1) {$$}; </a:t>
+            </a:r>
+          </a:p>
+          <a:p>
+            <a:r>
+              <a:rPr lang="en-US" sz="1100" dirty="0">
+                <a:latin typeface="Verdana" panose="020B0604030504040204" pitchFamily="34" charset="0"/>
+                <a:ea typeface="Verdana" panose="020B0604030504040204" pitchFamily="34" charset="0"/>
+              </a:rPr>
+              <a:t>     \coordinate (c1) at (product1.north west);</a:t>
+            </a:r>
+          </a:p>
+          <a:p>
+            <a:r>
+              <a:rPr lang="en-US" sz="1100" dirty="0">
+                <a:latin typeface="Verdana" panose="020B0604030504040204" pitchFamily="34" charset="0"/>
+                <a:ea typeface="Verdana" panose="020B0604030504040204" pitchFamily="34" charset="0"/>
+              </a:rPr>
+              <a:t>     \coordinate (c2) at (product1.north east); </a:t>
+            </a:r>
+          </a:p>
+          <a:p>
+            <a:r>
+              <a:rPr lang="en-US" sz="1100" dirty="0">
+                <a:latin typeface="Verdana" panose="020B0604030504040204" pitchFamily="34" charset="0"/>
+                <a:ea typeface="Verdana" panose="020B0604030504040204" pitchFamily="34" charset="0"/>
+              </a:rPr>
+              <a:t>     \coordinate (c3) at (product1.south west); </a:t>
+            </a:r>
+          </a:p>
+          <a:p>
+            <a:r>
+              <a:rPr lang="en-US" sz="1100" dirty="0">
+                <a:latin typeface="Verdana" panose="020B0604030504040204" pitchFamily="34" charset="0"/>
+                <a:ea typeface="Verdana" panose="020B0604030504040204" pitchFamily="34" charset="0"/>
+              </a:rPr>
+              <a:t>     \coordinate (c4) at (product1.south east);</a:t>
+            </a:r>
+          </a:p>
+          <a:p>
+            <a:r>
+              <a:rPr lang="en-US" sz="1100" dirty="0">
+                <a:latin typeface="Verdana" panose="020B0604030504040204" pitchFamily="34" charset="0"/>
+                <a:ea typeface="Verdana" panose="020B0604030504040204" pitchFamily="34" charset="0"/>
+              </a:rPr>
+              <a:t>     \draw (c1) -- (c4); </a:t>
+            </a:r>
+          </a:p>
+          <a:p>
+            <a:r>
+              <a:rPr lang="en-US" sz="1100" dirty="0">
+                <a:latin typeface="Verdana" panose="020B0604030504040204" pitchFamily="34" charset="0"/>
+                <a:ea typeface="Verdana" panose="020B0604030504040204" pitchFamily="34" charset="0"/>
+              </a:rPr>
+              <a:t>     \draw (c2) -- (c3);</a:t>
+            </a:r>
+            <a:endParaRPr lang="de-DE" sz="1100" dirty="0">
+              <a:latin typeface="Verdana" panose="020B0604030504040204" pitchFamily="34" charset="0"/>
+              <a:ea typeface="Verdana" panose="020B0604030504040204" pitchFamily="34" charset="0"/>
+            </a:endParaRPr>
+          </a:p>
+          <a:p>
+            <a:r>
+              <a:rPr lang="de-DE" sz="1100" dirty="0">
+                <a:latin typeface="Verdana" panose="020B0604030504040204" pitchFamily="34" charset="0"/>
+                <a:ea typeface="Verdana" panose="020B0604030504040204" pitchFamily="34" charset="0"/>
+              </a:rPr>
+              <a:t>\end{</a:t>
+            </a:r>
+            <a:r>
+              <a:rPr lang="de-DE" sz="1100" dirty="0" err="1">
+                <a:latin typeface="Verdana" panose="020B0604030504040204" pitchFamily="34" charset="0"/>
+                <a:ea typeface="Verdana" panose="020B0604030504040204" pitchFamily="34" charset="0"/>
+              </a:rPr>
+              <a:t>tikzpicture</a:t>
+            </a:r>
+            <a:r>
+              <a:rPr lang="de-DE" sz="1100" dirty="0">
+                <a:latin typeface="Verdana" panose="020B0604030504040204" pitchFamily="34" charset="0"/>
+                <a:ea typeface="Verdana" panose="020B0604030504040204" pitchFamily="34" charset="0"/>
+              </a:rPr>
+              <a:t>} </a:t>
+            </a:r>
+            <a:r>
+              <a:rPr lang="en-US" sz="1100" dirty="0">
+                <a:latin typeface="Verdana" panose="020B0604030504040204" pitchFamily="34" charset="0"/>
+                <a:ea typeface="Verdana" panose="020B0604030504040204" pitchFamily="34" charset="0"/>
+              </a:rPr>
+              <a:t>	</a:t>
+            </a:r>
+          </a:p>
+          <a:p>
+            <a:r>
+              <a:rPr lang="en-US" sz="1100" dirty="0">
+                <a:latin typeface="Verdana" panose="020B0604030504040204" pitchFamily="34" charset="0"/>
+                <a:ea typeface="Verdana" panose="020B0604030504040204" pitchFamily="34" charset="0"/>
+              </a:rPr>
+              <a:t>	</a:t>
+            </a:r>
+            <a:r>
+              <a:rPr lang="de-DE" sz="1100" dirty="0">
+                <a:latin typeface="Verdana" panose="020B0604030504040204" pitchFamily="34" charset="0"/>
+                <a:ea typeface="Verdana" panose="020B0604030504040204" pitchFamily="34" charset="0"/>
+              </a:rPr>
+              <a:t>	</a:t>
+            </a:r>
+          </a:p>
+          <a:p>
+            <a:r>
+              <a:rPr lang="de-DE" sz="1100" dirty="0">
+                <a:latin typeface="Verdana" panose="020B0604030504040204" pitchFamily="34" charset="0"/>
+                <a:ea typeface="Verdana" panose="020B0604030504040204" pitchFamily="34" charset="0"/>
+              </a:rPr>
+              <a:t>	</a:t>
+            </a:r>
+          </a:p>
+        </p:txBody>
+      </p:sp>
+    </p:spTree>
+    <p:extLst>
+      <p:ext uri="{BB962C8B-B14F-4D97-AF65-F5344CB8AC3E}">
+        <p14:creationId xmlns:p14="http://schemas.microsoft.com/office/powerpoint/2010/main" val="1591429733"/>
+      </p:ext>
+    </p:extLst>
+  </p:cSld>
+  <p:clrMapOvr>
+    <a:masterClrMapping/>
+  </p:clrMapOvr>
+</p:sld>
+</file>
+
+<file path=ppt/slides/slide13.xml><?xml version="1.0" encoding="utf-8"?>
+<p:sld xmlns:a="http://schemas.openxmlformats.org/drawingml/2006/main" xmlns:r="http://schemas.openxmlformats.org/officeDocument/2006/relationships" xmlns:p="http://schemas.openxmlformats.org/presentationml/2006/main">
+  <p:cSld>
+    <p:spTree>
+      <p:nvGrpSpPr>
+        <p:cNvPr id="1" name=""/>
+        <p:cNvGrpSpPr/>
+        <p:nvPr/>
+      </p:nvGrpSpPr>
+      <p:grpSpPr>
+        <a:xfrm>
+          <a:off x="0" y="0"/>
+          <a:ext cx="0" cy="0"/>
+          <a:chOff x="0" y="0"/>
+          <a:chExt cx="0" cy="0"/>
+        </a:xfrm>
+      </p:grpSpPr>
+      <p:pic>
+        <p:nvPicPr>
+          <p:cNvPr id="5" name="Grafik 4">
+            <a:extLst>
+              <a:ext uri="{FF2B5EF4-FFF2-40B4-BE49-F238E27FC236}">
+                <a16:creationId xmlns:a16="http://schemas.microsoft.com/office/drawing/2014/main" id="{5712B630-806D-4C3A-B1AB-B36ED3E84478}"/>
+              </a:ext>
+            </a:extLst>
+          </p:cNvPr>
+          <p:cNvPicPr>
+            <a:picLocks noChangeAspect="1"/>
+          </p:cNvPicPr>
+          <p:nvPr/>
+        </p:nvPicPr>
+        <p:blipFill>
+          <a:blip r:embed="rId2">
+            <a:extLst>
+              <a:ext uri="{28A0092B-C50C-407E-A947-70E740481C1C}">
+                <a14:useLocalDpi xmlns:a14="http://schemas.microsoft.com/office/drawing/2010/main" val="0"/>
+              </a:ext>
+              <a:ext uri="{96DAC541-7B7A-43D3-8B79-37D633B846F1}">
+                <asvg:svgBlip xmlns:asvg="http://schemas.microsoft.com/office/drawing/2016/SVG/main" r:embed="rId3"/>
+              </a:ext>
+            </a:extLst>
+          </a:blip>
+          <a:stretch>
+            <a:fillRect/>
+          </a:stretch>
+        </p:blipFill>
+        <p:spPr>
+          <a:xfrm>
+            <a:off x="-3762306" y="1536548"/>
+            <a:ext cx="12191996" cy="3641466"/>
+          </a:xfrm>
+          <a:prstGeom prst="rect">
+            <a:avLst/>
+          </a:prstGeom>
+        </p:spPr>
+      </p:pic>
+      <p:sp>
+        <p:nvSpPr>
+          <p:cNvPr id="3" name="Rechteck 2">
+            <a:extLst>
+              <a:ext uri="{FF2B5EF4-FFF2-40B4-BE49-F238E27FC236}">
+                <a16:creationId xmlns:a16="http://schemas.microsoft.com/office/drawing/2014/main" id="{9F698CC2-CBA0-455D-BF57-078307C04E8D}"/>
+              </a:ext>
+            </a:extLst>
+          </p:cNvPr>
+          <p:cNvSpPr/>
+          <p:nvPr/>
+        </p:nvSpPr>
+        <p:spPr>
+          <a:xfrm>
+            <a:off x="4473387" y="387450"/>
+            <a:ext cx="7826189" cy="4324261"/>
+          </a:xfrm>
+          <a:prstGeom prst="rect">
+            <a:avLst/>
+          </a:prstGeom>
+        </p:spPr>
+        <p:txBody>
+          <a:bodyPr wrap="square">
+            <a:spAutoFit/>
+          </a:bodyPr>
+          <a:lstStyle/>
+          <a:p>
+            <a:r>
+              <a:rPr lang="de-DE" sz="1100" dirty="0">
+                <a:latin typeface="Verdana" panose="020B0604030504040204" pitchFamily="34" charset="0"/>
+                <a:ea typeface="Verdana" panose="020B0604030504040204" pitchFamily="34" charset="0"/>
+              </a:rPr>
+              <a:t>\</a:t>
+            </a:r>
+            <a:r>
+              <a:rPr lang="de-DE" sz="1100" dirty="0" err="1">
+                <a:latin typeface="Verdana" panose="020B0604030504040204" pitchFamily="34" charset="0"/>
+                <a:ea typeface="Verdana" panose="020B0604030504040204" pitchFamily="34" charset="0"/>
+              </a:rPr>
+              <a:t>tikzstyle</a:t>
+            </a:r>
+            <a:r>
+              <a:rPr lang="de-DE" sz="1100" dirty="0">
+                <a:latin typeface="Verdana" panose="020B0604030504040204" pitchFamily="34" charset="0"/>
+                <a:ea typeface="Verdana" panose="020B0604030504040204" pitchFamily="34" charset="0"/>
+              </a:rPr>
+              <a:t>{</a:t>
+            </a:r>
+            <a:r>
+              <a:rPr lang="de-DE" sz="1100" dirty="0" err="1">
+                <a:latin typeface="Verdana" panose="020B0604030504040204" pitchFamily="34" charset="0"/>
+                <a:ea typeface="Verdana" panose="020B0604030504040204" pitchFamily="34" charset="0"/>
+              </a:rPr>
+              <a:t>imu</a:t>
+            </a:r>
+            <a:r>
+              <a:rPr lang="de-DE" sz="1100" dirty="0">
+                <a:latin typeface="Verdana" panose="020B0604030504040204" pitchFamily="34" charset="0"/>
+                <a:ea typeface="Verdana" panose="020B0604030504040204" pitchFamily="34" charset="0"/>
+              </a:rPr>
+              <a:t>}     = [</a:t>
+            </a:r>
+            <a:r>
+              <a:rPr lang="de-DE" sz="1100" dirty="0" err="1">
+                <a:latin typeface="Verdana" panose="020B0604030504040204" pitchFamily="34" charset="0"/>
+                <a:ea typeface="Verdana" panose="020B0604030504040204" pitchFamily="34" charset="0"/>
+              </a:rPr>
+              <a:t>draw</a:t>
+            </a:r>
+            <a:r>
+              <a:rPr lang="de-DE" sz="1100" dirty="0">
+                <a:latin typeface="Verdana" panose="020B0604030504040204" pitchFamily="34" charset="0"/>
+                <a:ea typeface="Verdana" panose="020B0604030504040204" pitchFamily="34" charset="0"/>
+              </a:rPr>
+              <a:t>, </a:t>
+            </a:r>
+            <a:r>
+              <a:rPr lang="de-DE" sz="1100" dirty="0" err="1">
+                <a:latin typeface="Verdana" panose="020B0604030504040204" pitchFamily="34" charset="0"/>
+                <a:ea typeface="Verdana" panose="020B0604030504040204" pitchFamily="34" charset="0"/>
+              </a:rPr>
+              <a:t>rectangle</a:t>
+            </a:r>
+            <a:r>
+              <a:rPr lang="de-DE" sz="1100" dirty="0">
+                <a:latin typeface="Verdana" panose="020B0604030504040204" pitchFamily="34" charset="0"/>
+                <a:ea typeface="Verdana" panose="020B0604030504040204" pitchFamily="34" charset="0"/>
+              </a:rPr>
+              <a:t>, </a:t>
+            </a:r>
+            <a:r>
+              <a:rPr lang="de-DE" sz="1100" dirty="0" err="1">
+                <a:latin typeface="Verdana" panose="020B0604030504040204" pitchFamily="34" charset="0"/>
+                <a:ea typeface="Verdana" panose="020B0604030504040204" pitchFamily="34" charset="0"/>
+              </a:rPr>
+              <a:t>minimum</a:t>
+            </a:r>
+            <a:r>
+              <a:rPr lang="de-DE" sz="1100" dirty="0">
+                <a:latin typeface="Verdana" panose="020B0604030504040204" pitchFamily="34" charset="0"/>
+                <a:ea typeface="Verdana" panose="020B0604030504040204" pitchFamily="34" charset="0"/>
+              </a:rPr>
+              <a:t> </a:t>
+            </a:r>
+            <a:r>
+              <a:rPr lang="de-DE" sz="1100" dirty="0" err="1">
+                <a:latin typeface="Verdana" panose="020B0604030504040204" pitchFamily="34" charset="0"/>
+                <a:ea typeface="Verdana" panose="020B0604030504040204" pitchFamily="34" charset="0"/>
+              </a:rPr>
+              <a:t>height</a:t>
+            </a:r>
+            <a:r>
+              <a:rPr lang="de-DE" sz="1100" dirty="0">
+                <a:latin typeface="Verdana" panose="020B0604030504040204" pitchFamily="34" charset="0"/>
+                <a:ea typeface="Verdana" panose="020B0604030504040204" pitchFamily="34" charset="0"/>
+              </a:rPr>
+              <a:t>=6cm, </a:t>
+            </a:r>
+            <a:r>
+              <a:rPr lang="de-DE" sz="1100" dirty="0" err="1">
+                <a:latin typeface="Verdana" panose="020B0604030504040204" pitchFamily="34" charset="0"/>
+                <a:ea typeface="Verdana" panose="020B0604030504040204" pitchFamily="34" charset="0"/>
+              </a:rPr>
+              <a:t>minimum</a:t>
+            </a:r>
+            <a:r>
+              <a:rPr lang="de-DE" sz="1100" dirty="0">
+                <a:latin typeface="Verdana" panose="020B0604030504040204" pitchFamily="34" charset="0"/>
+                <a:ea typeface="Verdana" panose="020B0604030504040204" pitchFamily="34" charset="0"/>
+              </a:rPr>
+              <a:t> </a:t>
+            </a:r>
+            <a:r>
+              <a:rPr lang="de-DE" sz="1100" dirty="0" err="1">
+                <a:latin typeface="Verdana" panose="020B0604030504040204" pitchFamily="34" charset="0"/>
+                <a:ea typeface="Verdana" panose="020B0604030504040204" pitchFamily="34" charset="0"/>
+              </a:rPr>
+              <a:t>width</a:t>
+            </a:r>
+            <a:r>
+              <a:rPr lang="de-DE" sz="1100" dirty="0">
+                <a:latin typeface="Verdana" panose="020B0604030504040204" pitchFamily="34" charset="0"/>
+                <a:ea typeface="Verdana" panose="020B0604030504040204" pitchFamily="34" charset="0"/>
+              </a:rPr>
+              <a:t>=2.5cm]</a:t>
+            </a:r>
+          </a:p>
+          <a:p>
+            <a:r>
+              <a:rPr lang="de-DE" sz="1100" dirty="0">
+                <a:latin typeface="Verdana" panose="020B0604030504040204" pitchFamily="34" charset="0"/>
+                <a:ea typeface="Verdana" panose="020B0604030504040204" pitchFamily="34" charset="0"/>
+              </a:rPr>
+              <a:t>\</a:t>
+            </a:r>
+            <a:r>
+              <a:rPr lang="de-DE" sz="1100" dirty="0" err="1">
+                <a:latin typeface="Verdana" panose="020B0604030504040204" pitchFamily="34" charset="0"/>
+                <a:ea typeface="Verdana" panose="020B0604030504040204" pitchFamily="34" charset="0"/>
+              </a:rPr>
+              <a:t>tikzstyle</a:t>
+            </a:r>
+            <a:r>
+              <a:rPr lang="de-DE" sz="1100" dirty="0">
+                <a:latin typeface="Verdana" panose="020B0604030504040204" pitchFamily="34" charset="0"/>
+                <a:ea typeface="Verdana" panose="020B0604030504040204" pitchFamily="34" charset="0"/>
+              </a:rPr>
+              <a:t>{block}     = [</a:t>
+            </a:r>
+            <a:r>
+              <a:rPr lang="de-DE" sz="1100" dirty="0" err="1">
+                <a:latin typeface="Verdana" panose="020B0604030504040204" pitchFamily="34" charset="0"/>
+                <a:ea typeface="Verdana" panose="020B0604030504040204" pitchFamily="34" charset="0"/>
+              </a:rPr>
+              <a:t>draw</a:t>
+            </a:r>
+            <a:r>
+              <a:rPr lang="de-DE" sz="1100" dirty="0">
+                <a:latin typeface="Verdana" panose="020B0604030504040204" pitchFamily="34" charset="0"/>
+                <a:ea typeface="Verdana" panose="020B0604030504040204" pitchFamily="34" charset="0"/>
+              </a:rPr>
+              <a:t>, </a:t>
+            </a:r>
+            <a:r>
+              <a:rPr lang="de-DE" sz="1100" dirty="0" err="1">
+                <a:latin typeface="Verdana" panose="020B0604030504040204" pitchFamily="34" charset="0"/>
+                <a:ea typeface="Verdana" panose="020B0604030504040204" pitchFamily="34" charset="0"/>
+              </a:rPr>
+              <a:t>rectangle</a:t>
+            </a:r>
+            <a:r>
+              <a:rPr lang="de-DE" sz="1100" dirty="0">
+                <a:latin typeface="Verdana" panose="020B0604030504040204" pitchFamily="34" charset="0"/>
+                <a:ea typeface="Verdana" panose="020B0604030504040204" pitchFamily="34" charset="0"/>
+              </a:rPr>
+              <a:t>, </a:t>
+            </a:r>
+            <a:r>
+              <a:rPr lang="de-DE" sz="1100" dirty="0" err="1">
+                <a:latin typeface="Verdana" panose="020B0604030504040204" pitchFamily="34" charset="0"/>
+                <a:ea typeface="Verdana" panose="020B0604030504040204" pitchFamily="34" charset="0"/>
+              </a:rPr>
+              <a:t>minimum</a:t>
+            </a:r>
+            <a:r>
+              <a:rPr lang="de-DE" sz="1100" dirty="0">
+                <a:latin typeface="Verdana" panose="020B0604030504040204" pitchFamily="34" charset="0"/>
+                <a:ea typeface="Verdana" panose="020B0604030504040204" pitchFamily="34" charset="0"/>
+              </a:rPr>
+              <a:t> </a:t>
+            </a:r>
+            <a:r>
+              <a:rPr lang="de-DE" sz="1100" dirty="0" err="1">
+                <a:latin typeface="Verdana" panose="020B0604030504040204" pitchFamily="34" charset="0"/>
+                <a:ea typeface="Verdana" panose="020B0604030504040204" pitchFamily="34" charset="0"/>
+              </a:rPr>
+              <a:t>height</a:t>
+            </a:r>
+            <a:r>
+              <a:rPr lang="de-DE" sz="1100" dirty="0">
+                <a:latin typeface="Verdana" panose="020B0604030504040204" pitchFamily="34" charset="0"/>
+                <a:ea typeface="Verdana" panose="020B0604030504040204" pitchFamily="34" charset="0"/>
+              </a:rPr>
+              <a:t>=1.5cm, </a:t>
+            </a:r>
+            <a:r>
+              <a:rPr lang="de-DE" sz="1100" dirty="0" err="1">
+                <a:latin typeface="Verdana" panose="020B0604030504040204" pitchFamily="34" charset="0"/>
+                <a:ea typeface="Verdana" panose="020B0604030504040204" pitchFamily="34" charset="0"/>
+              </a:rPr>
+              <a:t>minimum</a:t>
+            </a:r>
+            <a:r>
+              <a:rPr lang="de-DE" sz="1100" dirty="0">
+                <a:latin typeface="Verdana" panose="020B0604030504040204" pitchFamily="34" charset="0"/>
+                <a:ea typeface="Verdana" panose="020B0604030504040204" pitchFamily="34" charset="0"/>
+              </a:rPr>
+              <a:t> </a:t>
+            </a:r>
+            <a:r>
+              <a:rPr lang="de-DE" sz="1100" dirty="0" err="1">
+                <a:latin typeface="Verdana" panose="020B0604030504040204" pitchFamily="34" charset="0"/>
+                <a:ea typeface="Verdana" panose="020B0604030504040204" pitchFamily="34" charset="0"/>
+              </a:rPr>
+              <a:t>width</a:t>
+            </a:r>
+            <a:r>
+              <a:rPr lang="de-DE" sz="1100" dirty="0">
+                <a:latin typeface="Verdana" panose="020B0604030504040204" pitchFamily="34" charset="0"/>
+                <a:ea typeface="Verdana" panose="020B0604030504040204" pitchFamily="34" charset="0"/>
+              </a:rPr>
+              <a:t>=1.6cm]</a:t>
+            </a:r>
+          </a:p>
+          <a:p>
+            <a:r>
+              <a:rPr lang="de-DE" sz="1100" dirty="0">
+                <a:latin typeface="Verdana" panose="020B0604030504040204" pitchFamily="34" charset="0"/>
+                <a:ea typeface="Verdana" panose="020B0604030504040204" pitchFamily="34" charset="0"/>
+              </a:rPr>
+              <a:t>\</a:t>
+            </a:r>
+            <a:r>
+              <a:rPr lang="de-DE" sz="1100" dirty="0" err="1">
+                <a:latin typeface="Verdana" panose="020B0604030504040204" pitchFamily="34" charset="0"/>
+                <a:ea typeface="Verdana" panose="020B0604030504040204" pitchFamily="34" charset="0"/>
+              </a:rPr>
+              <a:t>tikzstyle</a:t>
+            </a:r>
+            <a:r>
+              <a:rPr lang="de-DE" sz="1100" dirty="0">
+                <a:latin typeface="Verdana" panose="020B0604030504040204" pitchFamily="34" charset="0"/>
+                <a:ea typeface="Verdana" panose="020B0604030504040204" pitchFamily="34" charset="0"/>
+              </a:rPr>
+              <a:t>{</a:t>
+            </a:r>
+            <a:r>
+              <a:rPr lang="de-DE" sz="1100" dirty="0" err="1">
+                <a:latin typeface="Verdana" panose="020B0604030504040204" pitchFamily="34" charset="0"/>
+                <a:ea typeface="Verdana" panose="020B0604030504040204" pitchFamily="34" charset="0"/>
+              </a:rPr>
+              <a:t>blockM</a:t>
+            </a:r>
+            <a:r>
+              <a:rPr lang="de-DE" sz="1100" dirty="0">
+                <a:latin typeface="Verdana" panose="020B0604030504040204" pitchFamily="34" charset="0"/>
+                <a:ea typeface="Verdana" panose="020B0604030504040204" pitchFamily="34" charset="0"/>
+              </a:rPr>
+              <a:t>}     = [</a:t>
+            </a:r>
+            <a:r>
+              <a:rPr lang="de-DE" sz="1100" dirty="0" err="1">
+                <a:latin typeface="Verdana" panose="020B0604030504040204" pitchFamily="34" charset="0"/>
+                <a:ea typeface="Verdana" panose="020B0604030504040204" pitchFamily="34" charset="0"/>
+              </a:rPr>
+              <a:t>draw</a:t>
+            </a:r>
+            <a:r>
+              <a:rPr lang="de-DE" sz="1100" dirty="0">
+                <a:latin typeface="Verdana" panose="020B0604030504040204" pitchFamily="34" charset="0"/>
+                <a:ea typeface="Verdana" panose="020B0604030504040204" pitchFamily="34" charset="0"/>
+              </a:rPr>
+              <a:t>, </a:t>
+            </a:r>
+            <a:r>
+              <a:rPr lang="de-DE" sz="1100" dirty="0" err="1">
+                <a:latin typeface="Verdana" panose="020B0604030504040204" pitchFamily="34" charset="0"/>
+                <a:ea typeface="Verdana" panose="020B0604030504040204" pitchFamily="34" charset="0"/>
+              </a:rPr>
+              <a:t>rectangle</a:t>
+            </a:r>
+            <a:r>
+              <a:rPr lang="de-DE" sz="1100" dirty="0">
+                <a:latin typeface="Verdana" panose="020B0604030504040204" pitchFamily="34" charset="0"/>
+                <a:ea typeface="Verdana" panose="020B0604030504040204" pitchFamily="34" charset="0"/>
+              </a:rPr>
+              <a:t>, </a:t>
+            </a:r>
+            <a:r>
+              <a:rPr lang="de-DE" sz="1100" dirty="0" err="1">
+                <a:latin typeface="Verdana" panose="020B0604030504040204" pitchFamily="34" charset="0"/>
+                <a:ea typeface="Verdana" panose="020B0604030504040204" pitchFamily="34" charset="0"/>
+              </a:rPr>
+              <a:t>minimum</a:t>
+            </a:r>
+            <a:r>
+              <a:rPr lang="de-DE" sz="1100" dirty="0">
+                <a:latin typeface="Verdana" panose="020B0604030504040204" pitchFamily="34" charset="0"/>
+                <a:ea typeface="Verdana" panose="020B0604030504040204" pitchFamily="34" charset="0"/>
+              </a:rPr>
+              <a:t> </a:t>
+            </a:r>
+            <a:r>
+              <a:rPr lang="de-DE" sz="1100" dirty="0" err="1">
+                <a:latin typeface="Verdana" panose="020B0604030504040204" pitchFamily="34" charset="0"/>
+                <a:ea typeface="Verdana" panose="020B0604030504040204" pitchFamily="34" charset="0"/>
+              </a:rPr>
+              <a:t>height</a:t>
+            </a:r>
+            <a:r>
+              <a:rPr lang="de-DE" sz="1100" dirty="0">
+                <a:latin typeface="Verdana" panose="020B0604030504040204" pitchFamily="34" charset="0"/>
+                <a:ea typeface="Verdana" panose="020B0604030504040204" pitchFamily="34" charset="0"/>
+              </a:rPr>
+              <a:t>=0.5cm, </a:t>
+            </a:r>
+            <a:r>
+              <a:rPr lang="de-DE" sz="1100" dirty="0" err="1">
+                <a:latin typeface="Verdana" panose="020B0604030504040204" pitchFamily="34" charset="0"/>
+                <a:ea typeface="Verdana" panose="020B0604030504040204" pitchFamily="34" charset="0"/>
+              </a:rPr>
+              <a:t>minimum</a:t>
+            </a:r>
+            <a:r>
+              <a:rPr lang="de-DE" sz="1100" dirty="0">
+                <a:latin typeface="Verdana" panose="020B0604030504040204" pitchFamily="34" charset="0"/>
+                <a:ea typeface="Verdana" panose="020B0604030504040204" pitchFamily="34" charset="0"/>
+              </a:rPr>
+              <a:t> </a:t>
+            </a:r>
+            <a:r>
+              <a:rPr lang="de-DE" sz="1100" dirty="0" err="1">
+                <a:latin typeface="Verdana" panose="020B0604030504040204" pitchFamily="34" charset="0"/>
+                <a:ea typeface="Verdana" panose="020B0604030504040204" pitchFamily="34" charset="0"/>
+              </a:rPr>
+              <a:t>width</a:t>
+            </a:r>
+            <a:r>
+              <a:rPr lang="de-DE" sz="1100" dirty="0">
+                <a:latin typeface="Verdana" panose="020B0604030504040204" pitchFamily="34" charset="0"/>
+                <a:ea typeface="Verdana" panose="020B0604030504040204" pitchFamily="34" charset="0"/>
+              </a:rPr>
+              <a:t>=0.5cm]</a:t>
+            </a:r>
+          </a:p>
+          <a:p>
+            <a:r>
+              <a:rPr lang="de-DE" sz="1100" dirty="0">
+                <a:latin typeface="Verdana" panose="020B0604030504040204" pitchFamily="34" charset="0"/>
+                <a:ea typeface="Verdana" panose="020B0604030504040204" pitchFamily="34" charset="0"/>
+              </a:rPr>
+              <a:t>\</a:t>
+            </a:r>
+            <a:r>
+              <a:rPr lang="de-DE" sz="1100" dirty="0" err="1">
+                <a:latin typeface="Verdana" panose="020B0604030504040204" pitchFamily="34" charset="0"/>
+                <a:ea typeface="Verdana" panose="020B0604030504040204" pitchFamily="34" charset="0"/>
+              </a:rPr>
+              <a:t>tikzstyle</a:t>
+            </a:r>
+            <a:r>
+              <a:rPr lang="de-DE" sz="1100" dirty="0">
+                <a:latin typeface="Verdana" panose="020B0604030504040204" pitchFamily="34" charset="0"/>
+                <a:ea typeface="Verdana" panose="020B0604030504040204" pitchFamily="34" charset="0"/>
+              </a:rPr>
+              <a:t>{</a:t>
+            </a:r>
+            <a:r>
+              <a:rPr lang="de-DE" sz="1100" dirty="0" err="1">
+                <a:latin typeface="Verdana" panose="020B0604030504040204" pitchFamily="34" charset="0"/>
+                <a:ea typeface="Verdana" panose="020B0604030504040204" pitchFamily="34" charset="0"/>
+              </a:rPr>
+              <a:t>blockS</a:t>
+            </a:r>
+            <a:r>
+              <a:rPr lang="de-DE" sz="1100" dirty="0">
+                <a:latin typeface="Verdana" panose="020B0604030504040204" pitchFamily="34" charset="0"/>
+                <a:ea typeface="Verdana" panose="020B0604030504040204" pitchFamily="34" charset="0"/>
+              </a:rPr>
+              <a:t>}     = [</a:t>
+            </a:r>
+            <a:r>
+              <a:rPr lang="de-DE" sz="1100" dirty="0" err="1">
+                <a:latin typeface="Verdana" panose="020B0604030504040204" pitchFamily="34" charset="0"/>
+                <a:ea typeface="Verdana" panose="020B0604030504040204" pitchFamily="34" charset="0"/>
+              </a:rPr>
+              <a:t>draw</a:t>
+            </a:r>
+            <a:r>
+              <a:rPr lang="de-DE" sz="1100" dirty="0">
+                <a:latin typeface="Verdana" panose="020B0604030504040204" pitchFamily="34" charset="0"/>
+                <a:ea typeface="Verdana" panose="020B0604030504040204" pitchFamily="34" charset="0"/>
+              </a:rPr>
+              <a:t>, </a:t>
+            </a:r>
+            <a:r>
+              <a:rPr lang="de-DE" sz="1100" dirty="0" err="1">
+                <a:latin typeface="Verdana" panose="020B0604030504040204" pitchFamily="34" charset="0"/>
+                <a:ea typeface="Verdana" panose="020B0604030504040204" pitchFamily="34" charset="0"/>
+              </a:rPr>
+              <a:t>rectangle</a:t>
+            </a:r>
+            <a:r>
+              <a:rPr lang="de-DE" sz="1100" dirty="0">
+                <a:latin typeface="Verdana" panose="020B0604030504040204" pitchFamily="34" charset="0"/>
+                <a:ea typeface="Verdana" panose="020B0604030504040204" pitchFamily="34" charset="0"/>
+              </a:rPr>
+              <a:t>, </a:t>
+            </a:r>
+            <a:r>
+              <a:rPr lang="de-DE" sz="1100" dirty="0" err="1">
+                <a:latin typeface="Verdana" panose="020B0604030504040204" pitchFamily="34" charset="0"/>
+                <a:ea typeface="Verdana" panose="020B0604030504040204" pitchFamily="34" charset="0"/>
+              </a:rPr>
+              <a:t>minimum</a:t>
+            </a:r>
+            <a:r>
+              <a:rPr lang="de-DE" sz="1100" dirty="0">
+                <a:latin typeface="Verdana" panose="020B0604030504040204" pitchFamily="34" charset="0"/>
+                <a:ea typeface="Verdana" panose="020B0604030504040204" pitchFamily="34" charset="0"/>
+              </a:rPr>
+              <a:t> </a:t>
+            </a:r>
+            <a:r>
+              <a:rPr lang="de-DE" sz="1100" dirty="0" err="1">
+                <a:latin typeface="Verdana" panose="020B0604030504040204" pitchFamily="34" charset="0"/>
+                <a:ea typeface="Verdana" panose="020B0604030504040204" pitchFamily="34" charset="0"/>
+              </a:rPr>
+              <a:t>height</a:t>
+            </a:r>
+            <a:r>
+              <a:rPr lang="de-DE" sz="1100" dirty="0">
+                <a:latin typeface="Verdana" panose="020B0604030504040204" pitchFamily="34" charset="0"/>
+                <a:ea typeface="Verdana" panose="020B0604030504040204" pitchFamily="34" charset="0"/>
+              </a:rPr>
+              <a:t>=0.5mm, </a:t>
+            </a:r>
+            <a:r>
+              <a:rPr lang="de-DE" sz="1100" dirty="0" err="1">
+                <a:latin typeface="Verdana" panose="020B0604030504040204" pitchFamily="34" charset="0"/>
+                <a:ea typeface="Verdana" panose="020B0604030504040204" pitchFamily="34" charset="0"/>
+              </a:rPr>
+              <a:t>minimum</a:t>
+            </a:r>
+            <a:r>
+              <a:rPr lang="de-DE" sz="1100" dirty="0">
+                <a:latin typeface="Verdana" panose="020B0604030504040204" pitchFamily="34" charset="0"/>
+                <a:ea typeface="Verdana" panose="020B0604030504040204" pitchFamily="34" charset="0"/>
+              </a:rPr>
+              <a:t> </a:t>
+            </a:r>
+            <a:r>
+              <a:rPr lang="de-DE" sz="1100" dirty="0" err="1">
+                <a:latin typeface="Verdana" panose="020B0604030504040204" pitchFamily="34" charset="0"/>
+                <a:ea typeface="Verdana" panose="020B0604030504040204" pitchFamily="34" charset="0"/>
+              </a:rPr>
+              <a:t>width</a:t>
+            </a:r>
+            <a:r>
+              <a:rPr lang="de-DE" sz="1100" dirty="0">
+                <a:latin typeface="Verdana" panose="020B0604030504040204" pitchFamily="34" charset="0"/>
+                <a:ea typeface="Verdana" panose="020B0604030504040204" pitchFamily="34" charset="0"/>
+              </a:rPr>
+              <a:t>=0.5mm]</a:t>
+            </a:r>
+          </a:p>
+          <a:p>
+            <a:r>
+              <a:rPr lang="de-DE" sz="1100" dirty="0">
+                <a:latin typeface="Verdana" panose="020B0604030504040204" pitchFamily="34" charset="0"/>
+                <a:ea typeface="Verdana" panose="020B0604030504040204" pitchFamily="34" charset="0"/>
+              </a:rPr>
+              <a:t>\</a:t>
+            </a:r>
+            <a:r>
+              <a:rPr lang="de-DE" sz="1100" dirty="0" err="1">
+                <a:latin typeface="Verdana" panose="020B0604030504040204" pitchFamily="34" charset="0"/>
+                <a:ea typeface="Verdana" panose="020B0604030504040204" pitchFamily="34" charset="0"/>
+              </a:rPr>
+              <a:t>begin</a:t>
+            </a:r>
+            <a:r>
+              <a:rPr lang="de-DE" sz="1100" dirty="0">
+                <a:latin typeface="Verdana" panose="020B0604030504040204" pitchFamily="34" charset="0"/>
+                <a:ea typeface="Verdana" panose="020B0604030504040204" pitchFamily="34" charset="0"/>
+              </a:rPr>
+              <a:t>{</a:t>
+            </a:r>
+            <a:r>
+              <a:rPr lang="de-DE" sz="1100" dirty="0" err="1">
+                <a:latin typeface="Verdana" panose="020B0604030504040204" pitchFamily="34" charset="0"/>
+                <a:ea typeface="Verdana" panose="020B0604030504040204" pitchFamily="34" charset="0"/>
+              </a:rPr>
+              <a:t>tikzpicture</a:t>
+            </a:r>
+            <a:r>
+              <a:rPr lang="de-DE" sz="1100" dirty="0">
+                <a:latin typeface="Verdana" panose="020B0604030504040204" pitchFamily="34" charset="0"/>
+                <a:ea typeface="Verdana" panose="020B0604030504040204" pitchFamily="34" charset="0"/>
+              </a:rPr>
+              <a:t>}[</a:t>
+            </a:r>
+            <a:r>
+              <a:rPr lang="de-DE" sz="1100" dirty="0" err="1">
+                <a:latin typeface="Verdana" panose="020B0604030504040204" pitchFamily="34" charset="0"/>
+                <a:ea typeface="Verdana" panose="020B0604030504040204" pitchFamily="34" charset="0"/>
+              </a:rPr>
+              <a:t>auto</a:t>
+            </a:r>
+            <a:r>
+              <a:rPr lang="de-DE" sz="1100" dirty="0">
+                <a:latin typeface="Verdana" panose="020B0604030504040204" pitchFamily="34" charset="0"/>
+                <a:ea typeface="Verdana" panose="020B0604030504040204" pitchFamily="34" charset="0"/>
+              </a:rPr>
+              <a:t>, </a:t>
+            </a:r>
+            <a:r>
+              <a:rPr lang="de-DE" sz="1100" dirty="0" err="1">
+                <a:latin typeface="Verdana" panose="020B0604030504040204" pitchFamily="34" charset="0"/>
+                <a:ea typeface="Verdana" panose="020B0604030504040204" pitchFamily="34" charset="0"/>
+              </a:rPr>
+              <a:t>node</a:t>
+            </a:r>
+            <a:r>
+              <a:rPr lang="de-DE" sz="1100" dirty="0">
+                <a:latin typeface="Verdana" panose="020B0604030504040204" pitchFamily="34" charset="0"/>
+                <a:ea typeface="Verdana" panose="020B0604030504040204" pitchFamily="34" charset="0"/>
+              </a:rPr>
+              <a:t> </a:t>
+            </a:r>
+            <a:r>
+              <a:rPr lang="de-DE" sz="1100" dirty="0" err="1">
+                <a:latin typeface="Verdana" panose="020B0604030504040204" pitchFamily="34" charset="0"/>
+                <a:ea typeface="Verdana" panose="020B0604030504040204" pitchFamily="34" charset="0"/>
+              </a:rPr>
+              <a:t>distance</a:t>
+            </a:r>
+            <a:r>
+              <a:rPr lang="de-DE" sz="1100" dirty="0">
+                <a:latin typeface="Verdana" panose="020B0604030504040204" pitchFamily="34" charset="0"/>
+                <a:ea typeface="Verdana" panose="020B0604030504040204" pitchFamily="34" charset="0"/>
+              </a:rPr>
+              <a:t>=3cm, &gt;=</a:t>
+            </a:r>
+            <a:r>
+              <a:rPr lang="de-DE" sz="1100" dirty="0" err="1">
+                <a:latin typeface="Verdana" panose="020B0604030504040204" pitchFamily="34" charset="0"/>
+                <a:ea typeface="Verdana" panose="020B0604030504040204" pitchFamily="34" charset="0"/>
+              </a:rPr>
+              <a:t>stealth</a:t>
+            </a:r>
+            <a:r>
+              <a:rPr lang="de-DE" sz="1100" dirty="0">
+                <a:latin typeface="Verdana" panose="020B0604030504040204" pitchFamily="34" charset="0"/>
+                <a:ea typeface="Verdana" panose="020B0604030504040204" pitchFamily="34" charset="0"/>
+              </a:rPr>
+              <a:t>‘]</a:t>
+            </a:r>
+          </a:p>
+          <a:p>
+            <a:r>
+              <a:rPr lang="de-DE" sz="1100" dirty="0">
+                <a:latin typeface="Verdana" panose="020B0604030504040204" pitchFamily="34" charset="0"/>
+                <a:ea typeface="Verdana" panose="020B0604030504040204" pitchFamily="34" charset="0"/>
+              </a:rPr>
+              <a:t>     \</a:t>
+            </a:r>
+            <a:r>
+              <a:rPr lang="de-DE" sz="1100" dirty="0" err="1">
+                <a:latin typeface="Verdana" panose="020B0604030504040204" pitchFamily="34" charset="0"/>
+                <a:ea typeface="Verdana" panose="020B0604030504040204" pitchFamily="34" charset="0"/>
+              </a:rPr>
+              <a:t>node</a:t>
+            </a:r>
+            <a:r>
+              <a:rPr lang="de-DE" sz="1100" dirty="0">
+                <a:latin typeface="Verdana" panose="020B0604030504040204" pitchFamily="34" charset="0"/>
+                <a:ea typeface="Verdana" panose="020B0604030504040204" pitchFamily="34" charset="0"/>
+              </a:rPr>
+              <a:t>[</a:t>
+            </a:r>
+            <a:r>
+              <a:rPr lang="de-DE" sz="1100" dirty="0" err="1">
+                <a:latin typeface="Verdana" panose="020B0604030504040204" pitchFamily="34" charset="0"/>
+                <a:ea typeface="Verdana" panose="020B0604030504040204" pitchFamily="34" charset="0"/>
+              </a:rPr>
+              <a:t>imu</a:t>
+            </a:r>
+            <a:r>
+              <a:rPr lang="de-DE" sz="1100" dirty="0">
+                <a:latin typeface="Verdana" panose="020B0604030504040204" pitchFamily="34" charset="0"/>
+                <a:ea typeface="Verdana" panose="020B0604030504040204" pitchFamily="34" charset="0"/>
+              </a:rPr>
+              <a:t>] (</a:t>
+            </a:r>
+            <a:r>
+              <a:rPr lang="de-DE" sz="1100" dirty="0" err="1">
+                <a:latin typeface="Verdana" panose="020B0604030504040204" pitchFamily="34" charset="0"/>
+                <a:ea typeface="Verdana" panose="020B0604030504040204" pitchFamily="34" charset="0"/>
+              </a:rPr>
+              <a:t>imu</a:t>
+            </a:r>
+            <a:r>
+              <a:rPr lang="de-DE" sz="1100" dirty="0">
+                <a:latin typeface="Verdana" panose="020B0604030504040204" pitchFamily="34" charset="0"/>
+                <a:ea typeface="Verdana" panose="020B0604030504040204" pitchFamily="34" charset="0"/>
+              </a:rPr>
+              <a:t>) {IMU}; % IMU Block</a:t>
+            </a:r>
+          </a:p>
+          <a:p>
+            <a:r>
+              <a:rPr lang="en-US" sz="1100" dirty="0">
+                <a:latin typeface="Verdana" panose="020B0604030504040204" pitchFamily="34" charset="0"/>
+                <a:ea typeface="Verdana" panose="020B0604030504040204" pitchFamily="34" charset="0"/>
+              </a:rPr>
+              <a:t>     \node[block, above of = </a:t>
+            </a:r>
+            <a:r>
+              <a:rPr lang="en-US" sz="1100" dirty="0" err="1">
+                <a:latin typeface="Verdana" panose="020B0604030504040204" pitchFamily="34" charset="0"/>
+                <a:ea typeface="Verdana" panose="020B0604030504040204" pitchFamily="34" charset="0"/>
+              </a:rPr>
+              <a:t>imu</a:t>
+            </a:r>
+            <a:r>
+              <a:rPr lang="en-US" sz="1100" dirty="0">
+                <a:latin typeface="Verdana" panose="020B0604030504040204" pitchFamily="34" charset="0"/>
+                <a:ea typeface="Verdana" panose="020B0604030504040204" pitchFamily="34" charset="0"/>
+              </a:rPr>
+              <a:t>, node distance = 1.5cm] (gyro) {Gyro}; % Gyro Block</a:t>
+            </a:r>
+          </a:p>
+          <a:p>
+            <a:r>
+              <a:rPr lang="en-US" sz="1100" dirty="0">
+                <a:latin typeface="Verdana" panose="020B0604030504040204" pitchFamily="34" charset="0"/>
+                <a:ea typeface="Verdana" panose="020B0604030504040204" pitchFamily="34" charset="0"/>
+              </a:rPr>
+              <a:t>     \node[block, below of = </a:t>
+            </a:r>
+            <a:r>
+              <a:rPr lang="en-US" sz="1100" dirty="0" err="1">
+                <a:latin typeface="Verdana" panose="020B0604030504040204" pitchFamily="34" charset="0"/>
+                <a:ea typeface="Verdana" panose="020B0604030504040204" pitchFamily="34" charset="0"/>
+              </a:rPr>
+              <a:t>imu</a:t>
+            </a:r>
+            <a:r>
+              <a:rPr lang="en-US" sz="1100" dirty="0">
+                <a:latin typeface="Verdana" panose="020B0604030504040204" pitchFamily="34" charset="0"/>
+                <a:ea typeface="Verdana" panose="020B0604030504040204" pitchFamily="34" charset="0"/>
+              </a:rPr>
+              <a:t>, node distance = 1.5cm] (acc) {Acc}; % Acc Block</a:t>
+            </a:r>
+          </a:p>
+          <a:p>
+            <a:r>
+              <a:rPr lang="en-US" sz="1100" dirty="0">
+                <a:latin typeface="Verdana" panose="020B0604030504040204" pitchFamily="34" charset="0"/>
+                <a:ea typeface="Verdana" panose="020B0604030504040204" pitchFamily="34" charset="0"/>
+              </a:rPr>
+              <a:t>     \node[</a:t>
+            </a:r>
+            <a:r>
+              <a:rPr lang="en-US" sz="1100" dirty="0" err="1">
+                <a:latin typeface="Verdana" panose="020B0604030504040204" pitchFamily="34" charset="0"/>
+                <a:ea typeface="Verdana" panose="020B0604030504040204" pitchFamily="34" charset="0"/>
+              </a:rPr>
+              <a:t>blockS</a:t>
+            </a:r>
+            <a:r>
+              <a:rPr lang="en-US" sz="1100" dirty="0">
+                <a:latin typeface="Verdana" panose="020B0604030504040204" pitchFamily="34" charset="0"/>
+                <a:ea typeface="Verdana" panose="020B0604030504040204" pitchFamily="34" charset="0"/>
+              </a:rPr>
+              <a:t>, right of = gyro] (int1) {$\int$}; % Integrator Block</a:t>
+            </a:r>
+          </a:p>
+          <a:p>
+            <a:r>
+              <a:rPr lang="en-US" sz="1100" dirty="0">
+                <a:latin typeface="Verdana" panose="020B0604030504040204" pitchFamily="34" charset="0"/>
+                <a:ea typeface="Verdana" panose="020B0604030504040204" pitchFamily="34" charset="0"/>
+              </a:rPr>
+              <a:t>     % Product block</a:t>
+            </a:r>
+          </a:p>
+          <a:p>
+            <a:r>
+              <a:rPr lang="en-US" sz="1100" dirty="0">
+                <a:latin typeface="Verdana" panose="020B0604030504040204" pitchFamily="34" charset="0"/>
+                <a:ea typeface="Verdana" panose="020B0604030504040204" pitchFamily="34" charset="0"/>
+              </a:rPr>
+              <a:t>     \node[</a:t>
+            </a:r>
+            <a:r>
+              <a:rPr lang="en-US" sz="1100" dirty="0" err="1">
+                <a:latin typeface="Verdana" panose="020B0604030504040204" pitchFamily="34" charset="0"/>
+                <a:ea typeface="Verdana" panose="020B0604030504040204" pitchFamily="34" charset="0"/>
+              </a:rPr>
+              <a:t>blockM</a:t>
+            </a:r>
+            <a:r>
+              <a:rPr lang="en-US" sz="1100" dirty="0">
+                <a:latin typeface="Verdana" panose="020B0604030504040204" pitchFamily="34" charset="0"/>
+                <a:ea typeface="Verdana" panose="020B0604030504040204" pitchFamily="34" charset="0"/>
+              </a:rPr>
+              <a:t>, right of = acc] (product) {$$};</a:t>
+            </a:r>
+          </a:p>
+          <a:p>
+            <a:r>
+              <a:rPr lang="en-US" sz="1100" dirty="0">
+                <a:latin typeface="Verdana" panose="020B0604030504040204" pitchFamily="34" charset="0"/>
+                <a:ea typeface="Verdana" panose="020B0604030504040204" pitchFamily="34" charset="0"/>
+              </a:rPr>
+              <a:t>     \node[</a:t>
+            </a:r>
+            <a:r>
+              <a:rPr lang="en-US" sz="1100" dirty="0" err="1">
+                <a:latin typeface="Verdana" panose="020B0604030504040204" pitchFamily="34" charset="0"/>
+                <a:ea typeface="Verdana" panose="020B0604030504040204" pitchFamily="34" charset="0"/>
+              </a:rPr>
+              <a:t>blockS</a:t>
+            </a:r>
+            <a:r>
+              <a:rPr lang="en-US" sz="1100" dirty="0">
+                <a:latin typeface="Verdana" panose="020B0604030504040204" pitchFamily="34" charset="0"/>
+                <a:ea typeface="Verdana" panose="020B0604030504040204" pitchFamily="34" charset="0"/>
+              </a:rPr>
+              <a:t>, right of = acc] (product1) {$$}; </a:t>
+            </a:r>
+          </a:p>
+          <a:p>
+            <a:r>
+              <a:rPr lang="en-US" sz="1100" dirty="0">
+                <a:latin typeface="Verdana" panose="020B0604030504040204" pitchFamily="34" charset="0"/>
+                <a:ea typeface="Verdana" panose="020B0604030504040204" pitchFamily="34" charset="0"/>
+              </a:rPr>
+              <a:t>     \coordinate (c1) at (product1.north west);</a:t>
+            </a:r>
+          </a:p>
+          <a:p>
+            <a:r>
+              <a:rPr lang="en-US" sz="1100" dirty="0">
+                <a:latin typeface="Verdana" panose="020B0604030504040204" pitchFamily="34" charset="0"/>
+                <a:ea typeface="Verdana" panose="020B0604030504040204" pitchFamily="34" charset="0"/>
+              </a:rPr>
+              <a:t>     \coordinate (c2) at (product1.north east); </a:t>
+            </a:r>
+          </a:p>
+          <a:p>
+            <a:r>
+              <a:rPr lang="en-US" sz="1100" dirty="0">
+                <a:latin typeface="Verdana" panose="020B0604030504040204" pitchFamily="34" charset="0"/>
+                <a:ea typeface="Verdana" panose="020B0604030504040204" pitchFamily="34" charset="0"/>
+              </a:rPr>
+              <a:t>     \coordinate (c3) at (product1.south west); </a:t>
+            </a:r>
+          </a:p>
+          <a:p>
+            <a:r>
+              <a:rPr lang="en-US" sz="1100" dirty="0">
+                <a:latin typeface="Verdana" panose="020B0604030504040204" pitchFamily="34" charset="0"/>
+                <a:ea typeface="Verdana" panose="020B0604030504040204" pitchFamily="34" charset="0"/>
+              </a:rPr>
+              <a:t>     \coordinate (c4) at (product1.south east);</a:t>
+            </a:r>
+          </a:p>
+          <a:p>
+            <a:r>
+              <a:rPr lang="en-US" sz="1100" dirty="0">
+                <a:latin typeface="Verdana" panose="020B0604030504040204" pitchFamily="34" charset="0"/>
+                <a:ea typeface="Verdana" panose="020B0604030504040204" pitchFamily="34" charset="0"/>
+              </a:rPr>
+              <a:t>     \draw (c1) -- (c4); </a:t>
+            </a:r>
+          </a:p>
+          <a:p>
+            <a:r>
+              <a:rPr lang="en-US" sz="1100" dirty="0">
+                <a:latin typeface="Verdana" panose="020B0604030504040204" pitchFamily="34" charset="0"/>
+                <a:ea typeface="Verdana" panose="020B0604030504040204" pitchFamily="34" charset="0"/>
+              </a:rPr>
+              <a:t>     \draw (c2) -- (c3);</a:t>
+            </a:r>
+          </a:p>
+          <a:p>
+            <a:endParaRPr lang="en-US" sz="1100" dirty="0">
+              <a:latin typeface="Verdana" panose="020B0604030504040204" pitchFamily="34" charset="0"/>
+              <a:ea typeface="Verdana" panose="020B0604030504040204" pitchFamily="34" charset="0"/>
+            </a:endParaRPr>
+          </a:p>
+          <a:p>
+            <a:r>
+              <a:rPr lang="en-US" sz="1100" dirty="0">
+                <a:latin typeface="Verdana" panose="020B0604030504040204" pitchFamily="34" charset="0"/>
+                <a:ea typeface="Verdana" panose="020B0604030504040204" pitchFamily="34" charset="0"/>
+              </a:rPr>
+              <a:t>     %% Connections</a:t>
+            </a:r>
+          </a:p>
+          <a:p>
+            <a:r>
+              <a:rPr lang="en-US" sz="1100" dirty="0">
+                <a:latin typeface="Verdana" panose="020B0604030504040204" pitchFamily="34" charset="0"/>
+                <a:ea typeface="Verdana" panose="020B0604030504040204" pitchFamily="34" charset="0"/>
+              </a:rPr>
+              <a:t>     \draw[connector](gyro) -- node{$\</a:t>
+            </a:r>
+            <a:r>
+              <a:rPr lang="en-US" sz="1100" dirty="0" err="1">
+                <a:latin typeface="Verdana" panose="020B0604030504040204" pitchFamily="34" charset="0"/>
+                <a:ea typeface="Verdana" panose="020B0604030504040204" pitchFamily="34" charset="0"/>
+              </a:rPr>
+              <a:t>bm</a:t>
+            </a:r>
+            <a:r>
+              <a:rPr lang="en-US" sz="1100" dirty="0">
+                <a:latin typeface="Verdana" panose="020B0604030504040204" pitchFamily="34" charset="0"/>
+                <a:ea typeface="Verdana" panose="020B0604030504040204" pitchFamily="34" charset="0"/>
+              </a:rPr>
+              <a:t>{\omega}^B_{IB}$} (int1);</a:t>
+            </a:r>
+          </a:p>
+          <a:p>
+            <a:r>
+              <a:rPr lang="en-US" sz="1100" dirty="0">
+                <a:latin typeface="Verdana" panose="020B0604030504040204" pitchFamily="34" charset="0"/>
+                <a:ea typeface="Verdana" panose="020B0604030504040204" pitchFamily="34" charset="0"/>
+              </a:rPr>
+              <a:t>     \draw[connector](acc) -- node{$\</a:t>
+            </a:r>
+            <a:r>
+              <a:rPr lang="en-US" sz="1100" dirty="0" err="1">
+                <a:latin typeface="Verdana" panose="020B0604030504040204" pitchFamily="34" charset="0"/>
+                <a:ea typeface="Verdana" panose="020B0604030504040204" pitchFamily="34" charset="0"/>
+              </a:rPr>
+              <a:t>bm</a:t>
+            </a:r>
+            <a:r>
+              <a:rPr lang="en-US" sz="1100" dirty="0">
+                <a:latin typeface="Verdana" panose="020B0604030504040204" pitchFamily="34" charset="0"/>
+                <a:ea typeface="Verdana" panose="020B0604030504040204" pitchFamily="34" charset="0"/>
+              </a:rPr>
+              <a:t>{a}^B_{IB}$} (product);</a:t>
+            </a:r>
+            <a:endParaRPr lang="de-DE" sz="1100" dirty="0">
+              <a:latin typeface="Verdana" panose="020B0604030504040204" pitchFamily="34" charset="0"/>
+              <a:ea typeface="Verdana" panose="020B0604030504040204" pitchFamily="34" charset="0"/>
+            </a:endParaRPr>
+          </a:p>
+          <a:p>
+            <a:r>
+              <a:rPr lang="de-DE" sz="1100" dirty="0">
+                <a:latin typeface="Verdana" panose="020B0604030504040204" pitchFamily="34" charset="0"/>
+                <a:ea typeface="Verdana" panose="020B0604030504040204" pitchFamily="34" charset="0"/>
+              </a:rPr>
+              <a:t>\end{</a:t>
+            </a:r>
+            <a:r>
+              <a:rPr lang="de-DE" sz="1100" dirty="0" err="1">
+                <a:latin typeface="Verdana" panose="020B0604030504040204" pitchFamily="34" charset="0"/>
+                <a:ea typeface="Verdana" panose="020B0604030504040204" pitchFamily="34" charset="0"/>
+              </a:rPr>
+              <a:t>tikzpicture</a:t>
+            </a:r>
+            <a:r>
+              <a:rPr lang="de-DE" sz="1100" dirty="0">
+                <a:latin typeface="Verdana" panose="020B0604030504040204" pitchFamily="34" charset="0"/>
+                <a:ea typeface="Verdana" panose="020B0604030504040204" pitchFamily="34" charset="0"/>
+              </a:rPr>
+              <a:t>} </a:t>
+            </a:r>
+            <a:r>
+              <a:rPr lang="en-US" sz="1100" dirty="0">
+                <a:latin typeface="Verdana" panose="020B0604030504040204" pitchFamily="34" charset="0"/>
+                <a:ea typeface="Verdana" panose="020B0604030504040204" pitchFamily="34" charset="0"/>
+              </a:rPr>
+              <a:t>	</a:t>
+            </a:r>
+          </a:p>
+          <a:p>
+            <a:r>
+              <a:rPr lang="en-US" sz="1100" dirty="0">
+                <a:latin typeface="Verdana" panose="020B0604030504040204" pitchFamily="34" charset="0"/>
+                <a:ea typeface="Verdana" panose="020B0604030504040204" pitchFamily="34" charset="0"/>
+              </a:rPr>
+              <a:t>	</a:t>
+            </a:r>
+            <a:r>
+              <a:rPr lang="de-DE" sz="1100" dirty="0">
+                <a:latin typeface="Verdana" panose="020B0604030504040204" pitchFamily="34" charset="0"/>
+                <a:ea typeface="Verdana" panose="020B0604030504040204" pitchFamily="34" charset="0"/>
+              </a:rPr>
+              <a:t>	</a:t>
+            </a:r>
+          </a:p>
+          <a:p>
+            <a:r>
+              <a:rPr lang="de-DE" sz="1100" dirty="0">
+                <a:latin typeface="Verdana" panose="020B0604030504040204" pitchFamily="34" charset="0"/>
+                <a:ea typeface="Verdana" panose="020B0604030504040204" pitchFamily="34" charset="0"/>
+              </a:rPr>
+              <a:t>	</a:t>
+            </a:r>
+          </a:p>
+        </p:txBody>
+      </p:sp>
+    </p:spTree>
+    <p:extLst>
+      <p:ext uri="{BB962C8B-B14F-4D97-AF65-F5344CB8AC3E}">
+        <p14:creationId xmlns:p14="http://schemas.microsoft.com/office/powerpoint/2010/main" val="711238563"/>
+      </p:ext>
+    </p:extLst>
+  </p:cSld>
+  <p:clrMapOvr>
+    <a:masterClrMapping/>
+  </p:clrMapOvr>
+</p:sld>
+</file>
+
+<file path=ppt/slides/slide14.xml><?xml version="1.0" encoding="utf-8"?>
+<p:sld xmlns:a="http://schemas.openxmlformats.org/drawingml/2006/main" xmlns:r="http://schemas.openxmlformats.org/officeDocument/2006/relationships" xmlns:p="http://schemas.openxmlformats.org/presentationml/2006/main">
+  <p:cSld>
+    <p:spTree>
+      <p:nvGrpSpPr>
+        <p:cNvPr id="1" name=""/>
+        <p:cNvGrpSpPr/>
+        <p:nvPr/>
+      </p:nvGrpSpPr>
+      <p:grpSpPr>
+        <a:xfrm>
+          <a:off x="0" y="0"/>
+          <a:ext cx="0" cy="0"/>
+          <a:chOff x="0" y="0"/>
+          <a:chExt cx="0" cy="0"/>
+        </a:xfrm>
+      </p:grpSpPr>
+      <p:pic>
+        <p:nvPicPr>
+          <p:cNvPr id="8" name="Grafik 7">
+            <a:extLst>
+              <a:ext uri="{FF2B5EF4-FFF2-40B4-BE49-F238E27FC236}">
+                <a16:creationId xmlns:a16="http://schemas.microsoft.com/office/drawing/2014/main" id="{7BA866E4-0DF6-41F8-8882-2F371C3EC56C}"/>
+              </a:ext>
+            </a:extLst>
+          </p:cNvPr>
+          <p:cNvPicPr>
+            <a:picLocks noChangeAspect="1"/>
+          </p:cNvPicPr>
+          <p:nvPr/>
+        </p:nvPicPr>
+        <p:blipFill>
+          <a:blip r:embed="rId2">
+            <a:extLst>
+              <a:ext uri="{28A0092B-C50C-407E-A947-70E740481C1C}">
+                <a14:useLocalDpi xmlns:a14="http://schemas.microsoft.com/office/drawing/2010/main" val="0"/>
+              </a:ext>
+              <a:ext uri="{96DAC541-7B7A-43D3-8B79-37D633B846F1}">
+                <asvg:svgBlip xmlns:asvg="http://schemas.microsoft.com/office/drawing/2016/SVG/main" r:embed="rId3"/>
+              </a:ext>
+            </a:extLst>
+          </a:blip>
+          <a:stretch>
+            <a:fillRect/>
+          </a:stretch>
+        </p:blipFill>
+        <p:spPr>
+          <a:xfrm>
+            <a:off x="2079894" y="579514"/>
+            <a:ext cx="8032211" cy="5698972"/>
+          </a:xfrm>
+          <a:prstGeom prst="rect">
+            <a:avLst/>
+          </a:prstGeom>
+        </p:spPr>
+      </p:pic>
+      <p:sp>
+        <p:nvSpPr>
+          <p:cNvPr id="9" name="Textfeld 8">
+            <a:extLst>
+              <a:ext uri="{FF2B5EF4-FFF2-40B4-BE49-F238E27FC236}">
+                <a16:creationId xmlns:a16="http://schemas.microsoft.com/office/drawing/2014/main" id="{3402DC6E-5618-4214-808E-E89243114E33}"/>
+              </a:ext>
+            </a:extLst>
+          </p:cNvPr>
+          <p:cNvSpPr txBox="1"/>
+          <p:nvPr/>
+        </p:nvSpPr>
+        <p:spPr>
+          <a:xfrm>
+            <a:off x="8857129" y="376518"/>
+            <a:ext cx="3083859" cy="600164"/>
+          </a:xfrm>
+          <a:prstGeom prst="rect">
+            <a:avLst/>
+          </a:prstGeom>
+          <a:noFill/>
+        </p:spPr>
+        <p:txBody>
+          <a:bodyPr wrap="square" rtlCol="0">
+            <a:spAutoFit/>
+          </a:bodyPr>
+          <a:lstStyle/>
+          <a:p>
+            <a:pPr marL="285750" indent="-285750">
+              <a:buFont typeface="Arial" panose="020B0604020202020204" pitchFamily="34" charset="0"/>
+              <a:buChar char="•"/>
+            </a:pPr>
+            <a:r>
+              <a:rPr lang="de-DE" sz="1100" dirty="0">
+                <a:latin typeface="Verdana" panose="020B0604030504040204" pitchFamily="34" charset="0"/>
+                <a:ea typeface="Verdana" panose="020B0604030504040204" pitchFamily="34" charset="0"/>
+              </a:rPr>
+              <a:t>\</a:t>
+            </a:r>
+            <a:r>
+              <a:rPr lang="de-DE" sz="1100" dirty="0" err="1">
+                <a:latin typeface="Verdana" panose="020B0604030504040204" pitchFamily="34" charset="0"/>
+                <a:ea typeface="Verdana" panose="020B0604030504040204" pitchFamily="34" charset="0"/>
+              </a:rPr>
+              <a:t>usepackage</a:t>
+            </a:r>
+            <a:r>
+              <a:rPr lang="de-DE" sz="1100" dirty="0">
+                <a:latin typeface="Verdana" panose="020B0604030504040204" pitchFamily="34" charset="0"/>
+                <a:ea typeface="Verdana" panose="020B0604030504040204" pitchFamily="34" charset="0"/>
+              </a:rPr>
+              <a:t>{</a:t>
+            </a:r>
+            <a:r>
+              <a:rPr lang="de-DE" sz="1100" dirty="0" err="1">
+                <a:latin typeface="Verdana" panose="020B0604030504040204" pitchFamily="34" charset="0"/>
+                <a:ea typeface="Verdana" panose="020B0604030504040204" pitchFamily="34" charset="0"/>
+              </a:rPr>
+              <a:t>tikz</a:t>
+            </a:r>
+            <a:r>
+              <a:rPr lang="de-DE" sz="1100" dirty="0">
+                <a:latin typeface="Verdana" panose="020B0604030504040204" pitchFamily="34" charset="0"/>
+                <a:ea typeface="Verdana" panose="020B0604030504040204" pitchFamily="34" charset="0"/>
+              </a:rPr>
+              <a:t>}</a:t>
+            </a:r>
+          </a:p>
+          <a:p>
+            <a:pPr marL="285750" indent="-285750">
+              <a:buFont typeface="Arial" panose="020B0604020202020204" pitchFamily="34" charset="0"/>
+              <a:buChar char="•"/>
+            </a:pPr>
+            <a:r>
+              <a:rPr lang="de-DE" sz="1100" dirty="0">
+                <a:latin typeface="Verdana" panose="020B0604030504040204" pitchFamily="34" charset="0"/>
+                <a:ea typeface="Verdana" panose="020B0604030504040204" pitchFamily="34" charset="0"/>
+              </a:rPr>
+              <a:t>\</a:t>
+            </a:r>
+            <a:r>
+              <a:rPr lang="de-DE" sz="1100" dirty="0" err="1">
+                <a:latin typeface="Verdana" panose="020B0604030504040204" pitchFamily="34" charset="0"/>
+                <a:ea typeface="Verdana" panose="020B0604030504040204" pitchFamily="34" charset="0"/>
+              </a:rPr>
+              <a:t>usepackage</a:t>
+            </a:r>
+            <a:r>
+              <a:rPr lang="de-DE" sz="1100" dirty="0">
+                <a:latin typeface="Verdana" panose="020B0604030504040204" pitchFamily="34" charset="0"/>
+                <a:ea typeface="Verdana" panose="020B0604030504040204" pitchFamily="34" charset="0"/>
+              </a:rPr>
+              <a:t>{tikz-3dplot}</a:t>
+            </a:r>
+          </a:p>
+          <a:p>
+            <a:pPr marL="285750" indent="-285750">
+              <a:buFont typeface="Arial" panose="020B0604020202020204" pitchFamily="34" charset="0"/>
+              <a:buChar char="•"/>
+            </a:pPr>
+            <a:r>
+              <a:rPr lang="de-DE" sz="1100" dirty="0">
+                <a:latin typeface="Verdana" panose="020B0604030504040204" pitchFamily="34" charset="0"/>
+                <a:ea typeface="Verdana" panose="020B0604030504040204" pitchFamily="34" charset="0"/>
+              </a:rPr>
+              <a:t>\</a:t>
+            </a:r>
+            <a:r>
+              <a:rPr lang="de-DE" sz="1100" dirty="0" err="1">
+                <a:latin typeface="Verdana" panose="020B0604030504040204" pitchFamily="34" charset="0"/>
+                <a:ea typeface="Verdana" panose="020B0604030504040204" pitchFamily="34" charset="0"/>
+              </a:rPr>
+              <a:t>usepackage</a:t>
+            </a:r>
+            <a:r>
+              <a:rPr lang="de-DE" sz="1100" dirty="0">
+                <a:latin typeface="Verdana" panose="020B0604030504040204" pitchFamily="34" charset="0"/>
+                <a:ea typeface="Verdana" panose="020B0604030504040204" pitchFamily="34" charset="0"/>
+              </a:rPr>
+              <a:t>{</a:t>
+            </a:r>
+            <a:r>
+              <a:rPr lang="de-DE" sz="1100" dirty="0" err="1">
+                <a:latin typeface="Verdana" panose="020B0604030504040204" pitchFamily="34" charset="0"/>
+                <a:ea typeface="Verdana" panose="020B0604030504040204" pitchFamily="34" charset="0"/>
+              </a:rPr>
+              <a:t>arrows</a:t>
+            </a:r>
+            <a:r>
+              <a:rPr lang="de-DE" sz="1100" dirty="0">
+                <a:latin typeface="Verdana" panose="020B0604030504040204" pitchFamily="34" charset="0"/>
+                <a:ea typeface="Verdana" panose="020B0604030504040204" pitchFamily="34" charset="0"/>
+              </a:rPr>
+              <a:t>}</a:t>
+            </a:r>
+          </a:p>
+        </p:txBody>
+      </p:sp>
+    </p:spTree>
+    <p:extLst>
+      <p:ext uri="{BB962C8B-B14F-4D97-AF65-F5344CB8AC3E}">
+        <p14:creationId xmlns:p14="http://schemas.microsoft.com/office/powerpoint/2010/main" val="145233993"/>
+      </p:ext>
+    </p:extLst>
+  </p:cSld>
+  <p:clrMapOvr>
+    <a:masterClrMapping/>
+  </p:clrMapOvr>
+</p:sld>
+</file>
+
+<file path=ppt/slides/slide15.xml><?xml version="1.0" encoding="utf-8"?>
+<p:sld xmlns:a="http://schemas.openxmlformats.org/drawingml/2006/main" xmlns:r="http://schemas.openxmlformats.org/officeDocument/2006/relationships" xmlns:p="http://schemas.openxmlformats.org/presentationml/2006/main">
+  <p:cSld>
+    <p:spTree>
+      <p:nvGrpSpPr>
+        <p:cNvPr id="1" name=""/>
+        <p:cNvGrpSpPr/>
+        <p:nvPr/>
+      </p:nvGrpSpPr>
+      <p:grpSpPr>
+        <a:xfrm>
+          <a:off x="0" y="0"/>
+          <a:ext cx="0" cy="0"/>
+          <a:chOff x="0" y="0"/>
+          <a:chExt cx="0" cy="0"/>
+        </a:xfrm>
+      </p:grpSpPr>
+      <p:pic>
+        <p:nvPicPr>
+          <p:cNvPr id="8" name="Grafik 7">
+            <a:extLst>
+              <a:ext uri="{FF2B5EF4-FFF2-40B4-BE49-F238E27FC236}">
+                <a16:creationId xmlns:a16="http://schemas.microsoft.com/office/drawing/2014/main" id="{7BA866E4-0DF6-41F8-8882-2F371C3EC56C}"/>
+              </a:ext>
+            </a:extLst>
+          </p:cNvPr>
+          <p:cNvPicPr>
+            <a:picLocks noChangeAspect="1"/>
+          </p:cNvPicPr>
+          <p:nvPr/>
+        </p:nvPicPr>
+        <p:blipFill>
+          <a:blip r:embed="rId2">
+            <a:extLst>
+              <a:ext uri="{28A0092B-C50C-407E-A947-70E740481C1C}">
+                <a14:useLocalDpi xmlns:a14="http://schemas.microsoft.com/office/drawing/2010/main" val="0"/>
+              </a:ext>
+              <a:ext uri="{96DAC541-7B7A-43D3-8B79-37D633B846F1}">
+                <asvg:svgBlip xmlns:asvg="http://schemas.microsoft.com/office/drawing/2016/SVG/main" r:embed="rId3"/>
+              </a:ext>
+            </a:extLst>
+          </a:blip>
+          <a:stretch>
+            <a:fillRect/>
+          </a:stretch>
+        </p:blipFill>
+        <p:spPr>
+          <a:xfrm>
+            <a:off x="2079894" y="579514"/>
+            <a:ext cx="8032211" cy="5698972"/>
+          </a:xfrm>
+          <a:prstGeom prst="rect">
+            <a:avLst/>
+          </a:prstGeom>
+        </p:spPr>
+      </p:pic>
+      <p:pic>
+        <p:nvPicPr>
+          <p:cNvPr id="3" name="Grafik 2">
+            <a:extLst>
+              <a:ext uri="{FF2B5EF4-FFF2-40B4-BE49-F238E27FC236}">
+                <a16:creationId xmlns:a16="http://schemas.microsoft.com/office/drawing/2014/main" id="{32CB711C-9CF7-436F-A7F3-67B6D98D5D74}"/>
+              </a:ext>
+            </a:extLst>
+          </p:cNvPr>
+          <p:cNvPicPr>
+            <a:picLocks noChangeAspect="1"/>
+          </p:cNvPicPr>
+          <p:nvPr/>
+        </p:nvPicPr>
+        <p:blipFill>
+          <a:blip r:embed="rId4">
+            <a:extLst>
+              <a:ext uri="{28A0092B-C50C-407E-A947-70E740481C1C}">
+                <a14:useLocalDpi xmlns:a14="http://schemas.microsoft.com/office/drawing/2010/main" val="0"/>
+              </a:ext>
+              <a:ext uri="{96DAC541-7B7A-43D3-8B79-37D633B846F1}">
+                <asvg:svgBlip xmlns:asvg="http://schemas.microsoft.com/office/drawing/2016/SVG/main" r:embed="rId5"/>
+              </a:ext>
+            </a:extLst>
+          </a:blip>
+          <a:stretch>
+            <a:fillRect/>
+          </a:stretch>
+        </p:blipFill>
+        <p:spPr>
+          <a:xfrm>
+            <a:off x="3774141" y="177794"/>
+            <a:ext cx="12192000" cy="4010223"/>
+          </a:xfrm>
+          <a:prstGeom prst="rect">
+            <a:avLst/>
+          </a:prstGeom>
+        </p:spPr>
+      </p:pic>
+      <p:sp>
+        <p:nvSpPr>
+          <p:cNvPr id="5" name="Ellipse 4">
+            <a:extLst>
+              <a:ext uri="{FF2B5EF4-FFF2-40B4-BE49-F238E27FC236}">
+                <a16:creationId xmlns:a16="http://schemas.microsoft.com/office/drawing/2014/main" id="{31409135-56A7-44C2-B178-55102836342F}"/>
+              </a:ext>
+            </a:extLst>
+          </p:cNvPr>
+          <p:cNvSpPr/>
+          <p:nvPr/>
+        </p:nvSpPr>
+        <p:spPr>
+          <a:xfrm>
+            <a:off x="8695143" y="100584"/>
+            <a:ext cx="3395472" cy="3584448"/>
+          </a:xfrm>
+          <a:prstGeom prst="ellipse">
+            <a:avLst/>
+          </a:prstGeom>
+          <a:noFill/>
+          <a:ln>
+            <a:solidFill>
+              <a:schemeClr val="tx1"/>
+            </a:solidFill>
+          </a:ln>
+        </p:spPr>
+        <p:style>
+          <a:lnRef idx="2">
+            <a:schemeClr val="accent1">
+              <a:shade val="50000"/>
+            </a:schemeClr>
+          </a:lnRef>
+          <a:fillRef idx="1">
+            <a:schemeClr val="accent1"/>
+          </a:fillRef>
+          <a:effectRef idx="0">
+            <a:schemeClr val="accent1"/>
+          </a:effectRef>
+          <a:fontRef idx="minor">
+            <a:schemeClr val="lt1"/>
+          </a:fontRef>
+        </p:style>
+        <p:txBody>
+          <a:bodyPr rtlCol="0" anchor="ctr"/>
+          <a:lstStyle/>
+          <a:p>
+            <a:pPr algn="ctr"/>
+            <a:endParaRPr lang="de-DE"/>
+          </a:p>
+        </p:txBody>
+      </p:sp>
+      <p:cxnSp>
+        <p:nvCxnSpPr>
+          <p:cNvPr id="7" name="Gerader Verbinder 6">
+            <a:extLst>
+              <a:ext uri="{FF2B5EF4-FFF2-40B4-BE49-F238E27FC236}">
+                <a16:creationId xmlns:a16="http://schemas.microsoft.com/office/drawing/2014/main" id="{0AC520DE-4B7A-47AC-A64D-7FE4BA900A47}"/>
+              </a:ext>
+            </a:extLst>
+          </p:cNvPr>
+          <p:cNvCxnSpPr>
+            <a:cxnSpLocks/>
+            <a:endCxn id="5" idx="1"/>
+          </p:cNvCxnSpPr>
+          <p:nvPr/>
+        </p:nvCxnSpPr>
+        <p:spPr>
+          <a:xfrm flipV="1">
+            <a:off x="6784848" y="625514"/>
+            <a:ext cx="2407550" cy="1889086"/>
+          </a:xfrm>
+          <a:prstGeom prst="line">
+            <a:avLst/>
+          </a:prstGeom>
+        </p:spPr>
+        <p:style>
+          <a:lnRef idx="2">
+            <a:schemeClr val="dk1"/>
+          </a:lnRef>
+          <a:fillRef idx="0">
+            <a:schemeClr val="dk1"/>
+          </a:fillRef>
+          <a:effectRef idx="1">
+            <a:schemeClr val="dk1"/>
+          </a:effectRef>
+          <a:fontRef idx="minor">
+            <a:schemeClr val="tx1"/>
+          </a:fontRef>
+        </p:style>
+      </p:cxnSp>
+      <p:cxnSp>
+        <p:nvCxnSpPr>
+          <p:cNvPr id="9" name="Gerader Verbinder 8">
+            <a:extLst>
+              <a:ext uri="{FF2B5EF4-FFF2-40B4-BE49-F238E27FC236}">
+                <a16:creationId xmlns:a16="http://schemas.microsoft.com/office/drawing/2014/main" id="{3364BF4F-627F-410E-BE13-FA238FF9C465}"/>
+              </a:ext>
+            </a:extLst>
+          </p:cNvPr>
+          <p:cNvCxnSpPr>
+            <a:cxnSpLocks/>
+            <a:endCxn id="5" idx="4"/>
+          </p:cNvCxnSpPr>
+          <p:nvPr/>
+        </p:nvCxnSpPr>
+        <p:spPr>
+          <a:xfrm flipV="1">
+            <a:off x="7196328" y="3685032"/>
+            <a:ext cx="3196551" cy="228600"/>
+          </a:xfrm>
+          <a:prstGeom prst="line">
+            <a:avLst/>
+          </a:prstGeom>
+        </p:spPr>
+        <p:style>
+          <a:lnRef idx="2">
+            <a:schemeClr val="dk1"/>
+          </a:lnRef>
+          <a:fillRef idx="0">
+            <a:schemeClr val="dk1"/>
+          </a:fillRef>
+          <a:effectRef idx="1">
+            <a:schemeClr val="dk1"/>
+          </a:effectRef>
+          <a:fontRef idx="minor">
+            <a:schemeClr val="tx1"/>
+          </a:fontRef>
+        </p:style>
+      </p:cxnSp>
+      <p:sp>
+        <p:nvSpPr>
+          <p:cNvPr id="15" name="Textfeld 14">
+            <a:extLst>
+              <a:ext uri="{FF2B5EF4-FFF2-40B4-BE49-F238E27FC236}">
+                <a16:creationId xmlns:a16="http://schemas.microsoft.com/office/drawing/2014/main" id="{9EBC0C39-7D72-43EE-B01D-E584F1149FE2}"/>
+              </a:ext>
+            </a:extLst>
+          </p:cNvPr>
+          <p:cNvSpPr txBox="1"/>
+          <p:nvPr/>
+        </p:nvSpPr>
+        <p:spPr>
+          <a:xfrm>
+            <a:off x="9750245" y="4134422"/>
+            <a:ext cx="3083859" cy="769441"/>
+          </a:xfrm>
+          <a:prstGeom prst="rect">
+            <a:avLst/>
+          </a:prstGeom>
+          <a:noFill/>
+        </p:spPr>
+        <p:txBody>
+          <a:bodyPr wrap="square" rtlCol="0">
+            <a:spAutoFit/>
+          </a:bodyPr>
+          <a:lstStyle/>
+          <a:p>
+            <a:r>
+              <a:rPr lang="de-DE" sz="1100" dirty="0">
+                <a:latin typeface="Verdana" panose="020B0604030504040204" pitchFamily="34" charset="0"/>
+                <a:ea typeface="Verdana" panose="020B0604030504040204" pitchFamily="34" charset="0"/>
+              </a:rPr>
+              <a:t>\</a:t>
+            </a:r>
+            <a:r>
+              <a:rPr lang="de-DE" sz="1100" dirty="0" err="1">
+                <a:latin typeface="Verdana" panose="020B0604030504040204" pitchFamily="34" charset="0"/>
+                <a:ea typeface="Verdana" panose="020B0604030504040204" pitchFamily="34" charset="0"/>
+              </a:rPr>
+              <a:t>begin</a:t>
+            </a:r>
+            <a:r>
+              <a:rPr lang="de-DE" sz="1100" dirty="0">
+                <a:latin typeface="Verdana" panose="020B0604030504040204" pitchFamily="34" charset="0"/>
+                <a:ea typeface="Verdana" panose="020B0604030504040204" pitchFamily="34" charset="0"/>
+              </a:rPr>
+              <a:t>{</a:t>
+            </a:r>
+            <a:r>
+              <a:rPr lang="de-DE" sz="1100" dirty="0" err="1">
+                <a:latin typeface="Verdana" panose="020B0604030504040204" pitchFamily="34" charset="0"/>
+                <a:ea typeface="Verdana" panose="020B0604030504040204" pitchFamily="34" charset="0"/>
+              </a:rPr>
+              <a:t>tikzpicture</a:t>
+            </a:r>
+            <a:r>
+              <a:rPr lang="de-DE" sz="1100" dirty="0">
+                <a:latin typeface="Verdana" panose="020B0604030504040204" pitchFamily="34" charset="0"/>
+                <a:ea typeface="Verdana" panose="020B0604030504040204" pitchFamily="34" charset="0"/>
+              </a:rPr>
+              <a:t>}</a:t>
+            </a:r>
+          </a:p>
+          <a:p>
+            <a:r>
+              <a:rPr lang="de-DE" sz="1100" dirty="0">
+                <a:latin typeface="Verdana" panose="020B0604030504040204" pitchFamily="34" charset="0"/>
+                <a:ea typeface="Verdana" panose="020B0604030504040204" pitchFamily="34" charset="0"/>
+              </a:rPr>
+              <a:t>      % Parent Code</a:t>
+            </a:r>
+          </a:p>
+          <a:p>
+            <a:r>
+              <a:rPr lang="de-DE" sz="1100" dirty="0">
+                <a:latin typeface="Verdana" panose="020B0604030504040204" pitchFamily="34" charset="0"/>
+                <a:ea typeface="Verdana" panose="020B0604030504040204" pitchFamily="34" charset="0"/>
+              </a:rPr>
+              <a:t>      \</a:t>
+            </a:r>
+            <a:r>
+              <a:rPr lang="de-DE" sz="1100" dirty="0" err="1">
+                <a:latin typeface="Verdana" panose="020B0604030504040204" pitchFamily="34" charset="0"/>
+                <a:ea typeface="Verdana" panose="020B0604030504040204" pitchFamily="34" charset="0"/>
+              </a:rPr>
+              <a:t>input</a:t>
+            </a:r>
+            <a:r>
+              <a:rPr lang="de-DE" sz="1100" dirty="0">
+                <a:latin typeface="Verdana" panose="020B0604030504040204" pitchFamily="34" charset="0"/>
+                <a:ea typeface="Verdana" panose="020B0604030504040204" pitchFamily="34" charset="0"/>
+              </a:rPr>
+              <a:t>{</a:t>
+            </a:r>
+            <a:r>
+              <a:rPr lang="de-DE" sz="1100" dirty="0" err="1">
+                <a:latin typeface="Verdana" panose="020B0604030504040204" pitchFamily="34" charset="0"/>
+                <a:ea typeface="Verdana" panose="020B0604030504040204" pitchFamily="34" charset="0"/>
+              </a:rPr>
+              <a:t>quadCopter.tex</a:t>
+            </a:r>
+            <a:r>
+              <a:rPr lang="de-DE" sz="1100" dirty="0">
+                <a:latin typeface="Verdana" panose="020B0604030504040204" pitchFamily="34" charset="0"/>
+                <a:ea typeface="Verdana" panose="020B0604030504040204" pitchFamily="34" charset="0"/>
+              </a:rPr>
+              <a:t>}</a:t>
+            </a:r>
+          </a:p>
+          <a:p>
+            <a:r>
+              <a:rPr lang="de-DE" sz="1100" dirty="0">
+                <a:latin typeface="Verdana" panose="020B0604030504040204" pitchFamily="34" charset="0"/>
+                <a:ea typeface="Verdana" panose="020B0604030504040204" pitchFamily="34" charset="0"/>
+              </a:rPr>
+              <a:t>\end{</a:t>
+            </a:r>
+            <a:r>
+              <a:rPr lang="de-DE" sz="1100" dirty="0" err="1">
+                <a:latin typeface="Verdana" panose="020B0604030504040204" pitchFamily="34" charset="0"/>
+                <a:ea typeface="Verdana" panose="020B0604030504040204" pitchFamily="34" charset="0"/>
+              </a:rPr>
+              <a:t>tikzpicture</a:t>
+            </a:r>
+            <a:r>
+              <a:rPr lang="de-DE" sz="1100" dirty="0">
+                <a:latin typeface="Verdana" panose="020B0604030504040204" pitchFamily="34" charset="0"/>
+                <a:ea typeface="Verdana" panose="020B0604030504040204" pitchFamily="34" charset="0"/>
+              </a:rPr>
+              <a:t>}</a:t>
+            </a:r>
+          </a:p>
+        </p:txBody>
+      </p:sp>
+      <p:sp>
+        <p:nvSpPr>
+          <p:cNvPr id="16" name="Geschweifte Klammer rechts 15">
+            <a:extLst>
+              <a:ext uri="{FF2B5EF4-FFF2-40B4-BE49-F238E27FC236}">
+                <a16:creationId xmlns:a16="http://schemas.microsoft.com/office/drawing/2014/main" id="{E74E6B7B-B22B-40D7-9B95-C81A1BA5ED54}"/>
+              </a:ext>
+            </a:extLst>
+          </p:cNvPr>
+          <p:cNvSpPr/>
+          <p:nvPr/>
+        </p:nvSpPr>
+        <p:spPr>
+          <a:xfrm rot="5400000">
+            <a:off x="10629064" y="3028132"/>
+            <a:ext cx="133834" cy="1938637"/>
+          </a:xfrm>
+          <a:prstGeom prst="rightBrace">
+            <a:avLst/>
+          </a:prstGeom>
+        </p:spPr>
+        <p:style>
+          <a:lnRef idx="2">
+            <a:schemeClr val="dk1"/>
+          </a:lnRef>
+          <a:fillRef idx="0">
+            <a:schemeClr val="dk1"/>
+          </a:fillRef>
+          <a:effectRef idx="1">
+            <a:schemeClr val="dk1"/>
+          </a:effectRef>
+          <a:fontRef idx="minor">
+            <a:schemeClr val="tx1"/>
+          </a:fontRef>
+        </p:style>
+        <p:txBody>
+          <a:bodyPr rtlCol="0" anchor="ctr"/>
+          <a:lstStyle/>
+          <a:p>
+            <a:pPr algn="ctr"/>
+            <a:endParaRPr lang="de-DE"/>
+          </a:p>
+        </p:txBody>
+      </p:sp>
+    </p:spTree>
+    <p:extLst>
+      <p:ext uri="{BB962C8B-B14F-4D97-AF65-F5344CB8AC3E}">
+        <p14:creationId xmlns:p14="http://schemas.microsoft.com/office/powerpoint/2010/main" val="3434000416"/>
+      </p:ext>
+    </p:extLst>
+  </p:cSld>
+  <p:clrMapOvr>
+    <a:masterClrMapping/>
+  </p:clrMapOvr>
+</p:sld>
+</file>
+
+<file path=ppt/slides/slide16.xml><?xml version="1.0" encoding="utf-8"?>
+<p:sld xmlns:a="http://schemas.openxmlformats.org/drawingml/2006/main" xmlns:r="http://schemas.openxmlformats.org/officeDocument/2006/relationships" xmlns:p="http://schemas.openxmlformats.org/presentationml/2006/main">
+  <p:cSld>
+    <p:spTree>
+      <p:nvGrpSpPr>
+        <p:cNvPr id="1" name=""/>
+        <p:cNvGrpSpPr/>
+        <p:nvPr/>
+      </p:nvGrpSpPr>
+      <p:grpSpPr>
+        <a:xfrm>
+          <a:off x="0" y="0"/>
+          <a:ext cx="0" cy="0"/>
+          <a:chOff x="0" y="0"/>
+          <a:chExt cx="0" cy="0"/>
+        </a:xfrm>
+      </p:grpSpPr>
+      <p:pic>
+        <p:nvPicPr>
+          <p:cNvPr id="8" name="Grafik 7">
+            <a:extLst>
+              <a:ext uri="{FF2B5EF4-FFF2-40B4-BE49-F238E27FC236}">
+                <a16:creationId xmlns:a16="http://schemas.microsoft.com/office/drawing/2014/main" id="{7BA866E4-0DF6-41F8-8882-2F371C3EC56C}"/>
+              </a:ext>
+            </a:extLst>
+          </p:cNvPr>
+          <p:cNvPicPr>
+            <a:picLocks noChangeAspect="1"/>
+          </p:cNvPicPr>
+          <p:nvPr/>
+        </p:nvPicPr>
+        <p:blipFill>
+          <a:blip r:embed="rId2">
+            <a:extLst>
+              <a:ext uri="{28A0092B-C50C-407E-A947-70E740481C1C}">
+                <a14:useLocalDpi xmlns:a14="http://schemas.microsoft.com/office/drawing/2010/main" val="0"/>
+              </a:ext>
+              <a:ext uri="{96DAC541-7B7A-43D3-8B79-37D633B846F1}">
+                <asvg:svgBlip xmlns:asvg="http://schemas.microsoft.com/office/drawing/2016/SVG/main" r:embed="rId3"/>
+              </a:ext>
+            </a:extLst>
+          </a:blip>
+          <a:stretch>
+            <a:fillRect/>
+          </a:stretch>
+        </p:blipFill>
+        <p:spPr>
+          <a:xfrm>
+            <a:off x="2079894" y="579514"/>
+            <a:ext cx="8032211" cy="5698972"/>
+          </a:xfrm>
+          <a:prstGeom prst="rect">
+            <a:avLst/>
+          </a:prstGeom>
+        </p:spPr>
+      </p:pic>
+      <p:sp>
+        <p:nvSpPr>
+          <p:cNvPr id="9" name="Textfeld 8">
+            <a:extLst>
+              <a:ext uri="{FF2B5EF4-FFF2-40B4-BE49-F238E27FC236}">
+                <a16:creationId xmlns:a16="http://schemas.microsoft.com/office/drawing/2014/main" id="{3402DC6E-5618-4214-808E-E89243114E33}"/>
+              </a:ext>
+            </a:extLst>
+          </p:cNvPr>
+          <p:cNvSpPr txBox="1"/>
+          <p:nvPr/>
+        </p:nvSpPr>
+        <p:spPr>
+          <a:xfrm>
+            <a:off x="8857129" y="376518"/>
+            <a:ext cx="3083859" cy="600164"/>
+          </a:xfrm>
+          <a:prstGeom prst="rect">
+            <a:avLst/>
+          </a:prstGeom>
+          <a:noFill/>
+        </p:spPr>
+        <p:txBody>
+          <a:bodyPr wrap="square" rtlCol="0">
+            <a:spAutoFit/>
+          </a:bodyPr>
+          <a:lstStyle/>
+          <a:p>
+            <a:r>
+              <a:rPr lang="de-DE" sz="1100" dirty="0" err="1">
+                <a:latin typeface="Verdana" panose="020B0604030504040204" pitchFamily="34" charset="0"/>
+                <a:ea typeface="Verdana" panose="020B0604030504040204" pitchFamily="34" charset="0"/>
+              </a:rPr>
+              <a:t>referenceFrames_standalone.tex</a:t>
+            </a:r>
+            <a:endParaRPr lang="de-DE" sz="1100" dirty="0">
+              <a:latin typeface="Verdana" panose="020B0604030504040204" pitchFamily="34" charset="0"/>
+              <a:ea typeface="Verdana" panose="020B0604030504040204" pitchFamily="34" charset="0"/>
+            </a:endParaRPr>
+          </a:p>
+          <a:p>
+            <a:pPr marL="171450" indent="-171450">
+              <a:buFont typeface="Arial" panose="020B0604020202020204" pitchFamily="34" charset="0"/>
+              <a:buChar char="•"/>
+            </a:pPr>
+            <a:r>
+              <a:rPr lang="de-DE" sz="1100" dirty="0" err="1">
+                <a:latin typeface="Verdana" panose="020B0604030504040204" pitchFamily="34" charset="0"/>
+                <a:ea typeface="Verdana" panose="020B0604030504040204" pitchFamily="34" charset="0"/>
+              </a:rPr>
+              <a:t>referenceFrames.tex</a:t>
+            </a:r>
+            <a:endParaRPr lang="de-DE" sz="1100" dirty="0">
+              <a:latin typeface="Verdana" panose="020B0604030504040204" pitchFamily="34" charset="0"/>
+              <a:ea typeface="Verdana" panose="020B0604030504040204" pitchFamily="34" charset="0"/>
+            </a:endParaRPr>
+          </a:p>
+          <a:p>
+            <a:pPr marL="628650" lvl="1" indent="-171450">
+              <a:buFont typeface="Arial" panose="020B0604020202020204" pitchFamily="34" charset="0"/>
+              <a:buChar char="•"/>
+            </a:pPr>
+            <a:r>
+              <a:rPr lang="de-DE" sz="1100" dirty="0" err="1">
+                <a:latin typeface="Verdana" panose="020B0604030504040204" pitchFamily="34" charset="0"/>
+                <a:ea typeface="Verdana" panose="020B0604030504040204" pitchFamily="34" charset="0"/>
+              </a:rPr>
+              <a:t>quadCopter.tex</a:t>
+            </a:r>
+            <a:endParaRPr lang="de-DE" sz="1100" dirty="0">
+              <a:latin typeface="Verdana" panose="020B0604030504040204" pitchFamily="34" charset="0"/>
+              <a:ea typeface="Verdana" panose="020B0604030504040204" pitchFamily="34" charset="0"/>
+            </a:endParaRPr>
+          </a:p>
+        </p:txBody>
+      </p:sp>
+    </p:spTree>
+    <p:extLst>
+      <p:ext uri="{BB962C8B-B14F-4D97-AF65-F5344CB8AC3E}">
+        <p14:creationId xmlns:p14="http://schemas.microsoft.com/office/powerpoint/2010/main" val="666905583"/>
+      </p:ext>
+    </p:extLst>
+  </p:cSld>
+  <p:clrMapOvr>
+    <a:masterClrMapping/>
+  </p:clrMapOvr>
+</p:sld>
+</file>
+
+<file path=ppt/slides/slide17.xml><?xml version="1.0" encoding="utf-8"?>
+<p:sld xmlns:a="http://schemas.openxmlformats.org/drawingml/2006/main" xmlns:r="http://schemas.openxmlformats.org/officeDocument/2006/relationships" xmlns:p="http://schemas.openxmlformats.org/presentationml/2006/main">
+  <p:cSld>
+    <p:spTree>
+      <p:nvGrpSpPr>
+        <p:cNvPr id="1" name=""/>
+        <p:cNvGrpSpPr/>
+        <p:nvPr/>
+      </p:nvGrpSpPr>
+      <p:grpSpPr>
+        <a:xfrm>
+          <a:off x="0" y="0"/>
+          <a:ext cx="0" cy="0"/>
+          <a:chOff x="0" y="0"/>
+          <a:chExt cx="0" cy="0"/>
+        </a:xfrm>
+      </p:grpSpPr>
       <p:pic>
         <p:nvPicPr>
           <p:cNvPr id="3" name="Grafik 2">
@@ -3784,8 +8217,8 @@
         </p:nvSpPr>
         <p:spPr>
           <a:xfrm>
-            <a:off x="8767482" y="394447"/>
-            <a:ext cx="3083859" cy="769441"/>
+            <a:off x="8005482" y="3429000"/>
+            <a:ext cx="4186518" cy="1277273"/>
           </a:xfrm>
           <a:prstGeom prst="rect">
             <a:avLst/>
@@ -3814,10 +8247,6 @@
             </a:r>
           </a:p>
           <a:p>
-            <a:pPr marL="171450" indent="-171450">
-              <a:buFont typeface="Arial" panose="020B0604020202020204" pitchFamily="34" charset="0"/>
-              <a:buChar char="•"/>
-            </a:pPr>
             <a:r>
               <a:rPr lang="de-DE" sz="1100" dirty="0" err="1">
                 <a:latin typeface="Verdana" panose="020B0604030504040204" pitchFamily="34" charset="0"/>
@@ -3876,10 +8305,59 @@
             </a:r>
           </a:p>
           <a:p>
-            <a:pPr marL="171450" indent="-171450">
-              <a:buFont typeface="Arial" panose="020B0604020202020204" pitchFamily="34" charset="0"/>
-              <a:buChar char="•"/>
-            </a:pPr>
+            <a:r>
+              <a:rPr lang="de-DE" sz="1100" dirty="0">
+                <a:latin typeface="Verdana" panose="020B0604030504040204" pitchFamily="34" charset="0"/>
+                <a:ea typeface="Verdana" panose="020B0604030504040204" pitchFamily="34" charset="0"/>
+              </a:rPr>
+              <a:t>********* Code Body *********</a:t>
+            </a:r>
+          </a:p>
+          <a:p>
+            <a:r>
+              <a:rPr lang="de-DE" sz="1100" dirty="0" err="1">
+                <a:latin typeface="Verdana" panose="020B0604030504040204" pitchFamily="34" charset="0"/>
+                <a:ea typeface="Verdana" panose="020B0604030504040204" pitchFamily="34" charset="0"/>
+              </a:rPr>
+              <a:t>figure</a:t>
+            </a:r>
+            <a:r>
+              <a:rPr lang="de-DE" sz="1100" dirty="0">
+                <a:latin typeface="Verdana" panose="020B0604030504040204" pitchFamily="34" charset="0"/>
+                <a:ea typeface="Verdana" panose="020B0604030504040204" pitchFamily="34" charset="0"/>
+              </a:rPr>
+              <a:t>;</a:t>
+            </a:r>
+          </a:p>
+          <a:p>
+            <a:r>
+              <a:rPr lang="de-DE" sz="1100" dirty="0">
+                <a:latin typeface="Verdana" panose="020B0604030504040204" pitchFamily="34" charset="0"/>
+                <a:ea typeface="Verdana" panose="020B0604030504040204" pitchFamily="34" charset="0"/>
+              </a:rPr>
+              <a:t>&lt;Figure Code&gt;</a:t>
+            </a:r>
+          </a:p>
+          <a:p>
+            <a:r>
+              <a:rPr lang="de-DE" sz="1100" dirty="0" err="1">
+                <a:solidFill>
+                  <a:srgbClr val="FF0000"/>
+                </a:solidFill>
+                <a:latin typeface="Verdana" panose="020B0604030504040204" pitchFamily="34" charset="0"/>
+                <a:ea typeface="Verdana" panose="020B0604030504040204" pitchFamily="34" charset="0"/>
+              </a:rPr>
+              <a:t>cleanfigure</a:t>
+            </a:r>
+            <a:r>
+              <a:rPr lang="de-DE" sz="1100" dirty="0">
+                <a:latin typeface="Verdana" panose="020B0604030504040204" pitchFamily="34" charset="0"/>
+                <a:ea typeface="Verdana" panose="020B0604030504040204" pitchFamily="34" charset="0"/>
+              </a:rPr>
+              <a:t>;</a:t>
+            </a:r>
+          </a:p>
+          <a:p>
             <a:r>
               <a:rPr lang="de-DE" sz="1100" dirty="0">
                 <a:latin typeface="Verdana" panose="020B0604030504040204" pitchFamily="34" charset="0"/>
@@ -3899,7 +8377,7 @@
                 <a:latin typeface="Verdana" panose="020B0604030504040204" pitchFamily="34" charset="0"/>
                 <a:ea typeface="Verdana" panose="020B0604030504040204" pitchFamily="34" charset="0"/>
               </a:rPr>
-              <a:t>“) after </a:t>
+              <a:t>“) % after </a:t>
             </a:r>
             <a:r>
               <a:rPr lang="de-DE" sz="1100" dirty="0" err="1">
@@ -3964,10 +8442,1123 @@
           </a:p>
         </p:txBody>
       </p:sp>
+      <p:sp>
+        <p:nvSpPr>
+          <p:cNvPr id="6" name="Textfeld 5">
+            <a:extLst>
+              <a:ext uri="{FF2B5EF4-FFF2-40B4-BE49-F238E27FC236}">
+                <a16:creationId xmlns:a16="http://schemas.microsoft.com/office/drawing/2014/main" id="{1EF2DE49-1A18-47A0-A63C-C9034E231277}"/>
+              </a:ext>
+            </a:extLst>
+          </p:cNvPr>
+          <p:cNvSpPr txBox="1"/>
+          <p:nvPr/>
+        </p:nvSpPr>
+        <p:spPr>
+          <a:xfrm>
+            <a:off x="8121160" y="715264"/>
+            <a:ext cx="3871935" cy="769441"/>
+          </a:xfrm>
+          <a:prstGeom prst="rect">
+            <a:avLst/>
+          </a:prstGeom>
+          <a:noFill/>
+        </p:spPr>
+        <p:txBody>
+          <a:bodyPr wrap="square" rtlCol="0">
+            <a:spAutoFit/>
+          </a:bodyPr>
+          <a:lstStyle/>
+          <a:p>
+            <a:r>
+              <a:rPr lang="de-DE" sz="1100" b="1" dirty="0">
+                <a:latin typeface="Verdana" panose="020B0604030504040204" pitchFamily="34" charset="0"/>
+                <a:ea typeface="Verdana" panose="020B0604030504040204" pitchFamily="34" charset="0"/>
+              </a:rPr>
+              <a:t>matlab2tikz:</a:t>
+            </a:r>
+          </a:p>
+          <a:p>
+            <a:pPr marL="171450" indent="-171450">
+              <a:buFont typeface="Arial" panose="020B0604020202020204" pitchFamily="34" charset="0"/>
+              <a:buChar char="•"/>
+            </a:pPr>
+            <a:r>
+              <a:rPr lang="de-DE" sz="1100" dirty="0">
+                <a:latin typeface="Verdana" panose="020B0604030504040204" pitchFamily="34" charset="0"/>
+                <a:ea typeface="Verdana" panose="020B0604030504040204" pitchFamily="34" charset="0"/>
+                <a:hlinkClick r:id="rId4"/>
+              </a:rPr>
+              <a:t>Repository (</a:t>
+            </a:r>
+            <a:r>
+              <a:rPr lang="de-DE" sz="1100" dirty="0" err="1">
+                <a:latin typeface="Verdana" panose="020B0604030504040204" pitchFamily="34" charset="0"/>
+                <a:ea typeface="Verdana" panose="020B0604030504040204" pitchFamily="34" charset="0"/>
+                <a:hlinkClick r:id="rId4"/>
+              </a:rPr>
+              <a:t>Matlab</a:t>
+            </a:r>
+            <a:r>
+              <a:rPr lang="de-DE" sz="1100" dirty="0">
+                <a:latin typeface="Verdana" panose="020B0604030504040204" pitchFamily="34" charset="0"/>
+                <a:ea typeface="Verdana" panose="020B0604030504040204" pitchFamily="34" charset="0"/>
+                <a:hlinkClick r:id="rId4"/>
+              </a:rPr>
+              <a:t> Central)</a:t>
+            </a:r>
+            <a:endParaRPr lang="de-DE" sz="1100" dirty="0">
+              <a:latin typeface="Verdana" panose="020B0604030504040204" pitchFamily="34" charset="0"/>
+              <a:ea typeface="Verdana" panose="020B0604030504040204" pitchFamily="34" charset="0"/>
+            </a:endParaRPr>
+          </a:p>
+          <a:p>
+            <a:pPr marL="285750" indent="-285750">
+              <a:buFont typeface="Arial" panose="020B0604020202020204" pitchFamily="34" charset="0"/>
+              <a:buChar char="•"/>
+            </a:pPr>
+            <a:r>
+              <a:rPr lang="de-DE" sz="1100" dirty="0">
+                <a:latin typeface="Verdana" panose="020B0604030504040204" pitchFamily="34" charset="0"/>
+                <a:ea typeface="Verdana" panose="020B0604030504040204" pitchFamily="34" charset="0"/>
+              </a:rPr>
+              <a:t>\</a:t>
+            </a:r>
+            <a:r>
+              <a:rPr lang="de-DE" sz="1100" dirty="0" err="1">
+                <a:latin typeface="Verdana" panose="020B0604030504040204" pitchFamily="34" charset="0"/>
+                <a:ea typeface="Verdana" panose="020B0604030504040204" pitchFamily="34" charset="0"/>
+              </a:rPr>
+              <a:t>usepackage</a:t>
+            </a:r>
+            <a:r>
+              <a:rPr lang="de-DE" sz="1100" dirty="0">
+                <a:latin typeface="Verdana" panose="020B0604030504040204" pitchFamily="34" charset="0"/>
+                <a:ea typeface="Verdana" panose="020B0604030504040204" pitchFamily="34" charset="0"/>
+              </a:rPr>
+              <a:t>{</a:t>
+            </a:r>
+            <a:r>
+              <a:rPr lang="de-DE" sz="1100" dirty="0" err="1">
+                <a:latin typeface="Verdana" panose="020B0604030504040204" pitchFamily="34" charset="0"/>
+                <a:ea typeface="Verdana" panose="020B0604030504040204" pitchFamily="34" charset="0"/>
+              </a:rPr>
+              <a:t>tikz</a:t>
+            </a:r>
+            <a:r>
+              <a:rPr lang="de-DE" sz="1100" dirty="0">
+                <a:latin typeface="Verdana" panose="020B0604030504040204" pitchFamily="34" charset="0"/>
+                <a:ea typeface="Verdana" panose="020B0604030504040204" pitchFamily="34" charset="0"/>
+              </a:rPr>
+              <a:t>}</a:t>
+            </a:r>
+          </a:p>
+          <a:p>
+            <a:pPr marL="285750" indent="-285750">
+              <a:buFont typeface="Arial" panose="020B0604020202020204" pitchFamily="34" charset="0"/>
+              <a:buChar char="•"/>
+            </a:pPr>
+            <a:r>
+              <a:rPr lang="de-DE" sz="1100" dirty="0">
+                <a:latin typeface="Verdana" panose="020B0604030504040204" pitchFamily="34" charset="0"/>
+                <a:ea typeface="Verdana" panose="020B0604030504040204" pitchFamily="34" charset="0"/>
+              </a:rPr>
+              <a:t>\</a:t>
+            </a:r>
+            <a:r>
+              <a:rPr lang="de-DE" sz="1100" dirty="0" err="1">
+                <a:latin typeface="Verdana" panose="020B0604030504040204" pitchFamily="34" charset="0"/>
+                <a:ea typeface="Verdana" panose="020B0604030504040204" pitchFamily="34" charset="0"/>
+              </a:rPr>
+              <a:t>usepackage</a:t>
+            </a:r>
+            <a:r>
+              <a:rPr lang="de-DE" sz="1100" dirty="0">
+                <a:latin typeface="Verdana" panose="020B0604030504040204" pitchFamily="34" charset="0"/>
+                <a:ea typeface="Verdana" panose="020B0604030504040204" pitchFamily="34" charset="0"/>
+              </a:rPr>
+              <a:t>{</a:t>
+            </a:r>
+            <a:r>
+              <a:rPr lang="de-DE" sz="1100" dirty="0" err="1">
+                <a:latin typeface="Verdana" panose="020B0604030504040204" pitchFamily="34" charset="0"/>
+                <a:ea typeface="Verdana" panose="020B0604030504040204" pitchFamily="34" charset="0"/>
+              </a:rPr>
+              <a:t>pgfplots</a:t>
+            </a:r>
+            <a:r>
+              <a:rPr lang="de-DE" sz="1100" dirty="0">
+                <a:latin typeface="Verdana" panose="020B0604030504040204" pitchFamily="34" charset="0"/>
+                <a:ea typeface="Verdana" panose="020B0604030504040204" pitchFamily="34" charset="0"/>
+              </a:rPr>
+              <a:t>}</a:t>
+            </a:r>
+          </a:p>
+        </p:txBody>
+      </p:sp>
+      <p:cxnSp>
+        <p:nvCxnSpPr>
+          <p:cNvPr id="7" name="Gerade Verbindung mit Pfeil 6">
+            <a:extLst>
+              <a:ext uri="{FF2B5EF4-FFF2-40B4-BE49-F238E27FC236}">
+                <a16:creationId xmlns:a16="http://schemas.microsoft.com/office/drawing/2014/main" id="{D0AEAE9D-2C38-4543-B5B4-4D06128FC20E}"/>
+              </a:ext>
+            </a:extLst>
+          </p:cNvPr>
+          <p:cNvCxnSpPr>
+            <a:cxnSpLocks/>
+          </p:cNvCxnSpPr>
+          <p:nvPr/>
+        </p:nvCxnSpPr>
+        <p:spPr>
+          <a:xfrm flipH="1" flipV="1">
+            <a:off x="6875930" y="3747247"/>
+            <a:ext cx="1245230" cy="466165"/>
+          </a:xfrm>
+          <a:prstGeom prst="straightConnector1">
+            <a:avLst/>
+          </a:prstGeom>
+          <a:ln>
+            <a:solidFill>
+              <a:srgbClr val="C00000"/>
+            </a:solidFill>
+            <a:tailEnd type="triangle"/>
+          </a:ln>
+        </p:spPr>
+        <p:style>
+          <a:lnRef idx="2">
+            <a:schemeClr val="dk1"/>
+          </a:lnRef>
+          <a:fillRef idx="0">
+            <a:schemeClr val="dk1"/>
+          </a:fillRef>
+          <a:effectRef idx="1">
+            <a:schemeClr val="dk1"/>
+          </a:effectRef>
+          <a:fontRef idx="minor">
+            <a:schemeClr val="tx1"/>
+          </a:fontRef>
+        </p:style>
+      </p:cxnSp>
     </p:spTree>
     <p:extLst>
       <p:ext uri="{BB962C8B-B14F-4D97-AF65-F5344CB8AC3E}">
         <p14:creationId xmlns:p14="http://schemas.microsoft.com/office/powerpoint/2010/main" val="123164969"/>
+      </p:ext>
+    </p:extLst>
+  </p:cSld>
+  <p:clrMapOvr>
+    <a:masterClrMapping/>
+  </p:clrMapOvr>
+</p:sld>
+</file>
+
+<file path=ppt/slides/slide18.xml><?xml version="1.0" encoding="utf-8"?>
+<p:sld xmlns:a="http://schemas.openxmlformats.org/drawingml/2006/main" xmlns:r="http://schemas.openxmlformats.org/officeDocument/2006/relationships" xmlns:p="http://schemas.openxmlformats.org/presentationml/2006/main">
+  <p:cSld>
+    <p:spTree>
+      <p:nvGrpSpPr>
+        <p:cNvPr id="1" name=""/>
+        <p:cNvGrpSpPr/>
+        <p:nvPr/>
+      </p:nvGrpSpPr>
+      <p:grpSpPr>
+        <a:xfrm>
+          <a:off x="0" y="0"/>
+          <a:ext cx="0" cy="0"/>
+          <a:chOff x="0" y="0"/>
+          <a:chExt cx="0" cy="0"/>
+        </a:xfrm>
+      </p:grpSpPr>
+      <p:pic>
+        <p:nvPicPr>
+          <p:cNvPr id="3" name="Grafik 2">
+            <a:extLst>
+              <a:ext uri="{FF2B5EF4-FFF2-40B4-BE49-F238E27FC236}">
+                <a16:creationId xmlns:a16="http://schemas.microsoft.com/office/drawing/2014/main" id="{7F641D76-C2DE-4044-A36E-CD1A974A853F}"/>
+              </a:ext>
+            </a:extLst>
+          </p:cNvPr>
+          <p:cNvPicPr>
+            <a:picLocks noChangeAspect="1"/>
+          </p:cNvPicPr>
+          <p:nvPr/>
+        </p:nvPicPr>
+        <p:blipFill>
+          <a:blip r:embed="rId2">
+            <a:extLst>
+              <a:ext uri="{28A0092B-C50C-407E-A947-70E740481C1C}">
+                <a14:useLocalDpi xmlns:a14="http://schemas.microsoft.com/office/drawing/2010/main" val="0"/>
+              </a:ext>
+              <a:ext uri="{96DAC541-7B7A-43D3-8B79-37D633B846F1}">
+                <asvg:svgBlip xmlns:asvg="http://schemas.microsoft.com/office/drawing/2016/SVG/main" r:embed="rId3"/>
+              </a:ext>
+            </a:extLst>
+          </a:blip>
+          <a:stretch>
+            <a:fillRect/>
+          </a:stretch>
+        </p:blipFill>
+        <p:spPr>
+          <a:xfrm>
+            <a:off x="72535" y="1555475"/>
+            <a:ext cx="8048625" cy="4087707"/>
+          </a:xfrm>
+          <a:prstGeom prst="rect">
+            <a:avLst/>
+          </a:prstGeom>
+        </p:spPr>
+      </p:pic>
+      <p:sp>
+        <p:nvSpPr>
+          <p:cNvPr id="4" name="Textfeld 3">
+            <a:extLst>
+              <a:ext uri="{FF2B5EF4-FFF2-40B4-BE49-F238E27FC236}">
+                <a16:creationId xmlns:a16="http://schemas.microsoft.com/office/drawing/2014/main" id="{9C84437B-898D-432B-9D5D-2BFA242C312B}"/>
+              </a:ext>
+            </a:extLst>
+          </p:cNvPr>
+          <p:cNvSpPr txBox="1"/>
+          <p:nvPr/>
+        </p:nvSpPr>
+        <p:spPr>
+          <a:xfrm>
+            <a:off x="6992471" y="747561"/>
+            <a:ext cx="5459506" cy="1785104"/>
+          </a:xfrm>
+          <a:prstGeom prst="rect">
+            <a:avLst/>
+          </a:prstGeom>
+          <a:noFill/>
+        </p:spPr>
+        <p:txBody>
+          <a:bodyPr wrap="square" rtlCol="0">
+            <a:spAutoFit/>
+          </a:bodyPr>
+          <a:lstStyle/>
+          <a:p>
+            <a:r>
+              <a:rPr lang="de-DE" sz="1100" b="1" dirty="0" err="1">
+                <a:latin typeface="Verdana" panose="020B0604030504040204" pitchFamily="34" charset="0"/>
+                <a:ea typeface="Verdana" panose="020B0604030504040204" pitchFamily="34" charset="0"/>
+              </a:rPr>
+              <a:t>allanVar_standalone.tex</a:t>
+            </a:r>
+            <a:r>
+              <a:rPr lang="de-DE" sz="1100" b="1" dirty="0">
+                <a:latin typeface="Verdana" panose="020B0604030504040204" pitchFamily="34" charset="0"/>
+                <a:ea typeface="Verdana" panose="020B0604030504040204" pitchFamily="34" charset="0"/>
+              </a:rPr>
+              <a:t>:</a:t>
+            </a:r>
+          </a:p>
+          <a:p>
+            <a:r>
+              <a:rPr lang="de-DE" sz="1100" dirty="0">
+                <a:latin typeface="Verdana" panose="020B0604030504040204" pitchFamily="34" charset="0"/>
+                <a:ea typeface="Verdana" panose="020B0604030504040204" pitchFamily="34" charset="0"/>
+              </a:rPr>
+              <a:t>\</a:t>
+            </a:r>
+            <a:r>
+              <a:rPr lang="de-DE" sz="1100" dirty="0" err="1">
+                <a:latin typeface="Verdana" panose="020B0604030504040204" pitchFamily="34" charset="0"/>
+                <a:ea typeface="Verdana" panose="020B0604030504040204" pitchFamily="34" charset="0"/>
+              </a:rPr>
+              <a:t>documentclass</a:t>
+            </a:r>
+            <a:r>
+              <a:rPr lang="de-DE" sz="1100" dirty="0">
+                <a:latin typeface="Verdana" panose="020B0604030504040204" pitchFamily="34" charset="0"/>
+                <a:ea typeface="Verdana" panose="020B0604030504040204" pitchFamily="34" charset="0"/>
+              </a:rPr>
+              <a:t>[</a:t>
+            </a:r>
+            <a:r>
+              <a:rPr lang="de-DE" sz="1100" dirty="0" err="1">
+                <a:latin typeface="Verdana" panose="020B0604030504040204" pitchFamily="34" charset="0"/>
+                <a:ea typeface="Verdana" panose="020B0604030504040204" pitchFamily="34" charset="0"/>
+              </a:rPr>
+              <a:t>preview</a:t>
+            </a:r>
+            <a:r>
+              <a:rPr lang="de-DE" sz="1100" dirty="0">
+                <a:latin typeface="Verdana" panose="020B0604030504040204" pitchFamily="34" charset="0"/>
+                <a:ea typeface="Verdana" panose="020B0604030504040204" pitchFamily="34" charset="0"/>
+              </a:rPr>
+              <a:t>]{</a:t>
+            </a:r>
+            <a:r>
+              <a:rPr lang="de-DE" sz="1100" dirty="0" err="1">
+                <a:latin typeface="Verdana" panose="020B0604030504040204" pitchFamily="34" charset="0"/>
+                <a:ea typeface="Verdana" panose="020B0604030504040204" pitchFamily="34" charset="0"/>
+              </a:rPr>
+              <a:t>standalone</a:t>
+            </a:r>
+            <a:r>
+              <a:rPr lang="de-DE" sz="1100" dirty="0">
+                <a:latin typeface="Verdana" panose="020B0604030504040204" pitchFamily="34" charset="0"/>
+                <a:ea typeface="Verdana" panose="020B0604030504040204" pitchFamily="34" charset="0"/>
+              </a:rPr>
+              <a:t>}</a:t>
+            </a:r>
+          </a:p>
+          <a:p>
+            <a:r>
+              <a:rPr lang="de-DE" sz="1100" dirty="0">
+                <a:latin typeface="Verdana" panose="020B0604030504040204" pitchFamily="34" charset="0"/>
+                <a:ea typeface="Verdana" panose="020B0604030504040204" pitchFamily="34" charset="0"/>
+              </a:rPr>
+              <a:t>\</a:t>
+            </a:r>
+            <a:r>
+              <a:rPr lang="de-DE" sz="1100" dirty="0" err="1">
+                <a:latin typeface="Verdana" panose="020B0604030504040204" pitchFamily="34" charset="0"/>
+                <a:ea typeface="Verdana" panose="020B0604030504040204" pitchFamily="34" charset="0"/>
+              </a:rPr>
+              <a:t>input</a:t>
+            </a:r>
+            <a:r>
+              <a:rPr lang="de-DE" sz="1100" dirty="0">
+                <a:latin typeface="Verdana" panose="020B0604030504040204" pitchFamily="34" charset="0"/>
+                <a:ea typeface="Verdana" panose="020B0604030504040204" pitchFamily="34" charset="0"/>
+              </a:rPr>
+              <a:t>{</a:t>
+            </a:r>
+            <a:r>
+              <a:rPr lang="de-DE" sz="1100" dirty="0" err="1">
+                <a:latin typeface="Verdana" panose="020B0604030504040204" pitchFamily="34" charset="0"/>
+                <a:ea typeface="Verdana" panose="020B0604030504040204" pitchFamily="34" charset="0"/>
+              </a:rPr>
+              <a:t>packages</a:t>
+            </a:r>
+            <a:r>
+              <a:rPr lang="de-DE" sz="1100" dirty="0">
+                <a:latin typeface="Verdana" panose="020B0604030504040204" pitchFamily="34" charset="0"/>
+                <a:ea typeface="Verdana" panose="020B0604030504040204" pitchFamily="34" charset="0"/>
+              </a:rPr>
+              <a:t>}</a:t>
+            </a:r>
+          </a:p>
+          <a:p>
+            <a:r>
+              <a:rPr lang="de-DE" sz="1100" dirty="0">
+                <a:latin typeface="Verdana" panose="020B0604030504040204" pitchFamily="34" charset="0"/>
+                <a:ea typeface="Verdana" panose="020B0604030504040204" pitchFamily="34" charset="0"/>
+              </a:rPr>
+              <a:t>\</a:t>
+            </a:r>
+            <a:r>
+              <a:rPr lang="de-DE" sz="1100" dirty="0" err="1">
+                <a:latin typeface="Verdana" panose="020B0604030504040204" pitchFamily="34" charset="0"/>
+                <a:ea typeface="Verdana" panose="020B0604030504040204" pitchFamily="34" charset="0"/>
+              </a:rPr>
+              <a:t>pgfplotsset</a:t>
+            </a:r>
+            <a:r>
+              <a:rPr lang="de-DE" sz="1100" dirty="0">
+                <a:latin typeface="Verdana" panose="020B0604030504040204" pitchFamily="34" charset="0"/>
+                <a:ea typeface="Verdana" panose="020B0604030504040204" pitchFamily="34" charset="0"/>
+              </a:rPr>
+              <a:t>{</a:t>
+            </a:r>
+            <a:r>
+              <a:rPr lang="de-DE" sz="1100" dirty="0" err="1">
+                <a:latin typeface="Verdana" panose="020B0604030504040204" pitchFamily="34" charset="0"/>
+                <a:ea typeface="Verdana" panose="020B0604030504040204" pitchFamily="34" charset="0"/>
+              </a:rPr>
+              <a:t>compat</a:t>
+            </a:r>
+            <a:r>
+              <a:rPr lang="de-DE" sz="1100" dirty="0">
+                <a:latin typeface="Verdana" panose="020B0604030504040204" pitchFamily="34" charset="0"/>
+                <a:ea typeface="Verdana" panose="020B0604030504040204" pitchFamily="34" charset="0"/>
+              </a:rPr>
+              <a:t>=</a:t>
+            </a:r>
+            <a:r>
+              <a:rPr lang="de-DE" sz="1100" dirty="0" err="1">
+                <a:latin typeface="Verdana" panose="020B0604030504040204" pitchFamily="34" charset="0"/>
+                <a:ea typeface="Verdana" panose="020B0604030504040204" pitchFamily="34" charset="0"/>
+              </a:rPr>
+              <a:t>newest</a:t>
+            </a:r>
+            <a:r>
+              <a:rPr lang="de-DE" sz="1100" dirty="0">
+                <a:latin typeface="Verdana" panose="020B0604030504040204" pitchFamily="34" charset="0"/>
+                <a:ea typeface="Verdana" panose="020B0604030504040204" pitchFamily="34" charset="0"/>
+              </a:rPr>
+              <a:t>} % Optional</a:t>
+            </a:r>
+          </a:p>
+          <a:p>
+            <a:r>
+              <a:rPr lang="de-DE" sz="1100" dirty="0">
+                <a:latin typeface="Verdana" panose="020B0604030504040204" pitchFamily="34" charset="0"/>
+                <a:ea typeface="Verdana" panose="020B0604030504040204" pitchFamily="34" charset="0"/>
+              </a:rPr>
+              <a:t>\</a:t>
+            </a:r>
+            <a:r>
+              <a:rPr lang="de-DE" sz="1100" dirty="0" err="1">
+                <a:latin typeface="Verdana" panose="020B0604030504040204" pitchFamily="34" charset="0"/>
+                <a:ea typeface="Verdana" panose="020B0604030504040204" pitchFamily="34" charset="0"/>
+              </a:rPr>
+              <a:t>begin</a:t>
+            </a:r>
+            <a:r>
+              <a:rPr lang="de-DE" sz="1100" dirty="0">
+                <a:latin typeface="Verdana" panose="020B0604030504040204" pitchFamily="34" charset="0"/>
+                <a:ea typeface="Verdana" panose="020B0604030504040204" pitchFamily="34" charset="0"/>
+              </a:rPr>
+              <a:t>{</a:t>
+            </a:r>
+            <a:r>
+              <a:rPr lang="de-DE" sz="1100" dirty="0" err="1">
+                <a:latin typeface="Verdana" panose="020B0604030504040204" pitchFamily="34" charset="0"/>
+                <a:ea typeface="Verdana" panose="020B0604030504040204" pitchFamily="34" charset="0"/>
+              </a:rPr>
+              <a:t>document</a:t>
+            </a:r>
+            <a:r>
+              <a:rPr lang="de-DE" sz="1100" dirty="0">
+                <a:latin typeface="Verdana" panose="020B0604030504040204" pitchFamily="34" charset="0"/>
+                <a:ea typeface="Verdana" panose="020B0604030504040204" pitchFamily="34" charset="0"/>
+              </a:rPr>
+              <a:t>}</a:t>
+            </a:r>
+          </a:p>
+          <a:p>
+            <a:r>
+              <a:rPr lang="de-DE" sz="1100" dirty="0">
+                <a:latin typeface="Verdana" panose="020B0604030504040204" pitchFamily="34" charset="0"/>
+                <a:ea typeface="Verdana" panose="020B0604030504040204" pitchFamily="34" charset="0"/>
+              </a:rPr>
+              <a:t>	\</a:t>
+            </a:r>
+            <a:r>
+              <a:rPr lang="de-DE" sz="1100" dirty="0" err="1">
+                <a:latin typeface="Verdana" panose="020B0604030504040204" pitchFamily="34" charset="0"/>
+                <a:ea typeface="Verdana" panose="020B0604030504040204" pitchFamily="34" charset="0"/>
+              </a:rPr>
+              <a:t>begin</a:t>
+            </a:r>
+            <a:r>
+              <a:rPr lang="de-DE" sz="1100" dirty="0">
+                <a:latin typeface="Verdana" panose="020B0604030504040204" pitchFamily="34" charset="0"/>
+                <a:ea typeface="Verdana" panose="020B0604030504040204" pitchFamily="34" charset="0"/>
+              </a:rPr>
+              <a:t>{</a:t>
+            </a:r>
+            <a:r>
+              <a:rPr lang="de-DE" sz="1100" dirty="0" err="1">
+                <a:latin typeface="Verdana" panose="020B0604030504040204" pitchFamily="34" charset="0"/>
+                <a:ea typeface="Verdana" panose="020B0604030504040204" pitchFamily="34" charset="0"/>
+              </a:rPr>
+              <a:t>figure</a:t>
+            </a:r>
+            <a:r>
+              <a:rPr lang="de-DE" sz="1100" dirty="0">
+                <a:latin typeface="Verdana" panose="020B0604030504040204" pitchFamily="34" charset="0"/>
+                <a:ea typeface="Verdana" panose="020B0604030504040204" pitchFamily="34" charset="0"/>
+              </a:rPr>
+              <a:t>}</a:t>
+            </a:r>
+          </a:p>
+          <a:p>
+            <a:r>
+              <a:rPr lang="de-DE" sz="1100" dirty="0">
+                <a:latin typeface="Verdana" panose="020B0604030504040204" pitchFamily="34" charset="0"/>
+                <a:ea typeface="Verdana" panose="020B0604030504040204" pitchFamily="34" charset="0"/>
+              </a:rPr>
+              <a:t>	\</a:t>
+            </a:r>
+            <a:r>
+              <a:rPr lang="de-DE" sz="1100" dirty="0" err="1">
+                <a:latin typeface="Verdana" panose="020B0604030504040204" pitchFamily="34" charset="0"/>
+                <a:ea typeface="Verdana" panose="020B0604030504040204" pitchFamily="34" charset="0"/>
+              </a:rPr>
+              <a:t>centering</a:t>
+            </a:r>
+            <a:endParaRPr lang="de-DE" sz="1100" dirty="0">
+              <a:latin typeface="Verdana" panose="020B0604030504040204" pitchFamily="34" charset="0"/>
+              <a:ea typeface="Verdana" panose="020B0604030504040204" pitchFamily="34" charset="0"/>
+            </a:endParaRPr>
+          </a:p>
+          <a:p>
+            <a:r>
+              <a:rPr lang="de-DE" sz="1100" dirty="0">
+                <a:latin typeface="Verdana" panose="020B0604030504040204" pitchFamily="34" charset="0"/>
+                <a:ea typeface="Verdana" panose="020B0604030504040204" pitchFamily="34" charset="0"/>
+              </a:rPr>
+              <a:t>	\</a:t>
+            </a:r>
+            <a:r>
+              <a:rPr lang="de-DE" sz="1100" dirty="0" err="1">
+                <a:latin typeface="Verdana" panose="020B0604030504040204" pitchFamily="34" charset="0"/>
+                <a:ea typeface="Verdana" panose="020B0604030504040204" pitchFamily="34" charset="0"/>
+              </a:rPr>
+              <a:t>scalebox</a:t>
+            </a:r>
+            <a:r>
+              <a:rPr lang="de-DE" sz="1100" dirty="0">
+                <a:latin typeface="Verdana" panose="020B0604030504040204" pitchFamily="34" charset="0"/>
+                <a:ea typeface="Verdana" panose="020B0604030504040204" pitchFamily="34" charset="0"/>
+              </a:rPr>
+              <a:t>{0.75}[0.75]{\</a:t>
+            </a:r>
+            <a:r>
+              <a:rPr lang="de-DE" sz="1100" dirty="0" err="1">
+                <a:latin typeface="Verdana" panose="020B0604030504040204" pitchFamily="34" charset="0"/>
+                <a:ea typeface="Verdana" panose="020B0604030504040204" pitchFamily="34" charset="0"/>
+              </a:rPr>
+              <a:t>input</a:t>
+            </a:r>
+            <a:r>
+              <a:rPr lang="de-DE" sz="1100" dirty="0">
+                <a:latin typeface="Verdana" panose="020B0604030504040204" pitchFamily="34" charset="0"/>
+                <a:ea typeface="Verdana" panose="020B0604030504040204" pitchFamily="34" charset="0"/>
+              </a:rPr>
+              <a:t>{</a:t>
+            </a:r>
+            <a:r>
+              <a:rPr lang="de-DE" sz="1100" dirty="0" err="1">
+                <a:latin typeface="Verdana" panose="020B0604030504040204" pitchFamily="34" charset="0"/>
+                <a:ea typeface="Verdana" panose="020B0604030504040204" pitchFamily="34" charset="0"/>
+              </a:rPr>
+              <a:t>allanVar.tex</a:t>
+            </a:r>
+            <a:r>
+              <a:rPr lang="de-DE" sz="1100" dirty="0">
+                <a:latin typeface="Verdana" panose="020B0604030504040204" pitchFamily="34" charset="0"/>
+                <a:ea typeface="Verdana" panose="020B0604030504040204" pitchFamily="34" charset="0"/>
+              </a:rPr>
+              <a:t>}}</a:t>
+            </a:r>
+          </a:p>
+          <a:p>
+            <a:r>
+              <a:rPr lang="de-DE" sz="1100" dirty="0">
+                <a:latin typeface="Verdana" panose="020B0604030504040204" pitchFamily="34" charset="0"/>
+                <a:ea typeface="Verdana" panose="020B0604030504040204" pitchFamily="34" charset="0"/>
+              </a:rPr>
+              <a:t>	\end{</a:t>
+            </a:r>
+            <a:r>
+              <a:rPr lang="de-DE" sz="1100" dirty="0" err="1">
+                <a:latin typeface="Verdana" panose="020B0604030504040204" pitchFamily="34" charset="0"/>
+                <a:ea typeface="Verdana" panose="020B0604030504040204" pitchFamily="34" charset="0"/>
+              </a:rPr>
+              <a:t>figure</a:t>
+            </a:r>
+            <a:r>
+              <a:rPr lang="de-DE" sz="1100" dirty="0">
+                <a:latin typeface="Verdana" panose="020B0604030504040204" pitchFamily="34" charset="0"/>
+                <a:ea typeface="Verdana" panose="020B0604030504040204" pitchFamily="34" charset="0"/>
+              </a:rPr>
+              <a:t>}</a:t>
+            </a:r>
+          </a:p>
+          <a:p>
+            <a:r>
+              <a:rPr lang="de-DE" sz="1100" dirty="0">
+                <a:latin typeface="Verdana" panose="020B0604030504040204" pitchFamily="34" charset="0"/>
+                <a:ea typeface="Verdana" panose="020B0604030504040204" pitchFamily="34" charset="0"/>
+              </a:rPr>
+              <a:t>\end{</a:t>
+            </a:r>
+            <a:r>
+              <a:rPr lang="de-DE" sz="1100" dirty="0" err="1">
+                <a:latin typeface="Verdana" panose="020B0604030504040204" pitchFamily="34" charset="0"/>
+                <a:ea typeface="Verdana" panose="020B0604030504040204" pitchFamily="34" charset="0"/>
+              </a:rPr>
+              <a:t>document</a:t>
+            </a:r>
+            <a:r>
+              <a:rPr lang="de-DE" sz="1100" dirty="0">
+                <a:latin typeface="Verdana" panose="020B0604030504040204" pitchFamily="34" charset="0"/>
+                <a:ea typeface="Verdana" panose="020B0604030504040204" pitchFamily="34" charset="0"/>
+              </a:rPr>
+              <a:t>}</a:t>
+            </a:r>
+          </a:p>
+        </p:txBody>
+      </p:sp>
+      <p:sp>
+        <p:nvSpPr>
+          <p:cNvPr id="5" name="Textfeld 4">
+            <a:extLst>
+              <a:ext uri="{FF2B5EF4-FFF2-40B4-BE49-F238E27FC236}">
+                <a16:creationId xmlns:a16="http://schemas.microsoft.com/office/drawing/2014/main" id="{40AA9B00-6A2D-4906-9067-52FDC60A3473}"/>
+              </a:ext>
+            </a:extLst>
+          </p:cNvPr>
+          <p:cNvSpPr txBox="1"/>
+          <p:nvPr/>
+        </p:nvSpPr>
+        <p:spPr>
+          <a:xfrm>
+            <a:off x="430306" y="394447"/>
+            <a:ext cx="6284259" cy="369332"/>
+          </a:xfrm>
+          <a:prstGeom prst="rect">
+            <a:avLst/>
+          </a:prstGeom>
+          <a:noFill/>
+        </p:spPr>
+        <p:txBody>
+          <a:bodyPr wrap="square" rtlCol="0">
+            <a:spAutoFit/>
+          </a:bodyPr>
+          <a:lstStyle/>
+          <a:p>
+            <a:r>
+              <a:rPr lang="de-DE" b="1" dirty="0" err="1"/>
+              <a:t>TikZ</a:t>
+            </a:r>
+            <a:r>
+              <a:rPr lang="de-DE" b="1" dirty="0"/>
+              <a:t> Figure</a:t>
+            </a:r>
+          </a:p>
+        </p:txBody>
+      </p:sp>
+      <p:sp>
+        <p:nvSpPr>
+          <p:cNvPr id="6" name="Textfeld 5">
+            <a:extLst>
+              <a:ext uri="{FF2B5EF4-FFF2-40B4-BE49-F238E27FC236}">
+                <a16:creationId xmlns:a16="http://schemas.microsoft.com/office/drawing/2014/main" id="{3C4D0302-C2BC-4065-B9DD-19CED1DA18C5}"/>
+              </a:ext>
+            </a:extLst>
+          </p:cNvPr>
+          <p:cNvSpPr txBox="1"/>
+          <p:nvPr/>
+        </p:nvSpPr>
+        <p:spPr>
+          <a:xfrm>
+            <a:off x="6992471" y="3114243"/>
+            <a:ext cx="5459506" cy="261610"/>
+          </a:xfrm>
+          <a:prstGeom prst="rect">
+            <a:avLst/>
+          </a:prstGeom>
+          <a:noFill/>
+        </p:spPr>
+        <p:txBody>
+          <a:bodyPr wrap="square" rtlCol="0">
+            <a:spAutoFit/>
+          </a:bodyPr>
+          <a:lstStyle/>
+          <a:p>
+            <a:r>
+              <a:rPr lang="de-DE" sz="1100" b="1" dirty="0">
+                <a:latin typeface="Verdana" panose="020B0604030504040204" pitchFamily="34" charset="0"/>
+                <a:ea typeface="Verdana" panose="020B0604030504040204" pitchFamily="34" charset="0"/>
+              </a:rPr>
+              <a:t>&gt; </a:t>
+            </a:r>
+            <a:r>
+              <a:rPr lang="de-DE" sz="1100" b="1" dirty="0" err="1">
+                <a:latin typeface="Verdana" panose="020B0604030504040204" pitchFamily="34" charset="0"/>
+                <a:ea typeface="Verdana" panose="020B0604030504040204" pitchFamily="34" charset="0"/>
+              </a:rPr>
+              <a:t>help</a:t>
+            </a:r>
+            <a:r>
+              <a:rPr lang="de-DE" sz="1100" b="1" dirty="0">
+                <a:latin typeface="Verdana" panose="020B0604030504040204" pitchFamily="34" charset="0"/>
+                <a:ea typeface="Verdana" panose="020B0604030504040204" pitchFamily="34" charset="0"/>
+              </a:rPr>
+              <a:t> matlab2tikz; </a:t>
+            </a:r>
+            <a:r>
+              <a:rPr lang="de-DE" sz="1100" dirty="0">
+                <a:latin typeface="Verdana" panose="020B0604030504040204" pitchFamily="34" charset="0"/>
+                <a:ea typeface="Verdana" panose="020B0604030504040204" pitchFamily="34" charset="0"/>
+              </a:rPr>
+              <a:t>% </a:t>
+            </a:r>
+            <a:r>
+              <a:rPr lang="de-DE" sz="1100" dirty="0" err="1">
+                <a:latin typeface="Verdana" panose="020B0604030504040204" pitchFamily="34" charset="0"/>
+                <a:ea typeface="Verdana" panose="020B0604030504040204" pitchFamily="34" charset="0"/>
+              </a:rPr>
+              <a:t>for</a:t>
+            </a:r>
+            <a:r>
+              <a:rPr lang="de-DE" sz="1100" dirty="0">
+                <a:latin typeface="Verdana" panose="020B0604030504040204" pitchFamily="34" charset="0"/>
+                <a:ea typeface="Verdana" panose="020B0604030504040204" pitchFamily="34" charset="0"/>
+              </a:rPr>
+              <a:t> </a:t>
+            </a:r>
+            <a:r>
+              <a:rPr lang="de-DE" sz="1100" dirty="0" err="1">
+                <a:latin typeface="Verdana" panose="020B0604030504040204" pitchFamily="34" charset="0"/>
+                <a:ea typeface="Verdana" panose="020B0604030504040204" pitchFamily="34" charset="0"/>
+              </a:rPr>
+              <a:t>more</a:t>
+            </a:r>
+            <a:r>
+              <a:rPr lang="de-DE" sz="1100" dirty="0">
+                <a:latin typeface="Verdana" panose="020B0604030504040204" pitchFamily="34" charset="0"/>
+                <a:ea typeface="Verdana" panose="020B0604030504040204" pitchFamily="34" charset="0"/>
+              </a:rPr>
+              <a:t> </a:t>
+            </a:r>
+            <a:r>
+              <a:rPr lang="de-DE" sz="1100" dirty="0" err="1">
+                <a:latin typeface="Verdana" panose="020B0604030504040204" pitchFamily="34" charset="0"/>
+                <a:ea typeface="Verdana" panose="020B0604030504040204" pitchFamily="34" charset="0"/>
+              </a:rPr>
+              <a:t>customizations</a:t>
+            </a:r>
+            <a:r>
+              <a:rPr lang="de-DE" sz="1100" dirty="0">
+                <a:latin typeface="Verdana" panose="020B0604030504040204" pitchFamily="34" charset="0"/>
+                <a:ea typeface="Verdana" panose="020B0604030504040204" pitchFamily="34" charset="0"/>
+              </a:rPr>
+              <a:t> </a:t>
+            </a:r>
+          </a:p>
+        </p:txBody>
+      </p:sp>
+      <p:cxnSp>
+        <p:nvCxnSpPr>
+          <p:cNvPr id="7" name="Gerade Verbindung mit Pfeil 6">
+            <a:extLst>
+              <a:ext uri="{FF2B5EF4-FFF2-40B4-BE49-F238E27FC236}">
+                <a16:creationId xmlns:a16="http://schemas.microsoft.com/office/drawing/2014/main" id="{F42D705B-6409-426B-A388-69BA6877353A}"/>
+              </a:ext>
+            </a:extLst>
+          </p:cNvPr>
+          <p:cNvCxnSpPr>
+            <a:cxnSpLocks/>
+          </p:cNvCxnSpPr>
+          <p:nvPr/>
+        </p:nvCxnSpPr>
+        <p:spPr>
+          <a:xfrm flipH="1" flipV="1">
+            <a:off x="7978588" y="3307978"/>
+            <a:ext cx="142572" cy="645457"/>
+          </a:xfrm>
+          <a:prstGeom prst="straightConnector1">
+            <a:avLst/>
+          </a:prstGeom>
+          <a:ln>
+            <a:solidFill>
+              <a:srgbClr val="C00000"/>
+            </a:solidFill>
+            <a:tailEnd type="triangle"/>
+          </a:ln>
+        </p:spPr>
+        <p:style>
+          <a:lnRef idx="2">
+            <a:schemeClr val="accent2"/>
+          </a:lnRef>
+          <a:fillRef idx="0">
+            <a:schemeClr val="accent2"/>
+          </a:fillRef>
+          <a:effectRef idx="1">
+            <a:schemeClr val="accent2"/>
+          </a:effectRef>
+          <a:fontRef idx="minor">
+            <a:schemeClr val="tx1"/>
+          </a:fontRef>
+        </p:style>
+      </p:cxnSp>
+      <p:sp>
+        <p:nvSpPr>
+          <p:cNvPr id="10" name="Textfeld 9">
+            <a:extLst>
+              <a:ext uri="{FF2B5EF4-FFF2-40B4-BE49-F238E27FC236}">
+                <a16:creationId xmlns:a16="http://schemas.microsoft.com/office/drawing/2014/main" id="{B234F070-0325-4A17-A1F0-83A72DD55D84}"/>
+              </a:ext>
+            </a:extLst>
+          </p:cNvPr>
+          <p:cNvSpPr txBox="1"/>
+          <p:nvPr/>
+        </p:nvSpPr>
+        <p:spPr>
+          <a:xfrm>
+            <a:off x="7521388" y="3885560"/>
+            <a:ext cx="3818965" cy="523220"/>
+          </a:xfrm>
+          <a:prstGeom prst="rect">
+            <a:avLst/>
+          </a:prstGeom>
+          <a:noFill/>
+        </p:spPr>
+        <p:txBody>
+          <a:bodyPr wrap="square" rtlCol="0">
+            <a:spAutoFit/>
+          </a:bodyPr>
+          <a:lstStyle/>
+          <a:p>
+            <a:r>
+              <a:rPr lang="de-DE" sz="1400" dirty="0" err="1">
+                <a:solidFill>
+                  <a:srgbClr val="C00000"/>
+                </a:solidFill>
+              </a:rPr>
+              <a:t>make</a:t>
+            </a:r>
+            <a:r>
+              <a:rPr lang="de-DE" sz="1400" dirty="0">
+                <a:solidFill>
+                  <a:srgbClr val="C00000"/>
+                </a:solidFill>
+              </a:rPr>
+              <a:t> </a:t>
+            </a:r>
+            <a:r>
+              <a:rPr lang="de-DE" sz="1400" dirty="0" err="1">
+                <a:solidFill>
+                  <a:srgbClr val="C00000"/>
+                </a:solidFill>
+              </a:rPr>
+              <a:t>sure</a:t>
+            </a:r>
+            <a:r>
+              <a:rPr lang="de-DE" sz="1400" dirty="0">
+                <a:solidFill>
+                  <a:srgbClr val="C00000"/>
+                </a:solidFill>
+              </a:rPr>
+              <a:t> </a:t>
+            </a:r>
+            <a:r>
+              <a:rPr lang="de-DE" sz="1400" dirty="0" err="1">
+                <a:solidFill>
+                  <a:srgbClr val="C00000"/>
+                </a:solidFill>
+              </a:rPr>
+              <a:t>that</a:t>
+            </a:r>
+            <a:r>
+              <a:rPr lang="de-DE" sz="1400" dirty="0">
+                <a:solidFill>
+                  <a:srgbClr val="C00000"/>
+                </a:solidFill>
+              </a:rPr>
+              <a:t> </a:t>
+            </a:r>
+            <a:r>
+              <a:rPr lang="de-DE" sz="1400" dirty="0" err="1">
+                <a:solidFill>
+                  <a:srgbClr val="C00000"/>
+                </a:solidFill>
+              </a:rPr>
+              <a:t>the</a:t>
+            </a:r>
+            <a:r>
+              <a:rPr lang="de-DE" sz="1400" dirty="0">
+                <a:solidFill>
+                  <a:srgbClr val="C00000"/>
+                </a:solidFill>
+              </a:rPr>
+              <a:t> </a:t>
+            </a:r>
+            <a:r>
+              <a:rPr lang="de-DE" sz="1400" dirty="0" err="1">
+                <a:solidFill>
+                  <a:srgbClr val="C00000"/>
+                </a:solidFill>
+              </a:rPr>
+              <a:t>src</a:t>
+            </a:r>
+            <a:r>
+              <a:rPr lang="de-DE" sz="1400" dirty="0">
+                <a:solidFill>
+                  <a:srgbClr val="C00000"/>
+                </a:solidFill>
+              </a:rPr>
+              <a:t> </a:t>
+            </a:r>
+            <a:r>
+              <a:rPr lang="de-DE" sz="1400" dirty="0" err="1">
+                <a:solidFill>
+                  <a:srgbClr val="C00000"/>
+                </a:solidFill>
+              </a:rPr>
+              <a:t>folder</a:t>
+            </a:r>
+            <a:r>
+              <a:rPr lang="de-DE" sz="1400" dirty="0">
+                <a:solidFill>
+                  <a:srgbClr val="C00000"/>
+                </a:solidFill>
+              </a:rPr>
+              <a:t> </a:t>
+            </a:r>
+            <a:r>
+              <a:rPr lang="de-DE" sz="1400" dirty="0" err="1">
+                <a:solidFill>
+                  <a:srgbClr val="C00000"/>
+                </a:solidFill>
+              </a:rPr>
+              <a:t>for</a:t>
+            </a:r>
+            <a:r>
+              <a:rPr lang="de-DE" sz="1400" dirty="0">
+                <a:solidFill>
+                  <a:srgbClr val="C00000"/>
+                </a:solidFill>
+              </a:rPr>
+              <a:t> matlab2tikz </a:t>
+            </a:r>
+            <a:r>
+              <a:rPr lang="de-DE" sz="1400" dirty="0" err="1">
+                <a:solidFill>
+                  <a:srgbClr val="C00000"/>
+                </a:solidFill>
+              </a:rPr>
+              <a:t>is</a:t>
+            </a:r>
+            <a:r>
+              <a:rPr lang="de-DE" sz="1400" dirty="0">
+                <a:solidFill>
+                  <a:srgbClr val="C00000"/>
+                </a:solidFill>
+              </a:rPr>
+              <a:t> in </a:t>
+            </a:r>
+            <a:r>
+              <a:rPr lang="de-DE" sz="1400" dirty="0" err="1">
+                <a:solidFill>
+                  <a:srgbClr val="C00000"/>
+                </a:solidFill>
+              </a:rPr>
+              <a:t>the</a:t>
+            </a:r>
+            <a:r>
+              <a:rPr lang="de-DE" sz="1400" dirty="0">
+                <a:solidFill>
+                  <a:srgbClr val="C00000"/>
+                </a:solidFill>
+              </a:rPr>
+              <a:t> MATLAB Path</a:t>
+            </a:r>
+          </a:p>
+        </p:txBody>
+      </p:sp>
+      <p:sp>
+        <p:nvSpPr>
+          <p:cNvPr id="11" name="Textfeld 10">
+            <a:extLst>
+              <a:ext uri="{FF2B5EF4-FFF2-40B4-BE49-F238E27FC236}">
+                <a16:creationId xmlns:a16="http://schemas.microsoft.com/office/drawing/2014/main" id="{99DBFFFC-45D9-4999-9B7F-70FD3AE42B6C}"/>
+              </a:ext>
+            </a:extLst>
+          </p:cNvPr>
+          <p:cNvSpPr txBox="1"/>
+          <p:nvPr/>
+        </p:nvSpPr>
+        <p:spPr>
+          <a:xfrm>
+            <a:off x="6992471" y="5058407"/>
+            <a:ext cx="3818965" cy="584775"/>
+          </a:xfrm>
+          <a:prstGeom prst="rect">
+            <a:avLst/>
+          </a:prstGeom>
+          <a:noFill/>
+        </p:spPr>
+        <p:txBody>
+          <a:bodyPr wrap="square" rtlCol="0">
+            <a:spAutoFit/>
+          </a:bodyPr>
+          <a:lstStyle/>
+          <a:p>
+            <a:r>
+              <a:rPr lang="de-DE" sz="1600" b="1" dirty="0">
+                <a:ea typeface="Verdana" panose="020B0604030504040204" pitchFamily="34" charset="0"/>
+              </a:rPr>
+              <a:t>Something </a:t>
+            </a:r>
+            <a:r>
+              <a:rPr lang="de-DE" sz="1600" b="1" dirty="0" err="1">
+                <a:ea typeface="Verdana" panose="020B0604030504040204" pitchFamily="34" charset="0"/>
+              </a:rPr>
+              <a:t>similar</a:t>
+            </a:r>
+            <a:r>
+              <a:rPr lang="de-DE" sz="1600" b="1" dirty="0">
+                <a:ea typeface="Verdana" panose="020B0604030504040204" pitchFamily="34" charset="0"/>
+              </a:rPr>
+              <a:t> </a:t>
+            </a:r>
+            <a:r>
+              <a:rPr lang="de-DE" sz="1600" b="1" dirty="0" err="1">
+                <a:ea typeface="Verdana" panose="020B0604030504040204" pitchFamily="34" charset="0"/>
+              </a:rPr>
+              <a:t>for</a:t>
+            </a:r>
+            <a:r>
+              <a:rPr lang="de-DE" sz="1600" b="1" dirty="0">
+                <a:ea typeface="Verdana" panose="020B0604030504040204" pitchFamily="34" charset="0"/>
+              </a:rPr>
+              <a:t> </a:t>
+            </a:r>
+            <a:r>
+              <a:rPr lang="de-DE" sz="1600" b="1" dirty="0" err="1">
+                <a:ea typeface="Verdana" panose="020B0604030504040204" pitchFamily="34" charset="0"/>
+              </a:rPr>
+              <a:t>other</a:t>
+            </a:r>
+            <a:r>
+              <a:rPr lang="de-DE" sz="1600" b="1" dirty="0">
+                <a:ea typeface="Verdana" panose="020B0604030504040204" pitchFamily="34" charset="0"/>
+              </a:rPr>
+              <a:t> </a:t>
+            </a:r>
+            <a:r>
+              <a:rPr lang="de-DE" sz="1600" b="1" dirty="0" err="1">
+                <a:ea typeface="Verdana" panose="020B0604030504040204" pitchFamily="34" charset="0"/>
+              </a:rPr>
+              <a:t>programming</a:t>
+            </a:r>
+            <a:r>
+              <a:rPr lang="de-DE" sz="1600" b="1" dirty="0">
+                <a:ea typeface="Verdana" panose="020B0604030504040204" pitchFamily="34" charset="0"/>
+              </a:rPr>
+              <a:t> </a:t>
+            </a:r>
+            <a:r>
+              <a:rPr lang="de-DE" sz="1600" b="1" dirty="0" err="1">
+                <a:ea typeface="Verdana" panose="020B0604030504040204" pitchFamily="34" charset="0"/>
+              </a:rPr>
+              <a:t>languages</a:t>
+            </a:r>
+            <a:r>
+              <a:rPr lang="de-DE" sz="1600" b="1" dirty="0">
+                <a:ea typeface="Verdana" panose="020B0604030504040204" pitchFamily="34" charset="0"/>
+              </a:rPr>
+              <a:t> (</a:t>
+            </a:r>
+            <a:r>
+              <a:rPr lang="de-DE" sz="1600" b="1" dirty="0" err="1">
+                <a:ea typeface="Verdana" panose="020B0604030504040204" pitchFamily="34" charset="0"/>
+              </a:rPr>
+              <a:t>eg</a:t>
+            </a:r>
+            <a:r>
+              <a:rPr lang="de-DE" sz="1600" b="1" dirty="0">
+                <a:ea typeface="Verdana" panose="020B0604030504040204" pitchFamily="34" charset="0"/>
+              </a:rPr>
+              <a:t>. Python)? </a:t>
+            </a:r>
+            <a:endParaRPr lang="de-DE" sz="1600" dirty="0">
+              <a:ea typeface="Verdana" panose="020B0604030504040204" pitchFamily="34" charset="0"/>
+            </a:endParaRPr>
+          </a:p>
+        </p:txBody>
+      </p:sp>
+    </p:spTree>
+    <p:extLst>
+      <p:ext uri="{BB962C8B-B14F-4D97-AF65-F5344CB8AC3E}">
+        <p14:creationId xmlns:p14="http://schemas.microsoft.com/office/powerpoint/2010/main" val="1286779233"/>
       </p:ext>
     </p:extLst>
   </p:cSld>
@@ -4682,10 +10273,10 @@
       </p:grpSpPr>
       <p:pic>
         <p:nvPicPr>
-          <p:cNvPr id="8" name="Grafik 7">
-            <a:extLst>
-              <a:ext uri="{FF2B5EF4-FFF2-40B4-BE49-F238E27FC236}">
-                <a16:creationId xmlns:a16="http://schemas.microsoft.com/office/drawing/2014/main" id="{7BA866E4-0DF6-41F8-8882-2F371C3EC56C}"/>
+          <p:cNvPr id="3" name="Grafik 2">
+            <a:extLst>
+              <a:ext uri="{FF2B5EF4-FFF2-40B4-BE49-F238E27FC236}">
+                <a16:creationId xmlns:a16="http://schemas.microsoft.com/office/drawing/2014/main" id="{39A5F995-91A6-4AC9-B3E5-97986BDEB5B0}"/>
               </a:ext>
             </a:extLst>
           </p:cNvPr>
@@ -4711,8 +10302,8 @@
         </p:blipFill>
         <p:spPr>
           <a:xfrm>
-            <a:off x="2079894" y="579514"/>
-            <a:ext cx="8032211" cy="5698972"/>
+            <a:off x="0" y="425174"/>
+            <a:ext cx="12192000" cy="6007652"/>
           </a:xfrm>
           <a:prstGeom prst="rect">
             <a:avLst/>
@@ -4733,8 +10324,8 @@
         </p:nvSpPr>
         <p:spPr>
           <a:xfrm>
-            <a:off x="8857129" y="376518"/>
-            <a:ext cx="3083859" cy="600164"/>
+            <a:off x="9556376" y="519953"/>
+            <a:ext cx="3083859" cy="430887"/>
           </a:xfrm>
           <a:prstGeom prst="rect">
             <a:avLst/>
@@ -4811,33 +10402,6 @@
                 <a:latin typeface="Verdana" panose="020B0604030504040204" pitchFamily="34" charset="0"/>
                 <a:ea typeface="Verdana" panose="020B0604030504040204" pitchFamily="34" charset="0"/>
               </a:rPr>
-              <a:t>{tikz-3dplot}</a:t>
-            </a:r>
-          </a:p>
-          <a:p>
-            <a:pPr marL="285750" indent="-285750">
-              <a:buFont typeface="Arial" panose="020B0604020202020204" pitchFamily="34" charset="0"/>
-              <a:buChar char="•"/>
-            </a:pPr>
-            <a:r>
-              <a:rPr lang="de-DE" sz="1100" dirty="0">
-                <a:latin typeface="Verdana" panose="020B0604030504040204" pitchFamily="34" charset="0"/>
-                <a:ea typeface="Verdana" panose="020B0604030504040204" pitchFamily="34" charset="0"/>
-              </a:rPr>
-              <a:t>\</a:t>
-            </a:r>
-            <a:r>
-              <a:rPr lang="de-DE" sz="1100" dirty="0" err="1">
-                <a:latin typeface="Verdana" panose="020B0604030504040204" pitchFamily="34" charset="0"/>
-                <a:ea typeface="Verdana" panose="020B0604030504040204" pitchFamily="34" charset="0"/>
-              </a:rPr>
-              <a:t>usepackage</a:t>
-            </a:r>
-            <a:r>
-              <a:rPr lang="de-DE" sz="1100" dirty="0">
-                <a:latin typeface="Verdana" panose="020B0604030504040204" pitchFamily="34" charset="0"/>
-                <a:ea typeface="Verdana" panose="020B0604030504040204" pitchFamily="34" charset="0"/>
-              </a:rPr>
               <a:t>{</a:t>
             </a:r>
             <a:r>
@@ -4860,7 +10424,7 @@
     </p:spTree>
     <p:extLst>
       <p:ext uri="{BB962C8B-B14F-4D97-AF65-F5344CB8AC3E}">
-        <p14:creationId xmlns:p14="http://schemas.microsoft.com/office/powerpoint/2010/main" val="145233993"/>
+        <p14:creationId xmlns:p14="http://schemas.microsoft.com/office/powerpoint/2010/main" val="1536466815"/>
       </p:ext>
     </p:extLst>
   </p:cSld>
@@ -4889,10 +10453,10 @@
       </p:grpSpPr>
       <p:pic>
         <p:nvPicPr>
-          <p:cNvPr id="8" name="Grafik 7">
-            <a:extLst>
-              <a:ext uri="{FF2B5EF4-FFF2-40B4-BE49-F238E27FC236}">
-                <a16:creationId xmlns:a16="http://schemas.microsoft.com/office/drawing/2014/main" id="{7BA866E4-0DF6-41F8-8882-2F371C3EC56C}"/>
+          <p:cNvPr id="5" name="Grafik 4">
+            <a:extLst>
+              <a:ext uri="{FF2B5EF4-FFF2-40B4-BE49-F238E27FC236}">
+                <a16:creationId xmlns:a16="http://schemas.microsoft.com/office/drawing/2014/main" id="{5712B630-806D-4C3A-B1AB-B36ED3E84478}"/>
               </a:ext>
             </a:extLst>
           </p:cNvPr>
@@ -4918,47 +10482,8 @@
         </p:blipFill>
         <p:spPr>
           <a:xfrm>
-            <a:off x="2079894" y="579514"/>
-            <a:ext cx="8032211" cy="5698972"/>
-          </a:xfrm>
-          <a:prstGeom prst="rect">
-            <a:avLst/>
-          </a:prstGeom>
-        </p:spPr>
-      </p:pic>
-      <p:pic>
-        <p:nvPicPr>
-          <p:cNvPr id="3" name="Grafik 2">
-            <a:extLst>
-              <a:ext uri="{FF2B5EF4-FFF2-40B4-BE49-F238E27FC236}">
-                <a16:creationId xmlns:a16="http://schemas.microsoft.com/office/drawing/2014/main" id="{32CB711C-9CF7-436F-A7F3-67B6D98D5D74}"/>
-              </a:ext>
-            </a:extLst>
-          </p:cNvPr>
-          <p:cNvPicPr>
-            <a:picLocks noChangeAspect="1"/>
-          </p:cNvPicPr>
-          <p:nvPr/>
-        </p:nvPicPr>
-        <p:blipFill>
-          <a:blip r:embed="rId4">
-            <a:extLst>
-              <a:ext uri="{28A0092B-C50C-407E-A947-70E740481C1C}">
-                <a14:useLocalDpi xmlns:a14="http://schemas.microsoft.com/office/drawing/2010/main" val="0"/>
-              </a:ext>
-              <a:ext uri="{96DAC541-7B7A-43D3-8B79-37D633B846F1}">
-                <asvg:svgBlip xmlns:asvg="http://schemas.microsoft.com/office/drawing/2016/SVG/main" r:embed="rId5"/>
-              </a:ext>
-            </a:extLst>
-          </a:blip>
-          <a:stretch>
-            <a:fillRect/>
-          </a:stretch>
-        </p:blipFill>
-        <p:spPr>
-          <a:xfrm>
-            <a:off x="3774141" y="177794"/>
-            <a:ext cx="12192000" cy="4010223"/>
+            <a:off x="-4365812" y="1536548"/>
+            <a:ext cx="12192000" cy="3641467"/>
           </a:xfrm>
           <a:prstGeom prst="rect">
             <a:avLst/>
@@ -4967,10 +10492,10 @@
       </p:pic>
       <p:sp>
         <p:nvSpPr>
-          <p:cNvPr id="5" name="Ellipse 4">
-            <a:extLst>
-              <a:ext uri="{FF2B5EF4-FFF2-40B4-BE49-F238E27FC236}">
-                <a16:creationId xmlns:a16="http://schemas.microsoft.com/office/drawing/2014/main" id="{31409135-56A7-44C2-B178-55102836342F}"/>
+          <p:cNvPr id="3" name="Rechteck 2">
+            <a:extLst>
+              <a:ext uri="{FF2B5EF4-FFF2-40B4-BE49-F238E27FC236}">
+                <a16:creationId xmlns:a16="http://schemas.microsoft.com/office/drawing/2014/main" id="{9F698CC2-CBA0-455D-BF57-078307C04E8D}"/>
               </a:ext>
             </a:extLst>
           </p:cNvPr>
@@ -4979,128 +10504,780 @@
         </p:nvSpPr>
         <p:spPr>
           <a:xfrm>
-            <a:off x="8695143" y="100584"/>
-            <a:ext cx="3395472" cy="3584448"/>
+            <a:off x="4473387" y="387450"/>
+            <a:ext cx="7826189" cy="1446550"/>
           </a:xfrm>
-          <a:prstGeom prst="ellipse">
-            <a:avLst/>
-          </a:prstGeom>
-          <a:noFill/>
-          <a:ln>
-            <a:solidFill>
-              <a:schemeClr val="tx1"/>
-            </a:solidFill>
-          </a:ln>
-        </p:spPr>
-        <p:style>
-          <a:lnRef idx="2">
-            <a:schemeClr val="accent1">
-              <a:shade val="50000"/>
-            </a:schemeClr>
-          </a:lnRef>
-          <a:fillRef idx="1">
-            <a:schemeClr val="accent1"/>
-          </a:fillRef>
-          <a:effectRef idx="0">
-            <a:schemeClr val="accent1"/>
-          </a:effectRef>
-          <a:fontRef idx="minor">
-            <a:schemeClr val="lt1"/>
-          </a:fontRef>
-        </p:style>
-        <p:txBody>
-          <a:bodyPr rtlCol="0" anchor="ctr"/>
-          <a:lstStyle/>
-          <a:p>
-            <a:pPr algn="ctr"/>
-            <a:endParaRPr lang="de-DE"/>
-          </a:p>
-        </p:txBody>
-      </p:sp>
-      <p:cxnSp>
-        <p:nvCxnSpPr>
-          <p:cNvPr id="7" name="Gerader Verbinder 6">
-            <a:extLst>
-              <a:ext uri="{FF2B5EF4-FFF2-40B4-BE49-F238E27FC236}">
-                <a16:creationId xmlns:a16="http://schemas.microsoft.com/office/drawing/2014/main" id="{0AC520DE-4B7A-47AC-A64D-7FE4BA900A47}"/>
-              </a:ext>
-            </a:extLst>
-          </p:cNvPr>
-          <p:cNvCxnSpPr>
-            <a:cxnSpLocks/>
-            <a:endCxn id="5" idx="1"/>
-          </p:cNvCxnSpPr>
-          <p:nvPr/>
-        </p:nvCxnSpPr>
-        <p:spPr>
-          <a:xfrm flipV="1">
-            <a:off x="6784848" y="625514"/>
-            <a:ext cx="2407550" cy="1889086"/>
-          </a:xfrm>
-          <a:prstGeom prst="line">
+          <a:prstGeom prst="rect">
             <a:avLst/>
           </a:prstGeom>
         </p:spPr>
-        <p:style>
-          <a:lnRef idx="2">
-            <a:schemeClr val="dk1"/>
-          </a:lnRef>
-          <a:fillRef idx="0">
-            <a:schemeClr val="dk1"/>
-          </a:fillRef>
-          <a:effectRef idx="1">
-            <a:schemeClr val="dk1"/>
-          </a:effectRef>
-          <a:fontRef idx="minor">
-            <a:schemeClr val="tx1"/>
-          </a:fontRef>
-        </p:style>
-      </p:cxnSp>
-      <p:cxnSp>
-        <p:nvCxnSpPr>
-          <p:cNvPr id="9" name="Gerader Verbinder 8">
-            <a:extLst>
-              <a:ext uri="{FF2B5EF4-FFF2-40B4-BE49-F238E27FC236}">
-                <a16:creationId xmlns:a16="http://schemas.microsoft.com/office/drawing/2014/main" id="{3364BF4F-627F-410E-BE13-FA238FF9C465}"/>
-              </a:ext>
-            </a:extLst>
-          </p:cNvPr>
-          <p:cNvCxnSpPr>
-            <a:cxnSpLocks/>
-            <a:endCxn id="5" idx="4"/>
-          </p:cNvCxnSpPr>
+        <p:txBody>
+          <a:bodyPr wrap="square">
+            <a:spAutoFit/>
+          </a:bodyPr>
+          <a:lstStyle/>
+          <a:p>
+            <a:r>
+              <a:rPr lang="de-DE" sz="1100" dirty="0">
+                <a:latin typeface="Verdana" panose="020B0604030504040204" pitchFamily="34" charset="0"/>
+                <a:ea typeface="Verdana" panose="020B0604030504040204" pitchFamily="34" charset="0"/>
+              </a:rPr>
+              <a:t>\</a:t>
+            </a:r>
+            <a:r>
+              <a:rPr lang="de-DE" sz="1100" dirty="0" err="1">
+                <a:latin typeface="Verdana" panose="020B0604030504040204" pitchFamily="34" charset="0"/>
+                <a:ea typeface="Verdana" panose="020B0604030504040204" pitchFamily="34" charset="0"/>
+              </a:rPr>
+              <a:t>tikzstyle</a:t>
+            </a:r>
+            <a:r>
+              <a:rPr lang="de-DE" sz="1100" dirty="0">
+                <a:latin typeface="Verdana" panose="020B0604030504040204" pitchFamily="34" charset="0"/>
+                <a:ea typeface="Verdana" panose="020B0604030504040204" pitchFamily="34" charset="0"/>
+              </a:rPr>
+              <a:t>{</a:t>
+            </a:r>
+            <a:r>
+              <a:rPr lang="de-DE" sz="1100" dirty="0" err="1">
+                <a:latin typeface="Verdana" panose="020B0604030504040204" pitchFamily="34" charset="0"/>
+                <a:ea typeface="Verdana" panose="020B0604030504040204" pitchFamily="34" charset="0"/>
+              </a:rPr>
+              <a:t>imu</a:t>
+            </a:r>
+            <a:r>
+              <a:rPr lang="de-DE" sz="1100" dirty="0">
+                <a:latin typeface="Verdana" panose="020B0604030504040204" pitchFamily="34" charset="0"/>
+                <a:ea typeface="Verdana" panose="020B0604030504040204" pitchFamily="34" charset="0"/>
+              </a:rPr>
+              <a:t>}     = [</a:t>
+            </a:r>
+            <a:r>
+              <a:rPr lang="de-DE" sz="1100" dirty="0" err="1">
+                <a:latin typeface="Verdana" panose="020B0604030504040204" pitchFamily="34" charset="0"/>
+                <a:ea typeface="Verdana" panose="020B0604030504040204" pitchFamily="34" charset="0"/>
+              </a:rPr>
+              <a:t>draw</a:t>
+            </a:r>
+            <a:r>
+              <a:rPr lang="de-DE" sz="1100" dirty="0">
+                <a:latin typeface="Verdana" panose="020B0604030504040204" pitchFamily="34" charset="0"/>
+                <a:ea typeface="Verdana" panose="020B0604030504040204" pitchFamily="34" charset="0"/>
+              </a:rPr>
+              <a:t>, </a:t>
+            </a:r>
+            <a:r>
+              <a:rPr lang="de-DE" sz="1100" dirty="0" err="1">
+                <a:latin typeface="Verdana" panose="020B0604030504040204" pitchFamily="34" charset="0"/>
+                <a:ea typeface="Verdana" panose="020B0604030504040204" pitchFamily="34" charset="0"/>
+              </a:rPr>
+              <a:t>rectangle</a:t>
+            </a:r>
+            <a:r>
+              <a:rPr lang="de-DE" sz="1100" dirty="0">
+                <a:latin typeface="Verdana" panose="020B0604030504040204" pitchFamily="34" charset="0"/>
+                <a:ea typeface="Verdana" panose="020B0604030504040204" pitchFamily="34" charset="0"/>
+              </a:rPr>
+              <a:t>, </a:t>
+            </a:r>
+            <a:r>
+              <a:rPr lang="de-DE" sz="1100" dirty="0" err="1">
+                <a:latin typeface="Verdana" panose="020B0604030504040204" pitchFamily="34" charset="0"/>
+                <a:ea typeface="Verdana" panose="020B0604030504040204" pitchFamily="34" charset="0"/>
+              </a:rPr>
+              <a:t>minimum</a:t>
+            </a:r>
+            <a:r>
+              <a:rPr lang="de-DE" sz="1100" dirty="0">
+                <a:latin typeface="Verdana" panose="020B0604030504040204" pitchFamily="34" charset="0"/>
+                <a:ea typeface="Verdana" panose="020B0604030504040204" pitchFamily="34" charset="0"/>
+              </a:rPr>
+              <a:t> </a:t>
+            </a:r>
+            <a:r>
+              <a:rPr lang="de-DE" sz="1100" dirty="0" err="1">
+                <a:latin typeface="Verdana" panose="020B0604030504040204" pitchFamily="34" charset="0"/>
+                <a:ea typeface="Verdana" panose="020B0604030504040204" pitchFamily="34" charset="0"/>
+              </a:rPr>
+              <a:t>height</a:t>
+            </a:r>
+            <a:r>
+              <a:rPr lang="de-DE" sz="1100" dirty="0">
+                <a:latin typeface="Verdana" panose="020B0604030504040204" pitchFamily="34" charset="0"/>
+                <a:ea typeface="Verdana" panose="020B0604030504040204" pitchFamily="34" charset="0"/>
+              </a:rPr>
+              <a:t>=6cm, </a:t>
+            </a:r>
+            <a:r>
+              <a:rPr lang="de-DE" sz="1100" dirty="0" err="1">
+                <a:latin typeface="Verdana" panose="020B0604030504040204" pitchFamily="34" charset="0"/>
+                <a:ea typeface="Verdana" panose="020B0604030504040204" pitchFamily="34" charset="0"/>
+              </a:rPr>
+              <a:t>minimum</a:t>
+            </a:r>
+            <a:r>
+              <a:rPr lang="de-DE" sz="1100" dirty="0">
+                <a:latin typeface="Verdana" panose="020B0604030504040204" pitchFamily="34" charset="0"/>
+                <a:ea typeface="Verdana" panose="020B0604030504040204" pitchFamily="34" charset="0"/>
+              </a:rPr>
+              <a:t> </a:t>
+            </a:r>
+            <a:r>
+              <a:rPr lang="de-DE" sz="1100" dirty="0" err="1">
+                <a:latin typeface="Verdana" panose="020B0604030504040204" pitchFamily="34" charset="0"/>
+                <a:ea typeface="Verdana" panose="020B0604030504040204" pitchFamily="34" charset="0"/>
+              </a:rPr>
+              <a:t>width</a:t>
+            </a:r>
+            <a:r>
+              <a:rPr lang="de-DE" sz="1100" dirty="0">
+                <a:latin typeface="Verdana" panose="020B0604030504040204" pitchFamily="34" charset="0"/>
+                <a:ea typeface="Verdana" panose="020B0604030504040204" pitchFamily="34" charset="0"/>
+              </a:rPr>
+              <a:t>=2.5cm]</a:t>
+            </a:r>
+          </a:p>
+          <a:p>
+            <a:r>
+              <a:rPr lang="de-DE" sz="1100" dirty="0">
+                <a:latin typeface="Verdana" panose="020B0604030504040204" pitchFamily="34" charset="0"/>
+                <a:ea typeface="Verdana" panose="020B0604030504040204" pitchFamily="34" charset="0"/>
+              </a:rPr>
+              <a:t>\</a:t>
+            </a:r>
+            <a:r>
+              <a:rPr lang="de-DE" sz="1100" dirty="0" err="1">
+                <a:latin typeface="Verdana" panose="020B0604030504040204" pitchFamily="34" charset="0"/>
+                <a:ea typeface="Verdana" panose="020B0604030504040204" pitchFamily="34" charset="0"/>
+              </a:rPr>
+              <a:t>tikzstyle</a:t>
+            </a:r>
+            <a:r>
+              <a:rPr lang="de-DE" sz="1100" dirty="0">
+                <a:latin typeface="Verdana" panose="020B0604030504040204" pitchFamily="34" charset="0"/>
+                <a:ea typeface="Verdana" panose="020B0604030504040204" pitchFamily="34" charset="0"/>
+              </a:rPr>
+              <a:t>{block}     = [</a:t>
+            </a:r>
+            <a:r>
+              <a:rPr lang="de-DE" sz="1100" dirty="0" err="1">
+                <a:latin typeface="Verdana" panose="020B0604030504040204" pitchFamily="34" charset="0"/>
+                <a:ea typeface="Verdana" panose="020B0604030504040204" pitchFamily="34" charset="0"/>
+              </a:rPr>
+              <a:t>draw</a:t>
+            </a:r>
+            <a:r>
+              <a:rPr lang="de-DE" sz="1100" dirty="0">
+                <a:latin typeface="Verdana" panose="020B0604030504040204" pitchFamily="34" charset="0"/>
+                <a:ea typeface="Verdana" panose="020B0604030504040204" pitchFamily="34" charset="0"/>
+              </a:rPr>
+              <a:t>, </a:t>
+            </a:r>
+            <a:r>
+              <a:rPr lang="de-DE" sz="1100" dirty="0" err="1">
+                <a:latin typeface="Verdana" panose="020B0604030504040204" pitchFamily="34" charset="0"/>
+                <a:ea typeface="Verdana" panose="020B0604030504040204" pitchFamily="34" charset="0"/>
+              </a:rPr>
+              <a:t>rectangle</a:t>
+            </a:r>
+            <a:r>
+              <a:rPr lang="de-DE" sz="1100" dirty="0">
+                <a:latin typeface="Verdana" panose="020B0604030504040204" pitchFamily="34" charset="0"/>
+                <a:ea typeface="Verdana" panose="020B0604030504040204" pitchFamily="34" charset="0"/>
+              </a:rPr>
+              <a:t>, </a:t>
+            </a:r>
+            <a:r>
+              <a:rPr lang="de-DE" sz="1100" dirty="0" err="1">
+                <a:latin typeface="Verdana" panose="020B0604030504040204" pitchFamily="34" charset="0"/>
+                <a:ea typeface="Verdana" panose="020B0604030504040204" pitchFamily="34" charset="0"/>
+              </a:rPr>
+              <a:t>minimum</a:t>
+            </a:r>
+            <a:r>
+              <a:rPr lang="de-DE" sz="1100" dirty="0">
+                <a:latin typeface="Verdana" panose="020B0604030504040204" pitchFamily="34" charset="0"/>
+                <a:ea typeface="Verdana" panose="020B0604030504040204" pitchFamily="34" charset="0"/>
+              </a:rPr>
+              <a:t> </a:t>
+            </a:r>
+            <a:r>
+              <a:rPr lang="de-DE" sz="1100" dirty="0" err="1">
+                <a:latin typeface="Verdana" panose="020B0604030504040204" pitchFamily="34" charset="0"/>
+                <a:ea typeface="Verdana" panose="020B0604030504040204" pitchFamily="34" charset="0"/>
+              </a:rPr>
+              <a:t>height</a:t>
+            </a:r>
+            <a:r>
+              <a:rPr lang="de-DE" sz="1100" dirty="0">
+                <a:latin typeface="Verdana" panose="020B0604030504040204" pitchFamily="34" charset="0"/>
+                <a:ea typeface="Verdana" panose="020B0604030504040204" pitchFamily="34" charset="0"/>
+              </a:rPr>
+              <a:t>=1.5cm, </a:t>
+            </a:r>
+            <a:r>
+              <a:rPr lang="de-DE" sz="1100" dirty="0" err="1">
+                <a:latin typeface="Verdana" panose="020B0604030504040204" pitchFamily="34" charset="0"/>
+                <a:ea typeface="Verdana" panose="020B0604030504040204" pitchFamily="34" charset="0"/>
+              </a:rPr>
+              <a:t>minimum</a:t>
+            </a:r>
+            <a:r>
+              <a:rPr lang="de-DE" sz="1100" dirty="0">
+                <a:latin typeface="Verdana" panose="020B0604030504040204" pitchFamily="34" charset="0"/>
+                <a:ea typeface="Verdana" panose="020B0604030504040204" pitchFamily="34" charset="0"/>
+              </a:rPr>
+              <a:t> </a:t>
+            </a:r>
+            <a:r>
+              <a:rPr lang="de-DE" sz="1100" dirty="0" err="1">
+                <a:latin typeface="Verdana" panose="020B0604030504040204" pitchFamily="34" charset="0"/>
+                <a:ea typeface="Verdana" panose="020B0604030504040204" pitchFamily="34" charset="0"/>
+              </a:rPr>
+              <a:t>width</a:t>
+            </a:r>
+            <a:r>
+              <a:rPr lang="de-DE" sz="1100" dirty="0">
+                <a:latin typeface="Verdana" panose="020B0604030504040204" pitchFamily="34" charset="0"/>
+                <a:ea typeface="Verdana" panose="020B0604030504040204" pitchFamily="34" charset="0"/>
+              </a:rPr>
+              <a:t>=1.6cm]</a:t>
+            </a:r>
+          </a:p>
+          <a:p>
+            <a:r>
+              <a:rPr lang="de-DE" sz="1100" dirty="0">
+                <a:latin typeface="Verdana" panose="020B0604030504040204" pitchFamily="34" charset="0"/>
+                <a:ea typeface="Verdana" panose="020B0604030504040204" pitchFamily="34" charset="0"/>
+              </a:rPr>
+              <a:t>\</a:t>
+            </a:r>
+            <a:r>
+              <a:rPr lang="de-DE" sz="1100" dirty="0" err="1">
+                <a:latin typeface="Verdana" panose="020B0604030504040204" pitchFamily="34" charset="0"/>
+                <a:ea typeface="Verdana" panose="020B0604030504040204" pitchFamily="34" charset="0"/>
+              </a:rPr>
+              <a:t>tikzstyle</a:t>
+            </a:r>
+            <a:r>
+              <a:rPr lang="de-DE" sz="1100" dirty="0">
+                <a:latin typeface="Verdana" panose="020B0604030504040204" pitchFamily="34" charset="0"/>
+                <a:ea typeface="Verdana" panose="020B0604030504040204" pitchFamily="34" charset="0"/>
+              </a:rPr>
+              <a:t>{</a:t>
+            </a:r>
+            <a:r>
+              <a:rPr lang="de-DE" sz="1100" dirty="0" err="1">
+                <a:latin typeface="Verdana" panose="020B0604030504040204" pitchFamily="34" charset="0"/>
+                <a:ea typeface="Verdana" panose="020B0604030504040204" pitchFamily="34" charset="0"/>
+              </a:rPr>
+              <a:t>blockM</a:t>
+            </a:r>
+            <a:r>
+              <a:rPr lang="de-DE" sz="1100" dirty="0">
+                <a:latin typeface="Verdana" panose="020B0604030504040204" pitchFamily="34" charset="0"/>
+                <a:ea typeface="Verdana" panose="020B0604030504040204" pitchFamily="34" charset="0"/>
+              </a:rPr>
+              <a:t>}     = [</a:t>
+            </a:r>
+            <a:r>
+              <a:rPr lang="de-DE" sz="1100" dirty="0" err="1">
+                <a:latin typeface="Verdana" panose="020B0604030504040204" pitchFamily="34" charset="0"/>
+                <a:ea typeface="Verdana" panose="020B0604030504040204" pitchFamily="34" charset="0"/>
+              </a:rPr>
+              <a:t>draw</a:t>
+            </a:r>
+            <a:r>
+              <a:rPr lang="de-DE" sz="1100" dirty="0">
+                <a:latin typeface="Verdana" panose="020B0604030504040204" pitchFamily="34" charset="0"/>
+                <a:ea typeface="Verdana" panose="020B0604030504040204" pitchFamily="34" charset="0"/>
+              </a:rPr>
+              <a:t>, </a:t>
+            </a:r>
+            <a:r>
+              <a:rPr lang="de-DE" sz="1100" dirty="0" err="1">
+                <a:latin typeface="Verdana" panose="020B0604030504040204" pitchFamily="34" charset="0"/>
+                <a:ea typeface="Verdana" panose="020B0604030504040204" pitchFamily="34" charset="0"/>
+              </a:rPr>
+              <a:t>rectangle</a:t>
+            </a:r>
+            <a:r>
+              <a:rPr lang="de-DE" sz="1100" dirty="0">
+                <a:latin typeface="Verdana" panose="020B0604030504040204" pitchFamily="34" charset="0"/>
+                <a:ea typeface="Verdana" panose="020B0604030504040204" pitchFamily="34" charset="0"/>
+              </a:rPr>
+              <a:t>, </a:t>
+            </a:r>
+            <a:r>
+              <a:rPr lang="de-DE" sz="1100" dirty="0" err="1">
+                <a:latin typeface="Verdana" panose="020B0604030504040204" pitchFamily="34" charset="0"/>
+                <a:ea typeface="Verdana" panose="020B0604030504040204" pitchFamily="34" charset="0"/>
+              </a:rPr>
+              <a:t>minimum</a:t>
+            </a:r>
+            <a:r>
+              <a:rPr lang="de-DE" sz="1100" dirty="0">
+                <a:latin typeface="Verdana" panose="020B0604030504040204" pitchFamily="34" charset="0"/>
+                <a:ea typeface="Verdana" panose="020B0604030504040204" pitchFamily="34" charset="0"/>
+              </a:rPr>
+              <a:t> </a:t>
+            </a:r>
+            <a:r>
+              <a:rPr lang="de-DE" sz="1100" dirty="0" err="1">
+                <a:latin typeface="Verdana" panose="020B0604030504040204" pitchFamily="34" charset="0"/>
+                <a:ea typeface="Verdana" panose="020B0604030504040204" pitchFamily="34" charset="0"/>
+              </a:rPr>
+              <a:t>height</a:t>
+            </a:r>
+            <a:r>
+              <a:rPr lang="de-DE" sz="1100" dirty="0">
+                <a:latin typeface="Verdana" panose="020B0604030504040204" pitchFamily="34" charset="0"/>
+                <a:ea typeface="Verdana" panose="020B0604030504040204" pitchFamily="34" charset="0"/>
+              </a:rPr>
+              <a:t>=0.5cm, </a:t>
+            </a:r>
+            <a:r>
+              <a:rPr lang="de-DE" sz="1100" dirty="0" err="1">
+                <a:latin typeface="Verdana" panose="020B0604030504040204" pitchFamily="34" charset="0"/>
+                <a:ea typeface="Verdana" panose="020B0604030504040204" pitchFamily="34" charset="0"/>
+              </a:rPr>
+              <a:t>minimum</a:t>
+            </a:r>
+            <a:r>
+              <a:rPr lang="de-DE" sz="1100" dirty="0">
+                <a:latin typeface="Verdana" panose="020B0604030504040204" pitchFamily="34" charset="0"/>
+                <a:ea typeface="Verdana" panose="020B0604030504040204" pitchFamily="34" charset="0"/>
+              </a:rPr>
+              <a:t> </a:t>
+            </a:r>
+            <a:r>
+              <a:rPr lang="de-DE" sz="1100" dirty="0" err="1">
+                <a:latin typeface="Verdana" panose="020B0604030504040204" pitchFamily="34" charset="0"/>
+                <a:ea typeface="Verdana" panose="020B0604030504040204" pitchFamily="34" charset="0"/>
+              </a:rPr>
+              <a:t>width</a:t>
+            </a:r>
+            <a:r>
+              <a:rPr lang="de-DE" sz="1100" dirty="0">
+                <a:latin typeface="Verdana" panose="020B0604030504040204" pitchFamily="34" charset="0"/>
+                <a:ea typeface="Verdana" panose="020B0604030504040204" pitchFamily="34" charset="0"/>
+              </a:rPr>
+              <a:t>=0.5cm]</a:t>
+            </a:r>
+          </a:p>
+          <a:p>
+            <a:r>
+              <a:rPr lang="de-DE" sz="1100" dirty="0">
+                <a:latin typeface="Verdana" panose="020B0604030504040204" pitchFamily="34" charset="0"/>
+                <a:ea typeface="Verdana" panose="020B0604030504040204" pitchFamily="34" charset="0"/>
+              </a:rPr>
+              <a:t>\</a:t>
+            </a:r>
+            <a:r>
+              <a:rPr lang="de-DE" sz="1100" dirty="0" err="1">
+                <a:latin typeface="Verdana" panose="020B0604030504040204" pitchFamily="34" charset="0"/>
+                <a:ea typeface="Verdana" panose="020B0604030504040204" pitchFamily="34" charset="0"/>
+              </a:rPr>
+              <a:t>tikzstyle</a:t>
+            </a:r>
+            <a:r>
+              <a:rPr lang="de-DE" sz="1100" dirty="0">
+                <a:latin typeface="Verdana" panose="020B0604030504040204" pitchFamily="34" charset="0"/>
+                <a:ea typeface="Verdana" panose="020B0604030504040204" pitchFamily="34" charset="0"/>
+              </a:rPr>
+              <a:t>{</a:t>
+            </a:r>
+            <a:r>
+              <a:rPr lang="de-DE" sz="1100" dirty="0" err="1">
+                <a:latin typeface="Verdana" panose="020B0604030504040204" pitchFamily="34" charset="0"/>
+                <a:ea typeface="Verdana" panose="020B0604030504040204" pitchFamily="34" charset="0"/>
+              </a:rPr>
+              <a:t>blockS</a:t>
+            </a:r>
+            <a:r>
+              <a:rPr lang="de-DE" sz="1100" dirty="0">
+                <a:latin typeface="Verdana" panose="020B0604030504040204" pitchFamily="34" charset="0"/>
+                <a:ea typeface="Verdana" panose="020B0604030504040204" pitchFamily="34" charset="0"/>
+              </a:rPr>
+              <a:t>}     = [</a:t>
+            </a:r>
+            <a:r>
+              <a:rPr lang="de-DE" sz="1100" dirty="0" err="1">
+                <a:latin typeface="Verdana" panose="020B0604030504040204" pitchFamily="34" charset="0"/>
+                <a:ea typeface="Verdana" panose="020B0604030504040204" pitchFamily="34" charset="0"/>
+              </a:rPr>
+              <a:t>draw</a:t>
+            </a:r>
+            <a:r>
+              <a:rPr lang="de-DE" sz="1100" dirty="0">
+                <a:latin typeface="Verdana" panose="020B0604030504040204" pitchFamily="34" charset="0"/>
+                <a:ea typeface="Verdana" panose="020B0604030504040204" pitchFamily="34" charset="0"/>
+              </a:rPr>
+              <a:t>, </a:t>
+            </a:r>
+            <a:r>
+              <a:rPr lang="de-DE" sz="1100" dirty="0" err="1">
+                <a:latin typeface="Verdana" panose="020B0604030504040204" pitchFamily="34" charset="0"/>
+                <a:ea typeface="Verdana" panose="020B0604030504040204" pitchFamily="34" charset="0"/>
+              </a:rPr>
+              <a:t>rectangle</a:t>
+            </a:r>
+            <a:r>
+              <a:rPr lang="de-DE" sz="1100" dirty="0">
+                <a:latin typeface="Verdana" panose="020B0604030504040204" pitchFamily="34" charset="0"/>
+                <a:ea typeface="Verdana" panose="020B0604030504040204" pitchFamily="34" charset="0"/>
+              </a:rPr>
+              <a:t>, </a:t>
+            </a:r>
+            <a:r>
+              <a:rPr lang="de-DE" sz="1100" dirty="0" err="1">
+                <a:latin typeface="Verdana" panose="020B0604030504040204" pitchFamily="34" charset="0"/>
+                <a:ea typeface="Verdana" panose="020B0604030504040204" pitchFamily="34" charset="0"/>
+              </a:rPr>
+              <a:t>minimum</a:t>
+            </a:r>
+            <a:r>
+              <a:rPr lang="de-DE" sz="1100" dirty="0">
+                <a:latin typeface="Verdana" panose="020B0604030504040204" pitchFamily="34" charset="0"/>
+                <a:ea typeface="Verdana" panose="020B0604030504040204" pitchFamily="34" charset="0"/>
+              </a:rPr>
+              <a:t> </a:t>
+            </a:r>
+            <a:r>
+              <a:rPr lang="de-DE" sz="1100" dirty="0" err="1">
+                <a:latin typeface="Verdana" panose="020B0604030504040204" pitchFamily="34" charset="0"/>
+                <a:ea typeface="Verdana" panose="020B0604030504040204" pitchFamily="34" charset="0"/>
+              </a:rPr>
+              <a:t>height</a:t>
+            </a:r>
+            <a:r>
+              <a:rPr lang="de-DE" sz="1100" dirty="0">
+                <a:latin typeface="Verdana" panose="020B0604030504040204" pitchFamily="34" charset="0"/>
+                <a:ea typeface="Verdana" panose="020B0604030504040204" pitchFamily="34" charset="0"/>
+              </a:rPr>
+              <a:t>=0.5mm, </a:t>
+            </a:r>
+            <a:r>
+              <a:rPr lang="de-DE" sz="1100" dirty="0" err="1">
+                <a:latin typeface="Verdana" panose="020B0604030504040204" pitchFamily="34" charset="0"/>
+                <a:ea typeface="Verdana" panose="020B0604030504040204" pitchFamily="34" charset="0"/>
+              </a:rPr>
+              <a:t>minimum</a:t>
+            </a:r>
+            <a:r>
+              <a:rPr lang="de-DE" sz="1100" dirty="0">
+                <a:latin typeface="Verdana" panose="020B0604030504040204" pitchFamily="34" charset="0"/>
+                <a:ea typeface="Verdana" panose="020B0604030504040204" pitchFamily="34" charset="0"/>
+              </a:rPr>
+              <a:t> </a:t>
+            </a:r>
+            <a:r>
+              <a:rPr lang="de-DE" sz="1100" dirty="0" err="1">
+                <a:latin typeface="Verdana" panose="020B0604030504040204" pitchFamily="34" charset="0"/>
+                <a:ea typeface="Verdana" panose="020B0604030504040204" pitchFamily="34" charset="0"/>
+              </a:rPr>
+              <a:t>width</a:t>
+            </a:r>
+            <a:r>
+              <a:rPr lang="de-DE" sz="1100" dirty="0">
+                <a:latin typeface="Verdana" panose="020B0604030504040204" pitchFamily="34" charset="0"/>
+                <a:ea typeface="Verdana" panose="020B0604030504040204" pitchFamily="34" charset="0"/>
+              </a:rPr>
+              <a:t>=0.5mm]</a:t>
+            </a:r>
+          </a:p>
+          <a:p>
+            <a:r>
+              <a:rPr lang="de-DE" sz="1100" dirty="0">
+                <a:latin typeface="Verdana" panose="020B0604030504040204" pitchFamily="34" charset="0"/>
+                <a:ea typeface="Verdana" panose="020B0604030504040204" pitchFamily="34" charset="0"/>
+              </a:rPr>
+              <a:t>\</a:t>
+            </a:r>
+            <a:r>
+              <a:rPr lang="de-DE" sz="1100" dirty="0" err="1">
+                <a:latin typeface="Verdana" panose="020B0604030504040204" pitchFamily="34" charset="0"/>
+                <a:ea typeface="Verdana" panose="020B0604030504040204" pitchFamily="34" charset="0"/>
+              </a:rPr>
+              <a:t>begin</a:t>
+            </a:r>
+            <a:r>
+              <a:rPr lang="de-DE" sz="1100" dirty="0">
+                <a:latin typeface="Verdana" panose="020B0604030504040204" pitchFamily="34" charset="0"/>
+                <a:ea typeface="Verdana" panose="020B0604030504040204" pitchFamily="34" charset="0"/>
+              </a:rPr>
+              <a:t>{</a:t>
+            </a:r>
+            <a:r>
+              <a:rPr lang="de-DE" sz="1100" dirty="0" err="1">
+                <a:latin typeface="Verdana" panose="020B0604030504040204" pitchFamily="34" charset="0"/>
+                <a:ea typeface="Verdana" panose="020B0604030504040204" pitchFamily="34" charset="0"/>
+              </a:rPr>
+              <a:t>tikzpicture</a:t>
+            </a:r>
+            <a:r>
+              <a:rPr lang="de-DE" sz="1100" dirty="0">
+                <a:latin typeface="Verdana" panose="020B0604030504040204" pitchFamily="34" charset="0"/>
+                <a:ea typeface="Verdana" panose="020B0604030504040204" pitchFamily="34" charset="0"/>
+              </a:rPr>
+              <a:t>}[</a:t>
+            </a:r>
+            <a:r>
+              <a:rPr lang="de-DE" sz="1100" dirty="0" err="1">
+                <a:latin typeface="Verdana" panose="020B0604030504040204" pitchFamily="34" charset="0"/>
+                <a:ea typeface="Verdana" panose="020B0604030504040204" pitchFamily="34" charset="0"/>
+              </a:rPr>
+              <a:t>auto</a:t>
+            </a:r>
+            <a:r>
+              <a:rPr lang="de-DE" sz="1100" dirty="0">
+                <a:latin typeface="Verdana" panose="020B0604030504040204" pitchFamily="34" charset="0"/>
+                <a:ea typeface="Verdana" panose="020B0604030504040204" pitchFamily="34" charset="0"/>
+              </a:rPr>
+              <a:t>, </a:t>
+            </a:r>
+            <a:r>
+              <a:rPr lang="de-DE" sz="1100" dirty="0" err="1">
+                <a:latin typeface="Verdana" panose="020B0604030504040204" pitchFamily="34" charset="0"/>
+                <a:ea typeface="Verdana" panose="020B0604030504040204" pitchFamily="34" charset="0"/>
+              </a:rPr>
+              <a:t>node</a:t>
+            </a:r>
+            <a:r>
+              <a:rPr lang="de-DE" sz="1100" dirty="0">
+                <a:latin typeface="Verdana" panose="020B0604030504040204" pitchFamily="34" charset="0"/>
+                <a:ea typeface="Verdana" panose="020B0604030504040204" pitchFamily="34" charset="0"/>
+              </a:rPr>
+              <a:t> </a:t>
+            </a:r>
+            <a:r>
+              <a:rPr lang="de-DE" sz="1100" dirty="0" err="1">
+                <a:latin typeface="Verdana" panose="020B0604030504040204" pitchFamily="34" charset="0"/>
+                <a:ea typeface="Verdana" panose="020B0604030504040204" pitchFamily="34" charset="0"/>
+              </a:rPr>
+              <a:t>distance</a:t>
+            </a:r>
+            <a:r>
+              <a:rPr lang="de-DE" sz="1100" dirty="0">
+                <a:latin typeface="Verdana" panose="020B0604030504040204" pitchFamily="34" charset="0"/>
+                <a:ea typeface="Verdana" panose="020B0604030504040204" pitchFamily="34" charset="0"/>
+              </a:rPr>
+              <a:t>=3cm, &gt;=</a:t>
+            </a:r>
+            <a:r>
+              <a:rPr lang="de-DE" sz="1100" dirty="0" err="1">
+                <a:latin typeface="Verdana" panose="020B0604030504040204" pitchFamily="34" charset="0"/>
+                <a:ea typeface="Verdana" panose="020B0604030504040204" pitchFamily="34" charset="0"/>
+              </a:rPr>
+              <a:t>stealth</a:t>
+            </a:r>
+            <a:r>
+              <a:rPr lang="de-DE" sz="1100" dirty="0">
+                <a:latin typeface="Verdana" panose="020B0604030504040204" pitchFamily="34" charset="0"/>
+                <a:ea typeface="Verdana" panose="020B0604030504040204" pitchFamily="34" charset="0"/>
+              </a:rPr>
+              <a:t>‘]</a:t>
+            </a:r>
+          </a:p>
+          <a:p>
+            <a:r>
+              <a:rPr lang="de-DE" sz="1100" dirty="0">
+                <a:latin typeface="Verdana" panose="020B0604030504040204" pitchFamily="34" charset="0"/>
+                <a:ea typeface="Verdana" panose="020B0604030504040204" pitchFamily="34" charset="0"/>
+              </a:rPr>
+              <a:t>     \</a:t>
+            </a:r>
+            <a:r>
+              <a:rPr lang="de-DE" sz="1100" dirty="0" err="1">
+                <a:latin typeface="Verdana" panose="020B0604030504040204" pitchFamily="34" charset="0"/>
+                <a:ea typeface="Verdana" panose="020B0604030504040204" pitchFamily="34" charset="0"/>
+              </a:rPr>
+              <a:t>node</a:t>
+            </a:r>
+            <a:r>
+              <a:rPr lang="de-DE" sz="1100" dirty="0">
+                <a:latin typeface="Verdana" panose="020B0604030504040204" pitchFamily="34" charset="0"/>
+                <a:ea typeface="Verdana" panose="020B0604030504040204" pitchFamily="34" charset="0"/>
+              </a:rPr>
+              <a:t>[</a:t>
+            </a:r>
+            <a:r>
+              <a:rPr lang="de-DE" sz="1100" dirty="0" err="1">
+                <a:latin typeface="Verdana" panose="020B0604030504040204" pitchFamily="34" charset="0"/>
+                <a:ea typeface="Verdana" panose="020B0604030504040204" pitchFamily="34" charset="0"/>
+              </a:rPr>
+              <a:t>imu</a:t>
+            </a:r>
+            <a:r>
+              <a:rPr lang="de-DE" sz="1100" dirty="0">
+                <a:latin typeface="Verdana" panose="020B0604030504040204" pitchFamily="34" charset="0"/>
+                <a:ea typeface="Verdana" panose="020B0604030504040204" pitchFamily="34" charset="0"/>
+              </a:rPr>
+              <a:t>] (</a:t>
+            </a:r>
+            <a:r>
+              <a:rPr lang="de-DE" sz="1100" dirty="0" err="1">
+                <a:latin typeface="Verdana" panose="020B0604030504040204" pitchFamily="34" charset="0"/>
+                <a:ea typeface="Verdana" panose="020B0604030504040204" pitchFamily="34" charset="0"/>
+              </a:rPr>
+              <a:t>imu</a:t>
+            </a:r>
+            <a:r>
+              <a:rPr lang="de-DE" sz="1100" dirty="0">
+                <a:latin typeface="Verdana" panose="020B0604030504040204" pitchFamily="34" charset="0"/>
+                <a:ea typeface="Verdana" panose="020B0604030504040204" pitchFamily="34" charset="0"/>
+              </a:rPr>
+              <a:t>) {IMU}; % IMU Block</a:t>
+            </a:r>
+          </a:p>
+          <a:p>
+            <a:r>
+              <a:rPr lang="de-DE" sz="1100" dirty="0">
+                <a:latin typeface="Verdana" panose="020B0604030504040204" pitchFamily="34" charset="0"/>
+                <a:ea typeface="Verdana" panose="020B0604030504040204" pitchFamily="34" charset="0"/>
+              </a:rPr>
+              <a:t>\end{</a:t>
+            </a:r>
+            <a:r>
+              <a:rPr lang="de-DE" sz="1100" dirty="0" err="1">
+                <a:latin typeface="Verdana" panose="020B0604030504040204" pitchFamily="34" charset="0"/>
+                <a:ea typeface="Verdana" panose="020B0604030504040204" pitchFamily="34" charset="0"/>
+              </a:rPr>
+              <a:t>tikzpicture</a:t>
+            </a:r>
+            <a:r>
+              <a:rPr lang="de-DE" sz="1100" dirty="0">
+                <a:latin typeface="Verdana" panose="020B0604030504040204" pitchFamily="34" charset="0"/>
+                <a:ea typeface="Verdana" panose="020B0604030504040204" pitchFamily="34" charset="0"/>
+              </a:rPr>
+              <a:t>}	</a:t>
+            </a:r>
+          </a:p>
+          <a:p>
+            <a:r>
+              <a:rPr lang="de-DE" sz="1100" dirty="0">
+                <a:latin typeface="Verdana" panose="020B0604030504040204" pitchFamily="34" charset="0"/>
+                <a:ea typeface="Verdana" panose="020B0604030504040204" pitchFamily="34" charset="0"/>
+              </a:rPr>
+              <a:t>	</a:t>
+            </a:r>
+          </a:p>
+        </p:txBody>
+      </p:sp>
+      <p:sp>
+        <p:nvSpPr>
+          <p:cNvPr id="7" name="Rechteck 6">
+            <a:extLst>
+              <a:ext uri="{FF2B5EF4-FFF2-40B4-BE49-F238E27FC236}">
+                <a16:creationId xmlns:a16="http://schemas.microsoft.com/office/drawing/2014/main" id="{2EBBA0C2-03D2-4B75-BFC7-8AC4623E286B}"/>
+              </a:ext>
+            </a:extLst>
+          </p:cNvPr>
+          <p:cNvSpPr/>
           <p:nvPr/>
-        </p:nvCxnSpPr>
+        </p:nvSpPr>
         <p:spPr>
-          <a:xfrm flipV="1">
-            <a:off x="7196328" y="3685032"/>
-            <a:ext cx="3196551" cy="228600"/>
+          <a:xfrm>
+            <a:off x="4979499" y="3244334"/>
+            <a:ext cx="6163226" cy="369332"/>
           </a:xfrm>
-          <a:prstGeom prst="line">
+          <a:prstGeom prst="rect">
             <a:avLst/>
           </a:prstGeom>
         </p:spPr>
-        <p:style>
-          <a:lnRef idx="2">
-            <a:schemeClr val="dk1"/>
-          </a:lnRef>
-          <a:fillRef idx="0">
-            <a:schemeClr val="dk1"/>
-          </a:fillRef>
-          <a:effectRef idx="1">
-            <a:schemeClr val="dk1"/>
-          </a:effectRef>
-          <a:fontRef idx="minor">
-            <a:schemeClr val="tx1"/>
-          </a:fontRef>
-        </p:style>
-      </p:cxnSp>
+        <p:txBody>
+          <a:bodyPr wrap="none">
+            <a:spAutoFit/>
+          </a:bodyPr>
+          <a:lstStyle/>
+          <a:p>
+            <a:r>
+              <a:rPr lang="de-DE" dirty="0">
+                <a:latin typeface="Verdana" panose="020B0604030504040204" pitchFamily="34" charset="0"/>
+                <a:ea typeface="Verdana" panose="020B0604030504040204" pitchFamily="34" charset="0"/>
+              </a:rPr>
+              <a:t>\</a:t>
+            </a:r>
+            <a:r>
+              <a:rPr lang="de-DE" dirty="0" err="1">
+                <a:latin typeface="Verdana" panose="020B0604030504040204" pitchFamily="34" charset="0"/>
+                <a:ea typeface="Verdana" panose="020B0604030504040204" pitchFamily="34" charset="0"/>
+              </a:rPr>
+              <a:t>node</a:t>
+            </a:r>
+            <a:r>
+              <a:rPr lang="de-DE" dirty="0">
+                <a:latin typeface="Verdana" panose="020B0604030504040204" pitchFamily="34" charset="0"/>
+                <a:ea typeface="Verdana" panose="020B0604030504040204" pitchFamily="34" charset="0"/>
+              </a:rPr>
+              <a:t>[</a:t>
+            </a:r>
+            <a:r>
+              <a:rPr lang="de-DE" dirty="0" err="1">
+                <a:latin typeface="Verdana" panose="020B0604030504040204" pitchFamily="34" charset="0"/>
+                <a:ea typeface="Verdana" panose="020B0604030504040204" pitchFamily="34" charset="0"/>
+              </a:rPr>
+              <a:t>nodeType</a:t>
+            </a:r>
+            <a:r>
+              <a:rPr lang="de-DE" dirty="0">
+                <a:latin typeface="Verdana" panose="020B0604030504040204" pitchFamily="34" charset="0"/>
+                <a:ea typeface="Verdana" panose="020B0604030504040204" pitchFamily="34" charset="0"/>
+              </a:rPr>
+              <a:t>] (</a:t>
+            </a:r>
+            <a:r>
+              <a:rPr lang="de-DE" dirty="0" err="1">
+                <a:latin typeface="Verdana" panose="020B0604030504040204" pitchFamily="34" charset="0"/>
+                <a:ea typeface="Verdana" panose="020B0604030504040204" pitchFamily="34" charset="0"/>
+              </a:rPr>
+              <a:t>nodeName</a:t>
+            </a:r>
+            <a:r>
+              <a:rPr lang="de-DE" dirty="0">
+                <a:latin typeface="Verdana" panose="020B0604030504040204" pitchFamily="34" charset="0"/>
+                <a:ea typeface="Verdana" panose="020B0604030504040204" pitchFamily="34" charset="0"/>
+              </a:rPr>
+              <a:t>) {Text </a:t>
+            </a:r>
+            <a:r>
+              <a:rPr lang="de-DE" dirty="0" err="1">
+                <a:latin typeface="Verdana" panose="020B0604030504040204" pitchFamily="34" charset="0"/>
+                <a:ea typeface="Verdana" panose="020B0604030504040204" pitchFamily="34" charset="0"/>
+              </a:rPr>
+              <a:t>inside</a:t>
+            </a:r>
+            <a:r>
+              <a:rPr lang="de-DE" dirty="0">
+                <a:latin typeface="Verdana" panose="020B0604030504040204" pitchFamily="34" charset="0"/>
+                <a:ea typeface="Verdana" panose="020B0604030504040204" pitchFamily="34" charset="0"/>
+              </a:rPr>
+              <a:t> </a:t>
+            </a:r>
+            <a:r>
+              <a:rPr lang="de-DE" dirty="0" err="1">
+                <a:latin typeface="Verdana" panose="020B0604030504040204" pitchFamily="34" charset="0"/>
+                <a:ea typeface="Verdana" panose="020B0604030504040204" pitchFamily="34" charset="0"/>
+              </a:rPr>
+              <a:t>Node</a:t>
+            </a:r>
+            <a:r>
+              <a:rPr lang="de-DE" dirty="0">
+                <a:latin typeface="Verdana" panose="020B0604030504040204" pitchFamily="34" charset="0"/>
+                <a:ea typeface="Verdana" panose="020B0604030504040204" pitchFamily="34" charset="0"/>
+              </a:rPr>
+              <a:t>}; </a:t>
+            </a:r>
+            <a:endParaRPr lang="de-DE" dirty="0"/>
+          </a:p>
+        </p:txBody>
+      </p:sp>
       <p:sp>
         <p:nvSpPr>
-          <p:cNvPr id="15" name="Textfeld 14">
-            <a:extLst>
-              <a:ext uri="{FF2B5EF4-FFF2-40B4-BE49-F238E27FC236}">
-                <a16:creationId xmlns:a16="http://schemas.microsoft.com/office/drawing/2014/main" id="{9EBC0C39-7D72-43EE-B01D-E584F1149FE2}"/>
+          <p:cNvPr id="8" name="Textfeld 7">
+            <a:extLst>
+              <a:ext uri="{FF2B5EF4-FFF2-40B4-BE49-F238E27FC236}">
+                <a16:creationId xmlns:a16="http://schemas.microsoft.com/office/drawing/2014/main" id="{9FEAFC99-2051-4333-9BEC-0E663C4F8E1E}"/>
               </a:ext>
             </a:extLst>
           </p:cNvPr>
@@ -5109,8 +11286,8 @@
         </p:nvSpPr>
         <p:spPr>
           <a:xfrm>
-            <a:off x="9750245" y="4134422"/>
-            <a:ext cx="3083859" cy="769441"/>
+            <a:off x="4892414" y="4454987"/>
+            <a:ext cx="2553416" cy="307777"/>
           </a:xfrm>
           <a:prstGeom prst="rect">
             <a:avLst/>
@@ -5124,118 +11301,288 @@
           <a:lstStyle/>
           <a:p>
             <a:r>
-              <a:rPr lang="de-DE" sz="1100" dirty="0">
-                <a:latin typeface="Verdana" panose="020B0604030504040204" pitchFamily="34" charset="0"/>
-                <a:ea typeface="Verdana" panose="020B0604030504040204" pitchFamily="34" charset="0"/>
-              </a:rPr>
-              <a:t>\</a:t>
-            </a:r>
-            <a:r>
-              <a:rPr lang="de-DE" sz="1100" dirty="0" err="1">
-                <a:latin typeface="Verdana" panose="020B0604030504040204" pitchFamily="34" charset="0"/>
-                <a:ea typeface="Verdana" panose="020B0604030504040204" pitchFamily="34" charset="0"/>
-              </a:rPr>
-              <a:t>begin</a:t>
-            </a:r>
-            <a:r>
-              <a:rPr lang="de-DE" sz="1100" dirty="0">
-                <a:latin typeface="Verdana" panose="020B0604030504040204" pitchFamily="34" charset="0"/>
-                <a:ea typeface="Verdana" panose="020B0604030504040204" pitchFamily="34" charset="0"/>
-              </a:rPr>
-              <a:t>{</a:t>
-            </a:r>
-            <a:r>
-              <a:rPr lang="de-DE" sz="1100" dirty="0" err="1">
-                <a:latin typeface="Verdana" panose="020B0604030504040204" pitchFamily="34" charset="0"/>
-                <a:ea typeface="Verdana" panose="020B0604030504040204" pitchFamily="34" charset="0"/>
-              </a:rPr>
-              <a:t>tikzpicture</a:t>
-            </a:r>
-            <a:r>
-              <a:rPr lang="de-DE" sz="1100" dirty="0">
-                <a:latin typeface="Verdana" panose="020B0604030504040204" pitchFamily="34" charset="0"/>
-                <a:ea typeface="Verdana" panose="020B0604030504040204" pitchFamily="34" charset="0"/>
-              </a:rPr>
-              <a:t>}</a:t>
-            </a:r>
-          </a:p>
-          <a:p>
-            <a:r>
-              <a:rPr lang="de-DE" sz="1100" dirty="0">
-                <a:latin typeface="Verdana" panose="020B0604030504040204" pitchFamily="34" charset="0"/>
-                <a:ea typeface="Verdana" panose="020B0604030504040204" pitchFamily="34" charset="0"/>
-              </a:rPr>
-              <a:t>      % Parent Code</a:t>
-            </a:r>
-          </a:p>
-          <a:p>
-            <a:r>
-              <a:rPr lang="de-DE" sz="1100" dirty="0">
-                <a:latin typeface="Verdana" panose="020B0604030504040204" pitchFamily="34" charset="0"/>
-                <a:ea typeface="Verdana" panose="020B0604030504040204" pitchFamily="34" charset="0"/>
-              </a:rPr>
-              <a:t>      \</a:t>
-            </a:r>
-            <a:r>
-              <a:rPr lang="de-DE" sz="1100" dirty="0" err="1">
-                <a:latin typeface="Verdana" panose="020B0604030504040204" pitchFamily="34" charset="0"/>
-                <a:ea typeface="Verdana" panose="020B0604030504040204" pitchFamily="34" charset="0"/>
-              </a:rPr>
-              <a:t>input</a:t>
-            </a:r>
-            <a:r>
-              <a:rPr lang="de-DE" sz="1100" dirty="0">
-                <a:latin typeface="Verdana" panose="020B0604030504040204" pitchFamily="34" charset="0"/>
-                <a:ea typeface="Verdana" panose="020B0604030504040204" pitchFamily="34" charset="0"/>
-              </a:rPr>
-              <a:t>{</a:t>
-            </a:r>
-            <a:r>
-              <a:rPr lang="de-DE" sz="1100" dirty="0" err="1">
-                <a:latin typeface="Verdana" panose="020B0604030504040204" pitchFamily="34" charset="0"/>
-                <a:ea typeface="Verdana" panose="020B0604030504040204" pitchFamily="34" charset="0"/>
-              </a:rPr>
-              <a:t>quadCopter.tex</a:t>
-            </a:r>
-            <a:r>
-              <a:rPr lang="de-DE" sz="1100" dirty="0">
-                <a:latin typeface="Verdana" panose="020B0604030504040204" pitchFamily="34" charset="0"/>
-                <a:ea typeface="Verdana" panose="020B0604030504040204" pitchFamily="34" charset="0"/>
-              </a:rPr>
-              <a:t>}</a:t>
-            </a:r>
-          </a:p>
-          <a:p>
-            <a:r>
-              <a:rPr lang="de-DE" sz="1100" dirty="0">
-                <a:latin typeface="Verdana" panose="020B0604030504040204" pitchFamily="34" charset="0"/>
-                <a:ea typeface="Verdana" panose="020B0604030504040204" pitchFamily="34" charset="0"/>
-              </a:rPr>
-              <a:t>\end{</a:t>
-            </a:r>
-            <a:r>
-              <a:rPr lang="de-DE" sz="1100" dirty="0" err="1">
-                <a:latin typeface="Verdana" panose="020B0604030504040204" pitchFamily="34" charset="0"/>
-                <a:ea typeface="Verdana" panose="020B0604030504040204" pitchFamily="34" charset="0"/>
-              </a:rPr>
-              <a:t>tikzpicture</a:t>
-            </a:r>
-            <a:r>
-              <a:rPr lang="de-DE" sz="1100" dirty="0">
-                <a:latin typeface="Verdana" panose="020B0604030504040204" pitchFamily="34" charset="0"/>
-                <a:ea typeface="Verdana" panose="020B0604030504040204" pitchFamily="34" charset="0"/>
-              </a:rPr>
-              <a:t>}</a:t>
-            </a:r>
+              <a:rPr lang="de-DE" sz="1400" dirty="0" err="1">
+                <a:solidFill>
+                  <a:srgbClr val="C00000"/>
+                </a:solidFill>
+              </a:rPr>
+              <a:t>Usually</a:t>
+            </a:r>
+            <a:r>
+              <a:rPr lang="de-DE" sz="1400" dirty="0">
+                <a:solidFill>
+                  <a:srgbClr val="C00000"/>
+                </a:solidFill>
+              </a:rPr>
+              <a:t> </a:t>
+            </a:r>
+            <a:r>
+              <a:rPr lang="de-DE" sz="1400" dirty="0" err="1">
+                <a:solidFill>
+                  <a:srgbClr val="C00000"/>
+                </a:solidFill>
+              </a:rPr>
+              <a:t>defined</a:t>
+            </a:r>
+            <a:r>
+              <a:rPr lang="de-DE" sz="1400" dirty="0">
+                <a:solidFill>
+                  <a:srgbClr val="C00000"/>
+                </a:solidFill>
+              </a:rPr>
+              <a:t> in </a:t>
+            </a:r>
+            <a:r>
+              <a:rPr lang="de-DE" sz="1400" dirty="0" err="1">
+                <a:solidFill>
+                  <a:srgbClr val="C00000"/>
+                </a:solidFill>
+              </a:rPr>
+              <a:t>TikZ</a:t>
+            </a:r>
+            <a:r>
+              <a:rPr lang="de-DE" sz="1400" dirty="0">
+                <a:solidFill>
+                  <a:srgbClr val="C00000"/>
+                </a:solidFill>
+              </a:rPr>
+              <a:t> </a:t>
+            </a:r>
+            <a:r>
+              <a:rPr lang="de-DE" sz="1400" dirty="0" err="1">
+                <a:solidFill>
+                  <a:srgbClr val="C00000"/>
+                </a:solidFill>
+              </a:rPr>
+              <a:t>preamble</a:t>
+            </a:r>
+            <a:endParaRPr lang="de-DE" sz="1400" dirty="0">
+              <a:solidFill>
+                <a:srgbClr val="C00000"/>
+              </a:solidFill>
+            </a:endParaRPr>
           </a:p>
         </p:txBody>
       </p:sp>
+      <p:cxnSp>
+        <p:nvCxnSpPr>
+          <p:cNvPr id="10" name="Gerade Verbindung mit Pfeil 9">
+            <a:extLst>
+              <a:ext uri="{FF2B5EF4-FFF2-40B4-BE49-F238E27FC236}">
+                <a16:creationId xmlns:a16="http://schemas.microsoft.com/office/drawing/2014/main" id="{481F5C7F-C874-4E4F-BDC9-424EF741DF22}"/>
+              </a:ext>
+            </a:extLst>
+          </p:cNvPr>
+          <p:cNvCxnSpPr>
+            <a:cxnSpLocks/>
+          </p:cNvCxnSpPr>
+          <p:nvPr/>
+        </p:nvCxnSpPr>
+        <p:spPr>
+          <a:xfrm flipH="1" flipV="1">
+            <a:off x="6305006" y="3577127"/>
+            <a:ext cx="60960" cy="877860"/>
+          </a:xfrm>
+          <a:prstGeom prst="straightConnector1">
+            <a:avLst/>
+          </a:prstGeom>
+          <a:ln>
+            <a:solidFill>
+              <a:srgbClr val="C00000"/>
+            </a:solidFill>
+            <a:tailEnd type="triangle"/>
+          </a:ln>
+        </p:spPr>
+        <p:style>
+          <a:lnRef idx="2">
+            <a:schemeClr val="accent1"/>
+          </a:lnRef>
+          <a:fillRef idx="0">
+            <a:schemeClr val="accent1"/>
+          </a:fillRef>
+          <a:effectRef idx="1">
+            <a:schemeClr val="accent1"/>
+          </a:effectRef>
+          <a:fontRef idx="minor">
+            <a:schemeClr val="tx1"/>
+          </a:fontRef>
+        </p:style>
+      </p:cxnSp>
       <p:sp>
         <p:nvSpPr>
-          <p:cNvPr id="16" name="Geschweifte Klammer rechts 15">
-            <a:extLst>
-              <a:ext uri="{FF2B5EF4-FFF2-40B4-BE49-F238E27FC236}">
-                <a16:creationId xmlns:a16="http://schemas.microsoft.com/office/drawing/2014/main" id="{E74E6B7B-B22B-40D7-9B95-C81A1BA5ED54}"/>
+          <p:cNvPr id="12" name="Textfeld 11">
+            <a:extLst>
+              <a:ext uri="{FF2B5EF4-FFF2-40B4-BE49-F238E27FC236}">
+                <a16:creationId xmlns:a16="http://schemas.microsoft.com/office/drawing/2014/main" id="{56920043-1084-46E6-B886-BC06FDAB38E0}"/>
+              </a:ext>
+            </a:extLst>
+          </p:cNvPr>
+          <p:cNvSpPr txBox="1"/>
+          <p:nvPr/>
+        </p:nvSpPr>
+        <p:spPr>
+          <a:xfrm>
+            <a:off x="7613842" y="2362008"/>
+            <a:ext cx="2553416" cy="523220"/>
+          </a:xfrm>
+          <a:prstGeom prst="rect">
+            <a:avLst/>
+          </a:prstGeom>
+          <a:noFill/>
+        </p:spPr>
+        <p:txBody>
+          <a:bodyPr wrap="square" rtlCol="0">
+            <a:spAutoFit/>
+          </a:bodyPr>
+          <a:lstStyle/>
+          <a:p>
+            <a:r>
+              <a:rPr lang="de-DE" sz="1400" dirty="0" err="1">
+                <a:solidFill>
+                  <a:srgbClr val="C00000"/>
+                </a:solidFill>
+              </a:rPr>
+              <a:t>Local</a:t>
+            </a:r>
+            <a:r>
+              <a:rPr lang="de-DE" sz="1400" dirty="0">
+                <a:solidFill>
+                  <a:srgbClr val="C00000"/>
+                </a:solidFill>
+              </a:rPr>
+              <a:t> Name </a:t>
+            </a:r>
+            <a:r>
+              <a:rPr lang="de-DE" sz="1400" dirty="0" err="1">
+                <a:solidFill>
+                  <a:srgbClr val="C00000"/>
+                </a:solidFill>
+              </a:rPr>
+              <a:t>of</a:t>
+            </a:r>
+            <a:r>
+              <a:rPr lang="de-DE" sz="1400" dirty="0">
+                <a:solidFill>
+                  <a:srgbClr val="C00000"/>
+                </a:solidFill>
+              </a:rPr>
+              <a:t> </a:t>
+            </a:r>
+            <a:r>
+              <a:rPr lang="de-DE" sz="1400" dirty="0" err="1">
+                <a:solidFill>
+                  <a:srgbClr val="C00000"/>
+                </a:solidFill>
+              </a:rPr>
+              <a:t>node</a:t>
+            </a:r>
+            <a:r>
+              <a:rPr lang="de-DE" sz="1400" dirty="0">
+                <a:solidFill>
+                  <a:srgbClr val="C00000"/>
+                </a:solidFill>
+              </a:rPr>
+              <a:t> </a:t>
+            </a:r>
+            <a:r>
+              <a:rPr lang="de-DE" sz="1400" dirty="0" err="1">
+                <a:solidFill>
+                  <a:srgbClr val="C00000"/>
+                </a:solidFill>
+              </a:rPr>
+              <a:t>inside</a:t>
+            </a:r>
+            <a:r>
+              <a:rPr lang="de-DE" sz="1400" dirty="0">
+                <a:solidFill>
+                  <a:srgbClr val="C00000"/>
+                </a:solidFill>
+              </a:rPr>
+              <a:t> </a:t>
+            </a:r>
+            <a:r>
+              <a:rPr lang="de-DE" sz="1400" dirty="0" err="1">
+                <a:solidFill>
+                  <a:srgbClr val="C00000"/>
+                </a:solidFill>
+              </a:rPr>
+              <a:t>tikzpicture</a:t>
+            </a:r>
+            <a:r>
+              <a:rPr lang="de-DE" sz="1400" dirty="0">
+                <a:solidFill>
+                  <a:srgbClr val="C00000"/>
+                </a:solidFill>
+              </a:rPr>
+              <a:t> </a:t>
+            </a:r>
+            <a:r>
+              <a:rPr lang="de-DE" sz="1400" dirty="0" err="1">
+                <a:solidFill>
+                  <a:srgbClr val="C00000"/>
+                </a:solidFill>
+              </a:rPr>
+              <a:t>environment</a:t>
+            </a:r>
+            <a:endParaRPr lang="de-DE" sz="1400" dirty="0">
+              <a:solidFill>
+                <a:srgbClr val="C00000"/>
+              </a:solidFill>
+            </a:endParaRPr>
+          </a:p>
+        </p:txBody>
+      </p:sp>
+      <p:cxnSp>
+        <p:nvCxnSpPr>
+          <p:cNvPr id="14" name="Gerade Verbindung mit Pfeil 13">
+            <a:extLst>
+              <a:ext uri="{FF2B5EF4-FFF2-40B4-BE49-F238E27FC236}">
+                <a16:creationId xmlns:a16="http://schemas.microsoft.com/office/drawing/2014/main" id="{D3C22919-EFED-4CDE-8E40-CA27F85F1100}"/>
+              </a:ext>
+            </a:extLst>
+          </p:cNvPr>
+          <p:cNvCxnSpPr>
+            <a:stCxn id="12" idx="2"/>
+            <a:endCxn id="7" idx="0"/>
+          </p:cNvCxnSpPr>
+          <p:nvPr/>
+        </p:nvCxnSpPr>
+        <p:spPr>
+          <a:xfrm flipH="1">
+            <a:off x="8061112" y="2885228"/>
+            <a:ext cx="829438" cy="359106"/>
+          </a:xfrm>
+          <a:prstGeom prst="straightConnector1">
+            <a:avLst/>
+          </a:prstGeom>
+          <a:ln>
+            <a:solidFill>
+              <a:srgbClr val="C00000"/>
+            </a:solidFill>
+            <a:tailEnd type="triangle"/>
+          </a:ln>
+        </p:spPr>
+        <p:style>
+          <a:lnRef idx="2">
+            <a:schemeClr val="accent1"/>
+          </a:lnRef>
+          <a:fillRef idx="0">
+            <a:schemeClr val="accent1"/>
+          </a:fillRef>
+          <a:effectRef idx="1">
+            <a:schemeClr val="accent1"/>
+          </a:effectRef>
+          <a:fontRef idx="minor">
+            <a:schemeClr val="tx1"/>
+          </a:fontRef>
+        </p:style>
+      </p:cxnSp>
+      <p:sp>
+        <p:nvSpPr>
+          <p:cNvPr id="15" name="Geschweifte Klammer links 14">
+            <a:extLst>
+              <a:ext uri="{FF2B5EF4-FFF2-40B4-BE49-F238E27FC236}">
+                <a16:creationId xmlns:a16="http://schemas.microsoft.com/office/drawing/2014/main" id="{F1E7D887-6B8E-4CBA-B1F6-C6C3140B92DF}"/>
               </a:ext>
             </a:extLst>
           </p:cNvPr>
@@ -5243,23 +11590,28 @@
           <p:nvPr/>
         </p:nvSpPr>
         <p:spPr>
-          <a:xfrm rot="5400000">
-            <a:off x="10629064" y="3028132"/>
-            <a:ext cx="133834" cy="1938637"/>
+          <a:xfrm>
+            <a:off x="4362994" y="387450"/>
+            <a:ext cx="110393" cy="709830"/>
           </a:xfrm>
-          <a:prstGeom prst="rightBrace">
+          <a:prstGeom prst="leftBrace">
             <a:avLst/>
           </a:prstGeom>
+          <a:ln>
+            <a:solidFill>
+              <a:srgbClr val="C00000"/>
+            </a:solidFill>
+          </a:ln>
         </p:spPr>
         <p:style>
           <a:lnRef idx="2">
-            <a:schemeClr val="dk1"/>
+            <a:schemeClr val="accent1"/>
           </a:lnRef>
           <a:fillRef idx="0">
-            <a:schemeClr val="dk1"/>
+            <a:schemeClr val="accent1"/>
           </a:fillRef>
           <a:effectRef idx="1">
-            <a:schemeClr val="dk1"/>
+            <a:schemeClr val="accent1"/>
           </a:effectRef>
           <a:fontRef idx="minor">
             <a:schemeClr val="tx1"/>
@@ -5274,10 +11626,169 @@
           </a:p>
         </p:txBody>
       </p:sp>
+      <p:sp>
+        <p:nvSpPr>
+          <p:cNvPr id="16" name="Textfeld 15">
+            <a:extLst>
+              <a:ext uri="{FF2B5EF4-FFF2-40B4-BE49-F238E27FC236}">
+                <a16:creationId xmlns:a16="http://schemas.microsoft.com/office/drawing/2014/main" id="{B8B201BC-658C-4000-8FA5-05F9683090CB}"/>
+              </a:ext>
+            </a:extLst>
+          </p:cNvPr>
+          <p:cNvSpPr txBox="1"/>
+          <p:nvPr/>
+        </p:nvSpPr>
+        <p:spPr>
+          <a:xfrm>
+            <a:off x="2140506" y="438779"/>
+            <a:ext cx="2431495" cy="523220"/>
+          </a:xfrm>
+          <a:prstGeom prst="rect">
+            <a:avLst/>
+          </a:prstGeom>
+          <a:noFill/>
+        </p:spPr>
+        <p:txBody>
+          <a:bodyPr wrap="square" rtlCol="0">
+            <a:spAutoFit/>
+          </a:bodyPr>
+          <a:lstStyle/>
+          <a:p>
+            <a:r>
+              <a:rPr lang="de-DE" sz="1400" dirty="0" err="1">
+                <a:solidFill>
+                  <a:srgbClr val="C00000"/>
+                </a:solidFill>
+              </a:rPr>
+              <a:t>TikZ</a:t>
+            </a:r>
+            <a:r>
+              <a:rPr lang="de-DE" sz="1400" dirty="0">
+                <a:solidFill>
+                  <a:srgbClr val="C00000"/>
+                </a:solidFill>
+              </a:rPr>
+              <a:t> </a:t>
+            </a:r>
+            <a:r>
+              <a:rPr lang="de-DE" sz="1400" dirty="0" err="1">
+                <a:solidFill>
+                  <a:srgbClr val="C00000"/>
+                </a:solidFill>
+              </a:rPr>
+              <a:t>styles</a:t>
+            </a:r>
+            <a:r>
+              <a:rPr lang="de-DE" sz="1400" dirty="0">
+                <a:solidFill>
+                  <a:srgbClr val="C00000"/>
+                </a:solidFill>
+              </a:rPr>
+              <a:t> </a:t>
+            </a:r>
+            <a:r>
+              <a:rPr lang="de-DE" sz="1400" dirty="0" err="1">
+                <a:solidFill>
+                  <a:srgbClr val="C00000"/>
+                </a:solidFill>
+              </a:rPr>
+              <a:t>preamble</a:t>
+            </a:r>
+            <a:r>
+              <a:rPr lang="de-DE" sz="1400" dirty="0">
+                <a:solidFill>
+                  <a:srgbClr val="C00000"/>
+                </a:solidFill>
+              </a:rPr>
+              <a:t> (</a:t>
+            </a:r>
+            <a:r>
+              <a:rPr lang="de-DE" sz="1400" dirty="0" err="1">
+                <a:solidFill>
+                  <a:srgbClr val="C00000"/>
+                </a:solidFill>
+              </a:rPr>
+              <a:t>local</a:t>
+            </a:r>
+            <a:r>
+              <a:rPr lang="de-DE" sz="1400" dirty="0">
+                <a:solidFill>
+                  <a:srgbClr val="C00000"/>
+                </a:solidFill>
+              </a:rPr>
+              <a:t> </a:t>
+            </a:r>
+            <a:r>
+              <a:rPr lang="de-DE" sz="1400" dirty="0" err="1">
+                <a:solidFill>
+                  <a:srgbClr val="C00000"/>
+                </a:solidFill>
+              </a:rPr>
+              <a:t>to</a:t>
+            </a:r>
+            <a:r>
+              <a:rPr lang="de-DE" sz="1400" dirty="0">
+                <a:solidFill>
+                  <a:srgbClr val="C00000"/>
+                </a:solidFill>
+              </a:rPr>
+              <a:t> </a:t>
+            </a:r>
+            <a:r>
+              <a:rPr lang="de-DE" sz="1400" dirty="0" err="1">
+                <a:solidFill>
+                  <a:srgbClr val="C00000"/>
+                </a:solidFill>
+              </a:rPr>
+              <a:t>each</a:t>
+            </a:r>
+            <a:r>
+              <a:rPr lang="de-DE" sz="1400" dirty="0">
+                <a:solidFill>
+                  <a:srgbClr val="C00000"/>
+                </a:solidFill>
+              </a:rPr>
+              <a:t> </a:t>
+            </a:r>
+            <a:r>
+              <a:rPr lang="de-DE" sz="1400" dirty="0" err="1">
+                <a:solidFill>
+                  <a:srgbClr val="C00000"/>
+                </a:solidFill>
+              </a:rPr>
+              <a:t>tikzpicture</a:t>
+            </a:r>
+            <a:r>
+              <a:rPr lang="de-DE" sz="1400" dirty="0">
+                <a:solidFill>
+                  <a:srgbClr val="C00000"/>
+                </a:solidFill>
+              </a:rPr>
+              <a:t> </a:t>
+            </a:r>
+            <a:r>
+              <a:rPr lang="de-DE" sz="1400" dirty="0" err="1">
+                <a:solidFill>
+                  <a:srgbClr val="C00000"/>
+                </a:solidFill>
+              </a:rPr>
+              <a:t>graphic</a:t>
+            </a:r>
+            <a:r>
+              <a:rPr lang="de-DE" sz="1400" dirty="0">
+                <a:solidFill>
+                  <a:srgbClr val="C00000"/>
+                </a:solidFill>
+              </a:rPr>
+              <a:t>)</a:t>
+            </a:r>
+          </a:p>
+        </p:txBody>
+      </p:sp>
     </p:spTree>
     <p:extLst>
       <p:ext uri="{BB962C8B-B14F-4D97-AF65-F5344CB8AC3E}">
-        <p14:creationId xmlns:p14="http://schemas.microsoft.com/office/powerpoint/2010/main" val="3434000416"/>
+        <p14:creationId xmlns:p14="http://schemas.microsoft.com/office/powerpoint/2010/main" val="1997645358"/>
       </p:ext>
     </p:extLst>
   </p:cSld>
